--- a/pres-source/03-cloud-computing-theory.pptx
+++ b/pres-source/03-cloud-computing-theory.pptx
@@ -5,12 +5,42 @@
     <p:sldMasterId id="2147483648" r:id="rId1"/>
   </p:sldMasterIdLst>
   <p:notesMasterIdLst>
-    <p:notesMasterId r:id="rId5"/>
+    <p:notesMasterId r:id="rId35"/>
   </p:notesMasterIdLst>
   <p:sldIdLst>
     <p:sldId id="256" r:id="rId2"/>
     <p:sldId id="257" r:id="rId3"/>
     <p:sldId id="258" r:id="rId4"/>
+    <p:sldId id="259" r:id="rId5"/>
+    <p:sldId id="260" r:id="rId6"/>
+    <p:sldId id="261" r:id="rId7"/>
+    <p:sldId id="262" r:id="rId8"/>
+    <p:sldId id="263" r:id="rId9"/>
+    <p:sldId id="264" r:id="rId10"/>
+    <p:sldId id="286" r:id="rId11"/>
+    <p:sldId id="288" r:id="rId12"/>
+    <p:sldId id="287" r:id="rId13"/>
+    <p:sldId id="265" r:id="rId14"/>
+    <p:sldId id="268" r:id="rId15"/>
+    <p:sldId id="274" r:id="rId16"/>
+    <p:sldId id="271" r:id="rId17"/>
+    <p:sldId id="272" r:id="rId18"/>
+    <p:sldId id="273" r:id="rId19"/>
+    <p:sldId id="266" r:id="rId20"/>
+    <p:sldId id="267" r:id="rId21"/>
+    <p:sldId id="269" r:id="rId22"/>
+    <p:sldId id="270" r:id="rId23"/>
+    <p:sldId id="275" r:id="rId24"/>
+    <p:sldId id="276" r:id="rId25"/>
+    <p:sldId id="277" r:id="rId26"/>
+    <p:sldId id="278" r:id="rId27"/>
+    <p:sldId id="279" r:id="rId28"/>
+    <p:sldId id="280" r:id="rId29"/>
+    <p:sldId id="281" r:id="rId30"/>
+    <p:sldId id="283" r:id="rId31"/>
+    <p:sldId id="284" r:id="rId32"/>
+    <p:sldId id="289" r:id="rId33"/>
+    <p:sldId id="290" r:id="rId34"/>
   </p:sldIdLst>
   <p:sldSz cx="9144000" cy="6858000" type="screen4x3"/>
   <p:notesSz cx="6858000" cy="9144000"/>
@@ -199,7 +229,7 @@
             <a:fld id="{7307762F-A706-E543-A832-3C298AA3103F}" type="datetimeFigureOut">
               <a:rPr lang="en-US" smtClean="0"/>
               <a:pPr/>
-              <a:t>03/09/15</a:t>
+              <a:t>10/11/15</a:t>
             </a:fld>
             <a:endParaRPr lang="en-US" dirty="0"/>
           </a:p>
@@ -472,6 +502,240 @@
 </p:notesMaster>
 </file>
 
+<file path=ppt/notesSlides/notesSlide1.xml><?xml version="1.0" encoding="utf-8"?>
+<p:notes xmlns:a="http://schemas.openxmlformats.org/drawingml/2006/main" xmlns:r="http://schemas.openxmlformats.org/officeDocument/2006/relationships" xmlns:p="http://schemas.openxmlformats.org/presentationml/2006/main">
+  <p:cSld>
+    <p:bg>
+      <p:bgPr>
+        <a:solidFill>
+          <a:srgbClr val="FFFFFF"/>
+        </a:solidFill>
+        <a:effectLst/>
+      </p:bgPr>
+    </p:bg>
+    <p:spTree>
+      <p:nvGrpSpPr>
+        <p:cNvPr id="1" name=""/>
+        <p:cNvGrpSpPr/>
+        <p:nvPr/>
+      </p:nvGrpSpPr>
+      <p:grpSpPr>
+        <a:xfrm>
+          <a:off x="0" y="0"/>
+          <a:ext cx="0" cy="0"/>
+          <a:chOff x="0" y="0"/>
+          <a:chExt cx="0" cy="0"/>
+        </a:xfrm>
+      </p:grpSpPr>
+      <p:sp>
+        <p:nvSpPr>
+          <p:cNvPr id="7" name="Rectangle 7"/>
+          <p:cNvSpPr>
+            <a:spLocks noGrp="1" noChangeArrowheads="1"/>
+          </p:cNvSpPr>
+          <p:nvPr>
+            <p:ph type="sldNum" sz="quarter" idx="5"/>
+          </p:nvPr>
+        </p:nvSpPr>
+        <p:spPr>
+          <a:ln/>
+        </p:spPr>
+        <p:txBody>
+          <a:bodyPr/>
+          <a:lstStyle/>
+          <a:p>
+            <a:fld id="{547A471C-48D1-7B44-95AC-9BC38E01C91C}" type="slidenum">
+              <a:rPr lang="en-GB"/>
+              <a:pPr/>
+              <a:t>10</a:t>
+            </a:fld>
+            <a:endParaRPr lang="en-GB"/>
+          </a:p>
+        </p:txBody>
+      </p:sp>
+      <p:sp>
+        <p:nvSpPr>
+          <p:cNvPr id="111618" name="Text Box 2"/>
+          <p:cNvSpPr txBox="1">
+            <a:spLocks noChangeArrowheads="1" noTextEdit="1"/>
+          </p:cNvSpPr>
+          <p:nvPr>
+            <p:ph type="sldImg"/>
+          </p:nvPr>
+        </p:nvSpPr>
+        <p:spPr>
+          <a:xfrm>
+            <a:off x="1143000" y="693738"/>
+            <a:ext cx="4572000" cy="3429000"/>
+          </a:xfrm>
+          <a:ln/>
+          <a:extLst>
+            <a:ext uri="{FAA26D3D-D897-4be2-8F04-BA451C77F1D7}">
+              <ma14:placeholderFlag xmlns:ma14="http://schemas.microsoft.com/office/mac/drawingml/2011/main" val="1"/>
+            </a:ext>
+          </a:extLst>
+        </p:spPr>
+      </p:sp>
+      <p:sp>
+        <p:nvSpPr>
+          <p:cNvPr id="111619" name="Text Box 3"/>
+          <p:cNvSpPr txBox="1">
+            <a:spLocks noChangeArrowheads="1"/>
+          </p:cNvSpPr>
+          <p:nvPr>
+            <p:ph type="body" idx="1"/>
+          </p:nvPr>
+        </p:nvSpPr>
+        <p:spPr>
+          <a:xfrm>
+            <a:off x="685800" y="4341813"/>
+            <a:ext cx="5487988" cy="4114800"/>
+          </a:xfrm>
+          <a:ln/>
+          <a:extLst>
+            <a:ext uri="{91240B29-F687-4f45-9708-019B960494DF}">
+              <a14:hiddenLine xmlns:a14="http://schemas.microsoft.com/office/drawing/2010/main" w="9525">
+                <a:solidFill>
+                  <a:srgbClr val="000000"/>
+                </a:solidFill>
+                <a:round/>
+                <a:headEnd/>
+                <a:tailEnd/>
+              </a14:hiddenLine>
+            </a:ext>
+          </a:extLst>
+        </p:spPr>
+        <p:txBody>
+          <a:bodyPr wrap="none" anchor="ctr"/>
+          <a:lstStyle>
+            <a:lvl1pPr defTabSz="457200">
+              <a:defRPr sz="1200">
+                <a:solidFill>
+                  <a:schemeClr val="tx1"/>
+                </a:solidFill>
+                <a:latin typeface="Arial" charset="0"/>
+                <a:ea typeface="ＭＳ Ｐゴシック" charset="0"/>
+                <a:cs typeface="Arial" charset="0"/>
+              </a:defRPr>
+            </a:lvl1pPr>
+            <a:lvl2pPr marL="742950" indent="-285750" defTabSz="457200">
+              <a:defRPr sz="1200">
+                <a:solidFill>
+                  <a:schemeClr val="tx1"/>
+                </a:solidFill>
+                <a:latin typeface="Arial" charset="0"/>
+                <a:ea typeface="Arial" charset="0"/>
+                <a:cs typeface="Arial" charset="0"/>
+              </a:defRPr>
+            </a:lvl2pPr>
+            <a:lvl3pPr marL="1143000" indent="-228600" defTabSz="457200">
+              <a:defRPr sz="1200">
+                <a:solidFill>
+                  <a:schemeClr val="tx1"/>
+                </a:solidFill>
+                <a:latin typeface="Arial" charset="0"/>
+                <a:ea typeface="Arial" charset="0"/>
+                <a:cs typeface="Arial" charset="0"/>
+              </a:defRPr>
+            </a:lvl3pPr>
+            <a:lvl4pPr marL="1600200" indent="-228600" defTabSz="457200">
+              <a:defRPr sz="1200">
+                <a:solidFill>
+                  <a:schemeClr val="tx1"/>
+                </a:solidFill>
+                <a:latin typeface="Arial" charset="0"/>
+                <a:ea typeface="Arial" charset="0"/>
+                <a:cs typeface="Arial" charset="0"/>
+              </a:defRPr>
+            </a:lvl4pPr>
+            <a:lvl5pPr marL="2057400" indent="-228600" defTabSz="457200">
+              <a:defRPr sz="1200">
+                <a:solidFill>
+                  <a:schemeClr val="tx1"/>
+                </a:solidFill>
+                <a:latin typeface="Arial" charset="0"/>
+                <a:ea typeface="Arial" charset="0"/>
+                <a:cs typeface="Arial" charset="0"/>
+              </a:defRPr>
+            </a:lvl5pPr>
+            <a:lvl6pPr marL="2514600" indent="-228600" fontAlgn="base">
+              <a:spcBef>
+                <a:spcPct val="30000"/>
+              </a:spcBef>
+              <a:spcAft>
+                <a:spcPct val="0"/>
+              </a:spcAft>
+              <a:defRPr sz="1200">
+                <a:solidFill>
+                  <a:schemeClr val="tx1"/>
+                </a:solidFill>
+                <a:latin typeface="Arial" charset="0"/>
+                <a:ea typeface="Arial" charset="0"/>
+                <a:cs typeface="Arial" charset="0"/>
+              </a:defRPr>
+            </a:lvl6pPr>
+            <a:lvl7pPr marL="2971800" indent="-228600" fontAlgn="base">
+              <a:spcBef>
+                <a:spcPct val="30000"/>
+              </a:spcBef>
+              <a:spcAft>
+                <a:spcPct val="0"/>
+              </a:spcAft>
+              <a:defRPr sz="1200">
+                <a:solidFill>
+                  <a:schemeClr val="tx1"/>
+                </a:solidFill>
+                <a:latin typeface="Arial" charset="0"/>
+                <a:ea typeface="Arial" charset="0"/>
+                <a:cs typeface="Arial" charset="0"/>
+              </a:defRPr>
+            </a:lvl7pPr>
+            <a:lvl8pPr marL="3429000" indent="-228600" fontAlgn="base">
+              <a:spcBef>
+                <a:spcPct val="30000"/>
+              </a:spcBef>
+              <a:spcAft>
+                <a:spcPct val="0"/>
+              </a:spcAft>
+              <a:defRPr sz="1200">
+                <a:solidFill>
+                  <a:schemeClr val="tx1"/>
+                </a:solidFill>
+                <a:latin typeface="Arial" charset="0"/>
+                <a:ea typeface="Arial" charset="0"/>
+                <a:cs typeface="Arial" charset="0"/>
+              </a:defRPr>
+            </a:lvl8pPr>
+            <a:lvl9pPr marL="3886200" indent="-228600" fontAlgn="base">
+              <a:spcBef>
+                <a:spcPct val="30000"/>
+              </a:spcBef>
+              <a:spcAft>
+                <a:spcPct val="0"/>
+              </a:spcAft>
+              <a:defRPr sz="1200">
+                <a:solidFill>
+                  <a:schemeClr val="tx1"/>
+                </a:solidFill>
+                <a:latin typeface="Arial" charset="0"/>
+                <a:ea typeface="Arial" charset="0"/>
+                <a:cs typeface="Arial" charset="0"/>
+              </a:defRPr>
+            </a:lvl9pPr>
+          </a:lstStyle>
+          <a:p>
+            <a:endParaRPr lang="en-US"/>
+          </a:p>
+        </p:txBody>
+      </p:sp>
+    </p:spTree>
+  </p:cSld>
+  <p:clrMapOvr>
+    <a:masterClrMapping/>
+  </p:clrMapOvr>
+</p:notes>
+</file>
+
 <file path=ppt/slideLayouts/slideLayout1.xml><?xml version="1.0" encoding="utf-8"?>
 <p:sldLayout xmlns:a="http://schemas.openxmlformats.org/drawingml/2006/main" xmlns:r="http://schemas.openxmlformats.org/officeDocument/2006/relationships" xmlns:p="http://schemas.openxmlformats.org/presentationml/2006/main" type="title" preserve="1">
   <p:cSld name="Title Slide">
@@ -766,7 +1030,7 @@
           <a:p>
             <a:fld id="{875CF0EB-321F-0749-B37A-89BBA859503C}" type="datetimeFigureOut">
               <a:rPr lang="en-US" smtClean="0"/>
-              <a:t>03/09/15</a:t>
+              <a:t>10/11/15</a:t>
             </a:fld>
             <a:endParaRPr lang="en-US"/>
           </a:p>
@@ -970,7 +1234,7 @@
           <a:p>
             <a:fld id="{875CF0EB-321F-0749-B37A-89BBA859503C}" type="datetimeFigureOut">
               <a:rPr lang="en-US" smtClean="0"/>
-              <a:t>03/09/15</a:t>
+              <a:t>10/11/15</a:t>
             </a:fld>
             <a:endParaRPr lang="en-US"/>
           </a:p>
@@ -1164,7 +1428,7 @@
           <a:p>
             <a:fld id="{875CF0EB-321F-0749-B37A-89BBA859503C}" type="datetimeFigureOut">
               <a:rPr lang="en-US" smtClean="0"/>
-              <a:t>03/09/15</a:t>
+              <a:t>10/11/15</a:t>
             </a:fld>
             <a:endParaRPr lang="en-US"/>
           </a:p>
@@ -1434,7 +1698,7 @@
           <a:p>
             <a:fld id="{875CF0EB-321F-0749-B37A-89BBA859503C}" type="datetimeFigureOut">
               <a:rPr lang="en-US" smtClean="0"/>
-              <a:t>03/09/15</a:t>
+              <a:t>10/11/15</a:t>
             </a:fld>
             <a:endParaRPr lang="en-US"/>
           </a:p>
@@ -1746,7 +2010,7 @@
           <a:p>
             <a:fld id="{875CF0EB-321F-0749-B37A-89BBA859503C}" type="datetimeFigureOut">
               <a:rPr lang="en-US" smtClean="0"/>
-              <a:t>03/09/15</a:t>
+              <a:t>10/11/15</a:t>
             </a:fld>
             <a:endParaRPr lang="en-US"/>
           </a:p>
@@ -2192,7 +2456,7 @@
           <a:p>
             <a:fld id="{875CF0EB-321F-0749-B37A-89BBA859503C}" type="datetimeFigureOut">
               <a:rPr lang="en-US" smtClean="0"/>
-              <a:t>03/09/15</a:t>
+              <a:t>10/11/15</a:t>
             </a:fld>
             <a:endParaRPr lang="en-US"/>
           </a:p>
@@ -2334,7 +2598,7 @@
           <a:p>
             <a:fld id="{875CF0EB-321F-0749-B37A-89BBA859503C}" type="datetimeFigureOut">
               <a:rPr lang="en-US" smtClean="0"/>
-              <a:t>03/09/15</a:t>
+              <a:t>10/11/15</a:t>
             </a:fld>
             <a:endParaRPr lang="en-US"/>
           </a:p>
@@ -2453,7 +2717,7 @@
           <a:p>
             <a:fld id="{875CF0EB-321F-0749-B37A-89BBA859503C}" type="datetimeFigureOut">
               <a:rPr lang="en-US" smtClean="0"/>
-              <a:t>03/09/15</a:t>
+              <a:t>10/11/15</a:t>
             </a:fld>
             <a:endParaRPr lang="en-US"/>
           </a:p>
@@ -2754,7 +3018,7 @@
           <a:p>
             <a:fld id="{875CF0EB-321F-0749-B37A-89BBA859503C}" type="datetimeFigureOut">
               <a:rPr lang="en-US" smtClean="0"/>
-              <a:t>03/09/15</a:t>
+              <a:t>10/11/15</a:t>
             </a:fld>
             <a:endParaRPr lang="en-US"/>
           </a:p>
@@ -3031,7 +3295,7 @@
           <a:p>
             <a:fld id="{875CF0EB-321F-0749-B37A-89BBA859503C}" type="datetimeFigureOut">
               <a:rPr lang="en-US" smtClean="0"/>
-              <a:t>03/09/15</a:t>
+              <a:t>10/11/15</a:t>
             </a:fld>
             <a:endParaRPr lang="en-US"/>
           </a:p>
@@ -3882,7 +4146,27 @@
                 <a:ea typeface="ヒラギノ角ゴ ProN W3" charset="0"/>
                 <a:cs typeface="ヒラギノ角ゴ ProN W3" charset="0"/>
               </a:rPr>
-              <a:t>Cloud Computing Theory</a:t>
+              <a:t>Cloud </a:t>
+            </a:r>
+            <a:r>
+              <a:rPr lang="en-US" dirty="0" smtClean="0">
+                <a:ea typeface="ヒラギノ角ゴ ProN W3" charset="0"/>
+                <a:cs typeface="ヒラギノ角ゴ ProN W3" charset="0"/>
+              </a:rPr>
+              <a:t>Computing</a:t>
+            </a:r>
+            <a:br>
+              <a:rPr lang="en-US" dirty="0" smtClean="0">
+                <a:ea typeface="ヒラギノ角ゴ ProN W3" charset="0"/>
+                <a:cs typeface="ヒラギノ角ゴ ProN W3" charset="0"/>
+              </a:rPr>
+            </a:br>
+            <a:r>
+              <a:rPr lang="en-US" dirty="0" smtClean="0">
+                <a:ea typeface="ヒラギノ角ゴ ProN W3" charset="0"/>
+                <a:cs typeface="ヒラギノ角ゴ ProN W3" charset="0"/>
+              </a:rPr>
+              <a:t>Background</a:t>
             </a:r>
             <a:endParaRPr lang="en-US" dirty="0">
               <a:ea typeface="ヒラギノ角ゴ ProN W3" charset="0"/>
@@ -4003,6 +4287,3160 @@
 </p:sld>
 </file>
 
+<file path=ppt/slides/slide10.xml><?xml version="1.0" encoding="utf-8"?>
+<p:sld xmlns:a="http://schemas.openxmlformats.org/drawingml/2006/main" xmlns:r="http://schemas.openxmlformats.org/officeDocument/2006/relationships" xmlns:p="http://schemas.openxmlformats.org/presentationml/2006/main">
+  <p:cSld>
+    <p:spTree>
+      <p:nvGrpSpPr>
+        <p:cNvPr id="1" name=""/>
+        <p:cNvGrpSpPr/>
+        <p:nvPr/>
+      </p:nvGrpSpPr>
+      <p:grpSpPr>
+        <a:xfrm>
+          <a:off x="0" y="0"/>
+          <a:ext cx="0" cy="0"/>
+          <a:chOff x="0" y="0"/>
+          <a:chExt cx="0" cy="0"/>
+        </a:xfrm>
+      </p:grpSpPr>
+      <p:sp>
+        <p:nvSpPr>
+          <p:cNvPr id="110594" name="Rectangle 2"/>
+          <p:cNvSpPr>
+            <a:spLocks noGrp="1"/>
+          </p:cNvSpPr>
+          <p:nvPr>
+            <p:ph type="title"/>
+          </p:nvPr>
+        </p:nvSpPr>
+        <p:spPr>
+          <a:ln/>
+          <a:extLst>
+            <a:ext uri="{91240B29-F687-4f45-9708-019B960494DF}">
+              <a14:hiddenLine xmlns:a14="http://schemas.microsoft.com/office/drawing/2010/main" w="9525">
+                <a:solidFill>
+                  <a:srgbClr val="000000"/>
+                </a:solidFill>
+                <a:round/>
+                <a:headEnd/>
+                <a:tailEnd/>
+              </a14:hiddenLine>
+            </a:ext>
+            <a:ext uri="{AF507438-7753-43e0-B8FC-AC1667EBCBE1}">
+              <a14:hiddenEffects xmlns:a14="http://schemas.microsoft.com/office/drawing/2010/main">
+                <a:effectLst>
+                  <a:outerShdw blurRad="63500" dist="38099" dir="2700000" algn="ctr" rotWithShape="0">
+                    <a:srgbClr val="000000">
+                      <a:alpha val="74998"/>
+                    </a:srgbClr>
+                  </a:outerShdw>
+                </a:effectLst>
+              </a14:hiddenEffects>
+            </a:ext>
+          </a:extLst>
+        </p:spPr>
+        <p:txBody>
+          <a:bodyPr lIns="0" tIns="35203" rIns="0" bIns="0"/>
+          <a:lstStyle/>
+          <a:p>
+            <a:pPr defTabSz="457200">
+              <a:tabLst>
+                <a:tab pos="723900" algn="l"/>
+                <a:tab pos="1447800" algn="l"/>
+                <a:tab pos="2171700" algn="l"/>
+                <a:tab pos="2895600" algn="l"/>
+                <a:tab pos="3619500" algn="l"/>
+                <a:tab pos="4343400" algn="l"/>
+                <a:tab pos="5067300" algn="l"/>
+                <a:tab pos="5791200" algn="l"/>
+                <a:tab pos="6515100" algn="l"/>
+                <a:tab pos="7239000" algn="l"/>
+                <a:tab pos="7962900" algn="l"/>
+                <a:tab pos="8686800" algn="l"/>
+              </a:tabLst>
+            </a:pPr>
+            <a:r>
+              <a:rPr lang="en-US" b="0" dirty="0"/>
+              <a:t> What </a:t>
+            </a:r>
+            <a:r>
+              <a:rPr lang="en-US" b="0" dirty="0" smtClean="0"/>
+              <a:t>is Multi</a:t>
+            </a:r>
+            <a:r>
+              <a:rPr lang="en-US" b="0" dirty="0"/>
+              <a:t>-tenancy ?</a:t>
+            </a:r>
+          </a:p>
+        </p:txBody>
+      </p:sp>
+      <p:sp>
+        <p:nvSpPr>
+          <p:cNvPr id="110595" name="Rectangle 3"/>
+          <p:cNvSpPr>
+            <a:spLocks noGrp="1"/>
+          </p:cNvSpPr>
+          <p:nvPr>
+            <p:ph type="body" idx="4294967295"/>
+          </p:nvPr>
+        </p:nvSpPr>
+        <p:spPr>
+          <a:xfrm>
+            <a:off x="665163" y="4783138"/>
+            <a:ext cx="8228012" cy="2074862"/>
+          </a:xfrm>
+          <a:ln/>
+          <a:extLst>
+            <a:ext uri="{91240B29-F687-4f45-9708-019B960494DF}">
+              <a14:hiddenLine xmlns:a14="http://schemas.microsoft.com/office/drawing/2010/main" w="9525">
+                <a:solidFill>
+                  <a:srgbClr val="000000"/>
+                </a:solidFill>
+                <a:round/>
+                <a:headEnd/>
+                <a:tailEnd/>
+              </a14:hiddenLine>
+            </a:ext>
+            <a:ext uri="{AF507438-7753-43e0-B8FC-AC1667EBCBE1}">
+              <a14:hiddenEffects xmlns:a14="http://schemas.microsoft.com/office/drawing/2010/main">
+                <a:effectLst>
+                  <a:outerShdw blurRad="63500" dist="38099" dir="2700000" algn="ctr" rotWithShape="0">
+                    <a:srgbClr val="000000">
+                      <a:alpha val="74998"/>
+                    </a:srgbClr>
+                  </a:outerShdw>
+                </a:effectLst>
+              </a14:hiddenEffects>
+            </a:ext>
+          </a:extLst>
+        </p:spPr>
+        <p:txBody>
+          <a:bodyPr lIns="0" tIns="25602" rIns="0" bIns="0">
+            <a:normAutofit/>
+          </a:bodyPr>
+          <a:lstStyle/>
+          <a:p>
+            <a:pPr marL="431800" indent="-323850" defTabSz="457200">
+              <a:buSzPct val="45000"/>
+              <a:buFont typeface="Wingdings" charset="0"/>
+              <a:buChar char=""/>
+              <a:tabLst>
+                <a:tab pos="723900" algn="l"/>
+                <a:tab pos="1447800" algn="l"/>
+                <a:tab pos="2171700" algn="l"/>
+                <a:tab pos="2895600" algn="l"/>
+                <a:tab pos="3619500" algn="l"/>
+                <a:tab pos="4343400" algn="l"/>
+                <a:tab pos="5067300" algn="l"/>
+                <a:tab pos="5791200" algn="l"/>
+                <a:tab pos="6515100" algn="l"/>
+                <a:tab pos="7239000" algn="l"/>
+                <a:tab pos="7962900" algn="l"/>
+                <a:tab pos="8686800" algn="l"/>
+              </a:tabLst>
+            </a:pPr>
+            <a:r>
+              <a:rPr lang="en-US" sz="2800" dirty="0"/>
+              <a:t>Many </a:t>
+            </a:r>
+            <a:r>
+              <a:rPr lang="en-US" sz="2800" dirty="0" smtClean="0"/>
+              <a:t>parties sharing the </a:t>
+            </a:r>
+            <a:r>
+              <a:rPr lang="en-US" sz="2800" dirty="0"/>
+              <a:t>same set of resources, while giving </a:t>
+            </a:r>
+            <a:r>
+              <a:rPr lang="en-US" sz="2800" dirty="0" smtClean="0"/>
+              <a:t>each their own </a:t>
+            </a:r>
+            <a:r>
+              <a:rPr lang="en-US" sz="2800" dirty="0"/>
+              <a:t>space</a:t>
+            </a:r>
+          </a:p>
+        </p:txBody>
+      </p:sp>
+      <p:pic>
+        <p:nvPicPr>
+          <p:cNvPr id="110596" name="Picture 4"/>
+          <p:cNvPicPr>
+            <a:picLocks noChangeAspect="1" noChangeArrowheads="1"/>
+          </p:cNvPicPr>
+          <p:nvPr/>
+        </p:nvPicPr>
+        <p:blipFill>
+          <a:blip r:embed="rId3">
+            <a:extLst>
+              <a:ext uri="{28A0092B-C50C-407E-A947-70E740481C1C}">
+                <a14:useLocalDpi xmlns:a14="http://schemas.microsoft.com/office/drawing/2010/main" val="0"/>
+              </a:ext>
+            </a:extLst>
+          </a:blip>
+          <a:srcRect/>
+          <a:stretch>
+            <a:fillRect/>
+          </a:stretch>
+        </p:blipFill>
+        <p:spPr bwMode="auto">
+          <a:xfrm>
+            <a:off x="1244600" y="1390650"/>
+            <a:ext cx="3109913" cy="3171825"/>
+          </a:xfrm>
+          <a:prstGeom prst="rect">
+            <a:avLst/>
+          </a:prstGeom>
+          <a:noFill/>
+          <a:ln>
+            <a:noFill/>
+          </a:ln>
+          <a:effectLst/>
+          <a:extLst>
+            <a:ext uri="{909E8E84-426E-40dd-AFC4-6F175D3DCCD1}">
+              <a14:hiddenFill xmlns:a14="http://schemas.microsoft.com/office/drawing/2010/main">
+                <a:blipFill dpi="0" rotWithShape="0">
+                  <a:blip/>
+                  <a:srcRect/>
+                  <a:stretch>
+                    <a:fillRect/>
+                  </a:stretch>
+                </a:blipFill>
+              </a14:hiddenFill>
+            </a:ext>
+            <a:ext uri="{91240B29-F687-4f45-9708-019B960494DF}">
+              <a14:hiddenLine xmlns:a14="http://schemas.microsoft.com/office/drawing/2010/main" w="9525">
+                <a:solidFill>
+                  <a:srgbClr val="000000"/>
+                </a:solidFill>
+                <a:round/>
+                <a:headEnd/>
+                <a:tailEnd/>
+              </a14:hiddenLine>
+            </a:ext>
+            <a:ext uri="{AF507438-7753-43e0-B8FC-AC1667EBCBE1}">
+              <a14:hiddenEffects xmlns:a14="http://schemas.microsoft.com/office/drawing/2010/main">
+                <a:effectLst>
+                  <a:outerShdw blurRad="63500" dist="38099" dir="2700000" algn="ctr" rotWithShape="0">
+                    <a:srgbClr val="000000">
+                      <a:alpha val="74998"/>
+                    </a:srgbClr>
+                  </a:outerShdw>
+                </a:effectLst>
+              </a14:hiddenEffects>
+            </a:ext>
+          </a:extLst>
+        </p:spPr>
+      </p:pic>
+      <p:pic>
+        <p:nvPicPr>
+          <p:cNvPr id="110597" name="Picture 5"/>
+          <p:cNvPicPr>
+            <a:picLocks noChangeAspect="1" noChangeArrowheads="1"/>
+          </p:cNvPicPr>
+          <p:nvPr/>
+        </p:nvPicPr>
+        <p:blipFill>
+          <a:blip r:embed="rId4">
+            <a:extLst>
+              <a:ext uri="{28A0092B-C50C-407E-A947-70E740481C1C}">
+                <a14:useLocalDpi xmlns:a14="http://schemas.microsoft.com/office/drawing/2010/main" val="0"/>
+              </a:ext>
+            </a:extLst>
+          </a:blip>
+          <a:srcRect/>
+          <a:stretch>
+            <a:fillRect/>
+          </a:stretch>
+        </p:blipFill>
+        <p:spPr bwMode="auto">
+          <a:xfrm>
+            <a:off x="4770555" y="2108864"/>
+            <a:ext cx="3560762" cy="2047875"/>
+          </a:xfrm>
+          <a:prstGeom prst="rect">
+            <a:avLst/>
+          </a:prstGeom>
+          <a:noFill/>
+          <a:ln>
+            <a:noFill/>
+          </a:ln>
+          <a:effectLst/>
+          <a:extLst>
+            <a:ext uri="{909E8E84-426E-40dd-AFC4-6F175D3DCCD1}">
+              <a14:hiddenFill xmlns:a14="http://schemas.microsoft.com/office/drawing/2010/main">
+                <a:blipFill dpi="0" rotWithShape="0">
+                  <a:blip/>
+                  <a:srcRect/>
+                  <a:stretch>
+                    <a:fillRect/>
+                  </a:stretch>
+                </a:blipFill>
+              </a14:hiddenFill>
+            </a:ext>
+            <a:ext uri="{91240B29-F687-4f45-9708-019B960494DF}">
+              <a14:hiddenLine xmlns:a14="http://schemas.microsoft.com/office/drawing/2010/main" w="9525">
+                <a:solidFill>
+                  <a:srgbClr val="000000"/>
+                </a:solidFill>
+                <a:round/>
+                <a:headEnd/>
+                <a:tailEnd/>
+              </a14:hiddenLine>
+            </a:ext>
+            <a:ext uri="{AF507438-7753-43e0-B8FC-AC1667EBCBE1}">
+              <a14:hiddenEffects xmlns:a14="http://schemas.microsoft.com/office/drawing/2010/main">
+                <a:effectLst>
+                  <a:outerShdw blurRad="63500" dist="38099" dir="2700000" algn="ctr" rotWithShape="0">
+                    <a:srgbClr val="000000">
+                      <a:alpha val="74998"/>
+                    </a:srgbClr>
+                  </a:outerShdw>
+                </a:effectLst>
+              </a14:hiddenEffects>
+            </a:ext>
+          </a:extLst>
+        </p:spPr>
+      </p:pic>
+    </p:spTree>
+    <p:extLst>
+      <p:ext uri="{BB962C8B-B14F-4D97-AF65-F5344CB8AC3E}">
+        <p14:creationId xmlns:p14="http://schemas.microsoft.com/office/powerpoint/2010/main" val="1655594046"/>
+      </p:ext>
+    </p:extLst>
+  </p:cSld>
+  <p:clrMapOvr>
+    <a:masterClrMapping/>
+  </p:clrMapOvr>
+  <p:transition xmlns:p14="http://schemas.microsoft.com/office/powerpoint/2010/main" spd="med"/>
+  <p:timing>
+    <p:tnLst>
+      <p:par>
+        <p:cTn xmlns:p14="http://schemas.microsoft.com/office/powerpoint/2010/main" id="1" dur="indefinite" nodeType="tmRoot">
+          <p:childTnLst>
+            <p:seq concurrent="1" nextAc="seek">
+              <p:cTn id="2" dur="0" nodeType="mainSeq"/>
+              <p:prevCondLst>
+                <p:cond evt="onPrev" delay="0">
+                  <p:tgtEl>
+                    <p:sldTgt/>
+                  </p:tgtEl>
+                </p:cond>
+              </p:prevCondLst>
+              <p:nextCondLst>
+                <p:cond evt="onNext" delay="0">
+                  <p:tgtEl>
+                    <p:sldTgt/>
+                  </p:tgtEl>
+                </p:cond>
+              </p:nextCondLst>
+            </p:seq>
+          </p:childTnLst>
+        </p:cTn>
+      </p:par>
+    </p:tnLst>
+  </p:timing>
+</p:sld>
+</file>
+
+<file path=ppt/slides/slide11.xml><?xml version="1.0" encoding="utf-8"?>
+<p:sld xmlns:a="http://schemas.openxmlformats.org/drawingml/2006/main" xmlns:r="http://schemas.openxmlformats.org/officeDocument/2006/relationships" xmlns:p="http://schemas.openxmlformats.org/presentationml/2006/main">
+  <p:cSld>
+    <p:spTree>
+      <p:nvGrpSpPr>
+        <p:cNvPr id="1" name=""/>
+        <p:cNvGrpSpPr/>
+        <p:nvPr/>
+      </p:nvGrpSpPr>
+      <p:grpSpPr>
+        <a:xfrm>
+          <a:off x="0" y="0"/>
+          <a:ext cx="0" cy="0"/>
+          <a:chOff x="0" y="0"/>
+          <a:chExt cx="0" cy="0"/>
+        </a:xfrm>
+      </p:grpSpPr>
+      <p:sp>
+        <p:nvSpPr>
+          <p:cNvPr id="38913" name="Title 1"/>
+          <p:cNvSpPr>
+            <a:spLocks noGrp="1"/>
+          </p:cNvSpPr>
+          <p:nvPr>
+            <p:ph type="title"/>
+          </p:nvPr>
+        </p:nvSpPr>
+        <p:spPr bwMode="auto">
+          <a:xfrm>
+            <a:off x="457200" y="274638"/>
+            <a:ext cx="8229600" cy="1143000"/>
+          </a:xfrm>
+          <a:noFill/>
+          <a:extLst>
+            <a:ext uri="{909E8E84-426E-40dd-AFC4-6F175D3DCCD1}">
+              <a14:hiddenFill xmlns:a14="http://schemas.microsoft.com/office/drawing/2010/main">
+                <a:solidFill>
+                  <a:srgbClr val="FFFFFF"/>
+                </a:solidFill>
+              </a14:hiddenFill>
+            </a:ext>
+            <a:ext uri="{91240B29-F687-4f45-9708-019B960494DF}">
+              <a14:hiddenLine xmlns:a14="http://schemas.microsoft.com/office/drawing/2010/main" w="9525">
+                <a:solidFill>
+                  <a:srgbClr val="000000"/>
+                </a:solidFill>
+                <a:miter lim="800000"/>
+                <a:headEnd/>
+                <a:tailEnd/>
+              </a14:hiddenLine>
+            </a:ext>
+          </a:extLst>
+        </p:spPr>
+        <p:txBody>
+          <a:bodyPr wrap="square" numCol="1" anchor="t" anchorCtr="0" compatLnSpc="1">
+            <a:prstTxWarp prst="textNoShape">
+              <a:avLst/>
+            </a:prstTxWarp>
+            <a:normAutofit/>
+          </a:bodyPr>
+          <a:lstStyle/>
+          <a:p>
+            <a:r>
+              <a:rPr lang="en-US" sz="3100" b="1" dirty="0" smtClean="0">
+                <a:solidFill>
+                  <a:schemeClr val="accent6">
+                    <a:lumMod val="75000"/>
+                  </a:schemeClr>
+                </a:solidFill>
+              </a:rPr>
+              <a:t>Multi-tenancy </a:t>
+            </a:r>
+            <a:r>
+              <a:rPr lang="en-US" sz="3100" b="1" dirty="0">
+                <a:solidFill>
+                  <a:schemeClr val="accent6">
+                    <a:lumMod val="75000"/>
+                  </a:schemeClr>
+                </a:solidFill>
+              </a:rPr>
+              <a:t>models</a:t>
+            </a:r>
+          </a:p>
+        </p:txBody>
+      </p:sp>
+      <p:grpSp>
+        <p:nvGrpSpPr>
+          <p:cNvPr id="38914" name="Group 18"/>
+          <p:cNvGrpSpPr>
+            <a:grpSpLocks/>
+          </p:cNvGrpSpPr>
+          <p:nvPr/>
+        </p:nvGrpSpPr>
+        <p:grpSpPr bwMode="auto">
+          <a:xfrm>
+            <a:off x="681038" y="1052513"/>
+            <a:ext cx="7359679" cy="5095796"/>
+            <a:chOff x="363743" y="1124744"/>
+            <a:chExt cx="7091210" cy="4909262"/>
+          </a:xfrm>
+        </p:grpSpPr>
+        <p:cxnSp>
+          <p:nvCxnSpPr>
+            <p:cNvPr id="5" name="Straight Arrow Connector 4"/>
+            <p:cNvCxnSpPr/>
+            <p:nvPr/>
+          </p:nvCxnSpPr>
+          <p:spPr bwMode="auto">
+            <a:xfrm flipV="1">
+              <a:off x="1116302" y="1124744"/>
+              <a:ext cx="0" cy="4464286"/>
+            </a:xfrm>
+            <a:prstGeom prst="straightConnector1">
+              <a:avLst/>
+            </a:prstGeom>
+            <a:ln>
+              <a:headEnd type="none" w="med" len="med"/>
+              <a:tailEnd type="arrow"/>
+            </a:ln>
+            <a:effectLst>
+              <a:outerShdw blurRad="76200" dir="13500000" sy="23000" kx="1200000" algn="br" rotWithShape="0">
+                <a:prstClr val="black">
+                  <a:alpha val="20000"/>
+                </a:prstClr>
+              </a:outerShdw>
+            </a:effectLst>
+            <a:extLst/>
+          </p:spPr>
+          <p:style>
+            <a:lnRef idx="3">
+              <a:schemeClr val="accent2"/>
+            </a:lnRef>
+            <a:fillRef idx="0">
+              <a:schemeClr val="accent2"/>
+            </a:fillRef>
+            <a:effectRef idx="2">
+              <a:schemeClr val="accent2"/>
+            </a:effectRef>
+            <a:fontRef idx="minor">
+              <a:schemeClr val="tx1"/>
+            </a:fontRef>
+          </p:style>
+        </p:cxnSp>
+        <p:cxnSp>
+          <p:nvCxnSpPr>
+            <p:cNvPr id="6" name="Straight Arrow Connector 5"/>
+            <p:cNvCxnSpPr/>
+            <p:nvPr/>
+          </p:nvCxnSpPr>
+          <p:spPr bwMode="auto">
+            <a:xfrm flipV="1">
+              <a:off x="1116302" y="5581383"/>
+              <a:ext cx="6327916" cy="7646"/>
+            </a:xfrm>
+            <a:prstGeom prst="straightConnector1">
+              <a:avLst/>
+            </a:prstGeom>
+            <a:ln>
+              <a:headEnd type="none" w="med" len="med"/>
+              <a:tailEnd type="arrow"/>
+            </a:ln>
+            <a:effectLst>
+              <a:outerShdw blurRad="76200" dir="13500000" sy="23000" kx="1200000" algn="br" rotWithShape="0">
+                <a:prstClr val="black">
+                  <a:alpha val="20000"/>
+                </a:prstClr>
+              </a:outerShdw>
+            </a:effectLst>
+            <a:extLst/>
+          </p:spPr>
+          <p:style>
+            <a:lnRef idx="3">
+              <a:schemeClr val="accent2"/>
+            </a:lnRef>
+            <a:fillRef idx="0">
+              <a:schemeClr val="accent2"/>
+            </a:fillRef>
+            <a:effectRef idx="2">
+              <a:schemeClr val="accent2"/>
+            </a:effectRef>
+            <a:fontRef idx="minor">
+              <a:schemeClr val="tx1"/>
+            </a:fontRef>
+          </p:style>
+        </p:cxnSp>
+        <p:sp>
+          <p:nvSpPr>
+            <p:cNvPr id="38918" name="TextBox 7"/>
+            <p:cNvSpPr txBox="1">
+              <a:spLocks noChangeArrowheads="1"/>
+            </p:cNvSpPr>
+            <p:nvPr/>
+          </p:nvSpPr>
+          <p:spPr bwMode="auto">
+            <a:xfrm rot="-5400000">
+              <a:off x="-26598" y="3182921"/>
+              <a:ext cx="1242347" cy="461665"/>
+            </a:xfrm>
+            <a:prstGeom prst="rect">
+              <a:avLst/>
+            </a:prstGeom>
+            <a:noFill/>
+            <a:ln>
+              <a:noFill/>
+            </a:ln>
+            <a:extLst>
+              <a:ext uri="{909E8E84-426E-40dd-AFC4-6F175D3DCCD1}">
+                <a14:hiddenFill xmlns:a14="http://schemas.microsoft.com/office/drawing/2010/main">
+                  <a:solidFill>
+                    <a:srgbClr val="FFFFFF"/>
+                  </a:solidFill>
+                </a14:hiddenFill>
+              </a:ext>
+              <a:ext uri="{91240B29-F687-4f45-9708-019B960494DF}">
+                <a14:hiddenLine xmlns:a14="http://schemas.microsoft.com/office/drawing/2010/main" w="9525">
+                  <a:solidFill>
+                    <a:srgbClr val="000000"/>
+                  </a:solidFill>
+                  <a:miter lim="800000"/>
+                  <a:headEnd/>
+                  <a:tailEnd/>
+                </a14:hiddenLine>
+              </a:ext>
+            </a:extLst>
+          </p:spPr>
+          <p:txBody>
+            <a:bodyPr wrap="none">
+              <a:spAutoFit/>
+            </a:bodyPr>
+            <a:lstStyle>
+              <a:lvl1pPr eaLnBrk="0" hangingPunct="0">
+                <a:defRPr sz="4300">
+                  <a:solidFill>
+                    <a:srgbClr val="000000"/>
+                  </a:solidFill>
+                  <a:latin typeface="Gill Sans" charset="0"/>
+                  <a:ea typeface="ヒラギノ角ゴ ProN W3" charset="0"/>
+                  <a:cs typeface="ヒラギノ角ゴ ProN W3" charset="0"/>
+                  <a:sym typeface="Gill Sans" charset="0"/>
+                </a:defRPr>
+              </a:lvl1pPr>
+              <a:lvl2pPr marL="742950" indent="-285750" eaLnBrk="0" hangingPunct="0">
+                <a:defRPr sz="4300">
+                  <a:solidFill>
+                    <a:srgbClr val="000000"/>
+                  </a:solidFill>
+                  <a:latin typeface="Gill Sans" charset="0"/>
+                  <a:ea typeface="ヒラギノ角ゴ ProN W3" charset="0"/>
+                  <a:cs typeface="ヒラギノ角ゴ ProN W3" charset="0"/>
+                  <a:sym typeface="Gill Sans" charset="0"/>
+                </a:defRPr>
+              </a:lvl2pPr>
+              <a:lvl3pPr marL="1143000" indent="-228600" eaLnBrk="0" hangingPunct="0">
+                <a:defRPr sz="4300">
+                  <a:solidFill>
+                    <a:srgbClr val="000000"/>
+                  </a:solidFill>
+                  <a:latin typeface="Gill Sans" charset="0"/>
+                  <a:ea typeface="ヒラギノ角ゴ ProN W3" charset="0"/>
+                  <a:cs typeface="ヒラギノ角ゴ ProN W3" charset="0"/>
+                  <a:sym typeface="Gill Sans" charset="0"/>
+                </a:defRPr>
+              </a:lvl3pPr>
+              <a:lvl4pPr marL="1600200" indent="-228600" eaLnBrk="0" hangingPunct="0">
+                <a:defRPr sz="4300">
+                  <a:solidFill>
+                    <a:srgbClr val="000000"/>
+                  </a:solidFill>
+                  <a:latin typeface="Gill Sans" charset="0"/>
+                  <a:ea typeface="ヒラギノ角ゴ ProN W3" charset="0"/>
+                  <a:cs typeface="ヒラギノ角ゴ ProN W3" charset="0"/>
+                  <a:sym typeface="Gill Sans" charset="0"/>
+                </a:defRPr>
+              </a:lvl4pPr>
+              <a:lvl5pPr marL="2057400" indent="-228600" eaLnBrk="0" hangingPunct="0">
+                <a:defRPr sz="4300">
+                  <a:solidFill>
+                    <a:srgbClr val="000000"/>
+                  </a:solidFill>
+                  <a:latin typeface="Gill Sans" charset="0"/>
+                  <a:ea typeface="ヒラギノ角ゴ ProN W3" charset="0"/>
+                  <a:cs typeface="ヒラギノ角ゴ ProN W3" charset="0"/>
+                  <a:sym typeface="Gill Sans" charset="0"/>
+                </a:defRPr>
+              </a:lvl5pPr>
+              <a:lvl6pPr marL="2514600" indent="-228600" algn="ctr" eaLnBrk="0" fontAlgn="base" hangingPunct="0">
+                <a:spcBef>
+                  <a:spcPct val="0"/>
+                </a:spcBef>
+                <a:spcAft>
+                  <a:spcPct val="0"/>
+                </a:spcAft>
+                <a:defRPr sz="4300">
+                  <a:solidFill>
+                    <a:srgbClr val="000000"/>
+                  </a:solidFill>
+                  <a:latin typeface="Gill Sans" charset="0"/>
+                  <a:ea typeface="ヒラギノ角ゴ ProN W3" charset="0"/>
+                  <a:cs typeface="ヒラギノ角ゴ ProN W3" charset="0"/>
+                  <a:sym typeface="Gill Sans" charset="0"/>
+                </a:defRPr>
+              </a:lvl6pPr>
+              <a:lvl7pPr marL="2971800" indent="-228600" algn="ctr" eaLnBrk="0" fontAlgn="base" hangingPunct="0">
+                <a:spcBef>
+                  <a:spcPct val="0"/>
+                </a:spcBef>
+                <a:spcAft>
+                  <a:spcPct val="0"/>
+                </a:spcAft>
+                <a:defRPr sz="4300">
+                  <a:solidFill>
+                    <a:srgbClr val="000000"/>
+                  </a:solidFill>
+                  <a:latin typeface="Gill Sans" charset="0"/>
+                  <a:ea typeface="ヒラギノ角ゴ ProN W3" charset="0"/>
+                  <a:cs typeface="ヒラギノ角ゴ ProN W3" charset="0"/>
+                  <a:sym typeface="Gill Sans" charset="0"/>
+                </a:defRPr>
+              </a:lvl7pPr>
+              <a:lvl8pPr marL="3429000" indent="-228600" algn="ctr" eaLnBrk="0" fontAlgn="base" hangingPunct="0">
+                <a:spcBef>
+                  <a:spcPct val="0"/>
+                </a:spcBef>
+                <a:spcAft>
+                  <a:spcPct val="0"/>
+                </a:spcAft>
+                <a:defRPr sz="4300">
+                  <a:solidFill>
+                    <a:srgbClr val="000000"/>
+                  </a:solidFill>
+                  <a:latin typeface="Gill Sans" charset="0"/>
+                  <a:ea typeface="ヒラギノ角ゴ ProN W3" charset="0"/>
+                  <a:cs typeface="ヒラギノ角ゴ ProN W3" charset="0"/>
+                  <a:sym typeface="Gill Sans" charset="0"/>
+                </a:defRPr>
+              </a:lvl8pPr>
+              <a:lvl9pPr marL="3886200" indent="-228600" algn="ctr" eaLnBrk="0" fontAlgn="base" hangingPunct="0">
+                <a:spcBef>
+                  <a:spcPct val="0"/>
+                </a:spcBef>
+                <a:spcAft>
+                  <a:spcPct val="0"/>
+                </a:spcAft>
+                <a:defRPr sz="4300">
+                  <a:solidFill>
+                    <a:srgbClr val="000000"/>
+                  </a:solidFill>
+                  <a:latin typeface="Gill Sans" charset="0"/>
+                  <a:ea typeface="ヒラギノ角ゴ ProN W3" charset="0"/>
+                  <a:cs typeface="ヒラギノ角ゴ ProN W3" charset="0"/>
+                  <a:sym typeface="Gill Sans" charset="0"/>
+                </a:defRPr>
+              </a:lvl9pPr>
+            </a:lstStyle>
+            <a:p>
+              <a:pPr eaLnBrk="1" hangingPunct="1"/>
+              <a:r>
+                <a:rPr lang="en-US" sz="2400"/>
+                <a:t>Isolation</a:t>
+              </a:r>
+            </a:p>
+          </p:txBody>
+        </p:sp>
+        <p:sp>
+          <p:nvSpPr>
+            <p:cNvPr id="38919" name="TextBox 8"/>
+            <p:cNvSpPr txBox="1">
+              <a:spLocks noChangeArrowheads="1"/>
+            </p:cNvSpPr>
+            <p:nvPr/>
+          </p:nvSpPr>
+          <p:spPr bwMode="auto">
+            <a:xfrm>
+              <a:off x="2709260" y="5589240"/>
+              <a:ext cx="2965175" cy="444766"/>
+            </a:xfrm>
+            <a:prstGeom prst="rect">
+              <a:avLst/>
+            </a:prstGeom>
+            <a:noFill/>
+            <a:ln>
+              <a:noFill/>
+            </a:ln>
+            <a:extLst>
+              <a:ext uri="{909E8E84-426E-40dd-AFC4-6F175D3DCCD1}">
+                <a14:hiddenFill xmlns:a14="http://schemas.microsoft.com/office/drawing/2010/main">
+                  <a:solidFill>
+                    <a:srgbClr val="FFFFFF"/>
+                  </a:solidFill>
+                </a14:hiddenFill>
+              </a:ext>
+              <a:ext uri="{91240B29-F687-4f45-9708-019B960494DF}">
+                <a14:hiddenLine xmlns:a14="http://schemas.microsoft.com/office/drawing/2010/main" w="9525">
+                  <a:solidFill>
+                    <a:srgbClr val="000000"/>
+                  </a:solidFill>
+                  <a:miter lim="800000"/>
+                  <a:headEnd/>
+                  <a:tailEnd/>
+                </a14:hiddenLine>
+              </a:ext>
+            </a:extLst>
+          </p:spPr>
+          <p:txBody>
+            <a:bodyPr wrap="none">
+              <a:spAutoFit/>
+            </a:bodyPr>
+            <a:lstStyle>
+              <a:lvl1pPr eaLnBrk="0" hangingPunct="0">
+                <a:defRPr sz="4300">
+                  <a:solidFill>
+                    <a:srgbClr val="000000"/>
+                  </a:solidFill>
+                  <a:latin typeface="Gill Sans" charset="0"/>
+                  <a:ea typeface="ヒラギノ角ゴ ProN W3" charset="0"/>
+                  <a:cs typeface="ヒラギノ角ゴ ProN W3" charset="0"/>
+                  <a:sym typeface="Gill Sans" charset="0"/>
+                </a:defRPr>
+              </a:lvl1pPr>
+              <a:lvl2pPr marL="742950" indent="-285750" eaLnBrk="0" hangingPunct="0">
+                <a:defRPr sz="4300">
+                  <a:solidFill>
+                    <a:srgbClr val="000000"/>
+                  </a:solidFill>
+                  <a:latin typeface="Gill Sans" charset="0"/>
+                  <a:ea typeface="ヒラギノ角ゴ ProN W3" charset="0"/>
+                  <a:cs typeface="ヒラギノ角ゴ ProN W3" charset="0"/>
+                  <a:sym typeface="Gill Sans" charset="0"/>
+                </a:defRPr>
+              </a:lvl2pPr>
+              <a:lvl3pPr marL="1143000" indent="-228600" eaLnBrk="0" hangingPunct="0">
+                <a:defRPr sz="4300">
+                  <a:solidFill>
+                    <a:srgbClr val="000000"/>
+                  </a:solidFill>
+                  <a:latin typeface="Gill Sans" charset="0"/>
+                  <a:ea typeface="ヒラギノ角ゴ ProN W3" charset="0"/>
+                  <a:cs typeface="ヒラギノ角ゴ ProN W3" charset="0"/>
+                  <a:sym typeface="Gill Sans" charset="0"/>
+                </a:defRPr>
+              </a:lvl3pPr>
+              <a:lvl4pPr marL="1600200" indent="-228600" eaLnBrk="0" hangingPunct="0">
+                <a:defRPr sz="4300">
+                  <a:solidFill>
+                    <a:srgbClr val="000000"/>
+                  </a:solidFill>
+                  <a:latin typeface="Gill Sans" charset="0"/>
+                  <a:ea typeface="ヒラギノ角ゴ ProN W3" charset="0"/>
+                  <a:cs typeface="ヒラギノ角ゴ ProN W3" charset="0"/>
+                  <a:sym typeface="Gill Sans" charset="0"/>
+                </a:defRPr>
+              </a:lvl4pPr>
+              <a:lvl5pPr marL="2057400" indent="-228600" eaLnBrk="0" hangingPunct="0">
+                <a:defRPr sz="4300">
+                  <a:solidFill>
+                    <a:srgbClr val="000000"/>
+                  </a:solidFill>
+                  <a:latin typeface="Gill Sans" charset="0"/>
+                  <a:ea typeface="ヒラギノ角ゴ ProN W3" charset="0"/>
+                  <a:cs typeface="ヒラギノ角ゴ ProN W3" charset="0"/>
+                  <a:sym typeface="Gill Sans" charset="0"/>
+                </a:defRPr>
+              </a:lvl5pPr>
+              <a:lvl6pPr marL="2514600" indent="-228600" algn="ctr" eaLnBrk="0" fontAlgn="base" hangingPunct="0">
+                <a:spcBef>
+                  <a:spcPct val="0"/>
+                </a:spcBef>
+                <a:spcAft>
+                  <a:spcPct val="0"/>
+                </a:spcAft>
+                <a:defRPr sz="4300">
+                  <a:solidFill>
+                    <a:srgbClr val="000000"/>
+                  </a:solidFill>
+                  <a:latin typeface="Gill Sans" charset="0"/>
+                  <a:ea typeface="ヒラギノ角ゴ ProN W3" charset="0"/>
+                  <a:cs typeface="ヒラギノ角ゴ ProN W3" charset="0"/>
+                  <a:sym typeface="Gill Sans" charset="0"/>
+                </a:defRPr>
+              </a:lvl6pPr>
+              <a:lvl7pPr marL="2971800" indent="-228600" algn="ctr" eaLnBrk="0" fontAlgn="base" hangingPunct="0">
+                <a:spcBef>
+                  <a:spcPct val="0"/>
+                </a:spcBef>
+                <a:spcAft>
+                  <a:spcPct val="0"/>
+                </a:spcAft>
+                <a:defRPr sz="4300">
+                  <a:solidFill>
+                    <a:srgbClr val="000000"/>
+                  </a:solidFill>
+                  <a:latin typeface="Gill Sans" charset="0"/>
+                  <a:ea typeface="ヒラギノ角ゴ ProN W3" charset="0"/>
+                  <a:cs typeface="ヒラギノ角ゴ ProN W3" charset="0"/>
+                  <a:sym typeface="Gill Sans" charset="0"/>
+                </a:defRPr>
+              </a:lvl7pPr>
+              <a:lvl8pPr marL="3429000" indent="-228600" algn="ctr" eaLnBrk="0" fontAlgn="base" hangingPunct="0">
+                <a:spcBef>
+                  <a:spcPct val="0"/>
+                </a:spcBef>
+                <a:spcAft>
+                  <a:spcPct val="0"/>
+                </a:spcAft>
+                <a:defRPr sz="4300">
+                  <a:solidFill>
+                    <a:srgbClr val="000000"/>
+                  </a:solidFill>
+                  <a:latin typeface="Gill Sans" charset="0"/>
+                  <a:ea typeface="ヒラギノ角ゴ ProN W3" charset="0"/>
+                  <a:cs typeface="ヒラギノ角ゴ ProN W3" charset="0"/>
+                  <a:sym typeface="Gill Sans" charset="0"/>
+                </a:defRPr>
+              </a:lvl8pPr>
+              <a:lvl9pPr marL="3886200" indent="-228600" algn="ctr" eaLnBrk="0" fontAlgn="base" hangingPunct="0">
+                <a:spcBef>
+                  <a:spcPct val="0"/>
+                </a:spcBef>
+                <a:spcAft>
+                  <a:spcPct val="0"/>
+                </a:spcAft>
+                <a:defRPr sz="4300">
+                  <a:solidFill>
+                    <a:srgbClr val="000000"/>
+                  </a:solidFill>
+                  <a:latin typeface="Gill Sans" charset="0"/>
+                  <a:ea typeface="ヒラギノ角ゴ ProN W3" charset="0"/>
+                  <a:cs typeface="ヒラギノ角ゴ ProN W3" charset="0"/>
+                  <a:sym typeface="Gill Sans" charset="0"/>
+                </a:defRPr>
+              </a:lvl9pPr>
+            </a:lstStyle>
+            <a:p>
+              <a:pPr eaLnBrk="1" hangingPunct="1"/>
+              <a:r>
+                <a:rPr lang="en-US" sz="2400" dirty="0"/>
+                <a:t>Resource </a:t>
+              </a:r>
+              <a:r>
+                <a:rPr lang="en-US" sz="2400" dirty="0" smtClean="0"/>
+                <a:t>Optimization</a:t>
+              </a:r>
+              <a:endParaRPr lang="en-US" sz="2400" dirty="0"/>
+            </a:p>
+          </p:txBody>
+        </p:sp>
+        <p:sp>
+          <p:nvSpPr>
+            <p:cNvPr id="11" name="Oval 10"/>
+            <p:cNvSpPr/>
+            <p:nvPr/>
+          </p:nvSpPr>
+          <p:spPr bwMode="auto">
+            <a:xfrm>
+              <a:off x="1978991" y="1773205"/>
+              <a:ext cx="432874" cy="431288"/>
+            </a:xfrm>
+            <a:prstGeom prst="ellipse">
+              <a:avLst/>
+            </a:prstGeom>
+            <a:ln>
+              <a:headEnd type="none" w="med" len="med"/>
+              <a:tailEnd type="none" w="med" len="med"/>
+            </a:ln>
+            <a:effectLst>
+              <a:outerShdw blurRad="76200" dir="13500000" sy="23000" kx="1200000" algn="br" rotWithShape="0">
+                <a:prstClr val="black">
+                  <a:alpha val="20000"/>
+                </a:prstClr>
+              </a:outerShdw>
+            </a:effectLst>
+            <a:extLst/>
+          </p:spPr>
+          <p:style>
+            <a:lnRef idx="1">
+              <a:schemeClr val="accent2"/>
+            </a:lnRef>
+            <a:fillRef idx="3">
+              <a:schemeClr val="accent2"/>
+            </a:fillRef>
+            <a:effectRef idx="2">
+              <a:schemeClr val="accent2"/>
+            </a:effectRef>
+            <a:fontRef idx="minor">
+              <a:schemeClr val="lt1"/>
+            </a:fontRef>
+          </p:style>
+          <p:txBody>
+            <a:bodyPr/>
+            <a:lstStyle/>
+            <a:p>
+              <a:pPr>
+                <a:defRPr/>
+              </a:pPr>
+              <a:endParaRPr lang="en-US" sz="5800">
+                <a:solidFill>
+                  <a:srgbClr val="000000"/>
+                </a:solidFill>
+                <a:latin typeface="Gill Sans" charset="0"/>
+                <a:ea typeface="ヒラギノ角ゴ ProN W3" charset="0"/>
+                <a:cs typeface="ヒラギノ角ゴ ProN W3" charset="0"/>
+              </a:endParaRPr>
+            </a:p>
+          </p:txBody>
+        </p:sp>
+        <p:sp>
+          <p:nvSpPr>
+            <p:cNvPr id="12" name="Oval 11"/>
+            <p:cNvSpPr/>
+            <p:nvPr/>
+          </p:nvSpPr>
+          <p:spPr bwMode="auto">
+            <a:xfrm>
+              <a:off x="3491755" y="2565428"/>
+              <a:ext cx="432875" cy="431288"/>
+            </a:xfrm>
+            <a:prstGeom prst="ellipse">
+              <a:avLst/>
+            </a:prstGeom>
+            <a:ln>
+              <a:headEnd type="none" w="med" len="med"/>
+              <a:tailEnd type="none" w="med" len="med"/>
+            </a:ln>
+            <a:effectLst>
+              <a:outerShdw blurRad="76200" dir="13500000" sy="23000" kx="1200000" algn="br" rotWithShape="0">
+                <a:prstClr val="black">
+                  <a:alpha val="20000"/>
+                </a:prstClr>
+              </a:outerShdw>
+            </a:effectLst>
+            <a:extLst/>
+          </p:spPr>
+          <p:style>
+            <a:lnRef idx="1">
+              <a:schemeClr val="accent2"/>
+            </a:lnRef>
+            <a:fillRef idx="3">
+              <a:schemeClr val="accent2"/>
+            </a:fillRef>
+            <a:effectRef idx="2">
+              <a:schemeClr val="accent2"/>
+            </a:effectRef>
+            <a:fontRef idx="minor">
+              <a:schemeClr val="lt1"/>
+            </a:fontRef>
+          </p:style>
+          <p:txBody>
+            <a:bodyPr/>
+            <a:lstStyle/>
+            <a:p>
+              <a:pPr>
+                <a:defRPr/>
+              </a:pPr>
+              <a:endParaRPr lang="en-US" sz="5800">
+                <a:solidFill>
+                  <a:srgbClr val="000000"/>
+                </a:solidFill>
+                <a:latin typeface="Gill Sans" charset="0"/>
+                <a:ea typeface="ヒラギノ角ゴ ProN W3" charset="0"/>
+                <a:cs typeface="ヒラギノ角ゴ ProN W3" charset="0"/>
+              </a:endParaRPr>
+            </a:p>
+          </p:txBody>
+        </p:sp>
+        <p:sp>
+          <p:nvSpPr>
+            <p:cNvPr id="13" name="Oval 12"/>
+            <p:cNvSpPr/>
+            <p:nvPr/>
+          </p:nvSpPr>
+          <p:spPr bwMode="auto">
+            <a:xfrm>
+              <a:off x="4855915" y="3285744"/>
+              <a:ext cx="431345" cy="431288"/>
+            </a:xfrm>
+            <a:prstGeom prst="ellipse">
+              <a:avLst/>
+            </a:prstGeom>
+            <a:ln>
+              <a:headEnd type="none" w="med" len="med"/>
+              <a:tailEnd type="none" w="med" len="med"/>
+            </a:ln>
+            <a:effectLst>
+              <a:outerShdw blurRad="76200" dir="13500000" sy="23000" kx="1200000" algn="br" rotWithShape="0">
+                <a:prstClr val="black">
+                  <a:alpha val="20000"/>
+                </a:prstClr>
+              </a:outerShdw>
+            </a:effectLst>
+            <a:extLst/>
+          </p:spPr>
+          <p:style>
+            <a:lnRef idx="1">
+              <a:schemeClr val="accent2"/>
+            </a:lnRef>
+            <a:fillRef idx="3">
+              <a:schemeClr val="accent2"/>
+            </a:fillRef>
+            <a:effectRef idx="2">
+              <a:schemeClr val="accent2"/>
+            </a:effectRef>
+            <a:fontRef idx="minor">
+              <a:schemeClr val="lt1"/>
+            </a:fontRef>
+          </p:style>
+          <p:txBody>
+            <a:bodyPr/>
+            <a:lstStyle/>
+            <a:p>
+              <a:pPr>
+                <a:defRPr/>
+              </a:pPr>
+              <a:endParaRPr lang="en-US" sz="5800">
+                <a:solidFill>
+                  <a:srgbClr val="000000"/>
+                </a:solidFill>
+                <a:latin typeface="Gill Sans" charset="0"/>
+                <a:ea typeface="ヒラギノ角ゴ ProN W3" charset="0"/>
+                <a:cs typeface="ヒラギノ角ゴ ProN W3" charset="0"/>
+              </a:endParaRPr>
+            </a:p>
+          </p:txBody>
+        </p:sp>
+        <p:sp>
+          <p:nvSpPr>
+            <p:cNvPr id="14" name="Oval 13"/>
+            <p:cNvSpPr/>
+            <p:nvPr/>
+          </p:nvSpPr>
+          <p:spPr bwMode="auto">
+            <a:xfrm>
+              <a:off x="6394744" y="4148345"/>
+              <a:ext cx="432874" cy="432818"/>
+            </a:xfrm>
+            <a:prstGeom prst="ellipse">
+              <a:avLst/>
+            </a:prstGeom>
+            <a:ln>
+              <a:headEnd type="none" w="med" len="med"/>
+              <a:tailEnd type="none" w="med" len="med"/>
+            </a:ln>
+            <a:effectLst>
+              <a:outerShdw blurRad="76200" dir="13500000" sy="23000" kx="1200000" algn="br" rotWithShape="0">
+                <a:prstClr val="black">
+                  <a:alpha val="20000"/>
+                </a:prstClr>
+              </a:outerShdw>
+            </a:effectLst>
+            <a:extLst/>
+          </p:spPr>
+          <p:style>
+            <a:lnRef idx="1">
+              <a:schemeClr val="accent2"/>
+            </a:lnRef>
+            <a:fillRef idx="3">
+              <a:schemeClr val="accent2"/>
+            </a:fillRef>
+            <a:effectRef idx="2">
+              <a:schemeClr val="accent2"/>
+            </a:effectRef>
+            <a:fontRef idx="minor">
+              <a:schemeClr val="lt1"/>
+            </a:fontRef>
+          </p:style>
+          <p:txBody>
+            <a:bodyPr/>
+            <a:lstStyle/>
+            <a:p>
+              <a:pPr>
+                <a:defRPr/>
+              </a:pPr>
+              <a:endParaRPr lang="en-US" sz="5800">
+                <a:solidFill>
+                  <a:srgbClr val="000000"/>
+                </a:solidFill>
+                <a:latin typeface="Gill Sans" charset="0"/>
+                <a:ea typeface="ヒラギノ角ゴ ProN W3" charset="0"/>
+                <a:cs typeface="ヒラギノ角ゴ ProN W3" charset="0"/>
+              </a:endParaRPr>
+            </a:p>
+          </p:txBody>
+        </p:sp>
+        <p:sp>
+          <p:nvSpPr>
+            <p:cNvPr id="38924" name="TextBox 14"/>
+            <p:cNvSpPr txBox="1">
+              <a:spLocks noChangeArrowheads="1"/>
+            </p:cNvSpPr>
+            <p:nvPr/>
+          </p:nvSpPr>
+          <p:spPr bwMode="auto">
+            <a:xfrm>
+              <a:off x="1346302" y="1340768"/>
+              <a:ext cx="1713530" cy="400110"/>
+            </a:xfrm>
+            <a:prstGeom prst="rect">
+              <a:avLst/>
+            </a:prstGeom>
+            <a:noFill/>
+            <a:ln>
+              <a:noFill/>
+            </a:ln>
+            <a:extLst>
+              <a:ext uri="{909E8E84-426E-40dd-AFC4-6F175D3DCCD1}">
+                <a14:hiddenFill xmlns:a14="http://schemas.microsoft.com/office/drawing/2010/main">
+                  <a:solidFill>
+                    <a:srgbClr val="FFFFFF"/>
+                  </a:solidFill>
+                </a14:hiddenFill>
+              </a:ext>
+              <a:ext uri="{91240B29-F687-4f45-9708-019B960494DF}">
+                <a14:hiddenLine xmlns:a14="http://schemas.microsoft.com/office/drawing/2010/main" w="9525">
+                  <a:solidFill>
+                    <a:srgbClr val="000000"/>
+                  </a:solidFill>
+                  <a:miter lim="800000"/>
+                  <a:headEnd/>
+                  <a:tailEnd/>
+                </a14:hiddenLine>
+              </a:ext>
+            </a:extLst>
+          </p:spPr>
+          <p:txBody>
+            <a:bodyPr wrap="none">
+              <a:spAutoFit/>
+            </a:bodyPr>
+            <a:lstStyle>
+              <a:lvl1pPr eaLnBrk="0" hangingPunct="0">
+                <a:defRPr sz="4300">
+                  <a:solidFill>
+                    <a:srgbClr val="000000"/>
+                  </a:solidFill>
+                  <a:latin typeface="Gill Sans" charset="0"/>
+                  <a:ea typeface="ヒラギノ角ゴ ProN W3" charset="0"/>
+                  <a:cs typeface="ヒラギノ角ゴ ProN W3" charset="0"/>
+                  <a:sym typeface="Gill Sans" charset="0"/>
+                </a:defRPr>
+              </a:lvl1pPr>
+              <a:lvl2pPr marL="742950" indent="-285750" eaLnBrk="0" hangingPunct="0">
+                <a:defRPr sz="4300">
+                  <a:solidFill>
+                    <a:srgbClr val="000000"/>
+                  </a:solidFill>
+                  <a:latin typeface="Gill Sans" charset="0"/>
+                  <a:ea typeface="ヒラギノ角ゴ ProN W3" charset="0"/>
+                  <a:cs typeface="ヒラギノ角ゴ ProN W3" charset="0"/>
+                  <a:sym typeface="Gill Sans" charset="0"/>
+                </a:defRPr>
+              </a:lvl2pPr>
+              <a:lvl3pPr marL="1143000" indent="-228600" eaLnBrk="0" hangingPunct="0">
+                <a:defRPr sz="4300">
+                  <a:solidFill>
+                    <a:srgbClr val="000000"/>
+                  </a:solidFill>
+                  <a:latin typeface="Gill Sans" charset="0"/>
+                  <a:ea typeface="ヒラギノ角ゴ ProN W3" charset="0"/>
+                  <a:cs typeface="ヒラギノ角ゴ ProN W3" charset="0"/>
+                  <a:sym typeface="Gill Sans" charset="0"/>
+                </a:defRPr>
+              </a:lvl3pPr>
+              <a:lvl4pPr marL="1600200" indent="-228600" eaLnBrk="0" hangingPunct="0">
+                <a:defRPr sz="4300">
+                  <a:solidFill>
+                    <a:srgbClr val="000000"/>
+                  </a:solidFill>
+                  <a:latin typeface="Gill Sans" charset="0"/>
+                  <a:ea typeface="ヒラギノ角ゴ ProN W3" charset="0"/>
+                  <a:cs typeface="ヒラギノ角ゴ ProN W3" charset="0"/>
+                  <a:sym typeface="Gill Sans" charset="0"/>
+                </a:defRPr>
+              </a:lvl4pPr>
+              <a:lvl5pPr marL="2057400" indent="-228600" eaLnBrk="0" hangingPunct="0">
+                <a:defRPr sz="4300">
+                  <a:solidFill>
+                    <a:srgbClr val="000000"/>
+                  </a:solidFill>
+                  <a:latin typeface="Gill Sans" charset="0"/>
+                  <a:ea typeface="ヒラギノ角ゴ ProN W3" charset="0"/>
+                  <a:cs typeface="ヒラギノ角ゴ ProN W3" charset="0"/>
+                  <a:sym typeface="Gill Sans" charset="0"/>
+                </a:defRPr>
+              </a:lvl5pPr>
+              <a:lvl6pPr marL="2514600" indent="-228600" algn="ctr" eaLnBrk="0" fontAlgn="base" hangingPunct="0">
+                <a:spcBef>
+                  <a:spcPct val="0"/>
+                </a:spcBef>
+                <a:spcAft>
+                  <a:spcPct val="0"/>
+                </a:spcAft>
+                <a:defRPr sz="4300">
+                  <a:solidFill>
+                    <a:srgbClr val="000000"/>
+                  </a:solidFill>
+                  <a:latin typeface="Gill Sans" charset="0"/>
+                  <a:ea typeface="ヒラギノ角ゴ ProN W3" charset="0"/>
+                  <a:cs typeface="ヒラギノ角ゴ ProN W3" charset="0"/>
+                  <a:sym typeface="Gill Sans" charset="0"/>
+                </a:defRPr>
+              </a:lvl6pPr>
+              <a:lvl7pPr marL="2971800" indent="-228600" algn="ctr" eaLnBrk="0" fontAlgn="base" hangingPunct="0">
+                <a:spcBef>
+                  <a:spcPct val="0"/>
+                </a:spcBef>
+                <a:spcAft>
+                  <a:spcPct val="0"/>
+                </a:spcAft>
+                <a:defRPr sz="4300">
+                  <a:solidFill>
+                    <a:srgbClr val="000000"/>
+                  </a:solidFill>
+                  <a:latin typeface="Gill Sans" charset="0"/>
+                  <a:ea typeface="ヒラギノ角ゴ ProN W3" charset="0"/>
+                  <a:cs typeface="ヒラギノ角ゴ ProN W3" charset="0"/>
+                  <a:sym typeface="Gill Sans" charset="0"/>
+                </a:defRPr>
+              </a:lvl7pPr>
+              <a:lvl8pPr marL="3429000" indent="-228600" algn="ctr" eaLnBrk="0" fontAlgn="base" hangingPunct="0">
+                <a:spcBef>
+                  <a:spcPct val="0"/>
+                </a:spcBef>
+                <a:spcAft>
+                  <a:spcPct val="0"/>
+                </a:spcAft>
+                <a:defRPr sz="4300">
+                  <a:solidFill>
+                    <a:srgbClr val="000000"/>
+                  </a:solidFill>
+                  <a:latin typeface="Gill Sans" charset="0"/>
+                  <a:ea typeface="ヒラギノ角ゴ ProN W3" charset="0"/>
+                  <a:cs typeface="ヒラギノ角ゴ ProN W3" charset="0"/>
+                  <a:sym typeface="Gill Sans" charset="0"/>
+                </a:defRPr>
+              </a:lvl8pPr>
+              <a:lvl9pPr marL="3886200" indent="-228600" algn="ctr" eaLnBrk="0" fontAlgn="base" hangingPunct="0">
+                <a:spcBef>
+                  <a:spcPct val="0"/>
+                </a:spcBef>
+                <a:spcAft>
+                  <a:spcPct val="0"/>
+                </a:spcAft>
+                <a:defRPr sz="4300">
+                  <a:solidFill>
+                    <a:srgbClr val="000000"/>
+                  </a:solidFill>
+                  <a:latin typeface="Gill Sans" charset="0"/>
+                  <a:ea typeface="ヒラギノ角ゴ ProN W3" charset="0"/>
+                  <a:cs typeface="ヒラギノ角ゴ ProN W3" charset="0"/>
+                  <a:sym typeface="Gill Sans" charset="0"/>
+                </a:defRPr>
+              </a:lvl9pPr>
+            </a:lstStyle>
+            <a:p>
+              <a:pPr eaLnBrk="1" hangingPunct="1"/>
+              <a:r>
+                <a:rPr lang="en-US" sz="2000"/>
+                <a:t>Pure hardware</a:t>
+              </a:r>
+            </a:p>
+          </p:txBody>
+        </p:sp>
+        <p:sp>
+          <p:nvSpPr>
+            <p:cNvPr id="38925" name="TextBox 15"/>
+            <p:cNvSpPr txBox="1">
+              <a:spLocks noChangeArrowheads="1"/>
+            </p:cNvSpPr>
+            <p:nvPr/>
+          </p:nvSpPr>
+          <p:spPr bwMode="auto">
+            <a:xfrm>
+              <a:off x="2809882" y="2132856"/>
+              <a:ext cx="1810712" cy="400110"/>
+            </a:xfrm>
+            <a:prstGeom prst="rect">
+              <a:avLst/>
+            </a:prstGeom>
+            <a:noFill/>
+            <a:ln>
+              <a:noFill/>
+            </a:ln>
+            <a:extLst>
+              <a:ext uri="{909E8E84-426E-40dd-AFC4-6F175D3DCCD1}">
+                <a14:hiddenFill xmlns:a14="http://schemas.microsoft.com/office/drawing/2010/main">
+                  <a:solidFill>
+                    <a:srgbClr val="FFFFFF"/>
+                  </a:solidFill>
+                </a14:hiddenFill>
+              </a:ext>
+              <a:ext uri="{91240B29-F687-4f45-9708-019B960494DF}">
+                <a14:hiddenLine xmlns:a14="http://schemas.microsoft.com/office/drawing/2010/main" w="9525">
+                  <a:solidFill>
+                    <a:srgbClr val="000000"/>
+                  </a:solidFill>
+                  <a:miter lim="800000"/>
+                  <a:headEnd/>
+                  <a:tailEnd/>
+                </a14:hiddenLine>
+              </a:ext>
+            </a:extLst>
+          </p:spPr>
+          <p:txBody>
+            <a:bodyPr wrap="none">
+              <a:spAutoFit/>
+            </a:bodyPr>
+            <a:lstStyle>
+              <a:lvl1pPr eaLnBrk="0" hangingPunct="0">
+                <a:defRPr sz="4300">
+                  <a:solidFill>
+                    <a:srgbClr val="000000"/>
+                  </a:solidFill>
+                  <a:latin typeface="Gill Sans" charset="0"/>
+                  <a:ea typeface="ヒラギノ角ゴ ProN W3" charset="0"/>
+                  <a:cs typeface="ヒラギノ角ゴ ProN W3" charset="0"/>
+                  <a:sym typeface="Gill Sans" charset="0"/>
+                </a:defRPr>
+              </a:lvl1pPr>
+              <a:lvl2pPr marL="742950" indent="-285750" eaLnBrk="0" hangingPunct="0">
+                <a:defRPr sz="4300">
+                  <a:solidFill>
+                    <a:srgbClr val="000000"/>
+                  </a:solidFill>
+                  <a:latin typeface="Gill Sans" charset="0"/>
+                  <a:ea typeface="ヒラギノ角ゴ ProN W3" charset="0"/>
+                  <a:cs typeface="ヒラギノ角ゴ ProN W3" charset="0"/>
+                  <a:sym typeface="Gill Sans" charset="0"/>
+                </a:defRPr>
+              </a:lvl2pPr>
+              <a:lvl3pPr marL="1143000" indent="-228600" eaLnBrk="0" hangingPunct="0">
+                <a:defRPr sz="4300">
+                  <a:solidFill>
+                    <a:srgbClr val="000000"/>
+                  </a:solidFill>
+                  <a:latin typeface="Gill Sans" charset="0"/>
+                  <a:ea typeface="ヒラギノ角ゴ ProN W3" charset="0"/>
+                  <a:cs typeface="ヒラギノ角ゴ ProN W3" charset="0"/>
+                  <a:sym typeface="Gill Sans" charset="0"/>
+                </a:defRPr>
+              </a:lvl3pPr>
+              <a:lvl4pPr marL="1600200" indent="-228600" eaLnBrk="0" hangingPunct="0">
+                <a:defRPr sz="4300">
+                  <a:solidFill>
+                    <a:srgbClr val="000000"/>
+                  </a:solidFill>
+                  <a:latin typeface="Gill Sans" charset="0"/>
+                  <a:ea typeface="ヒラギノ角ゴ ProN W3" charset="0"/>
+                  <a:cs typeface="ヒラギノ角ゴ ProN W3" charset="0"/>
+                  <a:sym typeface="Gill Sans" charset="0"/>
+                </a:defRPr>
+              </a:lvl4pPr>
+              <a:lvl5pPr marL="2057400" indent="-228600" eaLnBrk="0" hangingPunct="0">
+                <a:defRPr sz="4300">
+                  <a:solidFill>
+                    <a:srgbClr val="000000"/>
+                  </a:solidFill>
+                  <a:latin typeface="Gill Sans" charset="0"/>
+                  <a:ea typeface="ヒラギノ角ゴ ProN W3" charset="0"/>
+                  <a:cs typeface="ヒラギノ角ゴ ProN W3" charset="0"/>
+                  <a:sym typeface="Gill Sans" charset="0"/>
+                </a:defRPr>
+              </a:lvl5pPr>
+              <a:lvl6pPr marL="2514600" indent="-228600" algn="ctr" eaLnBrk="0" fontAlgn="base" hangingPunct="0">
+                <a:spcBef>
+                  <a:spcPct val="0"/>
+                </a:spcBef>
+                <a:spcAft>
+                  <a:spcPct val="0"/>
+                </a:spcAft>
+                <a:defRPr sz="4300">
+                  <a:solidFill>
+                    <a:srgbClr val="000000"/>
+                  </a:solidFill>
+                  <a:latin typeface="Gill Sans" charset="0"/>
+                  <a:ea typeface="ヒラギノ角ゴ ProN W3" charset="0"/>
+                  <a:cs typeface="ヒラギノ角ゴ ProN W3" charset="0"/>
+                  <a:sym typeface="Gill Sans" charset="0"/>
+                </a:defRPr>
+              </a:lvl6pPr>
+              <a:lvl7pPr marL="2971800" indent="-228600" algn="ctr" eaLnBrk="0" fontAlgn="base" hangingPunct="0">
+                <a:spcBef>
+                  <a:spcPct val="0"/>
+                </a:spcBef>
+                <a:spcAft>
+                  <a:spcPct val="0"/>
+                </a:spcAft>
+                <a:defRPr sz="4300">
+                  <a:solidFill>
+                    <a:srgbClr val="000000"/>
+                  </a:solidFill>
+                  <a:latin typeface="Gill Sans" charset="0"/>
+                  <a:ea typeface="ヒラギノ角ゴ ProN W3" charset="0"/>
+                  <a:cs typeface="ヒラギノ角ゴ ProN W3" charset="0"/>
+                  <a:sym typeface="Gill Sans" charset="0"/>
+                </a:defRPr>
+              </a:lvl7pPr>
+              <a:lvl8pPr marL="3429000" indent="-228600" algn="ctr" eaLnBrk="0" fontAlgn="base" hangingPunct="0">
+                <a:spcBef>
+                  <a:spcPct val="0"/>
+                </a:spcBef>
+                <a:spcAft>
+                  <a:spcPct val="0"/>
+                </a:spcAft>
+                <a:defRPr sz="4300">
+                  <a:solidFill>
+                    <a:srgbClr val="000000"/>
+                  </a:solidFill>
+                  <a:latin typeface="Gill Sans" charset="0"/>
+                  <a:ea typeface="ヒラギノ角ゴ ProN W3" charset="0"/>
+                  <a:cs typeface="ヒラギノ角ゴ ProN W3" charset="0"/>
+                  <a:sym typeface="Gill Sans" charset="0"/>
+                </a:defRPr>
+              </a:lvl8pPr>
+              <a:lvl9pPr marL="3886200" indent="-228600" algn="ctr" eaLnBrk="0" fontAlgn="base" hangingPunct="0">
+                <a:spcBef>
+                  <a:spcPct val="0"/>
+                </a:spcBef>
+                <a:spcAft>
+                  <a:spcPct val="0"/>
+                </a:spcAft>
+                <a:defRPr sz="4300">
+                  <a:solidFill>
+                    <a:srgbClr val="000000"/>
+                  </a:solidFill>
+                  <a:latin typeface="Gill Sans" charset="0"/>
+                  <a:ea typeface="ヒラギノ角ゴ ProN W3" charset="0"/>
+                  <a:cs typeface="ヒラギノ角ゴ ProN W3" charset="0"/>
+                  <a:sym typeface="Gill Sans" charset="0"/>
+                </a:defRPr>
+              </a:lvl9pPr>
+            </a:lstStyle>
+            <a:p>
+              <a:pPr eaLnBrk="1" hangingPunct="1"/>
+              <a:r>
+                <a:rPr lang="en-US" sz="2000"/>
+                <a:t>Virtual Machine</a:t>
+              </a:r>
+            </a:p>
+          </p:txBody>
+        </p:sp>
+        <p:sp>
+          <p:nvSpPr>
+            <p:cNvPr id="38926" name="TextBox 16"/>
+            <p:cNvSpPr txBox="1">
+              <a:spLocks noChangeArrowheads="1"/>
+            </p:cNvSpPr>
+            <p:nvPr/>
+          </p:nvSpPr>
+          <p:spPr bwMode="auto">
+            <a:xfrm>
+              <a:off x="4479893" y="2814568"/>
+              <a:ext cx="1194542" cy="385464"/>
+            </a:xfrm>
+            <a:prstGeom prst="rect">
+              <a:avLst/>
+            </a:prstGeom>
+            <a:noFill/>
+            <a:ln>
+              <a:noFill/>
+            </a:ln>
+            <a:extLst>
+              <a:ext uri="{909E8E84-426E-40dd-AFC4-6F175D3DCCD1}">
+                <a14:hiddenFill xmlns:a14="http://schemas.microsoft.com/office/drawing/2010/main">
+                  <a:solidFill>
+                    <a:srgbClr val="FFFFFF"/>
+                  </a:solidFill>
+                </a14:hiddenFill>
+              </a:ext>
+              <a:ext uri="{91240B29-F687-4f45-9708-019B960494DF}">
+                <a14:hiddenLine xmlns:a14="http://schemas.microsoft.com/office/drawing/2010/main" w="9525">
+                  <a:solidFill>
+                    <a:srgbClr val="000000"/>
+                  </a:solidFill>
+                  <a:miter lim="800000"/>
+                  <a:headEnd/>
+                  <a:tailEnd/>
+                </a14:hiddenLine>
+              </a:ext>
+            </a:extLst>
+          </p:spPr>
+          <p:txBody>
+            <a:bodyPr wrap="none">
+              <a:spAutoFit/>
+            </a:bodyPr>
+            <a:lstStyle>
+              <a:lvl1pPr eaLnBrk="0" hangingPunct="0">
+                <a:defRPr sz="4300">
+                  <a:solidFill>
+                    <a:srgbClr val="000000"/>
+                  </a:solidFill>
+                  <a:latin typeface="Gill Sans" charset="0"/>
+                  <a:ea typeface="ヒラギノ角ゴ ProN W3" charset="0"/>
+                  <a:cs typeface="ヒラギノ角ゴ ProN W3" charset="0"/>
+                  <a:sym typeface="Gill Sans" charset="0"/>
+                </a:defRPr>
+              </a:lvl1pPr>
+              <a:lvl2pPr marL="742950" indent="-285750" eaLnBrk="0" hangingPunct="0">
+                <a:defRPr sz="4300">
+                  <a:solidFill>
+                    <a:srgbClr val="000000"/>
+                  </a:solidFill>
+                  <a:latin typeface="Gill Sans" charset="0"/>
+                  <a:ea typeface="ヒラギノ角ゴ ProN W3" charset="0"/>
+                  <a:cs typeface="ヒラギノ角ゴ ProN W3" charset="0"/>
+                  <a:sym typeface="Gill Sans" charset="0"/>
+                </a:defRPr>
+              </a:lvl2pPr>
+              <a:lvl3pPr marL="1143000" indent="-228600" eaLnBrk="0" hangingPunct="0">
+                <a:defRPr sz="4300">
+                  <a:solidFill>
+                    <a:srgbClr val="000000"/>
+                  </a:solidFill>
+                  <a:latin typeface="Gill Sans" charset="0"/>
+                  <a:ea typeface="ヒラギノ角ゴ ProN W3" charset="0"/>
+                  <a:cs typeface="ヒラギノ角ゴ ProN W3" charset="0"/>
+                  <a:sym typeface="Gill Sans" charset="0"/>
+                </a:defRPr>
+              </a:lvl3pPr>
+              <a:lvl4pPr marL="1600200" indent="-228600" eaLnBrk="0" hangingPunct="0">
+                <a:defRPr sz="4300">
+                  <a:solidFill>
+                    <a:srgbClr val="000000"/>
+                  </a:solidFill>
+                  <a:latin typeface="Gill Sans" charset="0"/>
+                  <a:ea typeface="ヒラギノ角ゴ ProN W3" charset="0"/>
+                  <a:cs typeface="ヒラギノ角ゴ ProN W3" charset="0"/>
+                  <a:sym typeface="Gill Sans" charset="0"/>
+                </a:defRPr>
+              </a:lvl4pPr>
+              <a:lvl5pPr marL="2057400" indent="-228600" eaLnBrk="0" hangingPunct="0">
+                <a:defRPr sz="4300">
+                  <a:solidFill>
+                    <a:srgbClr val="000000"/>
+                  </a:solidFill>
+                  <a:latin typeface="Gill Sans" charset="0"/>
+                  <a:ea typeface="ヒラギノ角ゴ ProN W3" charset="0"/>
+                  <a:cs typeface="ヒラギノ角ゴ ProN W3" charset="0"/>
+                  <a:sym typeface="Gill Sans" charset="0"/>
+                </a:defRPr>
+              </a:lvl5pPr>
+              <a:lvl6pPr marL="2514600" indent="-228600" algn="ctr" eaLnBrk="0" fontAlgn="base" hangingPunct="0">
+                <a:spcBef>
+                  <a:spcPct val="0"/>
+                </a:spcBef>
+                <a:spcAft>
+                  <a:spcPct val="0"/>
+                </a:spcAft>
+                <a:defRPr sz="4300">
+                  <a:solidFill>
+                    <a:srgbClr val="000000"/>
+                  </a:solidFill>
+                  <a:latin typeface="Gill Sans" charset="0"/>
+                  <a:ea typeface="ヒラギノ角ゴ ProN W3" charset="0"/>
+                  <a:cs typeface="ヒラギノ角ゴ ProN W3" charset="0"/>
+                  <a:sym typeface="Gill Sans" charset="0"/>
+                </a:defRPr>
+              </a:lvl6pPr>
+              <a:lvl7pPr marL="2971800" indent="-228600" algn="ctr" eaLnBrk="0" fontAlgn="base" hangingPunct="0">
+                <a:spcBef>
+                  <a:spcPct val="0"/>
+                </a:spcBef>
+                <a:spcAft>
+                  <a:spcPct val="0"/>
+                </a:spcAft>
+                <a:defRPr sz="4300">
+                  <a:solidFill>
+                    <a:srgbClr val="000000"/>
+                  </a:solidFill>
+                  <a:latin typeface="Gill Sans" charset="0"/>
+                  <a:ea typeface="ヒラギノ角ゴ ProN W3" charset="0"/>
+                  <a:cs typeface="ヒラギノ角ゴ ProN W3" charset="0"/>
+                  <a:sym typeface="Gill Sans" charset="0"/>
+                </a:defRPr>
+              </a:lvl7pPr>
+              <a:lvl8pPr marL="3429000" indent="-228600" algn="ctr" eaLnBrk="0" fontAlgn="base" hangingPunct="0">
+                <a:spcBef>
+                  <a:spcPct val="0"/>
+                </a:spcBef>
+                <a:spcAft>
+                  <a:spcPct val="0"/>
+                </a:spcAft>
+                <a:defRPr sz="4300">
+                  <a:solidFill>
+                    <a:srgbClr val="000000"/>
+                  </a:solidFill>
+                  <a:latin typeface="Gill Sans" charset="0"/>
+                  <a:ea typeface="ヒラギノ角ゴ ProN W3" charset="0"/>
+                  <a:cs typeface="ヒラギノ角ゴ ProN W3" charset="0"/>
+                  <a:sym typeface="Gill Sans" charset="0"/>
+                </a:defRPr>
+              </a:lvl8pPr>
+              <a:lvl9pPr marL="3886200" indent="-228600" algn="ctr" eaLnBrk="0" fontAlgn="base" hangingPunct="0">
+                <a:spcBef>
+                  <a:spcPct val="0"/>
+                </a:spcBef>
+                <a:spcAft>
+                  <a:spcPct val="0"/>
+                </a:spcAft>
+                <a:defRPr sz="4300">
+                  <a:solidFill>
+                    <a:srgbClr val="000000"/>
+                  </a:solidFill>
+                  <a:latin typeface="Gill Sans" charset="0"/>
+                  <a:ea typeface="ヒラギノ角ゴ ProN W3" charset="0"/>
+                  <a:cs typeface="ヒラギノ角ゴ ProN W3" charset="0"/>
+                  <a:sym typeface="Gill Sans" charset="0"/>
+                </a:defRPr>
+              </a:lvl9pPr>
+            </a:lstStyle>
+            <a:p>
+              <a:pPr eaLnBrk="1" hangingPunct="1"/>
+              <a:r>
+                <a:rPr lang="en-US" sz="2000" dirty="0" smtClean="0"/>
+                <a:t>Container</a:t>
+              </a:r>
+              <a:endParaRPr lang="en-US" sz="2000" dirty="0"/>
+            </a:p>
+          </p:txBody>
+        </p:sp>
+        <p:sp>
+          <p:nvSpPr>
+            <p:cNvPr id="38927" name="TextBox 17"/>
+            <p:cNvSpPr txBox="1">
+              <a:spLocks noChangeArrowheads="1"/>
+            </p:cNvSpPr>
+            <p:nvPr/>
+          </p:nvSpPr>
+          <p:spPr bwMode="auto">
+            <a:xfrm>
+              <a:off x="5758077" y="3717032"/>
+              <a:ext cx="1696876" cy="681974"/>
+            </a:xfrm>
+            <a:prstGeom prst="rect">
+              <a:avLst/>
+            </a:prstGeom>
+            <a:noFill/>
+            <a:ln>
+              <a:noFill/>
+            </a:ln>
+            <a:extLst>
+              <a:ext uri="{909E8E84-426E-40dd-AFC4-6F175D3DCCD1}">
+                <a14:hiddenFill xmlns:a14="http://schemas.microsoft.com/office/drawing/2010/main">
+                  <a:solidFill>
+                    <a:srgbClr val="FFFFFF"/>
+                  </a:solidFill>
+                </a14:hiddenFill>
+              </a:ext>
+              <a:ext uri="{91240B29-F687-4f45-9708-019B960494DF}">
+                <a14:hiddenLine xmlns:a14="http://schemas.microsoft.com/office/drawing/2010/main" w="9525">
+                  <a:solidFill>
+                    <a:srgbClr val="000000"/>
+                  </a:solidFill>
+                  <a:miter lim="800000"/>
+                  <a:headEnd/>
+                  <a:tailEnd/>
+                </a14:hiddenLine>
+              </a:ext>
+            </a:extLst>
+          </p:spPr>
+          <p:txBody>
+            <a:bodyPr wrap="none">
+              <a:spAutoFit/>
+            </a:bodyPr>
+            <a:lstStyle>
+              <a:lvl1pPr eaLnBrk="0" hangingPunct="0">
+                <a:defRPr sz="4300">
+                  <a:solidFill>
+                    <a:srgbClr val="000000"/>
+                  </a:solidFill>
+                  <a:latin typeface="Gill Sans" charset="0"/>
+                  <a:ea typeface="ヒラギノ角ゴ ProN W3" charset="0"/>
+                  <a:cs typeface="ヒラギノ角ゴ ProN W3" charset="0"/>
+                  <a:sym typeface="Gill Sans" charset="0"/>
+                </a:defRPr>
+              </a:lvl1pPr>
+              <a:lvl2pPr marL="742950" indent="-285750" eaLnBrk="0" hangingPunct="0">
+                <a:defRPr sz="4300">
+                  <a:solidFill>
+                    <a:srgbClr val="000000"/>
+                  </a:solidFill>
+                  <a:latin typeface="Gill Sans" charset="0"/>
+                  <a:ea typeface="ヒラギノ角ゴ ProN W3" charset="0"/>
+                  <a:cs typeface="ヒラギノ角ゴ ProN W3" charset="0"/>
+                  <a:sym typeface="Gill Sans" charset="0"/>
+                </a:defRPr>
+              </a:lvl2pPr>
+              <a:lvl3pPr marL="1143000" indent="-228600" eaLnBrk="0" hangingPunct="0">
+                <a:defRPr sz="4300">
+                  <a:solidFill>
+                    <a:srgbClr val="000000"/>
+                  </a:solidFill>
+                  <a:latin typeface="Gill Sans" charset="0"/>
+                  <a:ea typeface="ヒラギノ角ゴ ProN W3" charset="0"/>
+                  <a:cs typeface="ヒラギノ角ゴ ProN W3" charset="0"/>
+                  <a:sym typeface="Gill Sans" charset="0"/>
+                </a:defRPr>
+              </a:lvl3pPr>
+              <a:lvl4pPr marL="1600200" indent="-228600" eaLnBrk="0" hangingPunct="0">
+                <a:defRPr sz="4300">
+                  <a:solidFill>
+                    <a:srgbClr val="000000"/>
+                  </a:solidFill>
+                  <a:latin typeface="Gill Sans" charset="0"/>
+                  <a:ea typeface="ヒラギノ角ゴ ProN W3" charset="0"/>
+                  <a:cs typeface="ヒラギノ角ゴ ProN W3" charset="0"/>
+                  <a:sym typeface="Gill Sans" charset="0"/>
+                </a:defRPr>
+              </a:lvl4pPr>
+              <a:lvl5pPr marL="2057400" indent="-228600" eaLnBrk="0" hangingPunct="0">
+                <a:defRPr sz="4300">
+                  <a:solidFill>
+                    <a:srgbClr val="000000"/>
+                  </a:solidFill>
+                  <a:latin typeface="Gill Sans" charset="0"/>
+                  <a:ea typeface="ヒラギノ角ゴ ProN W3" charset="0"/>
+                  <a:cs typeface="ヒラギノ角ゴ ProN W3" charset="0"/>
+                  <a:sym typeface="Gill Sans" charset="0"/>
+                </a:defRPr>
+              </a:lvl5pPr>
+              <a:lvl6pPr marL="2514600" indent="-228600" algn="ctr" eaLnBrk="0" fontAlgn="base" hangingPunct="0">
+                <a:spcBef>
+                  <a:spcPct val="0"/>
+                </a:spcBef>
+                <a:spcAft>
+                  <a:spcPct val="0"/>
+                </a:spcAft>
+                <a:defRPr sz="4300">
+                  <a:solidFill>
+                    <a:srgbClr val="000000"/>
+                  </a:solidFill>
+                  <a:latin typeface="Gill Sans" charset="0"/>
+                  <a:ea typeface="ヒラギノ角ゴ ProN W3" charset="0"/>
+                  <a:cs typeface="ヒラギノ角ゴ ProN W3" charset="0"/>
+                  <a:sym typeface="Gill Sans" charset="0"/>
+                </a:defRPr>
+              </a:lvl6pPr>
+              <a:lvl7pPr marL="2971800" indent="-228600" algn="ctr" eaLnBrk="0" fontAlgn="base" hangingPunct="0">
+                <a:spcBef>
+                  <a:spcPct val="0"/>
+                </a:spcBef>
+                <a:spcAft>
+                  <a:spcPct val="0"/>
+                </a:spcAft>
+                <a:defRPr sz="4300">
+                  <a:solidFill>
+                    <a:srgbClr val="000000"/>
+                  </a:solidFill>
+                  <a:latin typeface="Gill Sans" charset="0"/>
+                  <a:ea typeface="ヒラギノ角ゴ ProN W3" charset="0"/>
+                  <a:cs typeface="ヒラギノ角ゴ ProN W3" charset="0"/>
+                  <a:sym typeface="Gill Sans" charset="0"/>
+                </a:defRPr>
+              </a:lvl7pPr>
+              <a:lvl8pPr marL="3429000" indent="-228600" algn="ctr" eaLnBrk="0" fontAlgn="base" hangingPunct="0">
+                <a:spcBef>
+                  <a:spcPct val="0"/>
+                </a:spcBef>
+                <a:spcAft>
+                  <a:spcPct val="0"/>
+                </a:spcAft>
+                <a:defRPr sz="4300">
+                  <a:solidFill>
+                    <a:srgbClr val="000000"/>
+                  </a:solidFill>
+                  <a:latin typeface="Gill Sans" charset="0"/>
+                  <a:ea typeface="ヒラギノ角ゴ ProN W3" charset="0"/>
+                  <a:cs typeface="ヒラギノ角ゴ ProN W3" charset="0"/>
+                  <a:sym typeface="Gill Sans" charset="0"/>
+                </a:defRPr>
+              </a:lvl8pPr>
+              <a:lvl9pPr marL="3886200" indent="-228600" algn="ctr" eaLnBrk="0" fontAlgn="base" hangingPunct="0">
+                <a:spcBef>
+                  <a:spcPct val="0"/>
+                </a:spcBef>
+                <a:spcAft>
+                  <a:spcPct val="0"/>
+                </a:spcAft>
+                <a:defRPr sz="4300">
+                  <a:solidFill>
+                    <a:srgbClr val="000000"/>
+                  </a:solidFill>
+                  <a:latin typeface="Gill Sans" charset="0"/>
+                  <a:ea typeface="ヒラギノ角ゴ ProN W3" charset="0"/>
+                  <a:cs typeface="ヒラギノ角ゴ ProN W3" charset="0"/>
+                  <a:sym typeface="Gill Sans" charset="0"/>
+                </a:defRPr>
+              </a:lvl9pPr>
+            </a:lstStyle>
+            <a:p>
+              <a:pPr eaLnBrk="1" hangingPunct="1"/>
+              <a:r>
+                <a:rPr lang="en-US" sz="2000" dirty="0" smtClean="0"/>
+                <a:t>Shared Process</a:t>
+              </a:r>
+              <a:endParaRPr lang="en-US" sz="2000" dirty="0"/>
+            </a:p>
+            <a:p>
+              <a:pPr eaLnBrk="1" hangingPunct="1"/>
+              <a:endParaRPr lang="en-US" sz="2000" dirty="0"/>
+            </a:p>
+          </p:txBody>
+        </p:sp>
+      </p:grpSp>
+    </p:spTree>
+    <p:extLst>
+      <p:ext uri="{BB962C8B-B14F-4D97-AF65-F5344CB8AC3E}">
+        <p14:creationId xmlns:p14="http://schemas.microsoft.com/office/powerpoint/2010/main" val="3790432861"/>
+      </p:ext>
+    </p:extLst>
+  </p:cSld>
+  <p:clrMapOvr>
+    <a:masterClrMapping/>
+  </p:clrMapOvr>
+  <mc:AlternateContent xmlns:mc="http://schemas.openxmlformats.org/markup-compatibility/2006" xmlns:p14="http://schemas.microsoft.com/office/powerpoint/2010/main">
+    <mc:Choice Requires="p14">
+      <p:transition spd="slow" p14:dur="2000"/>
+    </mc:Choice>
+    <mc:Fallback xmlns="">
+      <p:transition xmlns:p14="http://schemas.microsoft.com/office/powerpoint/2010/main" spd="slow"/>
+    </mc:Fallback>
+  </mc:AlternateContent>
+  <p:timing>
+    <p:tnLst>
+      <p:par>
+        <p:cTn xmlns:p14="http://schemas.microsoft.com/office/powerpoint/2010/main" id="1" dur="indefinite" restart="never" nodeType="tmRoot"/>
+      </p:par>
+    </p:tnLst>
+  </p:timing>
+</p:sld>
+</file>
+
+<file path=ppt/slides/slide12.xml><?xml version="1.0" encoding="utf-8"?>
+<p:sld xmlns:a="http://schemas.openxmlformats.org/drawingml/2006/main" xmlns:r="http://schemas.openxmlformats.org/officeDocument/2006/relationships" xmlns:p="http://schemas.openxmlformats.org/presentationml/2006/main">
+  <p:cSld>
+    <p:spTree>
+      <p:nvGrpSpPr>
+        <p:cNvPr id="1" name=""/>
+        <p:cNvGrpSpPr/>
+        <p:nvPr/>
+      </p:nvGrpSpPr>
+      <p:grpSpPr>
+        <a:xfrm>
+          <a:off x="0" y="0"/>
+          <a:ext cx="0" cy="0"/>
+          <a:chOff x="0" y="0"/>
+          <a:chExt cx="0" cy="0"/>
+        </a:xfrm>
+      </p:grpSpPr>
+      <p:sp>
+        <p:nvSpPr>
+          <p:cNvPr id="115714" name="Rectangle 2"/>
+          <p:cNvSpPr>
+            <a:spLocks noGrp="1"/>
+          </p:cNvSpPr>
+          <p:nvPr>
+            <p:ph type="title"/>
+          </p:nvPr>
+        </p:nvSpPr>
+        <p:spPr/>
+        <p:txBody>
+          <a:bodyPr/>
+          <a:lstStyle/>
+          <a:p>
+            <a:r>
+              <a:rPr lang="en-GB" sz="3200" dirty="0"/>
+              <a:t>Performance Overhead of Multi</a:t>
+            </a:r>
+            <a:r>
+              <a:rPr lang="en-GB" sz="3200" dirty="0" smtClean="0"/>
+              <a:t>-</a:t>
+            </a:r>
+            <a:r>
+              <a:rPr lang="en-GB" sz="3200" dirty="0"/>
+              <a:t>T</a:t>
+            </a:r>
+            <a:r>
+              <a:rPr lang="en-GB" sz="3200" dirty="0" smtClean="0"/>
+              <a:t>enancy in WSO2 Carbon platform</a:t>
+            </a:r>
+            <a:endParaRPr lang="en-GB" sz="3200" dirty="0"/>
+          </a:p>
+        </p:txBody>
+      </p:sp>
+      <p:pic>
+        <p:nvPicPr>
+          <p:cNvPr id="3" name="Picture 2"/>
+          <p:cNvPicPr>
+            <a:picLocks noChangeAspect="1"/>
+          </p:cNvPicPr>
+          <p:nvPr/>
+        </p:nvPicPr>
+        <p:blipFill>
+          <a:blip r:embed="rId2"/>
+          <a:stretch>
+            <a:fillRect/>
+          </a:stretch>
+        </p:blipFill>
+        <p:spPr>
+          <a:xfrm>
+            <a:off x="0" y="1417638"/>
+            <a:ext cx="9144000" cy="3239311"/>
+          </a:xfrm>
+          <a:prstGeom prst="rect">
+            <a:avLst/>
+          </a:prstGeom>
+        </p:spPr>
+      </p:pic>
+      <p:sp>
+        <p:nvSpPr>
+          <p:cNvPr id="4" name="Rectangle 3"/>
+          <p:cNvSpPr/>
+          <p:nvPr/>
+        </p:nvSpPr>
+        <p:spPr>
+          <a:xfrm>
+            <a:off x="457199" y="4981381"/>
+            <a:ext cx="8027427" cy="1077218"/>
+          </a:xfrm>
+          <a:prstGeom prst="rect">
+            <a:avLst/>
+          </a:prstGeom>
+        </p:spPr>
+        <p:txBody>
+          <a:bodyPr wrap="square">
+            <a:spAutoFit/>
+          </a:bodyPr>
+          <a:lstStyle/>
+          <a:p>
+            <a:r>
+              <a:rPr lang="en-US" sz="1600" dirty="0" err="1"/>
+              <a:t>Azeez</a:t>
+            </a:r>
+            <a:r>
+              <a:rPr lang="en-US" sz="1600" dirty="0"/>
+              <a:t>, </a:t>
+            </a:r>
+            <a:r>
+              <a:rPr lang="en-US" sz="1600" dirty="0" err="1"/>
+              <a:t>Afkham</a:t>
+            </a:r>
+            <a:r>
+              <a:rPr lang="en-US" sz="1600" dirty="0"/>
+              <a:t>, </a:t>
+            </a:r>
+            <a:r>
+              <a:rPr lang="en-US" sz="1600" dirty="0" err="1"/>
+              <a:t>Srinath</a:t>
+            </a:r>
+            <a:r>
+              <a:rPr lang="en-US" sz="1600" dirty="0"/>
+              <a:t> </a:t>
+            </a:r>
+            <a:r>
+              <a:rPr lang="en-US" sz="1600" dirty="0" err="1"/>
+              <a:t>Perera</a:t>
+            </a:r>
+            <a:r>
+              <a:rPr lang="en-US" sz="1600" dirty="0"/>
+              <a:t>, </a:t>
+            </a:r>
+            <a:r>
+              <a:rPr lang="en-US" sz="1600" dirty="0" err="1"/>
+              <a:t>Dimuthu</a:t>
+            </a:r>
+            <a:r>
+              <a:rPr lang="en-US" sz="1600" dirty="0"/>
+              <a:t> </a:t>
+            </a:r>
+            <a:r>
+              <a:rPr lang="en-US" sz="1600" dirty="0" err="1"/>
+              <a:t>Gamage</a:t>
+            </a:r>
+            <a:r>
+              <a:rPr lang="en-US" sz="1600" dirty="0"/>
+              <a:t>, </a:t>
+            </a:r>
+            <a:r>
+              <a:rPr lang="en-US" sz="1600" dirty="0" err="1"/>
+              <a:t>Ruwan</a:t>
+            </a:r>
+            <a:r>
+              <a:rPr lang="en-US" sz="1600" dirty="0"/>
+              <a:t> Linton, </a:t>
+            </a:r>
+            <a:r>
+              <a:rPr lang="en-US" sz="1600" dirty="0" err="1"/>
+              <a:t>Prabath</a:t>
+            </a:r>
+            <a:r>
+              <a:rPr lang="en-US" sz="1600" dirty="0"/>
+              <a:t> </a:t>
+            </a:r>
+            <a:r>
+              <a:rPr lang="en-US" sz="1600" dirty="0" err="1"/>
+              <a:t>Siriwardana</a:t>
+            </a:r>
+            <a:r>
+              <a:rPr lang="en-US" sz="1600" dirty="0"/>
+              <a:t>, </a:t>
+            </a:r>
+            <a:r>
+              <a:rPr lang="en-US" sz="1600" dirty="0" err="1"/>
+              <a:t>Dimuthu</a:t>
+            </a:r>
+            <a:r>
+              <a:rPr lang="en-US" sz="1600" dirty="0"/>
+              <a:t> </a:t>
+            </a:r>
+            <a:r>
+              <a:rPr lang="en-US" sz="1600" dirty="0" err="1"/>
+              <a:t>Leelaratne</a:t>
+            </a:r>
+            <a:r>
+              <a:rPr lang="en-US" sz="1600" dirty="0"/>
+              <a:t>, </a:t>
+            </a:r>
+            <a:r>
+              <a:rPr lang="en-US" sz="1600" dirty="0" err="1"/>
+              <a:t>Sanjiva</a:t>
+            </a:r>
+            <a:r>
+              <a:rPr lang="en-US" sz="1600" dirty="0"/>
+              <a:t> </a:t>
+            </a:r>
+            <a:r>
+              <a:rPr lang="en-US" sz="1600" dirty="0" err="1"/>
+              <a:t>Weerawarana</a:t>
+            </a:r>
+            <a:r>
+              <a:rPr lang="en-US" sz="1600" dirty="0"/>
+              <a:t>, and Paul Fremantle. </a:t>
+            </a:r>
+            <a:r>
+              <a:rPr lang="en-US" sz="1600" i="1" dirty="0"/>
+              <a:t>"Multi-tenant SOA middleware for cloud computing."</a:t>
+            </a:r>
+            <a:r>
+              <a:rPr lang="en-US" sz="1600" dirty="0"/>
+              <a:t> In Cloud computing (cloud), 2010 </a:t>
+            </a:r>
+            <a:r>
+              <a:rPr lang="en-US" sz="1600" dirty="0" err="1"/>
+              <a:t>ieee</a:t>
+            </a:r>
+            <a:r>
+              <a:rPr lang="en-US" sz="1600" dirty="0"/>
+              <a:t> 3rd international conference on, pp. 458-465. IEEE, 2010.</a:t>
+            </a:r>
+          </a:p>
+        </p:txBody>
+      </p:sp>
+    </p:spTree>
+    <p:extLst>
+      <p:ext uri="{BB962C8B-B14F-4D97-AF65-F5344CB8AC3E}">
+        <p14:creationId xmlns:p14="http://schemas.microsoft.com/office/powerpoint/2010/main" val="3961417110"/>
+      </p:ext>
+    </p:extLst>
+  </p:cSld>
+  <p:clrMapOvr>
+    <a:masterClrMapping/>
+  </p:clrMapOvr>
+</p:sld>
+</file>
+
+<file path=ppt/slides/slide13.xml><?xml version="1.0" encoding="utf-8"?>
+<p:sld xmlns:a="http://schemas.openxmlformats.org/drawingml/2006/main" xmlns:r="http://schemas.openxmlformats.org/officeDocument/2006/relationships" xmlns:p="http://schemas.openxmlformats.org/presentationml/2006/main">
+  <p:cSld>
+    <p:spTree>
+      <p:nvGrpSpPr>
+        <p:cNvPr id="1" name=""/>
+        <p:cNvGrpSpPr/>
+        <p:nvPr/>
+      </p:nvGrpSpPr>
+      <p:grpSpPr>
+        <a:xfrm>
+          <a:off x="0" y="0"/>
+          <a:ext cx="0" cy="0"/>
+          <a:chOff x="0" y="0"/>
+          <a:chExt cx="0" cy="0"/>
+        </a:xfrm>
+      </p:grpSpPr>
+      <p:pic>
+        <p:nvPicPr>
+          <p:cNvPr id="4" name="Picture 3"/>
+          <p:cNvPicPr>
+            <a:picLocks noChangeAspect="1"/>
+          </p:cNvPicPr>
+          <p:nvPr/>
+        </p:nvPicPr>
+        <p:blipFill>
+          <a:blip r:embed="rId2"/>
+          <a:stretch>
+            <a:fillRect/>
+          </a:stretch>
+        </p:blipFill>
+        <p:spPr>
+          <a:xfrm>
+            <a:off x="1092200" y="1943100"/>
+            <a:ext cx="6959600" cy="2959100"/>
+          </a:xfrm>
+          <a:prstGeom prst="rect">
+            <a:avLst/>
+          </a:prstGeom>
+        </p:spPr>
+      </p:pic>
+    </p:spTree>
+    <p:extLst>
+      <p:ext uri="{BB962C8B-B14F-4D97-AF65-F5344CB8AC3E}">
+        <p14:creationId xmlns:p14="http://schemas.microsoft.com/office/powerpoint/2010/main" val="576118812"/>
+      </p:ext>
+    </p:extLst>
+  </p:cSld>
+  <p:clrMapOvr>
+    <a:masterClrMapping/>
+  </p:clrMapOvr>
+</p:sld>
+</file>
+
+<file path=ppt/slides/slide14.xml><?xml version="1.0" encoding="utf-8"?>
+<p:sld xmlns:a="http://schemas.openxmlformats.org/drawingml/2006/main" xmlns:r="http://schemas.openxmlformats.org/officeDocument/2006/relationships" xmlns:p="http://schemas.openxmlformats.org/presentationml/2006/main">
+  <p:cSld>
+    <p:spTree>
+      <p:nvGrpSpPr>
+        <p:cNvPr id="1" name=""/>
+        <p:cNvGrpSpPr/>
+        <p:nvPr/>
+      </p:nvGrpSpPr>
+      <p:grpSpPr>
+        <a:xfrm>
+          <a:off x="0" y="0"/>
+          <a:ext cx="0" cy="0"/>
+          <a:chOff x="0" y="0"/>
+          <a:chExt cx="0" cy="0"/>
+        </a:xfrm>
+      </p:grpSpPr>
+      <p:sp>
+        <p:nvSpPr>
+          <p:cNvPr id="2" name="Title 1"/>
+          <p:cNvSpPr>
+            <a:spLocks noGrp="1"/>
+          </p:cNvSpPr>
+          <p:nvPr>
+            <p:ph type="title"/>
+          </p:nvPr>
+        </p:nvSpPr>
+        <p:spPr/>
+        <p:txBody>
+          <a:bodyPr/>
+          <a:lstStyle/>
+          <a:p>
+            <a:r>
+              <a:rPr lang="en-US" dirty="0" smtClean="0"/>
+              <a:t>Speedup</a:t>
+            </a:r>
+            <a:endParaRPr lang="en-US" dirty="0"/>
+          </a:p>
+        </p:txBody>
+      </p:sp>
+      <p:sp>
+        <p:nvSpPr>
+          <p:cNvPr id="3" name="Content Placeholder 2"/>
+          <p:cNvSpPr>
+            <a:spLocks noGrp="1"/>
+          </p:cNvSpPr>
+          <p:nvPr>
+            <p:ph idx="1"/>
+          </p:nvPr>
+        </p:nvSpPr>
+        <p:spPr/>
+        <p:txBody>
+          <a:bodyPr/>
+          <a:lstStyle/>
+          <a:p>
+            <a:r>
+              <a:rPr lang="en-US" dirty="0" smtClean="0"/>
+              <a:t>The </a:t>
+            </a:r>
+            <a:r>
+              <a:rPr lang="en-US" b="1" dirty="0" smtClean="0"/>
+              <a:t>speedup</a:t>
+            </a:r>
+            <a:r>
+              <a:rPr lang="en-US" dirty="0" smtClean="0"/>
+              <a:t> is defined as the performance of new / performance of old</a:t>
+            </a:r>
+          </a:p>
+          <a:p>
+            <a:pPr lvl="1"/>
+            <a:r>
+              <a:rPr lang="en-US" dirty="0" smtClean="0"/>
+              <a:t>e.g. move from 1 -&gt; 2 servers</a:t>
+            </a:r>
+          </a:p>
+          <a:p>
+            <a:pPr lvl="1"/>
+            <a:r>
+              <a:rPr lang="en-US" dirty="0" smtClean="0"/>
+              <a:t>New system is 1.8 x faster than the old</a:t>
+            </a:r>
+          </a:p>
+          <a:p>
+            <a:pPr lvl="2"/>
+            <a:r>
+              <a:rPr lang="en-US" dirty="0" smtClean="0"/>
+              <a:t>In terms of transactions/sec (throughput)</a:t>
+            </a:r>
+          </a:p>
+          <a:p>
+            <a:pPr lvl="1"/>
+            <a:r>
+              <a:rPr lang="en-US" dirty="0" smtClean="0"/>
+              <a:t>Speedup = 1.8</a:t>
+            </a:r>
+            <a:endParaRPr lang="en-US" dirty="0"/>
+          </a:p>
+        </p:txBody>
+      </p:sp>
+    </p:spTree>
+    <p:extLst>
+      <p:ext uri="{BB962C8B-B14F-4D97-AF65-F5344CB8AC3E}">
+        <p14:creationId xmlns:p14="http://schemas.microsoft.com/office/powerpoint/2010/main" val="1234289546"/>
+      </p:ext>
+    </p:extLst>
+  </p:cSld>
+  <p:clrMapOvr>
+    <a:masterClrMapping/>
+  </p:clrMapOvr>
+</p:sld>
+</file>
+
+<file path=ppt/slides/slide15.xml><?xml version="1.0" encoding="utf-8"?>
+<p:sld xmlns:a="http://schemas.openxmlformats.org/drawingml/2006/main" xmlns:r="http://schemas.openxmlformats.org/officeDocument/2006/relationships" xmlns:p="http://schemas.openxmlformats.org/presentationml/2006/main">
+  <p:cSld>
+    <p:spTree>
+      <p:nvGrpSpPr>
+        <p:cNvPr id="1" name=""/>
+        <p:cNvGrpSpPr/>
+        <p:nvPr/>
+      </p:nvGrpSpPr>
+      <p:grpSpPr>
+        <a:xfrm>
+          <a:off x="0" y="0"/>
+          <a:ext cx="0" cy="0"/>
+          <a:chOff x="0" y="0"/>
+          <a:chExt cx="0" cy="0"/>
+        </a:xfrm>
+      </p:grpSpPr>
+      <p:sp>
+        <p:nvSpPr>
+          <p:cNvPr id="2" name="Title 1"/>
+          <p:cNvSpPr>
+            <a:spLocks noGrp="1"/>
+          </p:cNvSpPr>
+          <p:nvPr>
+            <p:ph type="title"/>
+          </p:nvPr>
+        </p:nvSpPr>
+        <p:spPr/>
+        <p:txBody>
+          <a:bodyPr/>
+          <a:lstStyle/>
+          <a:p>
+            <a:r>
+              <a:rPr lang="en-US" dirty="0" smtClean="0"/>
+              <a:t>What inhibits speedup?</a:t>
+            </a:r>
+            <a:endParaRPr lang="en-US" dirty="0"/>
+          </a:p>
+        </p:txBody>
+      </p:sp>
+      <p:sp>
+        <p:nvSpPr>
+          <p:cNvPr id="3" name="Content Placeholder 2"/>
+          <p:cNvSpPr>
+            <a:spLocks noGrp="1"/>
+          </p:cNvSpPr>
+          <p:nvPr>
+            <p:ph idx="1"/>
+          </p:nvPr>
+        </p:nvSpPr>
+        <p:spPr/>
+        <p:txBody>
+          <a:bodyPr/>
+          <a:lstStyle/>
+          <a:p>
+            <a:r>
+              <a:rPr lang="en-US" dirty="0" smtClean="0"/>
+              <a:t>In general you can split work into </a:t>
+            </a:r>
+          </a:p>
+          <a:p>
+            <a:pPr lvl="1"/>
+            <a:r>
+              <a:rPr lang="en-US" dirty="0" smtClean="0"/>
+              <a:t>Parallelizable and </a:t>
+            </a:r>
+          </a:p>
+          <a:p>
+            <a:pPr lvl="1"/>
+            <a:r>
+              <a:rPr lang="en-US" dirty="0" smtClean="0"/>
+              <a:t>Serial </a:t>
+            </a:r>
+          </a:p>
+          <a:p>
+            <a:pPr marL="457200" lvl="1" indent="0">
+              <a:buNone/>
+            </a:pPr>
+            <a:r>
+              <a:rPr lang="en-US" dirty="0" smtClean="0"/>
+              <a:t>	parts</a:t>
+            </a:r>
+          </a:p>
+          <a:p>
+            <a:r>
+              <a:rPr lang="en-US" dirty="0" smtClean="0"/>
+              <a:t>The serial parts stop you from scaling</a:t>
+            </a:r>
+            <a:endParaRPr lang="en-US" dirty="0"/>
+          </a:p>
+        </p:txBody>
+      </p:sp>
+    </p:spTree>
+    <p:extLst>
+      <p:ext uri="{BB962C8B-B14F-4D97-AF65-F5344CB8AC3E}">
+        <p14:creationId xmlns:p14="http://schemas.microsoft.com/office/powerpoint/2010/main" val="2087196827"/>
+      </p:ext>
+    </p:extLst>
+  </p:cSld>
+  <p:clrMapOvr>
+    <a:masterClrMapping/>
+  </p:clrMapOvr>
+</p:sld>
+</file>
+
+<file path=ppt/slides/slide16.xml><?xml version="1.0" encoding="utf-8"?>
+<p:sld xmlns:a="http://schemas.openxmlformats.org/drawingml/2006/main" xmlns:r="http://schemas.openxmlformats.org/officeDocument/2006/relationships" xmlns:p="http://schemas.openxmlformats.org/presentationml/2006/main">
+  <p:cSld>
+    <p:spTree>
+      <p:nvGrpSpPr>
+        <p:cNvPr id="1" name=""/>
+        <p:cNvGrpSpPr/>
+        <p:nvPr/>
+      </p:nvGrpSpPr>
+      <p:grpSpPr>
+        <a:xfrm>
+          <a:off x="0" y="0"/>
+          <a:ext cx="0" cy="0"/>
+          <a:chOff x="0" y="0"/>
+          <a:chExt cx="0" cy="0"/>
+        </a:xfrm>
+      </p:grpSpPr>
+      <p:sp>
+        <p:nvSpPr>
+          <p:cNvPr id="2" name="Title 1"/>
+          <p:cNvSpPr>
+            <a:spLocks noGrp="1"/>
+          </p:cNvSpPr>
+          <p:nvPr>
+            <p:ph type="title"/>
+          </p:nvPr>
+        </p:nvSpPr>
+        <p:spPr/>
+        <p:txBody>
+          <a:bodyPr>
+            <a:normAutofit/>
+          </a:bodyPr>
+          <a:lstStyle/>
+          <a:p>
+            <a:r>
+              <a:rPr lang="en-US" dirty="0" smtClean="0"/>
+              <a:t>Amdahl’s Law</a:t>
+            </a:r>
+            <a:br>
+              <a:rPr lang="en-US" dirty="0" smtClean="0"/>
+            </a:br>
+            <a:r>
+              <a:rPr lang="en-US" sz="2200" dirty="0" smtClean="0"/>
+              <a:t>Theoretical speedup given a fixed data size</a:t>
+            </a:r>
+            <a:endParaRPr lang="en-US" sz="2200" dirty="0"/>
+          </a:p>
+        </p:txBody>
+      </p:sp>
+      <p:sp>
+        <p:nvSpPr>
+          <p:cNvPr id="3" name="Content Placeholder 2"/>
+          <p:cNvSpPr>
+            <a:spLocks noGrp="1"/>
+          </p:cNvSpPr>
+          <p:nvPr>
+            <p:ph idx="1"/>
+          </p:nvPr>
+        </p:nvSpPr>
+        <p:spPr>
+          <a:xfrm>
+            <a:off x="375636" y="1600200"/>
+            <a:ext cx="2834010" cy="4525963"/>
+          </a:xfrm>
+        </p:spPr>
+        <p:txBody>
+          <a:bodyPr>
+            <a:normAutofit/>
+          </a:bodyPr>
+          <a:lstStyle/>
+          <a:p>
+            <a:pPr marL="0" indent="0">
+              <a:buNone/>
+            </a:pPr>
+            <a:r>
+              <a:rPr lang="en-US" sz="2000" dirty="0"/>
+              <a:t>The speedup of a program using multiple processors in parallel computing is limited by the time needed for the serial fraction of the </a:t>
+            </a:r>
+            <a:r>
+              <a:rPr lang="en-US" sz="2000" dirty="0" smtClean="0"/>
+              <a:t>program, given a fixed size of data</a:t>
+            </a:r>
+            <a:endParaRPr lang="en-US" sz="2000" dirty="0"/>
+          </a:p>
+        </p:txBody>
+      </p:sp>
+      <p:pic>
+        <p:nvPicPr>
+          <p:cNvPr id="4" name="Picture 3"/>
+          <p:cNvPicPr>
+            <a:picLocks noChangeAspect="1"/>
+          </p:cNvPicPr>
+          <p:nvPr/>
+        </p:nvPicPr>
+        <p:blipFill>
+          <a:blip r:embed="rId2"/>
+          <a:stretch>
+            <a:fillRect/>
+          </a:stretch>
+        </p:blipFill>
+        <p:spPr>
+          <a:xfrm>
+            <a:off x="3610178" y="1600200"/>
+            <a:ext cx="5310542" cy="3982907"/>
+          </a:xfrm>
+          <a:prstGeom prst="rect">
+            <a:avLst/>
+          </a:prstGeom>
+        </p:spPr>
+      </p:pic>
+    </p:spTree>
+    <p:extLst>
+      <p:ext uri="{BB962C8B-B14F-4D97-AF65-F5344CB8AC3E}">
+        <p14:creationId xmlns:p14="http://schemas.microsoft.com/office/powerpoint/2010/main" val="2101473019"/>
+      </p:ext>
+    </p:extLst>
+  </p:cSld>
+  <p:clrMapOvr>
+    <a:masterClrMapping/>
+  </p:clrMapOvr>
+</p:sld>
+</file>
+
+<file path=ppt/slides/slide17.xml><?xml version="1.0" encoding="utf-8"?>
+<p:sld xmlns:a="http://schemas.openxmlformats.org/drawingml/2006/main" xmlns:r="http://schemas.openxmlformats.org/officeDocument/2006/relationships" xmlns:p="http://schemas.openxmlformats.org/presentationml/2006/main">
+  <p:cSld>
+    <p:spTree>
+      <p:nvGrpSpPr>
+        <p:cNvPr id="1" name=""/>
+        <p:cNvGrpSpPr/>
+        <p:nvPr/>
+      </p:nvGrpSpPr>
+      <p:grpSpPr>
+        <a:xfrm>
+          <a:off x="0" y="0"/>
+          <a:ext cx="0" cy="0"/>
+          <a:chOff x="0" y="0"/>
+          <a:chExt cx="0" cy="0"/>
+        </a:xfrm>
+      </p:grpSpPr>
+      <p:sp>
+        <p:nvSpPr>
+          <p:cNvPr id="2" name="Title 1"/>
+          <p:cNvSpPr>
+            <a:spLocks noGrp="1"/>
+          </p:cNvSpPr>
+          <p:nvPr>
+            <p:ph type="title"/>
+          </p:nvPr>
+        </p:nvSpPr>
+        <p:spPr/>
+        <p:txBody>
+          <a:bodyPr>
+            <a:normAutofit/>
+          </a:bodyPr>
+          <a:lstStyle/>
+          <a:p>
+            <a:r>
+              <a:rPr lang="en-US" dirty="0" smtClean="0"/>
+              <a:t>Gustafson’s Law</a:t>
+            </a:r>
+            <a:br>
+              <a:rPr lang="en-US" dirty="0" smtClean="0"/>
+            </a:br>
+            <a:r>
+              <a:rPr lang="en-US" sz="2200" dirty="0" smtClean="0"/>
+              <a:t>What if the data increases too?</a:t>
+            </a:r>
+            <a:endParaRPr lang="en-US" dirty="0"/>
+          </a:p>
+        </p:txBody>
+      </p:sp>
+      <p:pic>
+        <p:nvPicPr>
+          <p:cNvPr id="4" name="Picture 3"/>
+          <p:cNvPicPr>
+            <a:picLocks noChangeAspect="1"/>
+          </p:cNvPicPr>
+          <p:nvPr/>
+        </p:nvPicPr>
+        <p:blipFill>
+          <a:blip r:embed="rId2"/>
+          <a:stretch>
+            <a:fillRect/>
+          </a:stretch>
+        </p:blipFill>
+        <p:spPr>
+          <a:xfrm>
+            <a:off x="317651" y="1417638"/>
+            <a:ext cx="7329677" cy="5144292"/>
+          </a:xfrm>
+          <a:prstGeom prst="rect">
+            <a:avLst/>
+          </a:prstGeom>
+        </p:spPr>
+      </p:pic>
+      <p:pic>
+        <p:nvPicPr>
+          <p:cNvPr id="5" name="Picture 4"/>
+          <p:cNvPicPr>
+            <a:picLocks noChangeAspect="1"/>
+          </p:cNvPicPr>
+          <p:nvPr/>
+        </p:nvPicPr>
+        <p:blipFill>
+          <a:blip r:embed="rId3"/>
+          <a:stretch>
+            <a:fillRect/>
+          </a:stretch>
+        </p:blipFill>
+        <p:spPr>
+          <a:xfrm>
+            <a:off x="2729723" y="1329889"/>
+            <a:ext cx="3647701" cy="493370"/>
+          </a:xfrm>
+          <a:prstGeom prst="rect">
+            <a:avLst/>
+          </a:prstGeom>
+        </p:spPr>
+      </p:pic>
+      <p:sp>
+        <p:nvSpPr>
+          <p:cNvPr id="6" name="TextBox 5"/>
+          <p:cNvSpPr txBox="1"/>
+          <p:nvPr/>
+        </p:nvSpPr>
+        <p:spPr>
+          <a:xfrm>
+            <a:off x="86714" y="6156039"/>
+            <a:ext cx="2643009" cy="646331"/>
+          </a:xfrm>
+          <a:prstGeom prst="rect">
+            <a:avLst/>
+          </a:prstGeom>
+          <a:noFill/>
+        </p:spPr>
+        <p:txBody>
+          <a:bodyPr wrap="none" rtlCol="0">
+            <a:spAutoFit/>
+          </a:bodyPr>
+          <a:lstStyle/>
+          <a:p>
+            <a:r>
+              <a:rPr lang="en-US" dirty="0" smtClean="0"/>
+              <a:t>α is the largest </a:t>
+            </a:r>
+          </a:p>
+          <a:p>
+            <a:r>
+              <a:rPr lang="en-US" dirty="0" smtClean="0"/>
+              <a:t>non-parallelizable fraction </a:t>
+            </a:r>
+            <a:endParaRPr lang="en-US" dirty="0"/>
+          </a:p>
+        </p:txBody>
+      </p:sp>
+    </p:spTree>
+    <p:extLst>
+      <p:ext uri="{BB962C8B-B14F-4D97-AF65-F5344CB8AC3E}">
+        <p14:creationId xmlns:p14="http://schemas.microsoft.com/office/powerpoint/2010/main" val="1572250747"/>
+      </p:ext>
+    </p:extLst>
+  </p:cSld>
+  <p:clrMapOvr>
+    <a:masterClrMapping/>
+  </p:clrMapOvr>
+</p:sld>
+</file>
+
+<file path=ppt/slides/slide18.xml><?xml version="1.0" encoding="utf-8"?>
+<p:sld xmlns:a="http://schemas.openxmlformats.org/drawingml/2006/main" xmlns:r="http://schemas.openxmlformats.org/officeDocument/2006/relationships" xmlns:p="http://schemas.openxmlformats.org/presentationml/2006/main">
+  <p:cSld>
+    <p:spTree>
+      <p:nvGrpSpPr>
+        <p:cNvPr id="1" name=""/>
+        <p:cNvGrpSpPr/>
+        <p:nvPr/>
+      </p:nvGrpSpPr>
+      <p:grpSpPr>
+        <a:xfrm>
+          <a:off x="0" y="0"/>
+          <a:ext cx="0" cy="0"/>
+          <a:chOff x="0" y="0"/>
+          <a:chExt cx="0" cy="0"/>
+        </a:xfrm>
+      </p:grpSpPr>
+      <p:sp>
+        <p:nvSpPr>
+          <p:cNvPr id="2" name="Title 1"/>
+          <p:cNvSpPr>
+            <a:spLocks noGrp="1"/>
+          </p:cNvSpPr>
+          <p:nvPr>
+            <p:ph type="title"/>
+          </p:nvPr>
+        </p:nvSpPr>
+        <p:spPr/>
+        <p:txBody>
+          <a:bodyPr/>
+          <a:lstStyle/>
+          <a:p>
+            <a:r>
+              <a:rPr lang="en-US" dirty="0" smtClean="0"/>
+              <a:t>A driving metaphor</a:t>
+            </a:r>
+            <a:endParaRPr lang="en-US" dirty="0"/>
+          </a:p>
+        </p:txBody>
+      </p:sp>
+      <p:sp>
+        <p:nvSpPr>
+          <p:cNvPr id="3" name="Content Placeholder 2"/>
+          <p:cNvSpPr>
+            <a:spLocks noGrp="1"/>
+          </p:cNvSpPr>
+          <p:nvPr>
+            <p:ph idx="1"/>
+          </p:nvPr>
+        </p:nvSpPr>
+        <p:spPr/>
+        <p:txBody>
+          <a:bodyPr>
+            <a:normAutofit lnSpcReduction="10000"/>
+          </a:bodyPr>
+          <a:lstStyle/>
+          <a:p>
+            <a:r>
+              <a:rPr lang="en-US" b="1" dirty="0" smtClean="0"/>
+              <a:t>Amdahl’s Law</a:t>
+            </a:r>
+          </a:p>
+          <a:p>
+            <a:pPr lvl="1"/>
+            <a:r>
+              <a:rPr lang="en-US" dirty="0" smtClean="0"/>
+              <a:t>You are travelling to London (60 miles)</a:t>
+            </a:r>
+          </a:p>
+          <a:p>
+            <a:pPr lvl="1"/>
+            <a:r>
+              <a:rPr lang="en-US" dirty="0" smtClean="0"/>
+              <a:t>30 miles in you have spent one hour</a:t>
+            </a:r>
+          </a:p>
+          <a:p>
+            <a:pPr lvl="1"/>
+            <a:r>
+              <a:rPr lang="en-US" dirty="0" smtClean="0"/>
+              <a:t>You can never average &gt; 60 mph</a:t>
+            </a:r>
+          </a:p>
+          <a:p>
+            <a:r>
+              <a:rPr lang="en-US" b="1" dirty="0" smtClean="0"/>
+              <a:t>Gustafson’s Law</a:t>
+            </a:r>
+          </a:p>
+          <a:p>
+            <a:pPr lvl="1"/>
+            <a:r>
+              <a:rPr lang="en-US" dirty="0" smtClean="0"/>
+              <a:t>You are travelling across the US</a:t>
+            </a:r>
+          </a:p>
+          <a:p>
+            <a:pPr lvl="1"/>
+            <a:r>
+              <a:rPr lang="en-US" dirty="0" smtClean="0"/>
+              <a:t>You’ve spent an hour at 30 mph</a:t>
+            </a:r>
+          </a:p>
+          <a:p>
+            <a:pPr lvl="1"/>
+            <a:r>
+              <a:rPr lang="en-US" dirty="0" smtClean="0"/>
+              <a:t>You can achieve any average speed given enough time and distance</a:t>
+            </a:r>
+            <a:endParaRPr lang="en-US" dirty="0"/>
+          </a:p>
+        </p:txBody>
+      </p:sp>
+    </p:spTree>
+    <p:extLst>
+      <p:ext uri="{BB962C8B-B14F-4D97-AF65-F5344CB8AC3E}">
+        <p14:creationId xmlns:p14="http://schemas.microsoft.com/office/powerpoint/2010/main" val="3394636178"/>
+      </p:ext>
+    </p:extLst>
+  </p:cSld>
+  <p:clrMapOvr>
+    <a:masterClrMapping/>
+  </p:clrMapOvr>
+</p:sld>
+</file>
+
+<file path=ppt/slides/slide19.xml><?xml version="1.0" encoding="utf-8"?>
+<p:sld xmlns:a="http://schemas.openxmlformats.org/drawingml/2006/main" xmlns:r="http://schemas.openxmlformats.org/officeDocument/2006/relationships" xmlns:p="http://schemas.openxmlformats.org/presentationml/2006/main">
+  <p:cSld>
+    <p:spTree>
+      <p:nvGrpSpPr>
+        <p:cNvPr id="1" name=""/>
+        <p:cNvGrpSpPr/>
+        <p:nvPr/>
+      </p:nvGrpSpPr>
+      <p:grpSpPr>
+        <a:xfrm>
+          <a:off x="0" y="0"/>
+          <a:ext cx="0" cy="0"/>
+          <a:chOff x="0" y="0"/>
+          <a:chExt cx="0" cy="0"/>
+        </a:xfrm>
+      </p:grpSpPr>
+      <p:sp>
+        <p:nvSpPr>
+          <p:cNvPr id="2" name="Title 1"/>
+          <p:cNvSpPr>
+            <a:spLocks noGrp="1"/>
+          </p:cNvSpPr>
+          <p:nvPr>
+            <p:ph type="title"/>
+          </p:nvPr>
+        </p:nvSpPr>
+        <p:spPr/>
+        <p:txBody>
+          <a:bodyPr>
+            <a:normAutofit fontScale="90000"/>
+          </a:bodyPr>
+          <a:lstStyle/>
+          <a:p>
+            <a:r>
+              <a:rPr lang="en-US" dirty="0" smtClean="0"/>
+              <a:t>Performance </a:t>
+            </a:r>
+            <a:br>
+              <a:rPr lang="en-US" dirty="0" smtClean="0"/>
+            </a:br>
+            <a:r>
+              <a:rPr lang="en-US" sz="2700" dirty="0" smtClean="0"/>
+              <a:t>Single system under increasing load</a:t>
+            </a:r>
+            <a:endParaRPr lang="en-US" sz="2700" dirty="0"/>
+          </a:p>
+        </p:txBody>
+      </p:sp>
+      <p:cxnSp>
+        <p:nvCxnSpPr>
+          <p:cNvPr id="5" name="Straight Arrow Connector 4"/>
+          <p:cNvCxnSpPr/>
+          <p:nvPr/>
+        </p:nvCxnSpPr>
+        <p:spPr>
+          <a:xfrm>
+            <a:off x="823344" y="5680399"/>
+            <a:ext cx="7061219" cy="69784"/>
+          </a:xfrm>
+          <a:prstGeom prst="straightConnector1">
+            <a:avLst/>
+          </a:prstGeom>
+          <a:ln>
+            <a:tailEnd type="arrow"/>
+          </a:ln>
+        </p:spPr>
+        <p:style>
+          <a:lnRef idx="2">
+            <a:schemeClr val="accent1"/>
+          </a:lnRef>
+          <a:fillRef idx="0">
+            <a:schemeClr val="accent1"/>
+          </a:fillRef>
+          <a:effectRef idx="1">
+            <a:schemeClr val="accent1"/>
+          </a:effectRef>
+          <a:fontRef idx="minor">
+            <a:schemeClr val="tx1"/>
+          </a:fontRef>
+        </p:style>
+      </p:cxnSp>
+      <p:cxnSp>
+        <p:nvCxnSpPr>
+          <p:cNvPr id="7" name="Straight Arrow Connector 6"/>
+          <p:cNvCxnSpPr/>
+          <p:nvPr/>
+        </p:nvCxnSpPr>
+        <p:spPr>
+          <a:xfrm flipV="1">
+            <a:off x="823344" y="1521286"/>
+            <a:ext cx="0" cy="4159113"/>
+          </a:xfrm>
+          <a:prstGeom prst="straightConnector1">
+            <a:avLst/>
+          </a:prstGeom>
+          <a:ln>
+            <a:tailEnd type="arrow"/>
+          </a:ln>
+        </p:spPr>
+        <p:style>
+          <a:lnRef idx="2">
+            <a:schemeClr val="accent1"/>
+          </a:lnRef>
+          <a:fillRef idx="0">
+            <a:schemeClr val="accent1"/>
+          </a:fillRef>
+          <a:effectRef idx="1">
+            <a:schemeClr val="accent1"/>
+          </a:effectRef>
+          <a:fontRef idx="minor">
+            <a:schemeClr val="tx1"/>
+          </a:fontRef>
+        </p:style>
+      </p:cxnSp>
+      <p:cxnSp>
+        <p:nvCxnSpPr>
+          <p:cNvPr id="9" name="Straight Connector 8"/>
+          <p:cNvCxnSpPr/>
+          <p:nvPr/>
+        </p:nvCxnSpPr>
+        <p:spPr>
+          <a:xfrm flipV="1">
+            <a:off x="823344" y="2763437"/>
+            <a:ext cx="3991124" cy="2916962"/>
+          </a:xfrm>
+          <a:prstGeom prst="line">
+            <a:avLst/>
+          </a:prstGeom>
+          <a:ln>
+            <a:solidFill>
+              <a:srgbClr val="008000"/>
+            </a:solidFill>
+          </a:ln>
+        </p:spPr>
+        <p:style>
+          <a:lnRef idx="2">
+            <a:schemeClr val="accent1"/>
+          </a:lnRef>
+          <a:fillRef idx="0">
+            <a:schemeClr val="accent1"/>
+          </a:fillRef>
+          <a:effectRef idx="1">
+            <a:schemeClr val="accent1"/>
+          </a:effectRef>
+          <a:fontRef idx="minor">
+            <a:schemeClr val="tx1"/>
+          </a:fontRef>
+        </p:style>
+      </p:cxnSp>
+      <p:sp>
+        <p:nvSpPr>
+          <p:cNvPr id="10" name="TextBox 9"/>
+          <p:cNvSpPr txBox="1"/>
+          <p:nvPr/>
+        </p:nvSpPr>
+        <p:spPr>
+          <a:xfrm>
+            <a:off x="7152260" y="5764140"/>
+            <a:ext cx="635285" cy="369332"/>
+          </a:xfrm>
+          <a:prstGeom prst="rect">
+            <a:avLst/>
+          </a:prstGeom>
+          <a:noFill/>
+        </p:spPr>
+        <p:txBody>
+          <a:bodyPr wrap="none" rtlCol="0">
+            <a:spAutoFit/>
+          </a:bodyPr>
+          <a:lstStyle/>
+          <a:p>
+            <a:r>
+              <a:rPr lang="en-US" dirty="0" smtClean="0"/>
+              <a:t>Load</a:t>
+            </a:r>
+            <a:endParaRPr lang="en-US" dirty="0"/>
+          </a:p>
+        </p:txBody>
+      </p:sp>
+      <p:sp>
+        <p:nvSpPr>
+          <p:cNvPr id="11" name="TextBox 10"/>
+          <p:cNvSpPr txBox="1"/>
+          <p:nvPr/>
+        </p:nvSpPr>
+        <p:spPr>
+          <a:xfrm rot="16200000">
+            <a:off x="-196058" y="2999579"/>
+            <a:ext cx="1400594" cy="369332"/>
+          </a:xfrm>
+          <a:prstGeom prst="rect">
+            <a:avLst/>
+          </a:prstGeom>
+          <a:noFill/>
+        </p:spPr>
+        <p:txBody>
+          <a:bodyPr wrap="none" rtlCol="0">
+            <a:spAutoFit/>
+          </a:bodyPr>
+          <a:lstStyle/>
+          <a:p>
+            <a:r>
+              <a:rPr lang="en-US" dirty="0" smtClean="0"/>
+              <a:t>Performance</a:t>
+            </a:r>
+            <a:endParaRPr lang="en-US" dirty="0"/>
+          </a:p>
+        </p:txBody>
+      </p:sp>
+      <p:cxnSp>
+        <p:nvCxnSpPr>
+          <p:cNvPr id="13" name="Straight Connector 12"/>
+          <p:cNvCxnSpPr/>
+          <p:nvPr/>
+        </p:nvCxnSpPr>
+        <p:spPr>
+          <a:xfrm>
+            <a:off x="4814468" y="2763437"/>
+            <a:ext cx="2846815" cy="0"/>
+          </a:xfrm>
+          <a:prstGeom prst="line">
+            <a:avLst/>
+          </a:prstGeom>
+          <a:ln>
+            <a:solidFill>
+              <a:srgbClr val="008000"/>
+            </a:solidFill>
+          </a:ln>
+        </p:spPr>
+        <p:style>
+          <a:lnRef idx="2">
+            <a:schemeClr val="accent1"/>
+          </a:lnRef>
+          <a:fillRef idx="0">
+            <a:schemeClr val="accent1"/>
+          </a:fillRef>
+          <a:effectRef idx="1">
+            <a:schemeClr val="accent1"/>
+          </a:effectRef>
+          <a:fontRef idx="minor">
+            <a:schemeClr val="tx1"/>
+          </a:fontRef>
+        </p:style>
+      </p:cxnSp>
+      <p:cxnSp>
+        <p:nvCxnSpPr>
+          <p:cNvPr id="15" name="Straight Connector 14"/>
+          <p:cNvCxnSpPr/>
+          <p:nvPr/>
+        </p:nvCxnSpPr>
+        <p:spPr>
+          <a:xfrm>
+            <a:off x="4814468" y="2763437"/>
+            <a:ext cx="2846815" cy="1121105"/>
+          </a:xfrm>
+          <a:prstGeom prst="line">
+            <a:avLst/>
+          </a:prstGeom>
+          <a:ln>
+            <a:solidFill>
+              <a:srgbClr val="FF0000"/>
+            </a:solidFill>
+          </a:ln>
+        </p:spPr>
+        <p:style>
+          <a:lnRef idx="2">
+            <a:schemeClr val="accent1"/>
+          </a:lnRef>
+          <a:fillRef idx="0">
+            <a:schemeClr val="accent1"/>
+          </a:fillRef>
+          <a:effectRef idx="1">
+            <a:schemeClr val="accent1"/>
+          </a:effectRef>
+          <a:fontRef idx="minor">
+            <a:schemeClr val="tx1"/>
+          </a:fontRef>
+        </p:style>
+      </p:cxnSp>
+      <p:sp>
+        <p:nvSpPr>
+          <p:cNvPr id="17" name="TextBox 16"/>
+          <p:cNvSpPr txBox="1"/>
+          <p:nvPr/>
+        </p:nvSpPr>
+        <p:spPr>
+          <a:xfrm>
+            <a:off x="6966261" y="2394105"/>
+            <a:ext cx="695022" cy="646331"/>
+          </a:xfrm>
+          <a:prstGeom prst="rect">
+            <a:avLst/>
+          </a:prstGeom>
+          <a:noFill/>
+        </p:spPr>
+        <p:txBody>
+          <a:bodyPr wrap="none" rtlCol="0">
+            <a:spAutoFit/>
+          </a:bodyPr>
+          <a:lstStyle/>
+          <a:p>
+            <a:r>
+              <a:rPr lang="en-US" dirty="0" smtClean="0"/>
+              <a:t>Good</a:t>
+            </a:r>
+          </a:p>
+          <a:p>
+            <a:endParaRPr lang="en-US" dirty="0"/>
+          </a:p>
+        </p:txBody>
+      </p:sp>
+      <p:sp>
+        <p:nvSpPr>
+          <p:cNvPr id="18" name="TextBox 17"/>
+          <p:cNvSpPr txBox="1"/>
+          <p:nvPr/>
+        </p:nvSpPr>
+        <p:spPr>
+          <a:xfrm>
+            <a:off x="6395729" y="3732829"/>
+            <a:ext cx="2128933" cy="1200329"/>
+          </a:xfrm>
+          <a:prstGeom prst="rect">
+            <a:avLst/>
+          </a:prstGeom>
+          <a:noFill/>
+        </p:spPr>
+        <p:txBody>
+          <a:bodyPr wrap="none" rtlCol="0">
+            <a:spAutoFit/>
+          </a:bodyPr>
+          <a:lstStyle/>
+          <a:p>
+            <a:r>
+              <a:rPr lang="en-US" dirty="0" smtClean="0"/>
+              <a:t>Bad</a:t>
+            </a:r>
+          </a:p>
+          <a:p>
+            <a:r>
+              <a:rPr lang="en-US" dirty="0" smtClean="0"/>
+              <a:t>Resource contention</a:t>
+            </a:r>
+          </a:p>
+          <a:p>
+            <a:r>
+              <a:rPr lang="en-US" dirty="0" smtClean="0"/>
+              <a:t>causes slowdown</a:t>
+            </a:r>
+          </a:p>
+          <a:p>
+            <a:endParaRPr lang="en-US" dirty="0"/>
+          </a:p>
+        </p:txBody>
+      </p:sp>
+    </p:spTree>
+    <p:extLst>
+      <p:ext uri="{BB962C8B-B14F-4D97-AF65-F5344CB8AC3E}">
+        <p14:creationId xmlns:p14="http://schemas.microsoft.com/office/powerpoint/2010/main" val="701491625"/>
+      </p:ext>
+    </p:extLst>
+  </p:cSld>
+  <p:clrMapOvr>
+    <a:masterClrMapping/>
+  </p:clrMapOvr>
+</p:sld>
+</file>
+
 <file path=ppt/slides/slide2.xml><?xml version="1.0" encoding="utf-8"?>
 <p:sld xmlns:a="http://schemas.openxmlformats.org/drawingml/2006/main" xmlns:r="http://schemas.openxmlformats.org/officeDocument/2006/relationships" xmlns:p="http://schemas.openxmlformats.org/presentationml/2006/main">
   <p:cSld>
@@ -4086,6 +7524,10 @@
           </p:nvPr>
         </p:nvSpPr>
         <p:spPr bwMode="auto">
+          <a:xfrm>
+            <a:off x="375635" y="1265238"/>
+            <a:ext cx="8229600" cy="4525963"/>
+          </a:xfrm>
           <a:noFill/>
           <a:extLst>
             <a:ext uri="{909E8E84-426E-40dd-AFC4-6F175D3DCCD1}">
@@ -4112,7 +7554,7 @@
             <a:prstTxWarp prst="textNoShape">
               <a:avLst/>
             </a:prstTxWarp>
-            <a:normAutofit fontScale="77500" lnSpcReduction="20000"/>
+            <a:normAutofit fontScale="92500" lnSpcReduction="10000"/>
           </a:bodyPr>
           <a:lstStyle/>
           <a:p>
@@ -4122,8 +7564,19 @@
                 <a:ea typeface="ヒラギノ角ゴ ProN W3" charset="0"/>
                 <a:cs typeface="ヒラギノ角ゴ ProN W3" charset="0"/>
               </a:rPr>
-              <a:t>Distributed Computing and Service Oriented Architecture</a:t>
-            </a:r>
+              <a:t>Distributed </a:t>
+            </a:r>
+            <a:r>
+              <a:rPr lang="en-US" dirty="0" smtClean="0">
+                <a:ea typeface="ヒラギノ角ゴ ProN W3" charset="0"/>
+                <a:cs typeface="ヒラギノ角ゴ ProN W3" charset="0"/>
+              </a:rPr>
+              <a:t>Computing</a:t>
+            </a:r>
+            <a:endParaRPr lang="en-US" dirty="0" smtClean="0">
+              <a:ea typeface="ヒラギノ角ゴ ProN W3" charset="0"/>
+              <a:cs typeface="ヒラギノ角ゴ ProN W3" charset="0"/>
+            </a:endParaRPr>
           </a:p>
           <a:p>
             <a:pPr eaLnBrk="1" hangingPunct="1"/>
@@ -4142,18 +7595,28 @@
                 <a:ea typeface="ヒラギノ角ゴ ProN W3" charset="0"/>
                 <a:cs typeface="ヒラギノ角ゴ ProN W3" charset="0"/>
               </a:rPr>
-              <a:t>Virtualization and Virtual Machines</a:t>
-            </a:r>
-          </a:p>
-          <a:p>
-            <a:pPr eaLnBrk="1" hangingPunct="1"/>
+              <a:t>Virtualization</a:t>
+            </a:r>
+          </a:p>
+          <a:p>
+            <a:r>
+              <a:rPr lang="en-US" dirty="0">
+                <a:ea typeface="ヒラギノ角ゴ ProN W3" charset="0"/>
+                <a:cs typeface="ヒラギノ角ゴ ProN W3" charset="0"/>
+              </a:rPr>
+              <a:t>Multi-</a:t>
+            </a:r>
             <a:r>
               <a:rPr lang="en-US" dirty="0" smtClean="0">
                 <a:ea typeface="ヒラギノ角ゴ ProN W3" charset="0"/>
                 <a:cs typeface="ヒラギノ角ゴ ProN W3" charset="0"/>
               </a:rPr>
-              <a:t>Grid Computing</a:t>
-            </a:r>
+              <a:t>tenancy</a:t>
+            </a:r>
+            <a:endParaRPr lang="en-US" dirty="0" smtClean="0">
+              <a:ea typeface="ヒラギノ角ゴ ProN W3" charset="0"/>
+              <a:cs typeface="ヒラギノ角ゴ ProN W3" charset="0"/>
+            </a:endParaRPr>
           </a:p>
           <a:p>
             <a:pPr eaLnBrk="1" hangingPunct="1"/>
@@ -4162,7 +7625,14 @@
                 <a:ea typeface="ヒラギノ角ゴ ProN W3" charset="0"/>
                 <a:cs typeface="ヒラギノ角ゴ ProN W3" charset="0"/>
               </a:rPr>
-              <a:t>Amdahl’s Law and </a:t>
+              <a:t>Amdahl’s </a:t>
+            </a:r>
+            <a:r>
+              <a:rPr lang="en-US" dirty="0" smtClean="0">
+                <a:ea typeface="ヒラギノ角ゴ ProN W3" charset="0"/>
+                <a:cs typeface="ヒラギノ角ゴ ProN W3" charset="0"/>
+              </a:rPr>
+              <a:t>Law and </a:t>
             </a:r>
             <a:r>
               <a:rPr lang="en-US" dirty="0" err="1" smtClean="0">
@@ -4180,14 +7650,38 @@
             </a:r>
           </a:p>
           <a:p>
-            <a:pPr eaLnBrk="1" hangingPunct="1"/>
+            <a:r>
+              <a:rPr lang="en-US" dirty="0">
+                <a:ea typeface="ヒラギノ角ゴ ProN W3" charset="0"/>
+                <a:cs typeface="ヒラギノ角ゴ ProN W3" charset="0"/>
+              </a:rPr>
+              <a:t>Karp-</a:t>
+            </a:r>
+            <a:r>
+              <a:rPr lang="en-US" dirty="0" err="1">
+                <a:ea typeface="ヒラギノ角ゴ ProN W3" charset="0"/>
+                <a:cs typeface="ヒラギノ角ゴ ProN W3" charset="0"/>
+              </a:rPr>
+              <a:t>Flatt</a:t>
+            </a:r>
+            <a:r>
+              <a:rPr lang="en-US" dirty="0">
+                <a:ea typeface="ヒラギノ角ゴ ProN W3" charset="0"/>
+                <a:cs typeface="ヒラギノ角ゴ ProN W3" charset="0"/>
+              </a:rPr>
+              <a:t> </a:t>
+            </a:r>
             <a:r>
               <a:rPr lang="en-US" dirty="0" smtClean="0">
                 <a:ea typeface="ヒラギノ角ゴ ProN W3" charset="0"/>
                 <a:cs typeface="ヒラギノ角ゴ ProN W3" charset="0"/>
               </a:rPr>
-              <a:t>Shared Nothing Architectures</a:t>
-            </a:r>
+              <a:t>Metric</a:t>
+            </a:r>
+            <a:endParaRPr lang="en-US" dirty="0" smtClean="0">
+              <a:ea typeface="ヒラギノ角ゴ ProN W3" charset="0"/>
+              <a:cs typeface="ヒラギノ角ゴ ProN W3" charset="0"/>
+            </a:endParaRPr>
           </a:p>
           <a:p>
             <a:pPr eaLnBrk="1" hangingPunct="1"/>
@@ -4196,21 +7690,14 @@
                 <a:ea typeface="ヒラギノ角ゴ ProN W3" charset="0"/>
                 <a:cs typeface="ヒラギノ角ゴ ProN W3" charset="0"/>
               </a:rPr>
-              <a:t>Karp-</a:t>
-            </a:r>
-            <a:r>
-              <a:rPr lang="en-US" dirty="0" err="1" smtClean="0">
-                <a:ea typeface="ヒラギノ角ゴ ProN W3" charset="0"/>
-                <a:cs typeface="ヒラギノ角ゴ ProN W3" charset="0"/>
-              </a:rPr>
-              <a:t>Flatt</a:t>
+              <a:t>Shared </a:t>
             </a:r>
             <a:r>
               <a:rPr lang="en-US" dirty="0" smtClean="0">
                 <a:ea typeface="ヒラギノ角ゴ ProN W3" charset="0"/>
                 <a:cs typeface="ヒラギノ角ゴ ProN W3" charset="0"/>
               </a:rPr>
-              <a:t> Metric</a:t>
+              <a:t>Nothing Architectures</a:t>
             </a:r>
           </a:p>
           <a:p>
@@ -4220,17 +7707,14 @@
                 <a:ea typeface="ヒラギノ角ゴ ProN W3" charset="0"/>
                 <a:cs typeface="ヒラギノ角ゴ ProN W3" charset="0"/>
               </a:rPr>
-              <a:t>CAP Theorem</a:t>
-            </a:r>
-          </a:p>
-          <a:p>
-            <a:pPr eaLnBrk="1" hangingPunct="1"/>
+              <a:t>CAP </a:t>
+            </a:r>
             <a:r>
               <a:rPr lang="en-US" dirty="0" smtClean="0">
                 <a:ea typeface="ヒラギノ角ゴ ProN W3" charset="0"/>
                 <a:cs typeface="ヒラギノ角ゴ ProN W3" charset="0"/>
               </a:rPr>
-              <a:t>Eventual Consistency</a:t>
+              <a:t>Theorem</a:t>
             </a:r>
           </a:p>
           <a:p>
@@ -4240,24 +7724,14 @@
                 <a:ea typeface="ヒラギノ角ゴ ProN W3" charset="0"/>
                 <a:cs typeface="ヒラギノ角ゴ ProN W3" charset="0"/>
               </a:rPr>
-              <a:t>Definitions of Cloud and Cloud Native</a:t>
-            </a:r>
-          </a:p>
-          <a:p>
-            <a:pPr eaLnBrk="1" hangingPunct="1"/>
+              <a:t>Eventual </a:t>
+            </a:r>
             <a:r>
               <a:rPr lang="en-US" dirty="0" smtClean="0">
                 <a:ea typeface="ヒラギノ角ゴ ProN W3" charset="0"/>
                 <a:cs typeface="ヒラギノ角ゴ ProN W3" charset="0"/>
               </a:rPr>
-              <a:t>Multi</a:t>
-            </a:r>
-            <a:r>
-              <a:rPr lang="en-US" smtClean="0">
-                <a:ea typeface="ヒラギノ角ゴ ProN W3" charset="0"/>
-                <a:cs typeface="ヒラギノ角ゴ ProN W3" charset="0"/>
-              </a:rPr>
-              <a:t>-tenancy</a:t>
+              <a:t>Consistency</a:t>
             </a:r>
             <a:endParaRPr lang="en-US" dirty="0" smtClean="0">
               <a:ea typeface="ヒラギノ角ゴ ProN W3" charset="0"/>
@@ -4294,6 +7768,4176 @@
 </p:sld>
 </file>
 
+<file path=ppt/slides/slide20.xml><?xml version="1.0" encoding="utf-8"?>
+<p:sld xmlns:a="http://schemas.openxmlformats.org/drawingml/2006/main" xmlns:r="http://schemas.openxmlformats.org/officeDocument/2006/relationships" xmlns:p="http://schemas.openxmlformats.org/presentationml/2006/main">
+  <p:cSld>
+    <p:spTree>
+      <p:nvGrpSpPr>
+        <p:cNvPr id="1" name=""/>
+        <p:cNvGrpSpPr/>
+        <p:nvPr/>
+      </p:nvGrpSpPr>
+      <p:grpSpPr>
+        <a:xfrm>
+          <a:off x="0" y="0"/>
+          <a:ext cx="0" cy="0"/>
+          <a:chOff x="0" y="0"/>
+          <a:chExt cx="0" cy="0"/>
+        </a:xfrm>
+      </p:grpSpPr>
+      <p:sp>
+        <p:nvSpPr>
+          <p:cNvPr id="2" name="Title 1"/>
+          <p:cNvSpPr>
+            <a:spLocks noGrp="1"/>
+          </p:cNvSpPr>
+          <p:nvPr>
+            <p:ph type="title"/>
+          </p:nvPr>
+        </p:nvSpPr>
+        <p:spPr/>
+        <p:txBody>
+          <a:bodyPr>
+            <a:normAutofit fontScale="90000"/>
+          </a:bodyPr>
+          <a:lstStyle/>
+          <a:p>
+            <a:r>
+              <a:rPr lang="en-US" dirty="0" smtClean="0"/>
+              <a:t>Performance </a:t>
+            </a:r>
+            <a:br>
+              <a:rPr lang="en-US" dirty="0" smtClean="0"/>
+            </a:br>
+            <a:r>
+              <a:rPr lang="en-US" sz="2700" dirty="0" smtClean="0"/>
+              <a:t>Scaling servers when fully loaded</a:t>
+            </a:r>
+            <a:endParaRPr lang="en-US" sz="2700" dirty="0"/>
+          </a:p>
+        </p:txBody>
+      </p:sp>
+      <p:grpSp>
+        <p:nvGrpSpPr>
+          <p:cNvPr id="44" name="Group 43"/>
+          <p:cNvGrpSpPr/>
+          <p:nvPr/>
+        </p:nvGrpSpPr>
+        <p:grpSpPr>
+          <a:xfrm>
+            <a:off x="646308" y="1683204"/>
+            <a:ext cx="7471131" cy="4193483"/>
+            <a:chOff x="319573" y="1521286"/>
+            <a:chExt cx="8217094" cy="4612186"/>
+          </a:xfrm>
+        </p:grpSpPr>
+        <p:sp>
+          <p:nvSpPr>
+            <p:cNvPr id="10" name="TextBox 9"/>
+            <p:cNvSpPr txBox="1"/>
+            <p:nvPr/>
+          </p:nvSpPr>
+          <p:spPr>
+            <a:xfrm>
+              <a:off x="5840492" y="5764140"/>
+              <a:ext cx="1928733" cy="369332"/>
+            </a:xfrm>
+            <a:prstGeom prst="rect">
+              <a:avLst/>
+            </a:prstGeom>
+            <a:noFill/>
+          </p:spPr>
+          <p:txBody>
+            <a:bodyPr wrap="none" rtlCol="0">
+              <a:spAutoFit/>
+            </a:bodyPr>
+            <a:lstStyle/>
+            <a:p>
+              <a:r>
+                <a:rPr lang="en-US" dirty="0" smtClean="0"/>
+                <a:t>Number of servers</a:t>
+              </a:r>
+              <a:endParaRPr lang="en-US" dirty="0"/>
+            </a:p>
+          </p:txBody>
+        </p:sp>
+        <p:sp>
+          <p:nvSpPr>
+            <p:cNvPr id="11" name="TextBox 10"/>
+            <p:cNvSpPr txBox="1"/>
+            <p:nvPr/>
+          </p:nvSpPr>
+          <p:spPr>
+            <a:xfrm rot="16200000">
+              <a:off x="-196058" y="2999579"/>
+              <a:ext cx="1400594" cy="369332"/>
+            </a:xfrm>
+            <a:prstGeom prst="rect">
+              <a:avLst/>
+            </a:prstGeom>
+            <a:noFill/>
+          </p:spPr>
+          <p:txBody>
+            <a:bodyPr wrap="none" rtlCol="0">
+              <a:spAutoFit/>
+            </a:bodyPr>
+            <a:lstStyle/>
+            <a:p>
+              <a:r>
+                <a:rPr lang="en-US" dirty="0" smtClean="0"/>
+                <a:t>Performance</a:t>
+              </a:r>
+              <a:endParaRPr lang="en-US" dirty="0"/>
+            </a:p>
+          </p:txBody>
+        </p:sp>
+        <p:cxnSp>
+          <p:nvCxnSpPr>
+            <p:cNvPr id="28" name="Curved Connector 27"/>
+            <p:cNvCxnSpPr/>
+            <p:nvPr/>
+          </p:nvCxnSpPr>
+          <p:spPr>
+            <a:xfrm flipV="1">
+              <a:off x="1339678" y="4337615"/>
+              <a:ext cx="6289523" cy="1795857"/>
+            </a:xfrm>
+            <a:prstGeom prst="curvedConnector3">
+              <a:avLst>
+                <a:gd name="adj1" fmla="val -144"/>
+              </a:avLst>
+            </a:prstGeom>
+            <a:ln>
+              <a:solidFill>
+                <a:srgbClr val="FF0000"/>
+              </a:solidFill>
+              <a:headEnd type="arrow"/>
+              <a:tailEnd type="arrow"/>
+            </a:ln>
+          </p:spPr>
+          <p:style>
+            <a:lnRef idx="2">
+              <a:schemeClr val="accent1"/>
+            </a:lnRef>
+            <a:fillRef idx="0">
+              <a:schemeClr val="accent1"/>
+            </a:fillRef>
+            <a:effectRef idx="1">
+              <a:schemeClr val="accent1"/>
+            </a:effectRef>
+            <a:fontRef idx="minor">
+              <a:schemeClr val="tx1"/>
+            </a:fontRef>
+          </p:style>
+        </p:cxnSp>
+        <p:sp>
+          <p:nvSpPr>
+            <p:cNvPr id="33" name="Rectangle 32"/>
+            <p:cNvSpPr/>
+            <p:nvPr/>
+          </p:nvSpPr>
+          <p:spPr>
+            <a:xfrm>
+              <a:off x="934984" y="5102775"/>
+              <a:ext cx="1004758" cy="1016740"/>
+            </a:xfrm>
+            <a:prstGeom prst="rect">
+              <a:avLst/>
+            </a:prstGeom>
+            <a:solidFill>
+              <a:schemeClr val="bg1"/>
+            </a:solidFill>
+            <a:ln>
+              <a:solidFill>
+                <a:schemeClr val="bg1"/>
+              </a:solidFill>
+            </a:ln>
+            <a:effectLst/>
+          </p:spPr>
+          <p:style>
+            <a:lnRef idx="1">
+              <a:schemeClr val="accent1"/>
+            </a:lnRef>
+            <a:fillRef idx="3">
+              <a:schemeClr val="accent1"/>
+            </a:fillRef>
+            <a:effectRef idx="2">
+              <a:schemeClr val="accent1"/>
+            </a:effectRef>
+            <a:fontRef idx="minor">
+              <a:schemeClr val="lt1"/>
+            </a:fontRef>
+          </p:style>
+          <p:txBody>
+            <a:bodyPr rtlCol="0" anchor="ctr"/>
+            <a:lstStyle/>
+            <a:p>
+              <a:pPr algn="ctr"/>
+              <a:r>
+                <a:rPr lang="en-US" dirty="0" smtClean="0"/>
+                <a:t>1 server</a:t>
+              </a:r>
+              <a:endParaRPr lang="en-US" dirty="0"/>
+            </a:p>
+          </p:txBody>
+        </p:sp>
+        <p:cxnSp>
+          <p:nvCxnSpPr>
+            <p:cNvPr id="14" name="Straight Connector 13"/>
+            <p:cNvCxnSpPr/>
+            <p:nvPr/>
+          </p:nvCxnSpPr>
+          <p:spPr>
+            <a:xfrm flipV="1">
+              <a:off x="1576913" y="2330778"/>
+              <a:ext cx="5065657" cy="2651783"/>
+            </a:xfrm>
+            <a:prstGeom prst="line">
+              <a:avLst/>
+            </a:prstGeom>
+            <a:ln>
+              <a:solidFill>
+                <a:schemeClr val="accent6"/>
+              </a:solidFill>
+            </a:ln>
+          </p:spPr>
+          <p:style>
+            <a:lnRef idx="2">
+              <a:schemeClr val="accent1"/>
+            </a:lnRef>
+            <a:fillRef idx="0">
+              <a:schemeClr val="accent1"/>
+            </a:fillRef>
+            <a:effectRef idx="1">
+              <a:schemeClr val="accent1"/>
+            </a:effectRef>
+            <a:fontRef idx="minor">
+              <a:schemeClr val="tx1"/>
+            </a:fontRef>
+          </p:style>
+        </p:cxnSp>
+        <p:sp>
+          <p:nvSpPr>
+            <p:cNvPr id="18" name="TextBox 17"/>
+            <p:cNvSpPr txBox="1"/>
+            <p:nvPr/>
+          </p:nvSpPr>
+          <p:spPr>
+            <a:xfrm>
+              <a:off x="6386995" y="4011987"/>
+              <a:ext cx="2149672" cy="2031325"/>
+            </a:xfrm>
+            <a:prstGeom prst="rect">
+              <a:avLst/>
+            </a:prstGeom>
+            <a:noFill/>
+          </p:spPr>
+          <p:txBody>
+            <a:bodyPr wrap="none" rtlCol="0">
+              <a:spAutoFit/>
+            </a:bodyPr>
+            <a:lstStyle/>
+            <a:p>
+              <a:pPr algn="ctr"/>
+              <a:r>
+                <a:rPr lang="en-US" b="1" dirty="0" smtClean="0"/>
+                <a:t>Bad</a:t>
+              </a:r>
+            </a:p>
+            <a:p>
+              <a:pPr algn="ctr"/>
+              <a:r>
+                <a:rPr lang="en-US" dirty="0" smtClean="0"/>
+                <a:t>System performance </a:t>
+              </a:r>
+            </a:p>
+            <a:p>
+              <a:pPr algn="ctr"/>
+              <a:r>
+                <a:rPr lang="en-US" dirty="0"/>
+                <a:t>r</a:t>
+              </a:r>
+              <a:r>
+                <a:rPr lang="en-US" dirty="0" smtClean="0"/>
+                <a:t>eaches a maximum </a:t>
+              </a:r>
+              <a:br>
+                <a:rPr lang="en-US" dirty="0" smtClean="0"/>
+              </a:br>
+              <a:r>
+                <a:rPr lang="en-US" dirty="0" smtClean="0"/>
+                <a:t>no matter how many </a:t>
+              </a:r>
+            </a:p>
+            <a:p>
+              <a:pPr algn="ctr"/>
+              <a:r>
+                <a:rPr lang="en-US" dirty="0" smtClean="0"/>
+                <a:t>servers are added</a:t>
+              </a:r>
+            </a:p>
+            <a:p>
+              <a:pPr algn="ctr"/>
+              <a:endParaRPr lang="en-US" dirty="0" smtClean="0"/>
+            </a:p>
+            <a:p>
+              <a:pPr algn="ctr"/>
+              <a:endParaRPr lang="en-US" dirty="0"/>
+            </a:p>
+          </p:txBody>
+        </p:sp>
+        <p:cxnSp>
+          <p:nvCxnSpPr>
+            <p:cNvPr id="9" name="Straight Connector 8"/>
+            <p:cNvCxnSpPr/>
+            <p:nvPr/>
+          </p:nvCxnSpPr>
+          <p:spPr>
+            <a:xfrm flipV="1">
+              <a:off x="823344" y="1521286"/>
+              <a:ext cx="4158584" cy="4159113"/>
+            </a:xfrm>
+            <a:prstGeom prst="line">
+              <a:avLst/>
+            </a:prstGeom>
+            <a:ln>
+              <a:solidFill>
+                <a:srgbClr val="008000"/>
+              </a:solidFill>
+            </a:ln>
+          </p:spPr>
+          <p:style>
+            <a:lnRef idx="2">
+              <a:schemeClr val="accent1"/>
+            </a:lnRef>
+            <a:fillRef idx="0">
+              <a:schemeClr val="accent1"/>
+            </a:fillRef>
+            <a:effectRef idx="1">
+              <a:schemeClr val="accent1"/>
+            </a:effectRef>
+            <a:fontRef idx="minor">
+              <a:schemeClr val="tx1"/>
+            </a:fontRef>
+          </p:style>
+        </p:cxnSp>
+        <p:cxnSp>
+          <p:nvCxnSpPr>
+            <p:cNvPr id="5" name="Straight Arrow Connector 4"/>
+            <p:cNvCxnSpPr/>
+            <p:nvPr/>
+          </p:nvCxnSpPr>
+          <p:spPr>
+            <a:xfrm>
+              <a:off x="823344" y="5680399"/>
+              <a:ext cx="7061219" cy="69784"/>
+            </a:xfrm>
+            <a:prstGeom prst="straightConnector1">
+              <a:avLst/>
+            </a:prstGeom>
+            <a:ln>
+              <a:tailEnd type="arrow"/>
+            </a:ln>
+            <a:effectLst/>
+          </p:spPr>
+          <p:style>
+            <a:lnRef idx="2">
+              <a:schemeClr val="accent1"/>
+            </a:lnRef>
+            <a:fillRef idx="0">
+              <a:schemeClr val="accent1"/>
+            </a:fillRef>
+            <a:effectRef idx="1">
+              <a:schemeClr val="accent1"/>
+            </a:effectRef>
+            <a:fontRef idx="minor">
+              <a:schemeClr val="tx1"/>
+            </a:fontRef>
+          </p:style>
+        </p:cxnSp>
+        <p:cxnSp>
+          <p:nvCxnSpPr>
+            <p:cNvPr id="7" name="Straight Arrow Connector 6"/>
+            <p:cNvCxnSpPr/>
+            <p:nvPr/>
+          </p:nvCxnSpPr>
+          <p:spPr>
+            <a:xfrm flipV="1">
+              <a:off x="823344" y="1521286"/>
+              <a:ext cx="0" cy="4159113"/>
+            </a:xfrm>
+            <a:prstGeom prst="straightConnector1">
+              <a:avLst/>
+            </a:prstGeom>
+            <a:ln>
+              <a:tailEnd type="arrow"/>
+            </a:ln>
+          </p:spPr>
+          <p:style>
+            <a:lnRef idx="2">
+              <a:schemeClr val="accent1"/>
+            </a:lnRef>
+            <a:fillRef idx="0">
+              <a:schemeClr val="accent1"/>
+            </a:fillRef>
+            <a:effectRef idx="1">
+              <a:schemeClr val="accent1"/>
+            </a:effectRef>
+            <a:fontRef idx="minor">
+              <a:schemeClr val="tx1"/>
+            </a:fontRef>
+          </p:style>
+        </p:cxnSp>
+        <p:sp>
+          <p:nvSpPr>
+            <p:cNvPr id="20" name="TextBox 19"/>
+            <p:cNvSpPr txBox="1"/>
+            <p:nvPr/>
+          </p:nvSpPr>
+          <p:spPr>
+            <a:xfrm>
+              <a:off x="3917461" y="2930281"/>
+              <a:ext cx="3195406" cy="1200329"/>
+            </a:xfrm>
+            <a:prstGeom prst="rect">
+              <a:avLst/>
+            </a:prstGeom>
+            <a:noFill/>
+          </p:spPr>
+          <p:txBody>
+            <a:bodyPr wrap="none" rtlCol="0">
+              <a:spAutoFit/>
+            </a:bodyPr>
+            <a:lstStyle/>
+            <a:p>
+              <a:pPr algn="ctr"/>
+              <a:r>
+                <a:rPr lang="en-US" b="1" dirty="0" smtClean="0"/>
+                <a:t>Not bad</a:t>
+              </a:r>
+            </a:p>
+            <a:p>
+              <a:pPr algn="ctr"/>
+              <a:r>
+                <a:rPr lang="en-US" dirty="0" smtClean="0"/>
+                <a:t>Additional servers scale linearly, </a:t>
+              </a:r>
+            </a:p>
+            <a:p>
+              <a:pPr algn="ctr"/>
+              <a:r>
+                <a:rPr lang="en-US" dirty="0" smtClean="0"/>
+                <a:t>but there is a cost to scaling</a:t>
+              </a:r>
+            </a:p>
+            <a:p>
+              <a:pPr algn="ctr"/>
+              <a:endParaRPr lang="en-US" dirty="0"/>
+            </a:p>
+          </p:txBody>
+        </p:sp>
+        <p:sp>
+          <p:nvSpPr>
+            <p:cNvPr id="17" name="TextBox 16"/>
+            <p:cNvSpPr txBox="1"/>
+            <p:nvPr/>
+          </p:nvSpPr>
+          <p:spPr>
+            <a:xfrm>
+              <a:off x="2427012" y="1560618"/>
+              <a:ext cx="3968717" cy="923330"/>
+            </a:xfrm>
+            <a:prstGeom prst="rect">
+              <a:avLst/>
+            </a:prstGeom>
+            <a:noFill/>
+          </p:spPr>
+          <p:txBody>
+            <a:bodyPr wrap="none" rtlCol="0">
+              <a:spAutoFit/>
+            </a:bodyPr>
+            <a:lstStyle/>
+            <a:p>
+              <a:pPr algn="ctr"/>
+              <a:r>
+                <a:rPr lang="en-US" b="1" dirty="0" smtClean="0"/>
+                <a:t>Best</a:t>
+              </a:r>
+            </a:p>
+            <a:p>
+              <a:pPr algn="ctr"/>
+              <a:r>
+                <a:rPr lang="en-US" dirty="0" smtClean="0"/>
+                <a:t>The performance of n servers is equal to</a:t>
+              </a:r>
+            </a:p>
+            <a:p>
+              <a:pPr algn="ctr"/>
+              <a:r>
+                <a:rPr lang="en-US" dirty="0" smtClean="0"/>
+                <a:t>n x the single server performance</a:t>
+              </a:r>
+              <a:endParaRPr lang="en-US" dirty="0"/>
+            </a:p>
+          </p:txBody>
+        </p:sp>
+        <p:cxnSp>
+          <p:nvCxnSpPr>
+            <p:cNvPr id="42" name="Straight Connector 41"/>
+            <p:cNvCxnSpPr>
+              <a:stCxn id="33" idx="0"/>
+            </p:cNvCxnSpPr>
+            <p:nvPr/>
+          </p:nvCxnSpPr>
+          <p:spPr>
+            <a:xfrm>
+              <a:off x="1437363" y="5102775"/>
+              <a:ext cx="0" cy="563667"/>
+            </a:xfrm>
+            <a:prstGeom prst="line">
+              <a:avLst/>
+            </a:prstGeom>
+            <a:ln>
+              <a:prstDash val="dash"/>
+            </a:ln>
+          </p:spPr>
+          <p:style>
+            <a:lnRef idx="2">
+              <a:schemeClr val="accent1"/>
+            </a:lnRef>
+            <a:fillRef idx="0">
+              <a:schemeClr val="accent1"/>
+            </a:fillRef>
+            <a:effectRef idx="1">
+              <a:schemeClr val="accent1"/>
+            </a:effectRef>
+            <a:fontRef idx="minor">
+              <a:schemeClr val="tx1"/>
+            </a:fontRef>
+          </p:style>
+        </p:cxnSp>
+        <p:sp>
+          <p:nvSpPr>
+            <p:cNvPr id="43" name="TextBox 42"/>
+            <p:cNvSpPr txBox="1"/>
+            <p:nvPr/>
+          </p:nvSpPr>
+          <p:spPr>
+            <a:xfrm>
+              <a:off x="970549" y="5717772"/>
+              <a:ext cx="941283" cy="369332"/>
+            </a:xfrm>
+            <a:prstGeom prst="rect">
+              <a:avLst/>
+            </a:prstGeom>
+            <a:noFill/>
+          </p:spPr>
+          <p:txBody>
+            <a:bodyPr wrap="none" rtlCol="0">
+              <a:spAutoFit/>
+            </a:bodyPr>
+            <a:lstStyle/>
+            <a:p>
+              <a:r>
+                <a:rPr lang="en-US" dirty="0" smtClean="0"/>
+                <a:t>1 server</a:t>
+              </a:r>
+              <a:endParaRPr lang="en-US" dirty="0"/>
+            </a:p>
+          </p:txBody>
+        </p:sp>
+      </p:grpSp>
+    </p:spTree>
+    <p:extLst>
+      <p:ext uri="{BB962C8B-B14F-4D97-AF65-F5344CB8AC3E}">
+        <p14:creationId xmlns:p14="http://schemas.microsoft.com/office/powerpoint/2010/main" val="1374329001"/>
+      </p:ext>
+    </p:extLst>
+  </p:cSld>
+  <p:clrMapOvr>
+    <a:masterClrMapping/>
+  </p:clrMapOvr>
+</p:sld>
+</file>
+
+<file path=ppt/slides/slide21.xml><?xml version="1.0" encoding="utf-8"?>
+<p:sld xmlns:a="http://schemas.openxmlformats.org/drawingml/2006/main" xmlns:r="http://schemas.openxmlformats.org/officeDocument/2006/relationships" xmlns:p="http://schemas.openxmlformats.org/presentationml/2006/main">
+  <p:cSld>
+    <p:spTree>
+      <p:nvGrpSpPr>
+        <p:cNvPr id="1" name=""/>
+        <p:cNvGrpSpPr/>
+        <p:nvPr/>
+      </p:nvGrpSpPr>
+      <p:grpSpPr>
+        <a:xfrm>
+          <a:off x="0" y="0"/>
+          <a:ext cx="0" cy="0"/>
+          <a:chOff x="0" y="0"/>
+          <a:chExt cx="0" cy="0"/>
+        </a:xfrm>
+      </p:grpSpPr>
+      <p:sp>
+        <p:nvSpPr>
+          <p:cNvPr id="2" name="Title 1"/>
+          <p:cNvSpPr>
+            <a:spLocks noGrp="1"/>
+          </p:cNvSpPr>
+          <p:nvPr>
+            <p:ph type="title"/>
+          </p:nvPr>
+        </p:nvSpPr>
+        <p:spPr/>
+        <p:txBody>
+          <a:bodyPr/>
+          <a:lstStyle/>
+          <a:p>
+            <a:r>
+              <a:rPr lang="en-US" dirty="0" smtClean="0"/>
+              <a:t>Karp-</a:t>
+            </a:r>
+            <a:r>
+              <a:rPr lang="en-US" dirty="0" err="1" smtClean="0"/>
+              <a:t>Flatt</a:t>
+            </a:r>
+            <a:r>
+              <a:rPr lang="en-US" dirty="0" smtClean="0"/>
+              <a:t> Metric</a:t>
+            </a:r>
+            <a:endParaRPr lang="en-US" dirty="0"/>
+          </a:p>
+        </p:txBody>
+      </p:sp>
+      <p:pic>
+        <p:nvPicPr>
+          <p:cNvPr id="4" name="Picture 3"/>
+          <p:cNvPicPr>
+            <a:picLocks noChangeAspect="1"/>
+          </p:cNvPicPr>
+          <p:nvPr/>
+        </p:nvPicPr>
+        <p:blipFill>
+          <a:blip r:embed="rId2"/>
+          <a:stretch>
+            <a:fillRect/>
+          </a:stretch>
+        </p:blipFill>
+        <p:spPr>
+          <a:xfrm>
+            <a:off x="2292779" y="3049941"/>
+            <a:ext cx="3022600" cy="1587500"/>
+          </a:xfrm>
+          <a:prstGeom prst="rect">
+            <a:avLst/>
+          </a:prstGeom>
+        </p:spPr>
+      </p:pic>
+      <p:sp>
+        <p:nvSpPr>
+          <p:cNvPr id="5" name="TextBox 4"/>
+          <p:cNvSpPr txBox="1"/>
+          <p:nvPr/>
+        </p:nvSpPr>
+        <p:spPr>
+          <a:xfrm>
+            <a:off x="781479" y="1417638"/>
+            <a:ext cx="5133336" cy="1569660"/>
+          </a:xfrm>
+          <a:prstGeom prst="rect">
+            <a:avLst/>
+          </a:prstGeom>
+          <a:noFill/>
+        </p:spPr>
+        <p:txBody>
+          <a:bodyPr wrap="none" rtlCol="0">
+            <a:spAutoFit/>
+          </a:bodyPr>
+          <a:lstStyle/>
+          <a:p>
+            <a:r>
+              <a:rPr lang="en-US" sz="3200" dirty="0" smtClean="0"/>
+              <a:t>e is the Karp-</a:t>
+            </a:r>
+            <a:r>
+              <a:rPr lang="en-US" sz="3200" dirty="0" err="1" smtClean="0"/>
+              <a:t>Flatt</a:t>
+            </a:r>
+            <a:r>
+              <a:rPr lang="en-US" sz="3200" dirty="0" smtClean="0"/>
+              <a:t> Metric</a:t>
+            </a:r>
+          </a:p>
+          <a:p>
+            <a:r>
+              <a:rPr lang="en-US" sz="3200" dirty="0" err="1" smtClean="0"/>
+              <a:t>ψ</a:t>
+            </a:r>
+            <a:r>
+              <a:rPr lang="en-US" sz="3200" dirty="0" smtClean="0"/>
+              <a:t> is the speedup</a:t>
+            </a:r>
+          </a:p>
+          <a:p>
+            <a:r>
+              <a:rPr lang="en-US" sz="3200" dirty="0" smtClean="0"/>
+              <a:t>p is the number of processors</a:t>
+            </a:r>
+            <a:endParaRPr lang="en-US" sz="3200" dirty="0"/>
+          </a:p>
+        </p:txBody>
+      </p:sp>
+      <p:sp>
+        <p:nvSpPr>
+          <p:cNvPr id="7" name="TextBox 6"/>
+          <p:cNvSpPr txBox="1"/>
+          <p:nvPr/>
+        </p:nvSpPr>
+        <p:spPr>
+          <a:xfrm>
+            <a:off x="933879" y="4486999"/>
+            <a:ext cx="4307189" cy="1569660"/>
+          </a:xfrm>
+          <a:prstGeom prst="rect">
+            <a:avLst/>
+          </a:prstGeom>
+          <a:noFill/>
+        </p:spPr>
+        <p:txBody>
+          <a:bodyPr wrap="none" rtlCol="0">
+            <a:spAutoFit/>
+          </a:bodyPr>
+          <a:lstStyle/>
+          <a:p>
+            <a:r>
+              <a:rPr lang="en-US" sz="2400" dirty="0" smtClean="0"/>
+              <a:t>e = 0 is the best</a:t>
+            </a:r>
+          </a:p>
+          <a:p>
+            <a:r>
+              <a:rPr lang="en-US" sz="2400" dirty="0" smtClean="0"/>
+              <a:t>e = 1 indicates no speedup</a:t>
+            </a:r>
+          </a:p>
+          <a:p>
+            <a:r>
+              <a:rPr lang="en-US" sz="2400" dirty="0" smtClean="0"/>
+              <a:t>e &gt; 1 indicates adding processors</a:t>
+            </a:r>
+          </a:p>
+          <a:p>
+            <a:r>
+              <a:rPr lang="en-US" sz="2400" dirty="0" smtClean="0"/>
+              <a:t> slows down the system!!!</a:t>
+            </a:r>
+            <a:endParaRPr lang="en-US" sz="2400" dirty="0"/>
+          </a:p>
+        </p:txBody>
+      </p:sp>
+    </p:spTree>
+    <p:extLst>
+      <p:ext uri="{BB962C8B-B14F-4D97-AF65-F5344CB8AC3E}">
+        <p14:creationId xmlns:p14="http://schemas.microsoft.com/office/powerpoint/2010/main" val="1558240357"/>
+      </p:ext>
+    </p:extLst>
+  </p:cSld>
+  <p:clrMapOvr>
+    <a:masterClrMapping/>
+  </p:clrMapOvr>
+</p:sld>
+</file>
+
+<file path=ppt/slides/slide22.xml><?xml version="1.0" encoding="utf-8"?>
+<p:sld xmlns:a="http://schemas.openxmlformats.org/drawingml/2006/main" xmlns:r="http://schemas.openxmlformats.org/officeDocument/2006/relationships" xmlns:p="http://schemas.openxmlformats.org/presentationml/2006/main">
+  <p:cSld>
+    <p:spTree>
+      <p:nvGrpSpPr>
+        <p:cNvPr id="1" name=""/>
+        <p:cNvGrpSpPr/>
+        <p:nvPr/>
+      </p:nvGrpSpPr>
+      <p:grpSpPr>
+        <a:xfrm>
+          <a:off x="0" y="0"/>
+          <a:ext cx="0" cy="0"/>
+          <a:chOff x="0" y="0"/>
+          <a:chExt cx="0" cy="0"/>
+        </a:xfrm>
+      </p:grpSpPr>
+      <p:sp>
+        <p:nvSpPr>
+          <p:cNvPr id="2" name="Title 1"/>
+          <p:cNvSpPr>
+            <a:spLocks noGrp="1"/>
+          </p:cNvSpPr>
+          <p:nvPr>
+            <p:ph type="title"/>
+          </p:nvPr>
+        </p:nvSpPr>
+        <p:spPr/>
+        <p:txBody>
+          <a:bodyPr/>
+          <a:lstStyle/>
+          <a:p>
+            <a:r>
+              <a:rPr lang="en-US" dirty="0" smtClean="0"/>
+              <a:t>Karp-</a:t>
+            </a:r>
+            <a:r>
+              <a:rPr lang="en-US" dirty="0" err="1" smtClean="0"/>
+              <a:t>Flatt</a:t>
+            </a:r>
+            <a:r>
+              <a:rPr lang="en-US" dirty="0" smtClean="0"/>
+              <a:t> metric</a:t>
+            </a:r>
+            <a:endParaRPr lang="en-US" dirty="0"/>
+          </a:p>
+        </p:txBody>
+      </p:sp>
+      <p:grpSp>
+        <p:nvGrpSpPr>
+          <p:cNvPr id="4" name="Group 3"/>
+          <p:cNvGrpSpPr/>
+          <p:nvPr/>
+        </p:nvGrpSpPr>
+        <p:grpSpPr>
+          <a:xfrm>
+            <a:off x="646308" y="1683204"/>
+            <a:ext cx="7130816" cy="4193483"/>
+            <a:chOff x="319573" y="1521286"/>
+            <a:chExt cx="7842800" cy="4612186"/>
+          </a:xfrm>
+        </p:grpSpPr>
+        <p:sp>
+          <p:nvSpPr>
+            <p:cNvPr id="5" name="TextBox 4"/>
+            <p:cNvSpPr txBox="1"/>
+            <p:nvPr/>
+          </p:nvSpPr>
+          <p:spPr>
+            <a:xfrm>
+              <a:off x="5840492" y="5764140"/>
+              <a:ext cx="1928733" cy="369332"/>
+            </a:xfrm>
+            <a:prstGeom prst="rect">
+              <a:avLst/>
+            </a:prstGeom>
+            <a:noFill/>
+          </p:spPr>
+          <p:txBody>
+            <a:bodyPr wrap="none" rtlCol="0">
+              <a:spAutoFit/>
+            </a:bodyPr>
+            <a:lstStyle/>
+            <a:p>
+              <a:r>
+                <a:rPr lang="en-US" dirty="0" smtClean="0"/>
+                <a:t>Number of servers</a:t>
+              </a:r>
+              <a:endParaRPr lang="en-US" dirty="0"/>
+            </a:p>
+          </p:txBody>
+        </p:sp>
+        <p:sp>
+          <p:nvSpPr>
+            <p:cNvPr id="6" name="TextBox 5"/>
+            <p:cNvSpPr txBox="1"/>
+            <p:nvPr/>
+          </p:nvSpPr>
+          <p:spPr>
+            <a:xfrm rot="16200000">
+              <a:off x="-196058" y="2999579"/>
+              <a:ext cx="1400594" cy="369332"/>
+            </a:xfrm>
+            <a:prstGeom prst="rect">
+              <a:avLst/>
+            </a:prstGeom>
+            <a:noFill/>
+          </p:spPr>
+          <p:txBody>
+            <a:bodyPr wrap="none" rtlCol="0">
+              <a:spAutoFit/>
+            </a:bodyPr>
+            <a:lstStyle/>
+            <a:p>
+              <a:r>
+                <a:rPr lang="en-US" dirty="0" smtClean="0"/>
+                <a:t>Performance</a:t>
+              </a:r>
+              <a:endParaRPr lang="en-US" dirty="0"/>
+            </a:p>
+          </p:txBody>
+        </p:sp>
+        <p:cxnSp>
+          <p:nvCxnSpPr>
+            <p:cNvPr id="7" name="Curved Connector 6"/>
+            <p:cNvCxnSpPr/>
+            <p:nvPr/>
+          </p:nvCxnSpPr>
+          <p:spPr>
+            <a:xfrm flipV="1">
+              <a:off x="1339678" y="4337615"/>
+              <a:ext cx="6289523" cy="1795857"/>
+            </a:xfrm>
+            <a:prstGeom prst="curvedConnector3">
+              <a:avLst>
+                <a:gd name="adj1" fmla="val -144"/>
+              </a:avLst>
+            </a:prstGeom>
+            <a:ln>
+              <a:solidFill>
+                <a:srgbClr val="FF0000"/>
+              </a:solidFill>
+              <a:headEnd type="arrow"/>
+              <a:tailEnd type="arrow"/>
+            </a:ln>
+          </p:spPr>
+          <p:style>
+            <a:lnRef idx="2">
+              <a:schemeClr val="accent1"/>
+            </a:lnRef>
+            <a:fillRef idx="0">
+              <a:schemeClr val="accent1"/>
+            </a:fillRef>
+            <a:effectRef idx="1">
+              <a:schemeClr val="accent1"/>
+            </a:effectRef>
+            <a:fontRef idx="minor">
+              <a:schemeClr val="tx1"/>
+            </a:fontRef>
+          </p:style>
+        </p:cxnSp>
+        <p:sp>
+          <p:nvSpPr>
+            <p:cNvPr id="8" name="Rectangle 7"/>
+            <p:cNvSpPr/>
+            <p:nvPr/>
+          </p:nvSpPr>
+          <p:spPr>
+            <a:xfrm>
+              <a:off x="934984" y="5102775"/>
+              <a:ext cx="1004758" cy="1016740"/>
+            </a:xfrm>
+            <a:prstGeom prst="rect">
+              <a:avLst/>
+            </a:prstGeom>
+            <a:solidFill>
+              <a:schemeClr val="bg1"/>
+            </a:solidFill>
+            <a:ln>
+              <a:solidFill>
+                <a:schemeClr val="bg1"/>
+              </a:solidFill>
+            </a:ln>
+            <a:effectLst/>
+          </p:spPr>
+          <p:style>
+            <a:lnRef idx="1">
+              <a:schemeClr val="accent1"/>
+            </a:lnRef>
+            <a:fillRef idx="3">
+              <a:schemeClr val="accent1"/>
+            </a:fillRef>
+            <a:effectRef idx="2">
+              <a:schemeClr val="accent1"/>
+            </a:effectRef>
+            <a:fontRef idx="minor">
+              <a:schemeClr val="lt1"/>
+            </a:fontRef>
+          </p:style>
+          <p:txBody>
+            <a:bodyPr rtlCol="0" anchor="ctr"/>
+            <a:lstStyle/>
+            <a:p>
+              <a:pPr algn="ctr"/>
+              <a:r>
+                <a:rPr lang="en-US" dirty="0" smtClean="0"/>
+                <a:t>1 server</a:t>
+              </a:r>
+              <a:endParaRPr lang="en-US" dirty="0"/>
+            </a:p>
+          </p:txBody>
+        </p:sp>
+        <p:cxnSp>
+          <p:nvCxnSpPr>
+            <p:cNvPr id="9" name="Straight Connector 8"/>
+            <p:cNvCxnSpPr/>
+            <p:nvPr/>
+          </p:nvCxnSpPr>
+          <p:spPr>
+            <a:xfrm flipV="1">
+              <a:off x="1576913" y="2330778"/>
+              <a:ext cx="5065657" cy="2651783"/>
+            </a:xfrm>
+            <a:prstGeom prst="line">
+              <a:avLst/>
+            </a:prstGeom>
+            <a:ln>
+              <a:solidFill>
+                <a:schemeClr val="accent6"/>
+              </a:solidFill>
+            </a:ln>
+          </p:spPr>
+          <p:style>
+            <a:lnRef idx="2">
+              <a:schemeClr val="accent1"/>
+            </a:lnRef>
+            <a:fillRef idx="0">
+              <a:schemeClr val="accent1"/>
+            </a:fillRef>
+            <a:effectRef idx="1">
+              <a:schemeClr val="accent1"/>
+            </a:effectRef>
+            <a:fontRef idx="minor">
+              <a:schemeClr val="tx1"/>
+            </a:fontRef>
+          </p:style>
+        </p:cxnSp>
+        <p:sp>
+          <p:nvSpPr>
+            <p:cNvPr id="10" name="TextBox 9"/>
+            <p:cNvSpPr txBox="1"/>
+            <p:nvPr/>
+          </p:nvSpPr>
+          <p:spPr>
+            <a:xfrm>
+              <a:off x="5968764" y="3884542"/>
+              <a:ext cx="2193609" cy="710865"/>
+            </a:xfrm>
+            <a:prstGeom prst="rect">
+              <a:avLst/>
+            </a:prstGeom>
+            <a:noFill/>
+          </p:spPr>
+          <p:txBody>
+            <a:bodyPr wrap="none" rtlCol="0">
+              <a:spAutoFit/>
+            </a:bodyPr>
+            <a:lstStyle/>
+            <a:p>
+              <a:pPr algn="ctr"/>
+              <a:r>
+                <a:rPr lang="en-US" dirty="0" smtClean="0"/>
+                <a:t>e</a:t>
+              </a:r>
+              <a:r>
+                <a:rPr lang="en-US" dirty="0" smtClean="0">
+                  <a:sym typeface="Wingdings"/>
+                </a:rPr>
+                <a:t>1 as p increases</a:t>
+              </a:r>
+              <a:r>
+                <a:rPr lang="en-US" dirty="0" smtClean="0"/>
+                <a:t> </a:t>
+              </a:r>
+            </a:p>
+            <a:p>
+              <a:pPr algn="ctr"/>
+              <a:endParaRPr lang="en-US" dirty="0"/>
+            </a:p>
+          </p:txBody>
+        </p:sp>
+        <p:cxnSp>
+          <p:nvCxnSpPr>
+            <p:cNvPr id="11" name="Straight Connector 10"/>
+            <p:cNvCxnSpPr/>
+            <p:nvPr/>
+          </p:nvCxnSpPr>
+          <p:spPr>
+            <a:xfrm flipV="1">
+              <a:off x="823344" y="1521286"/>
+              <a:ext cx="4158584" cy="4159113"/>
+            </a:xfrm>
+            <a:prstGeom prst="line">
+              <a:avLst/>
+            </a:prstGeom>
+            <a:ln>
+              <a:solidFill>
+                <a:srgbClr val="008000"/>
+              </a:solidFill>
+            </a:ln>
+          </p:spPr>
+          <p:style>
+            <a:lnRef idx="2">
+              <a:schemeClr val="accent1"/>
+            </a:lnRef>
+            <a:fillRef idx="0">
+              <a:schemeClr val="accent1"/>
+            </a:fillRef>
+            <a:effectRef idx="1">
+              <a:schemeClr val="accent1"/>
+            </a:effectRef>
+            <a:fontRef idx="minor">
+              <a:schemeClr val="tx1"/>
+            </a:fontRef>
+          </p:style>
+        </p:cxnSp>
+        <p:cxnSp>
+          <p:nvCxnSpPr>
+            <p:cNvPr id="12" name="Straight Arrow Connector 11"/>
+            <p:cNvCxnSpPr/>
+            <p:nvPr/>
+          </p:nvCxnSpPr>
+          <p:spPr>
+            <a:xfrm>
+              <a:off x="823344" y="5680399"/>
+              <a:ext cx="7061219" cy="69784"/>
+            </a:xfrm>
+            <a:prstGeom prst="straightConnector1">
+              <a:avLst/>
+            </a:prstGeom>
+            <a:ln>
+              <a:tailEnd type="arrow"/>
+            </a:ln>
+            <a:effectLst/>
+          </p:spPr>
+          <p:style>
+            <a:lnRef idx="2">
+              <a:schemeClr val="accent1"/>
+            </a:lnRef>
+            <a:fillRef idx="0">
+              <a:schemeClr val="accent1"/>
+            </a:fillRef>
+            <a:effectRef idx="1">
+              <a:schemeClr val="accent1"/>
+            </a:effectRef>
+            <a:fontRef idx="minor">
+              <a:schemeClr val="tx1"/>
+            </a:fontRef>
+          </p:style>
+        </p:cxnSp>
+        <p:cxnSp>
+          <p:nvCxnSpPr>
+            <p:cNvPr id="13" name="Straight Arrow Connector 12"/>
+            <p:cNvCxnSpPr/>
+            <p:nvPr/>
+          </p:nvCxnSpPr>
+          <p:spPr>
+            <a:xfrm flipV="1">
+              <a:off x="823344" y="1521286"/>
+              <a:ext cx="0" cy="4159113"/>
+            </a:xfrm>
+            <a:prstGeom prst="straightConnector1">
+              <a:avLst/>
+            </a:prstGeom>
+            <a:ln>
+              <a:tailEnd type="arrow"/>
+            </a:ln>
+          </p:spPr>
+          <p:style>
+            <a:lnRef idx="2">
+              <a:schemeClr val="accent1"/>
+            </a:lnRef>
+            <a:fillRef idx="0">
+              <a:schemeClr val="accent1"/>
+            </a:fillRef>
+            <a:effectRef idx="1">
+              <a:schemeClr val="accent1"/>
+            </a:effectRef>
+            <a:fontRef idx="minor">
+              <a:schemeClr val="tx1"/>
+            </a:fontRef>
+          </p:style>
+        </p:cxnSp>
+        <p:sp>
+          <p:nvSpPr>
+            <p:cNvPr id="15" name="TextBox 14"/>
+            <p:cNvSpPr txBox="1"/>
+            <p:nvPr/>
+          </p:nvSpPr>
+          <p:spPr>
+            <a:xfrm>
+              <a:off x="4119100" y="1560618"/>
+              <a:ext cx="584544" cy="406208"/>
+            </a:xfrm>
+            <a:prstGeom prst="rect">
+              <a:avLst/>
+            </a:prstGeom>
+            <a:noFill/>
+          </p:spPr>
+          <p:txBody>
+            <a:bodyPr wrap="none" rtlCol="0">
+              <a:spAutoFit/>
+            </a:bodyPr>
+            <a:lstStyle/>
+            <a:p>
+              <a:pPr algn="ctr"/>
+              <a:r>
+                <a:rPr lang="en-US" dirty="0" smtClean="0"/>
+                <a:t>e=0</a:t>
+              </a:r>
+              <a:endParaRPr lang="en-US" dirty="0"/>
+            </a:p>
+          </p:txBody>
+        </p:sp>
+        <p:cxnSp>
+          <p:nvCxnSpPr>
+            <p:cNvPr id="16" name="Straight Connector 15"/>
+            <p:cNvCxnSpPr>
+              <a:stCxn id="8" idx="0"/>
+            </p:cNvCxnSpPr>
+            <p:nvPr/>
+          </p:nvCxnSpPr>
+          <p:spPr>
+            <a:xfrm>
+              <a:off x="1437363" y="5102775"/>
+              <a:ext cx="0" cy="563667"/>
+            </a:xfrm>
+            <a:prstGeom prst="line">
+              <a:avLst/>
+            </a:prstGeom>
+            <a:ln>
+              <a:prstDash val="dash"/>
+            </a:ln>
+          </p:spPr>
+          <p:style>
+            <a:lnRef idx="2">
+              <a:schemeClr val="accent1"/>
+            </a:lnRef>
+            <a:fillRef idx="0">
+              <a:schemeClr val="accent1"/>
+            </a:fillRef>
+            <a:effectRef idx="1">
+              <a:schemeClr val="accent1"/>
+            </a:effectRef>
+            <a:fontRef idx="minor">
+              <a:schemeClr val="tx1"/>
+            </a:fontRef>
+          </p:style>
+        </p:cxnSp>
+        <p:sp>
+          <p:nvSpPr>
+            <p:cNvPr id="17" name="TextBox 16"/>
+            <p:cNvSpPr txBox="1"/>
+            <p:nvPr/>
+          </p:nvSpPr>
+          <p:spPr>
+            <a:xfrm>
+              <a:off x="970549" y="5717772"/>
+              <a:ext cx="941283" cy="369332"/>
+            </a:xfrm>
+            <a:prstGeom prst="rect">
+              <a:avLst/>
+            </a:prstGeom>
+            <a:noFill/>
+          </p:spPr>
+          <p:txBody>
+            <a:bodyPr wrap="none" rtlCol="0">
+              <a:spAutoFit/>
+            </a:bodyPr>
+            <a:lstStyle/>
+            <a:p>
+              <a:r>
+                <a:rPr lang="en-US" dirty="0" smtClean="0"/>
+                <a:t>1 server</a:t>
+              </a:r>
+              <a:endParaRPr lang="en-US" dirty="0"/>
+            </a:p>
+          </p:txBody>
+        </p:sp>
+        <p:sp>
+          <p:nvSpPr>
+            <p:cNvPr id="18" name="TextBox 17"/>
+            <p:cNvSpPr txBox="1"/>
+            <p:nvPr/>
+          </p:nvSpPr>
+          <p:spPr>
+            <a:xfrm>
+              <a:off x="6546186" y="2280844"/>
+              <a:ext cx="777310" cy="406208"/>
+            </a:xfrm>
+            <a:prstGeom prst="rect">
+              <a:avLst/>
+            </a:prstGeom>
+            <a:noFill/>
+          </p:spPr>
+          <p:txBody>
+            <a:bodyPr wrap="none" rtlCol="0">
+              <a:spAutoFit/>
+            </a:bodyPr>
+            <a:lstStyle/>
+            <a:p>
+              <a:pPr algn="ctr"/>
+              <a:r>
+                <a:rPr lang="en-US" dirty="0" smtClean="0"/>
+                <a:t>e=0.3</a:t>
+              </a:r>
+              <a:endParaRPr lang="en-US" dirty="0"/>
+            </a:p>
+          </p:txBody>
+        </p:sp>
+      </p:grpSp>
+    </p:spTree>
+    <p:extLst>
+      <p:ext uri="{BB962C8B-B14F-4D97-AF65-F5344CB8AC3E}">
+        <p14:creationId xmlns:p14="http://schemas.microsoft.com/office/powerpoint/2010/main" val="647017291"/>
+      </p:ext>
+    </p:extLst>
+  </p:cSld>
+  <p:clrMapOvr>
+    <a:masterClrMapping/>
+  </p:clrMapOvr>
+</p:sld>
+</file>
+
+<file path=ppt/slides/slide23.xml><?xml version="1.0" encoding="utf-8"?>
+<p:sld xmlns:a="http://schemas.openxmlformats.org/drawingml/2006/main" xmlns:r="http://schemas.openxmlformats.org/officeDocument/2006/relationships" xmlns:p="http://schemas.openxmlformats.org/presentationml/2006/main">
+  <p:cSld>
+    <p:spTree>
+      <p:nvGrpSpPr>
+        <p:cNvPr id="1" name=""/>
+        <p:cNvGrpSpPr/>
+        <p:nvPr/>
+      </p:nvGrpSpPr>
+      <p:grpSpPr>
+        <a:xfrm>
+          <a:off x="0" y="0"/>
+          <a:ext cx="0" cy="0"/>
+          <a:chOff x="0" y="0"/>
+          <a:chExt cx="0" cy="0"/>
+        </a:xfrm>
+      </p:grpSpPr>
+      <p:sp>
+        <p:nvSpPr>
+          <p:cNvPr id="2" name="Title 1"/>
+          <p:cNvSpPr>
+            <a:spLocks noGrp="1"/>
+          </p:cNvSpPr>
+          <p:nvPr>
+            <p:ph type="title"/>
+          </p:nvPr>
+        </p:nvSpPr>
+        <p:spPr/>
+        <p:txBody>
+          <a:bodyPr/>
+          <a:lstStyle/>
+          <a:p>
+            <a:r>
+              <a:rPr lang="en-US" dirty="0" smtClean="0"/>
+              <a:t>Shared Nothing Architecture</a:t>
+            </a:r>
+            <a:endParaRPr lang="en-US" dirty="0"/>
+          </a:p>
+        </p:txBody>
+      </p:sp>
+      <p:pic>
+        <p:nvPicPr>
+          <p:cNvPr id="4" name="Picture 3"/>
+          <p:cNvPicPr>
+            <a:picLocks noChangeAspect="1"/>
+          </p:cNvPicPr>
+          <p:nvPr/>
+        </p:nvPicPr>
+        <p:blipFill>
+          <a:blip r:embed="rId2"/>
+          <a:stretch>
+            <a:fillRect/>
+          </a:stretch>
+        </p:blipFill>
+        <p:spPr>
+          <a:xfrm>
+            <a:off x="3521966" y="1417638"/>
+            <a:ext cx="1164361" cy="1164361"/>
+          </a:xfrm>
+          <a:prstGeom prst="rect">
+            <a:avLst/>
+          </a:prstGeom>
+        </p:spPr>
+      </p:pic>
+      <p:pic>
+        <p:nvPicPr>
+          <p:cNvPr id="7" name="Picture 6"/>
+          <p:cNvPicPr>
+            <a:picLocks noChangeAspect="1"/>
+          </p:cNvPicPr>
+          <p:nvPr/>
+        </p:nvPicPr>
+        <p:blipFill>
+          <a:blip r:embed="rId3"/>
+          <a:stretch>
+            <a:fillRect/>
+          </a:stretch>
+        </p:blipFill>
+        <p:spPr>
+          <a:xfrm>
+            <a:off x="6034418" y="1425501"/>
+            <a:ext cx="1502860" cy="1156498"/>
+          </a:xfrm>
+          <a:prstGeom prst="rect">
+            <a:avLst/>
+          </a:prstGeom>
+        </p:spPr>
+      </p:pic>
+      <p:pic>
+        <p:nvPicPr>
+          <p:cNvPr id="8" name="Picture 7"/>
+          <p:cNvPicPr>
+            <a:picLocks noChangeAspect="1"/>
+          </p:cNvPicPr>
+          <p:nvPr/>
+        </p:nvPicPr>
+        <p:blipFill>
+          <a:blip r:embed="rId2"/>
+          <a:stretch>
+            <a:fillRect/>
+          </a:stretch>
+        </p:blipFill>
+        <p:spPr>
+          <a:xfrm>
+            <a:off x="3521966" y="2979670"/>
+            <a:ext cx="1164361" cy="1164361"/>
+          </a:xfrm>
+          <a:prstGeom prst="rect">
+            <a:avLst/>
+          </a:prstGeom>
+        </p:spPr>
+      </p:pic>
+      <p:pic>
+        <p:nvPicPr>
+          <p:cNvPr id="9" name="Picture 8"/>
+          <p:cNvPicPr>
+            <a:picLocks noChangeAspect="1"/>
+          </p:cNvPicPr>
+          <p:nvPr/>
+        </p:nvPicPr>
+        <p:blipFill>
+          <a:blip r:embed="rId3"/>
+          <a:stretch>
+            <a:fillRect/>
+          </a:stretch>
+        </p:blipFill>
+        <p:spPr>
+          <a:xfrm>
+            <a:off x="6034418" y="2987533"/>
+            <a:ext cx="1502860" cy="1156498"/>
+          </a:xfrm>
+          <a:prstGeom prst="rect">
+            <a:avLst/>
+          </a:prstGeom>
+        </p:spPr>
+      </p:pic>
+      <p:pic>
+        <p:nvPicPr>
+          <p:cNvPr id="10" name="Picture 9"/>
+          <p:cNvPicPr>
+            <a:picLocks noChangeAspect="1"/>
+          </p:cNvPicPr>
+          <p:nvPr/>
+        </p:nvPicPr>
+        <p:blipFill>
+          <a:blip r:embed="rId2"/>
+          <a:stretch>
+            <a:fillRect/>
+          </a:stretch>
+        </p:blipFill>
+        <p:spPr>
+          <a:xfrm>
+            <a:off x="3521966" y="4541702"/>
+            <a:ext cx="1164361" cy="1164361"/>
+          </a:xfrm>
+          <a:prstGeom prst="rect">
+            <a:avLst/>
+          </a:prstGeom>
+        </p:spPr>
+      </p:pic>
+      <p:pic>
+        <p:nvPicPr>
+          <p:cNvPr id="11" name="Picture 10"/>
+          <p:cNvPicPr>
+            <a:picLocks noChangeAspect="1"/>
+          </p:cNvPicPr>
+          <p:nvPr/>
+        </p:nvPicPr>
+        <p:blipFill>
+          <a:blip r:embed="rId3"/>
+          <a:stretch>
+            <a:fillRect/>
+          </a:stretch>
+        </p:blipFill>
+        <p:spPr>
+          <a:xfrm>
+            <a:off x="6034418" y="4549565"/>
+            <a:ext cx="1502860" cy="1156498"/>
+          </a:xfrm>
+          <a:prstGeom prst="rect">
+            <a:avLst/>
+          </a:prstGeom>
+        </p:spPr>
+      </p:pic>
+      <p:cxnSp>
+        <p:nvCxnSpPr>
+          <p:cNvPr id="13" name="Straight Arrow Connector 12"/>
+          <p:cNvCxnSpPr>
+            <a:stCxn id="4" idx="3"/>
+            <a:endCxn id="7" idx="1"/>
+          </p:cNvCxnSpPr>
+          <p:nvPr/>
+        </p:nvCxnSpPr>
+        <p:spPr>
+          <a:xfrm>
+            <a:off x="4686327" y="1999819"/>
+            <a:ext cx="1348091" cy="3931"/>
+          </a:xfrm>
+          <a:prstGeom prst="straightConnector1">
+            <a:avLst/>
+          </a:prstGeom>
+          <a:ln>
+            <a:tailEnd type="arrow"/>
+          </a:ln>
+        </p:spPr>
+        <p:style>
+          <a:lnRef idx="2">
+            <a:schemeClr val="accent1"/>
+          </a:lnRef>
+          <a:fillRef idx="0">
+            <a:schemeClr val="accent1"/>
+          </a:fillRef>
+          <a:effectRef idx="1">
+            <a:schemeClr val="accent1"/>
+          </a:effectRef>
+          <a:fontRef idx="minor">
+            <a:schemeClr val="tx1"/>
+          </a:fontRef>
+        </p:style>
+      </p:cxnSp>
+      <p:cxnSp>
+        <p:nvCxnSpPr>
+          <p:cNvPr id="14" name="Straight Arrow Connector 13"/>
+          <p:cNvCxnSpPr/>
+          <p:nvPr/>
+        </p:nvCxnSpPr>
+        <p:spPr>
+          <a:xfrm>
+            <a:off x="4686327" y="3617679"/>
+            <a:ext cx="1348091" cy="3931"/>
+          </a:xfrm>
+          <a:prstGeom prst="straightConnector1">
+            <a:avLst/>
+          </a:prstGeom>
+          <a:ln>
+            <a:tailEnd type="arrow"/>
+          </a:ln>
+        </p:spPr>
+        <p:style>
+          <a:lnRef idx="2">
+            <a:schemeClr val="accent1"/>
+          </a:lnRef>
+          <a:fillRef idx="0">
+            <a:schemeClr val="accent1"/>
+          </a:fillRef>
+          <a:effectRef idx="1">
+            <a:schemeClr val="accent1"/>
+          </a:effectRef>
+          <a:fontRef idx="minor">
+            <a:schemeClr val="tx1"/>
+          </a:fontRef>
+        </p:style>
+      </p:cxnSp>
+      <p:cxnSp>
+        <p:nvCxnSpPr>
+          <p:cNvPr id="15" name="Straight Arrow Connector 14"/>
+          <p:cNvCxnSpPr/>
+          <p:nvPr/>
+        </p:nvCxnSpPr>
+        <p:spPr>
+          <a:xfrm>
+            <a:off x="4686327" y="5109928"/>
+            <a:ext cx="1348091" cy="3931"/>
+          </a:xfrm>
+          <a:prstGeom prst="straightConnector1">
+            <a:avLst/>
+          </a:prstGeom>
+          <a:ln>
+            <a:tailEnd type="arrow"/>
+          </a:ln>
+        </p:spPr>
+        <p:style>
+          <a:lnRef idx="2">
+            <a:schemeClr val="accent1"/>
+          </a:lnRef>
+          <a:fillRef idx="0">
+            <a:schemeClr val="accent1"/>
+          </a:fillRef>
+          <a:effectRef idx="1">
+            <a:schemeClr val="accent1"/>
+          </a:effectRef>
+          <a:fontRef idx="minor">
+            <a:schemeClr val="tx1"/>
+          </a:fontRef>
+        </p:style>
+      </p:cxnSp>
+      <p:pic>
+        <p:nvPicPr>
+          <p:cNvPr id="16" name="Picture 15"/>
+          <p:cNvPicPr>
+            <a:picLocks noChangeAspect="1"/>
+          </p:cNvPicPr>
+          <p:nvPr/>
+        </p:nvPicPr>
+        <p:blipFill>
+          <a:blip r:embed="rId2"/>
+          <a:stretch>
+            <a:fillRect/>
+          </a:stretch>
+        </p:blipFill>
+        <p:spPr>
+          <a:xfrm>
+            <a:off x="1148515" y="2979670"/>
+            <a:ext cx="1164361" cy="1164361"/>
+          </a:xfrm>
+          <a:prstGeom prst="rect">
+            <a:avLst/>
+          </a:prstGeom>
+        </p:spPr>
+      </p:pic>
+      <p:cxnSp>
+        <p:nvCxnSpPr>
+          <p:cNvPr id="18" name="Elbow Connector 17"/>
+          <p:cNvCxnSpPr>
+            <a:stCxn id="16" idx="3"/>
+            <a:endCxn id="4" idx="1"/>
+          </p:cNvCxnSpPr>
+          <p:nvPr/>
+        </p:nvCxnSpPr>
+        <p:spPr>
+          <a:xfrm flipV="1">
+            <a:off x="2312876" y="1999819"/>
+            <a:ext cx="1209090" cy="1562032"/>
+          </a:xfrm>
+          <a:prstGeom prst="bentConnector3">
+            <a:avLst/>
+          </a:prstGeom>
+          <a:ln>
+            <a:tailEnd type="arrow"/>
+          </a:ln>
+        </p:spPr>
+        <p:style>
+          <a:lnRef idx="2">
+            <a:schemeClr val="accent1"/>
+          </a:lnRef>
+          <a:fillRef idx="0">
+            <a:schemeClr val="accent1"/>
+          </a:fillRef>
+          <a:effectRef idx="1">
+            <a:schemeClr val="accent1"/>
+          </a:effectRef>
+          <a:fontRef idx="minor">
+            <a:schemeClr val="tx1"/>
+          </a:fontRef>
+        </p:style>
+      </p:cxnSp>
+      <p:cxnSp>
+        <p:nvCxnSpPr>
+          <p:cNvPr id="19" name="Elbow Connector 18"/>
+          <p:cNvCxnSpPr>
+            <a:stCxn id="16" idx="3"/>
+            <a:endCxn id="8" idx="1"/>
+          </p:cNvCxnSpPr>
+          <p:nvPr/>
+        </p:nvCxnSpPr>
+        <p:spPr>
+          <a:xfrm>
+            <a:off x="2312876" y="3561851"/>
+            <a:ext cx="1209090" cy="12700"/>
+          </a:xfrm>
+          <a:prstGeom prst="bentConnector3">
+            <a:avLst>
+              <a:gd name="adj1" fmla="val 50000"/>
+            </a:avLst>
+          </a:prstGeom>
+          <a:ln>
+            <a:tailEnd type="arrow"/>
+          </a:ln>
+        </p:spPr>
+        <p:style>
+          <a:lnRef idx="2">
+            <a:schemeClr val="accent1"/>
+          </a:lnRef>
+          <a:fillRef idx="0">
+            <a:schemeClr val="accent1"/>
+          </a:fillRef>
+          <a:effectRef idx="1">
+            <a:schemeClr val="accent1"/>
+          </a:effectRef>
+          <a:fontRef idx="minor">
+            <a:schemeClr val="tx1"/>
+          </a:fontRef>
+        </p:style>
+      </p:cxnSp>
+      <p:cxnSp>
+        <p:nvCxnSpPr>
+          <p:cNvPr id="22" name="Elbow Connector 21"/>
+          <p:cNvCxnSpPr>
+            <a:stCxn id="16" idx="3"/>
+            <a:endCxn id="10" idx="1"/>
+          </p:cNvCxnSpPr>
+          <p:nvPr/>
+        </p:nvCxnSpPr>
+        <p:spPr>
+          <a:xfrm>
+            <a:off x="2312876" y="3561851"/>
+            <a:ext cx="1209090" cy="1562032"/>
+          </a:xfrm>
+          <a:prstGeom prst="bentConnector3">
+            <a:avLst>
+              <a:gd name="adj1" fmla="val 50000"/>
+            </a:avLst>
+          </a:prstGeom>
+          <a:ln>
+            <a:tailEnd type="arrow"/>
+          </a:ln>
+        </p:spPr>
+        <p:style>
+          <a:lnRef idx="2">
+            <a:schemeClr val="accent1"/>
+          </a:lnRef>
+          <a:fillRef idx="0">
+            <a:schemeClr val="accent1"/>
+          </a:fillRef>
+          <a:effectRef idx="1">
+            <a:schemeClr val="accent1"/>
+          </a:effectRef>
+          <a:fontRef idx="minor">
+            <a:schemeClr val="tx1"/>
+          </a:fontRef>
+        </p:style>
+      </p:cxnSp>
+      <p:sp>
+        <p:nvSpPr>
+          <p:cNvPr id="30" name="TextBox 29"/>
+          <p:cNvSpPr txBox="1"/>
+          <p:nvPr/>
+        </p:nvSpPr>
+        <p:spPr>
+          <a:xfrm>
+            <a:off x="995010" y="4197755"/>
+            <a:ext cx="1501358" cy="369332"/>
+          </a:xfrm>
+          <a:prstGeom prst="rect">
+            <a:avLst/>
+          </a:prstGeom>
+          <a:noFill/>
+        </p:spPr>
+        <p:txBody>
+          <a:bodyPr wrap="none" rtlCol="0">
+            <a:spAutoFit/>
+          </a:bodyPr>
+          <a:lstStyle/>
+          <a:p>
+            <a:r>
+              <a:rPr lang="en-US" dirty="0" smtClean="0"/>
+              <a:t>Load Balancer</a:t>
+            </a:r>
+            <a:endParaRPr lang="en-US" dirty="0"/>
+          </a:p>
+        </p:txBody>
+      </p:sp>
+      <p:sp>
+        <p:nvSpPr>
+          <p:cNvPr id="31" name="TextBox 30"/>
+          <p:cNvSpPr txBox="1"/>
+          <p:nvPr/>
+        </p:nvSpPr>
+        <p:spPr>
+          <a:xfrm>
+            <a:off x="3787859" y="2577647"/>
+            <a:ext cx="787395" cy="369332"/>
+          </a:xfrm>
+          <a:prstGeom prst="rect">
+            <a:avLst/>
+          </a:prstGeom>
+          <a:noFill/>
+        </p:spPr>
+        <p:txBody>
+          <a:bodyPr wrap="none" rtlCol="0">
+            <a:spAutoFit/>
+          </a:bodyPr>
+          <a:lstStyle/>
+          <a:p>
+            <a:r>
+              <a:rPr lang="en-US" dirty="0" smtClean="0"/>
+              <a:t>Server</a:t>
+            </a:r>
+            <a:endParaRPr lang="en-US" dirty="0"/>
+          </a:p>
+        </p:txBody>
+      </p:sp>
+      <p:sp>
+        <p:nvSpPr>
+          <p:cNvPr id="32" name="TextBox 31"/>
+          <p:cNvSpPr txBox="1"/>
+          <p:nvPr/>
+        </p:nvSpPr>
+        <p:spPr>
+          <a:xfrm>
+            <a:off x="6399293" y="2577647"/>
+            <a:ext cx="574872" cy="369332"/>
+          </a:xfrm>
+          <a:prstGeom prst="rect">
+            <a:avLst/>
+          </a:prstGeom>
+          <a:noFill/>
+        </p:spPr>
+        <p:txBody>
+          <a:bodyPr wrap="none" rtlCol="0">
+            <a:spAutoFit/>
+          </a:bodyPr>
+          <a:lstStyle/>
+          <a:p>
+            <a:r>
+              <a:rPr lang="en-US" dirty="0" smtClean="0"/>
+              <a:t>Disk</a:t>
+            </a:r>
+            <a:endParaRPr lang="en-US" dirty="0"/>
+          </a:p>
+        </p:txBody>
+      </p:sp>
+      <p:sp>
+        <p:nvSpPr>
+          <p:cNvPr id="35" name="TextBox 34"/>
+          <p:cNvSpPr txBox="1"/>
+          <p:nvPr/>
+        </p:nvSpPr>
+        <p:spPr>
+          <a:xfrm>
+            <a:off x="3785880" y="4144031"/>
+            <a:ext cx="787395" cy="369332"/>
+          </a:xfrm>
+          <a:prstGeom prst="rect">
+            <a:avLst/>
+          </a:prstGeom>
+          <a:noFill/>
+        </p:spPr>
+        <p:txBody>
+          <a:bodyPr wrap="none" rtlCol="0">
+            <a:spAutoFit/>
+          </a:bodyPr>
+          <a:lstStyle/>
+          <a:p>
+            <a:r>
+              <a:rPr lang="en-US" dirty="0" smtClean="0"/>
+              <a:t>Server</a:t>
+            </a:r>
+            <a:endParaRPr lang="en-US" dirty="0"/>
+          </a:p>
+        </p:txBody>
+      </p:sp>
+      <p:sp>
+        <p:nvSpPr>
+          <p:cNvPr id="36" name="TextBox 35"/>
+          <p:cNvSpPr txBox="1"/>
+          <p:nvPr/>
+        </p:nvSpPr>
+        <p:spPr>
+          <a:xfrm>
+            <a:off x="6397314" y="4144031"/>
+            <a:ext cx="574872" cy="369332"/>
+          </a:xfrm>
+          <a:prstGeom prst="rect">
+            <a:avLst/>
+          </a:prstGeom>
+          <a:noFill/>
+        </p:spPr>
+        <p:txBody>
+          <a:bodyPr wrap="none" rtlCol="0">
+            <a:spAutoFit/>
+          </a:bodyPr>
+          <a:lstStyle/>
+          <a:p>
+            <a:r>
+              <a:rPr lang="en-US" dirty="0" smtClean="0"/>
+              <a:t>Disk</a:t>
+            </a:r>
+            <a:endParaRPr lang="en-US" dirty="0"/>
+          </a:p>
+        </p:txBody>
+      </p:sp>
+      <p:sp>
+        <p:nvSpPr>
+          <p:cNvPr id="37" name="TextBox 36"/>
+          <p:cNvSpPr txBox="1"/>
+          <p:nvPr/>
+        </p:nvSpPr>
+        <p:spPr>
+          <a:xfrm>
+            <a:off x="3783901" y="5710415"/>
+            <a:ext cx="787395" cy="369332"/>
+          </a:xfrm>
+          <a:prstGeom prst="rect">
+            <a:avLst/>
+          </a:prstGeom>
+          <a:noFill/>
+        </p:spPr>
+        <p:txBody>
+          <a:bodyPr wrap="none" rtlCol="0">
+            <a:spAutoFit/>
+          </a:bodyPr>
+          <a:lstStyle/>
+          <a:p>
+            <a:r>
+              <a:rPr lang="en-US" dirty="0" smtClean="0"/>
+              <a:t>Server</a:t>
+            </a:r>
+            <a:endParaRPr lang="en-US" dirty="0"/>
+          </a:p>
+        </p:txBody>
+      </p:sp>
+      <p:sp>
+        <p:nvSpPr>
+          <p:cNvPr id="38" name="TextBox 37"/>
+          <p:cNvSpPr txBox="1"/>
+          <p:nvPr/>
+        </p:nvSpPr>
+        <p:spPr>
+          <a:xfrm>
+            <a:off x="6395335" y="5710415"/>
+            <a:ext cx="574872" cy="369332"/>
+          </a:xfrm>
+          <a:prstGeom prst="rect">
+            <a:avLst/>
+          </a:prstGeom>
+          <a:noFill/>
+        </p:spPr>
+        <p:txBody>
+          <a:bodyPr wrap="none" rtlCol="0">
+            <a:spAutoFit/>
+          </a:bodyPr>
+          <a:lstStyle/>
+          <a:p>
+            <a:r>
+              <a:rPr lang="en-US" dirty="0" smtClean="0"/>
+              <a:t>Disk</a:t>
+            </a:r>
+            <a:endParaRPr lang="en-US" dirty="0"/>
+          </a:p>
+        </p:txBody>
+      </p:sp>
+    </p:spTree>
+    <p:extLst>
+      <p:ext uri="{BB962C8B-B14F-4D97-AF65-F5344CB8AC3E}">
+        <p14:creationId xmlns:p14="http://schemas.microsoft.com/office/powerpoint/2010/main" val="3424776501"/>
+      </p:ext>
+    </p:extLst>
+  </p:cSld>
+  <p:clrMapOvr>
+    <a:masterClrMapping/>
+  </p:clrMapOvr>
+</p:sld>
+</file>
+
+<file path=ppt/slides/slide24.xml><?xml version="1.0" encoding="utf-8"?>
+<p:sld xmlns:a="http://schemas.openxmlformats.org/drawingml/2006/main" xmlns:r="http://schemas.openxmlformats.org/officeDocument/2006/relationships" xmlns:p="http://schemas.openxmlformats.org/presentationml/2006/main">
+  <p:cSld>
+    <p:spTree>
+      <p:nvGrpSpPr>
+        <p:cNvPr id="1" name=""/>
+        <p:cNvGrpSpPr/>
+        <p:nvPr/>
+      </p:nvGrpSpPr>
+      <p:grpSpPr>
+        <a:xfrm>
+          <a:off x="0" y="0"/>
+          <a:ext cx="0" cy="0"/>
+          <a:chOff x="0" y="0"/>
+          <a:chExt cx="0" cy="0"/>
+        </a:xfrm>
+      </p:grpSpPr>
+      <p:sp>
+        <p:nvSpPr>
+          <p:cNvPr id="2" name="Title 1"/>
+          <p:cNvSpPr>
+            <a:spLocks noGrp="1"/>
+          </p:cNvSpPr>
+          <p:nvPr>
+            <p:ph type="title"/>
+          </p:nvPr>
+        </p:nvSpPr>
+        <p:spPr/>
+        <p:txBody>
+          <a:bodyPr/>
+          <a:lstStyle/>
+          <a:p>
+            <a:r>
+              <a:rPr lang="en-US" dirty="0" smtClean="0"/>
+              <a:t>Shared Nothing Architecture</a:t>
+            </a:r>
+            <a:endParaRPr lang="en-US" dirty="0"/>
+          </a:p>
+        </p:txBody>
+      </p:sp>
+      <p:sp>
+        <p:nvSpPr>
+          <p:cNvPr id="3" name="Content Placeholder 2"/>
+          <p:cNvSpPr>
+            <a:spLocks noGrp="1"/>
+          </p:cNvSpPr>
+          <p:nvPr>
+            <p:ph idx="1"/>
+          </p:nvPr>
+        </p:nvSpPr>
+        <p:spPr/>
+        <p:txBody>
+          <a:bodyPr/>
+          <a:lstStyle/>
+          <a:p>
+            <a:r>
+              <a:rPr lang="en-US" dirty="0" smtClean="0"/>
+              <a:t>Implies there is no serial part to the computation</a:t>
+            </a:r>
+          </a:p>
+          <a:p>
+            <a:r>
+              <a:rPr lang="en-US" dirty="0" smtClean="0"/>
+              <a:t>Karp-</a:t>
+            </a:r>
+            <a:r>
+              <a:rPr lang="en-US" dirty="0" err="1" smtClean="0"/>
+              <a:t>Flatt</a:t>
+            </a:r>
+            <a:r>
+              <a:rPr lang="en-US" dirty="0" smtClean="0"/>
+              <a:t> Metric of 0 </a:t>
+            </a:r>
+          </a:p>
+          <a:p>
+            <a:pPr lvl="1"/>
+            <a:r>
+              <a:rPr lang="en-US" dirty="0" smtClean="0"/>
+              <a:t>Assuming 100% efficient load balancing</a:t>
+            </a:r>
+          </a:p>
+          <a:p>
+            <a:r>
+              <a:rPr lang="en-US" dirty="0" smtClean="0"/>
+              <a:t>In practice, this is difficult!</a:t>
+            </a:r>
+          </a:p>
+          <a:p>
+            <a:pPr marL="457200" lvl="1" indent="0">
+              <a:buNone/>
+            </a:pPr>
+            <a:endParaRPr lang="en-US" dirty="0" smtClean="0"/>
+          </a:p>
+          <a:p>
+            <a:pPr marL="457200" lvl="1" indent="0">
+              <a:buNone/>
+            </a:pPr>
+            <a:endParaRPr lang="en-US" dirty="0"/>
+          </a:p>
+        </p:txBody>
+      </p:sp>
+    </p:spTree>
+    <p:extLst>
+      <p:ext uri="{BB962C8B-B14F-4D97-AF65-F5344CB8AC3E}">
+        <p14:creationId xmlns:p14="http://schemas.microsoft.com/office/powerpoint/2010/main" val="2221130247"/>
+      </p:ext>
+    </p:extLst>
+  </p:cSld>
+  <p:clrMapOvr>
+    <a:masterClrMapping/>
+  </p:clrMapOvr>
+</p:sld>
+</file>
+
+<file path=ppt/slides/slide25.xml><?xml version="1.0" encoding="utf-8"?>
+<p:sld xmlns:a="http://schemas.openxmlformats.org/drawingml/2006/main" xmlns:r="http://schemas.openxmlformats.org/officeDocument/2006/relationships" xmlns:p="http://schemas.openxmlformats.org/presentationml/2006/main">
+  <p:cSld>
+    <p:spTree>
+      <p:nvGrpSpPr>
+        <p:cNvPr id="1" name=""/>
+        <p:cNvGrpSpPr/>
+        <p:nvPr/>
+      </p:nvGrpSpPr>
+      <p:grpSpPr>
+        <a:xfrm>
+          <a:off x="0" y="0"/>
+          <a:ext cx="0" cy="0"/>
+          <a:chOff x="0" y="0"/>
+          <a:chExt cx="0" cy="0"/>
+        </a:xfrm>
+      </p:grpSpPr>
+      <p:sp>
+        <p:nvSpPr>
+          <p:cNvPr id="2" name="Title 1"/>
+          <p:cNvSpPr>
+            <a:spLocks noGrp="1"/>
+          </p:cNvSpPr>
+          <p:nvPr>
+            <p:ph type="title"/>
+          </p:nvPr>
+        </p:nvSpPr>
+        <p:spPr/>
+        <p:txBody>
+          <a:bodyPr/>
+          <a:lstStyle/>
+          <a:p>
+            <a:r>
+              <a:rPr lang="en-US" dirty="0" smtClean="0"/>
+              <a:t>Partitioning / </a:t>
+            </a:r>
+            <a:r>
+              <a:rPr lang="en-US" dirty="0" err="1" smtClean="0"/>
+              <a:t>Sharding</a:t>
+            </a:r>
+            <a:endParaRPr lang="en-US" dirty="0"/>
+          </a:p>
+        </p:txBody>
+      </p:sp>
+      <p:pic>
+        <p:nvPicPr>
+          <p:cNvPr id="4" name="Picture 3"/>
+          <p:cNvPicPr>
+            <a:picLocks noChangeAspect="1"/>
+          </p:cNvPicPr>
+          <p:nvPr/>
+        </p:nvPicPr>
+        <p:blipFill>
+          <a:blip r:embed="rId2"/>
+          <a:stretch>
+            <a:fillRect/>
+          </a:stretch>
+        </p:blipFill>
+        <p:spPr>
+          <a:xfrm>
+            <a:off x="3521966" y="1417638"/>
+            <a:ext cx="1164361" cy="1164361"/>
+          </a:xfrm>
+          <a:prstGeom prst="rect">
+            <a:avLst/>
+          </a:prstGeom>
+        </p:spPr>
+      </p:pic>
+      <p:pic>
+        <p:nvPicPr>
+          <p:cNvPr id="5" name="Picture 4"/>
+          <p:cNvPicPr>
+            <a:picLocks noChangeAspect="1"/>
+          </p:cNvPicPr>
+          <p:nvPr/>
+        </p:nvPicPr>
+        <p:blipFill>
+          <a:blip r:embed="rId3"/>
+          <a:stretch>
+            <a:fillRect/>
+          </a:stretch>
+        </p:blipFill>
+        <p:spPr>
+          <a:xfrm>
+            <a:off x="6034418" y="1425501"/>
+            <a:ext cx="1502860" cy="1156498"/>
+          </a:xfrm>
+          <a:prstGeom prst="rect">
+            <a:avLst/>
+          </a:prstGeom>
+        </p:spPr>
+      </p:pic>
+      <p:pic>
+        <p:nvPicPr>
+          <p:cNvPr id="6" name="Picture 5"/>
+          <p:cNvPicPr>
+            <a:picLocks noChangeAspect="1"/>
+          </p:cNvPicPr>
+          <p:nvPr/>
+        </p:nvPicPr>
+        <p:blipFill>
+          <a:blip r:embed="rId2"/>
+          <a:stretch>
+            <a:fillRect/>
+          </a:stretch>
+        </p:blipFill>
+        <p:spPr>
+          <a:xfrm>
+            <a:off x="3521966" y="2979670"/>
+            <a:ext cx="1164361" cy="1164361"/>
+          </a:xfrm>
+          <a:prstGeom prst="rect">
+            <a:avLst/>
+          </a:prstGeom>
+        </p:spPr>
+      </p:pic>
+      <p:pic>
+        <p:nvPicPr>
+          <p:cNvPr id="7" name="Picture 6"/>
+          <p:cNvPicPr>
+            <a:picLocks noChangeAspect="1"/>
+          </p:cNvPicPr>
+          <p:nvPr/>
+        </p:nvPicPr>
+        <p:blipFill>
+          <a:blip r:embed="rId3"/>
+          <a:stretch>
+            <a:fillRect/>
+          </a:stretch>
+        </p:blipFill>
+        <p:spPr>
+          <a:xfrm>
+            <a:off x="6034418" y="2987533"/>
+            <a:ext cx="1502860" cy="1156498"/>
+          </a:xfrm>
+          <a:prstGeom prst="rect">
+            <a:avLst/>
+          </a:prstGeom>
+        </p:spPr>
+      </p:pic>
+      <p:pic>
+        <p:nvPicPr>
+          <p:cNvPr id="8" name="Picture 7"/>
+          <p:cNvPicPr>
+            <a:picLocks noChangeAspect="1"/>
+          </p:cNvPicPr>
+          <p:nvPr/>
+        </p:nvPicPr>
+        <p:blipFill>
+          <a:blip r:embed="rId2"/>
+          <a:stretch>
+            <a:fillRect/>
+          </a:stretch>
+        </p:blipFill>
+        <p:spPr>
+          <a:xfrm>
+            <a:off x="3521966" y="4541702"/>
+            <a:ext cx="1164361" cy="1164361"/>
+          </a:xfrm>
+          <a:prstGeom prst="rect">
+            <a:avLst/>
+          </a:prstGeom>
+        </p:spPr>
+      </p:pic>
+      <p:pic>
+        <p:nvPicPr>
+          <p:cNvPr id="9" name="Picture 8"/>
+          <p:cNvPicPr>
+            <a:picLocks noChangeAspect="1"/>
+          </p:cNvPicPr>
+          <p:nvPr/>
+        </p:nvPicPr>
+        <p:blipFill>
+          <a:blip r:embed="rId3"/>
+          <a:stretch>
+            <a:fillRect/>
+          </a:stretch>
+        </p:blipFill>
+        <p:spPr>
+          <a:xfrm>
+            <a:off x="6034418" y="4549565"/>
+            <a:ext cx="1502860" cy="1156498"/>
+          </a:xfrm>
+          <a:prstGeom prst="rect">
+            <a:avLst/>
+          </a:prstGeom>
+        </p:spPr>
+      </p:pic>
+      <p:cxnSp>
+        <p:nvCxnSpPr>
+          <p:cNvPr id="10" name="Straight Arrow Connector 9"/>
+          <p:cNvCxnSpPr>
+            <a:stCxn id="4" idx="3"/>
+            <a:endCxn id="5" idx="1"/>
+          </p:cNvCxnSpPr>
+          <p:nvPr/>
+        </p:nvCxnSpPr>
+        <p:spPr>
+          <a:xfrm>
+            <a:off x="4686327" y="1999819"/>
+            <a:ext cx="1348091" cy="3931"/>
+          </a:xfrm>
+          <a:prstGeom prst="straightConnector1">
+            <a:avLst/>
+          </a:prstGeom>
+          <a:ln>
+            <a:tailEnd type="arrow"/>
+          </a:ln>
+        </p:spPr>
+        <p:style>
+          <a:lnRef idx="2">
+            <a:schemeClr val="accent1"/>
+          </a:lnRef>
+          <a:fillRef idx="0">
+            <a:schemeClr val="accent1"/>
+          </a:fillRef>
+          <a:effectRef idx="1">
+            <a:schemeClr val="accent1"/>
+          </a:effectRef>
+          <a:fontRef idx="minor">
+            <a:schemeClr val="tx1"/>
+          </a:fontRef>
+        </p:style>
+      </p:cxnSp>
+      <p:cxnSp>
+        <p:nvCxnSpPr>
+          <p:cNvPr id="11" name="Straight Arrow Connector 10"/>
+          <p:cNvCxnSpPr/>
+          <p:nvPr/>
+        </p:nvCxnSpPr>
+        <p:spPr>
+          <a:xfrm>
+            <a:off x="4686327" y="3617679"/>
+            <a:ext cx="1348091" cy="3931"/>
+          </a:xfrm>
+          <a:prstGeom prst="straightConnector1">
+            <a:avLst/>
+          </a:prstGeom>
+          <a:ln>
+            <a:tailEnd type="arrow"/>
+          </a:ln>
+        </p:spPr>
+        <p:style>
+          <a:lnRef idx="2">
+            <a:schemeClr val="accent1"/>
+          </a:lnRef>
+          <a:fillRef idx="0">
+            <a:schemeClr val="accent1"/>
+          </a:fillRef>
+          <a:effectRef idx="1">
+            <a:schemeClr val="accent1"/>
+          </a:effectRef>
+          <a:fontRef idx="minor">
+            <a:schemeClr val="tx1"/>
+          </a:fontRef>
+        </p:style>
+      </p:cxnSp>
+      <p:cxnSp>
+        <p:nvCxnSpPr>
+          <p:cNvPr id="12" name="Straight Arrow Connector 11"/>
+          <p:cNvCxnSpPr/>
+          <p:nvPr/>
+        </p:nvCxnSpPr>
+        <p:spPr>
+          <a:xfrm>
+            <a:off x="4686327" y="5109928"/>
+            <a:ext cx="1348091" cy="3931"/>
+          </a:xfrm>
+          <a:prstGeom prst="straightConnector1">
+            <a:avLst/>
+          </a:prstGeom>
+          <a:ln>
+            <a:tailEnd type="arrow"/>
+          </a:ln>
+        </p:spPr>
+        <p:style>
+          <a:lnRef idx="2">
+            <a:schemeClr val="accent1"/>
+          </a:lnRef>
+          <a:fillRef idx="0">
+            <a:schemeClr val="accent1"/>
+          </a:fillRef>
+          <a:effectRef idx="1">
+            <a:schemeClr val="accent1"/>
+          </a:effectRef>
+          <a:fontRef idx="minor">
+            <a:schemeClr val="tx1"/>
+          </a:fontRef>
+        </p:style>
+      </p:cxnSp>
+      <p:pic>
+        <p:nvPicPr>
+          <p:cNvPr id="13" name="Picture 12"/>
+          <p:cNvPicPr>
+            <a:picLocks noChangeAspect="1"/>
+          </p:cNvPicPr>
+          <p:nvPr/>
+        </p:nvPicPr>
+        <p:blipFill>
+          <a:blip r:embed="rId2"/>
+          <a:stretch>
+            <a:fillRect/>
+          </a:stretch>
+        </p:blipFill>
+        <p:spPr>
+          <a:xfrm>
+            <a:off x="1148515" y="2979670"/>
+            <a:ext cx="1164361" cy="1164361"/>
+          </a:xfrm>
+          <a:prstGeom prst="rect">
+            <a:avLst/>
+          </a:prstGeom>
+        </p:spPr>
+      </p:pic>
+      <p:cxnSp>
+        <p:nvCxnSpPr>
+          <p:cNvPr id="14" name="Elbow Connector 13"/>
+          <p:cNvCxnSpPr>
+            <a:stCxn id="13" idx="3"/>
+            <a:endCxn id="4" idx="1"/>
+          </p:cNvCxnSpPr>
+          <p:nvPr/>
+        </p:nvCxnSpPr>
+        <p:spPr>
+          <a:xfrm flipV="1">
+            <a:off x="2312876" y="1999819"/>
+            <a:ext cx="1209090" cy="1562032"/>
+          </a:xfrm>
+          <a:prstGeom prst="bentConnector3">
+            <a:avLst/>
+          </a:prstGeom>
+          <a:ln>
+            <a:tailEnd type="arrow"/>
+          </a:ln>
+        </p:spPr>
+        <p:style>
+          <a:lnRef idx="2">
+            <a:schemeClr val="accent1"/>
+          </a:lnRef>
+          <a:fillRef idx="0">
+            <a:schemeClr val="accent1"/>
+          </a:fillRef>
+          <a:effectRef idx="1">
+            <a:schemeClr val="accent1"/>
+          </a:effectRef>
+          <a:fontRef idx="minor">
+            <a:schemeClr val="tx1"/>
+          </a:fontRef>
+        </p:style>
+      </p:cxnSp>
+      <p:cxnSp>
+        <p:nvCxnSpPr>
+          <p:cNvPr id="15" name="Elbow Connector 14"/>
+          <p:cNvCxnSpPr>
+            <a:stCxn id="13" idx="3"/>
+            <a:endCxn id="6" idx="1"/>
+          </p:cNvCxnSpPr>
+          <p:nvPr/>
+        </p:nvCxnSpPr>
+        <p:spPr>
+          <a:xfrm>
+            <a:off x="2312876" y="3561851"/>
+            <a:ext cx="1209090" cy="12700"/>
+          </a:xfrm>
+          <a:prstGeom prst="bentConnector3">
+            <a:avLst>
+              <a:gd name="adj1" fmla="val 50000"/>
+            </a:avLst>
+          </a:prstGeom>
+          <a:ln>
+            <a:tailEnd type="arrow"/>
+          </a:ln>
+        </p:spPr>
+        <p:style>
+          <a:lnRef idx="2">
+            <a:schemeClr val="accent1"/>
+          </a:lnRef>
+          <a:fillRef idx="0">
+            <a:schemeClr val="accent1"/>
+          </a:fillRef>
+          <a:effectRef idx="1">
+            <a:schemeClr val="accent1"/>
+          </a:effectRef>
+          <a:fontRef idx="minor">
+            <a:schemeClr val="tx1"/>
+          </a:fontRef>
+        </p:style>
+      </p:cxnSp>
+      <p:cxnSp>
+        <p:nvCxnSpPr>
+          <p:cNvPr id="16" name="Elbow Connector 15"/>
+          <p:cNvCxnSpPr>
+            <a:stCxn id="13" idx="3"/>
+            <a:endCxn id="8" idx="1"/>
+          </p:cNvCxnSpPr>
+          <p:nvPr/>
+        </p:nvCxnSpPr>
+        <p:spPr>
+          <a:xfrm>
+            <a:off x="2312876" y="3561851"/>
+            <a:ext cx="1209090" cy="1562032"/>
+          </a:xfrm>
+          <a:prstGeom prst="bentConnector3">
+            <a:avLst>
+              <a:gd name="adj1" fmla="val 50000"/>
+            </a:avLst>
+          </a:prstGeom>
+          <a:ln>
+            <a:tailEnd type="arrow"/>
+          </a:ln>
+        </p:spPr>
+        <p:style>
+          <a:lnRef idx="2">
+            <a:schemeClr val="accent1"/>
+          </a:lnRef>
+          <a:fillRef idx="0">
+            <a:schemeClr val="accent1"/>
+          </a:fillRef>
+          <a:effectRef idx="1">
+            <a:schemeClr val="accent1"/>
+          </a:effectRef>
+          <a:fontRef idx="minor">
+            <a:schemeClr val="tx1"/>
+          </a:fontRef>
+        </p:style>
+      </p:cxnSp>
+      <p:sp>
+        <p:nvSpPr>
+          <p:cNvPr id="17" name="TextBox 16"/>
+          <p:cNvSpPr txBox="1"/>
+          <p:nvPr/>
+        </p:nvSpPr>
+        <p:spPr>
+          <a:xfrm>
+            <a:off x="995010" y="4197755"/>
+            <a:ext cx="1501358" cy="369332"/>
+          </a:xfrm>
+          <a:prstGeom prst="rect">
+            <a:avLst/>
+          </a:prstGeom>
+          <a:noFill/>
+        </p:spPr>
+        <p:txBody>
+          <a:bodyPr wrap="none" rtlCol="0">
+            <a:spAutoFit/>
+          </a:bodyPr>
+          <a:lstStyle/>
+          <a:p>
+            <a:r>
+              <a:rPr lang="en-US" dirty="0" smtClean="0"/>
+              <a:t>Load Balancer</a:t>
+            </a:r>
+            <a:endParaRPr lang="en-US" dirty="0"/>
+          </a:p>
+        </p:txBody>
+      </p:sp>
+      <p:sp>
+        <p:nvSpPr>
+          <p:cNvPr id="18" name="TextBox 17"/>
+          <p:cNvSpPr txBox="1"/>
+          <p:nvPr/>
+        </p:nvSpPr>
+        <p:spPr>
+          <a:xfrm>
+            <a:off x="3787859" y="2577647"/>
+            <a:ext cx="787395" cy="369332"/>
+          </a:xfrm>
+          <a:prstGeom prst="rect">
+            <a:avLst/>
+          </a:prstGeom>
+          <a:noFill/>
+        </p:spPr>
+        <p:txBody>
+          <a:bodyPr wrap="none" rtlCol="0">
+            <a:spAutoFit/>
+          </a:bodyPr>
+          <a:lstStyle/>
+          <a:p>
+            <a:r>
+              <a:rPr lang="en-US" dirty="0" smtClean="0"/>
+              <a:t>Server</a:t>
+            </a:r>
+            <a:endParaRPr lang="en-US" dirty="0"/>
+          </a:p>
+        </p:txBody>
+      </p:sp>
+      <p:sp>
+        <p:nvSpPr>
+          <p:cNvPr id="19" name="TextBox 18"/>
+          <p:cNvSpPr txBox="1"/>
+          <p:nvPr/>
+        </p:nvSpPr>
+        <p:spPr>
+          <a:xfrm>
+            <a:off x="6399293" y="2577647"/>
+            <a:ext cx="574872" cy="369332"/>
+          </a:xfrm>
+          <a:prstGeom prst="rect">
+            <a:avLst/>
+          </a:prstGeom>
+          <a:noFill/>
+        </p:spPr>
+        <p:txBody>
+          <a:bodyPr wrap="none" rtlCol="0">
+            <a:spAutoFit/>
+          </a:bodyPr>
+          <a:lstStyle/>
+          <a:p>
+            <a:r>
+              <a:rPr lang="en-US" dirty="0" smtClean="0"/>
+              <a:t>Disk</a:t>
+            </a:r>
+            <a:endParaRPr lang="en-US" dirty="0"/>
+          </a:p>
+        </p:txBody>
+      </p:sp>
+      <p:sp>
+        <p:nvSpPr>
+          <p:cNvPr id="20" name="TextBox 19"/>
+          <p:cNvSpPr txBox="1"/>
+          <p:nvPr/>
+        </p:nvSpPr>
+        <p:spPr>
+          <a:xfrm>
+            <a:off x="3785880" y="4144031"/>
+            <a:ext cx="787395" cy="369332"/>
+          </a:xfrm>
+          <a:prstGeom prst="rect">
+            <a:avLst/>
+          </a:prstGeom>
+          <a:noFill/>
+        </p:spPr>
+        <p:txBody>
+          <a:bodyPr wrap="none" rtlCol="0">
+            <a:spAutoFit/>
+          </a:bodyPr>
+          <a:lstStyle/>
+          <a:p>
+            <a:r>
+              <a:rPr lang="en-US" dirty="0" smtClean="0"/>
+              <a:t>Server</a:t>
+            </a:r>
+            <a:endParaRPr lang="en-US" dirty="0"/>
+          </a:p>
+        </p:txBody>
+      </p:sp>
+      <p:sp>
+        <p:nvSpPr>
+          <p:cNvPr id="21" name="TextBox 20"/>
+          <p:cNvSpPr txBox="1"/>
+          <p:nvPr/>
+        </p:nvSpPr>
+        <p:spPr>
+          <a:xfrm>
+            <a:off x="6397314" y="4144031"/>
+            <a:ext cx="574872" cy="369332"/>
+          </a:xfrm>
+          <a:prstGeom prst="rect">
+            <a:avLst/>
+          </a:prstGeom>
+          <a:noFill/>
+        </p:spPr>
+        <p:txBody>
+          <a:bodyPr wrap="none" rtlCol="0">
+            <a:spAutoFit/>
+          </a:bodyPr>
+          <a:lstStyle/>
+          <a:p>
+            <a:r>
+              <a:rPr lang="en-US" dirty="0" smtClean="0"/>
+              <a:t>Disk</a:t>
+            </a:r>
+            <a:endParaRPr lang="en-US" dirty="0"/>
+          </a:p>
+        </p:txBody>
+      </p:sp>
+      <p:sp>
+        <p:nvSpPr>
+          <p:cNvPr id="22" name="TextBox 21"/>
+          <p:cNvSpPr txBox="1"/>
+          <p:nvPr/>
+        </p:nvSpPr>
+        <p:spPr>
+          <a:xfrm>
+            <a:off x="3783901" y="5710415"/>
+            <a:ext cx="787395" cy="369332"/>
+          </a:xfrm>
+          <a:prstGeom prst="rect">
+            <a:avLst/>
+          </a:prstGeom>
+          <a:noFill/>
+        </p:spPr>
+        <p:txBody>
+          <a:bodyPr wrap="none" rtlCol="0">
+            <a:spAutoFit/>
+          </a:bodyPr>
+          <a:lstStyle/>
+          <a:p>
+            <a:r>
+              <a:rPr lang="en-US" dirty="0" smtClean="0"/>
+              <a:t>Server</a:t>
+            </a:r>
+            <a:endParaRPr lang="en-US" dirty="0"/>
+          </a:p>
+        </p:txBody>
+      </p:sp>
+      <p:sp>
+        <p:nvSpPr>
+          <p:cNvPr id="23" name="TextBox 22"/>
+          <p:cNvSpPr txBox="1"/>
+          <p:nvPr/>
+        </p:nvSpPr>
+        <p:spPr>
+          <a:xfrm>
+            <a:off x="6395335" y="5710415"/>
+            <a:ext cx="574872" cy="369332"/>
+          </a:xfrm>
+          <a:prstGeom prst="rect">
+            <a:avLst/>
+          </a:prstGeom>
+          <a:noFill/>
+        </p:spPr>
+        <p:txBody>
+          <a:bodyPr wrap="none" rtlCol="0">
+            <a:spAutoFit/>
+          </a:bodyPr>
+          <a:lstStyle/>
+          <a:p>
+            <a:r>
+              <a:rPr lang="en-US" dirty="0" smtClean="0"/>
+              <a:t>Disk</a:t>
+            </a:r>
+            <a:endParaRPr lang="en-US" dirty="0"/>
+          </a:p>
+        </p:txBody>
+      </p:sp>
+      <p:sp>
+        <p:nvSpPr>
+          <p:cNvPr id="24" name="TextBox 23"/>
+          <p:cNvSpPr txBox="1"/>
+          <p:nvPr/>
+        </p:nvSpPr>
+        <p:spPr>
+          <a:xfrm>
+            <a:off x="7732648" y="1535243"/>
+            <a:ext cx="709449" cy="646331"/>
+          </a:xfrm>
+          <a:prstGeom prst="rect">
+            <a:avLst/>
+          </a:prstGeom>
+          <a:noFill/>
+        </p:spPr>
+        <p:txBody>
+          <a:bodyPr wrap="none" rtlCol="0">
+            <a:spAutoFit/>
+          </a:bodyPr>
+          <a:lstStyle/>
+          <a:p>
+            <a:r>
+              <a:rPr lang="en-US" sz="3600" dirty="0" smtClean="0">
+                <a:solidFill>
+                  <a:srgbClr val="FF0000"/>
+                </a:solidFill>
+              </a:rPr>
+              <a:t>A-I</a:t>
+            </a:r>
+            <a:endParaRPr lang="en-US" sz="3600" dirty="0">
+              <a:solidFill>
+                <a:srgbClr val="FF0000"/>
+              </a:solidFill>
+            </a:endParaRPr>
+          </a:p>
+        </p:txBody>
+      </p:sp>
+      <p:sp>
+        <p:nvSpPr>
+          <p:cNvPr id="25" name="TextBox 24"/>
+          <p:cNvSpPr txBox="1"/>
+          <p:nvPr/>
+        </p:nvSpPr>
+        <p:spPr>
+          <a:xfrm>
+            <a:off x="7689678" y="3238685"/>
+            <a:ext cx="723876" cy="646331"/>
+          </a:xfrm>
+          <a:prstGeom prst="rect">
+            <a:avLst/>
+          </a:prstGeom>
+          <a:noFill/>
+        </p:spPr>
+        <p:txBody>
+          <a:bodyPr wrap="none" rtlCol="0">
+            <a:spAutoFit/>
+          </a:bodyPr>
+          <a:lstStyle/>
+          <a:p>
+            <a:r>
+              <a:rPr lang="en-US" sz="3600" dirty="0" smtClean="0">
+                <a:solidFill>
+                  <a:srgbClr val="FF0000"/>
+                </a:solidFill>
+              </a:rPr>
+              <a:t>J-R</a:t>
+            </a:r>
+            <a:endParaRPr lang="en-US" sz="3600" dirty="0">
+              <a:solidFill>
+                <a:srgbClr val="FF0000"/>
+              </a:solidFill>
+            </a:endParaRPr>
+          </a:p>
+        </p:txBody>
+      </p:sp>
+      <p:sp>
+        <p:nvSpPr>
+          <p:cNvPr id="26" name="TextBox 25"/>
+          <p:cNvSpPr txBox="1"/>
+          <p:nvPr/>
+        </p:nvSpPr>
+        <p:spPr>
+          <a:xfrm>
+            <a:off x="7689678" y="4786762"/>
+            <a:ext cx="754308" cy="646331"/>
+          </a:xfrm>
+          <a:prstGeom prst="rect">
+            <a:avLst/>
+          </a:prstGeom>
+          <a:noFill/>
+        </p:spPr>
+        <p:txBody>
+          <a:bodyPr wrap="none" rtlCol="0">
+            <a:spAutoFit/>
+          </a:bodyPr>
+          <a:lstStyle/>
+          <a:p>
+            <a:r>
+              <a:rPr lang="en-US" sz="3600" dirty="0" smtClean="0">
+                <a:solidFill>
+                  <a:srgbClr val="FF0000"/>
+                </a:solidFill>
+              </a:rPr>
+              <a:t>S-Z</a:t>
+            </a:r>
+            <a:endParaRPr lang="en-US" sz="3600" dirty="0">
+              <a:solidFill>
+                <a:srgbClr val="FF0000"/>
+              </a:solidFill>
+            </a:endParaRPr>
+          </a:p>
+        </p:txBody>
+      </p:sp>
+    </p:spTree>
+    <p:extLst>
+      <p:ext uri="{BB962C8B-B14F-4D97-AF65-F5344CB8AC3E}">
+        <p14:creationId xmlns:p14="http://schemas.microsoft.com/office/powerpoint/2010/main" val="2320826118"/>
+      </p:ext>
+    </p:extLst>
+  </p:cSld>
+  <p:clrMapOvr>
+    <a:masterClrMapping/>
+  </p:clrMapOvr>
+</p:sld>
+</file>
+
+<file path=ppt/slides/slide26.xml><?xml version="1.0" encoding="utf-8"?>
+<p:sld xmlns:a="http://schemas.openxmlformats.org/drawingml/2006/main" xmlns:r="http://schemas.openxmlformats.org/officeDocument/2006/relationships" xmlns:p="http://schemas.openxmlformats.org/presentationml/2006/main">
+  <p:cSld>
+    <p:spTree>
+      <p:nvGrpSpPr>
+        <p:cNvPr id="1" name=""/>
+        <p:cNvGrpSpPr/>
+        <p:nvPr/>
+      </p:nvGrpSpPr>
+      <p:grpSpPr>
+        <a:xfrm>
+          <a:off x="0" y="0"/>
+          <a:ext cx="0" cy="0"/>
+          <a:chOff x="0" y="0"/>
+          <a:chExt cx="0" cy="0"/>
+        </a:xfrm>
+      </p:grpSpPr>
+      <p:sp>
+        <p:nvSpPr>
+          <p:cNvPr id="2" name="Title 1"/>
+          <p:cNvSpPr>
+            <a:spLocks noGrp="1"/>
+          </p:cNvSpPr>
+          <p:nvPr>
+            <p:ph type="title"/>
+          </p:nvPr>
+        </p:nvSpPr>
+        <p:spPr/>
+        <p:txBody>
+          <a:bodyPr/>
+          <a:lstStyle/>
+          <a:p>
+            <a:r>
+              <a:rPr lang="en-US" dirty="0" smtClean="0"/>
+              <a:t>Problems with </a:t>
+            </a:r>
+            <a:r>
+              <a:rPr lang="en-US" dirty="0" err="1" smtClean="0"/>
+              <a:t>Sharding</a:t>
+            </a:r>
+            <a:endParaRPr lang="en-US" dirty="0"/>
+          </a:p>
+        </p:txBody>
+      </p:sp>
+      <p:sp>
+        <p:nvSpPr>
+          <p:cNvPr id="3" name="Content Placeholder 2"/>
+          <p:cNvSpPr>
+            <a:spLocks noGrp="1"/>
+          </p:cNvSpPr>
+          <p:nvPr>
+            <p:ph idx="1"/>
+          </p:nvPr>
+        </p:nvSpPr>
+        <p:spPr/>
+        <p:txBody>
+          <a:bodyPr/>
+          <a:lstStyle/>
+          <a:p>
+            <a:r>
+              <a:rPr lang="en-US" dirty="0" smtClean="0"/>
+              <a:t>Imbalance</a:t>
+            </a:r>
+          </a:p>
+          <a:p>
+            <a:pPr lvl="1"/>
+            <a:r>
+              <a:rPr lang="en-US" dirty="0" smtClean="0"/>
+              <a:t>Fewer S-Z’s than A-I’s</a:t>
+            </a:r>
+          </a:p>
+          <a:p>
+            <a:r>
+              <a:rPr lang="en-US" dirty="0" smtClean="0"/>
+              <a:t>Failover</a:t>
+            </a:r>
+          </a:p>
+          <a:p>
+            <a:r>
+              <a:rPr lang="en-US" dirty="0" smtClean="0"/>
+              <a:t>Adding new servers requires a </a:t>
+            </a:r>
+            <a:br>
+              <a:rPr lang="en-US" dirty="0" smtClean="0"/>
+            </a:br>
+            <a:r>
+              <a:rPr lang="en-US" dirty="0" smtClean="0"/>
+              <a:t>re-balance</a:t>
+            </a:r>
+          </a:p>
+          <a:p>
+            <a:pPr lvl="1"/>
+            <a:r>
+              <a:rPr lang="en-US" dirty="0" smtClean="0"/>
+              <a:t>Is this automatic or manual?!</a:t>
+            </a:r>
+          </a:p>
+        </p:txBody>
+      </p:sp>
+    </p:spTree>
+    <p:extLst>
+      <p:ext uri="{BB962C8B-B14F-4D97-AF65-F5344CB8AC3E}">
+        <p14:creationId xmlns:p14="http://schemas.microsoft.com/office/powerpoint/2010/main" val="2341608394"/>
+      </p:ext>
+    </p:extLst>
+  </p:cSld>
+  <p:clrMapOvr>
+    <a:masterClrMapping/>
+  </p:clrMapOvr>
+</p:sld>
+</file>
+
+<file path=ppt/slides/slide27.xml><?xml version="1.0" encoding="utf-8"?>
+<p:sld xmlns:a="http://schemas.openxmlformats.org/drawingml/2006/main" xmlns:r="http://schemas.openxmlformats.org/officeDocument/2006/relationships" xmlns:p="http://schemas.openxmlformats.org/presentationml/2006/main">
+  <p:cSld>
+    <p:spTree>
+      <p:nvGrpSpPr>
+        <p:cNvPr id="1" name=""/>
+        <p:cNvGrpSpPr/>
+        <p:nvPr/>
+      </p:nvGrpSpPr>
+      <p:grpSpPr>
+        <a:xfrm>
+          <a:off x="0" y="0"/>
+          <a:ext cx="0" cy="0"/>
+          <a:chOff x="0" y="0"/>
+          <a:chExt cx="0" cy="0"/>
+        </a:xfrm>
+      </p:grpSpPr>
+      <p:sp>
+        <p:nvSpPr>
+          <p:cNvPr id="24" name="Rectangle 23"/>
+          <p:cNvSpPr/>
+          <p:nvPr/>
+        </p:nvSpPr>
+        <p:spPr>
+          <a:xfrm>
+            <a:off x="125595" y="5945577"/>
+            <a:ext cx="9018405" cy="912423"/>
+          </a:xfrm>
+          <a:prstGeom prst="rect">
+            <a:avLst/>
+          </a:prstGeom>
+          <a:solidFill>
+            <a:srgbClr val="FFFFFF"/>
+          </a:solidFill>
+          <a:ln>
+            <a:noFill/>
+          </a:ln>
+          <a:effectLst/>
+        </p:spPr>
+        <p:style>
+          <a:lnRef idx="1">
+            <a:schemeClr val="accent1"/>
+          </a:lnRef>
+          <a:fillRef idx="3">
+            <a:schemeClr val="accent1"/>
+          </a:fillRef>
+          <a:effectRef idx="2">
+            <a:schemeClr val="accent1"/>
+          </a:effectRef>
+          <a:fontRef idx="minor">
+            <a:schemeClr val="lt1"/>
+          </a:fontRef>
+        </p:style>
+        <p:txBody>
+          <a:bodyPr rtlCol="0" anchor="ctr"/>
+          <a:lstStyle/>
+          <a:p>
+            <a:pPr algn="ctr"/>
+            <a:endParaRPr lang="en-US"/>
+          </a:p>
+        </p:txBody>
+      </p:sp>
+      <p:sp>
+        <p:nvSpPr>
+          <p:cNvPr id="2" name="Title 1"/>
+          <p:cNvSpPr>
+            <a:spLocks noGrp="1"/>
+          </p:cNvSpPr>
+          <p:nvPr>
+            <p:ph type="title"/>
+          </p:nvPr>
+        </p:nvSpPr>
+        <p:spPr/>
+        <p:txBody>
+          <a:bodyPr/>
+          <a:lstStyle/>
+          <a:p>
+            <a:r>
+              <a:rPr lang="en-US" dirty="0" smtClean="0"/>
+              <a:t>Cache</a:t>
+            </a:r>
+            <a:endParaRPr lang="en-US" dirty="0"/>
+          </a:p>
+        </p:txBody>
+      </p:sp>
+      <p:pic>
+        <p:nvPicPr>
+          <p:cNvPr id="4" name="Picture 3"/>
+          <p:cNvPicPr>
+            <a:picLocks noChangeAspect="1"/>
+          </p:cNvPicPr>
+          <p:nvPr/>
+        </p:nvPicPr>
+        <p:blipFill>
+          <a:blip r:embed="rId2"/>
+          <a:stretch>
+            <a:fillRect/>
+          </a:stretch>
+        </p:blipFill>
+        <p:spPr>
+          <a:xfrm>
+            <a:off x="3604591" y="1570038"/>
+            <a:ext cx="1164361" cy="1164361"/>
+          </a:xfrm>
+          <a:prstGeom prst="rect">
+            <a:avLst/>
+          </a:prstGeom>
+        </p:spPr>
+      </p:pic>
+      <p:pic>
+        <p:nvPicPr>
+          <p:cNvPr id="5" name="Picture 4"/>
+          <p:cNvPicPr>
+            <a:picLocks noChangeAspect="1"/>
+          </p:cNvPicPr>
+          <p:nvPr/>
+        </p:nvPicPr>
+        <p:blipFill>
+          <a:blip r:embed="rId3"/>
+          <a:stretch>
+            <a:fillRect/>
+          </a:stretch>
+        </p:blipFill>
+        <p:spPr>
+          <a:xfrm>
+            <a:off x="6117043" y="1494159"/>
+            <a:ext cx="1502860" cy="1156498"/>
+          </a:xfrm>
+          <a:prstGeom prst="rect">
+            <a:avLst/>
+          </a:prstGeom>
+        </p:spPr>
+      </p:pic>
+      <p:pic>
+        <p:nvPicPr>
+          <p:cNvPr id="6" name="Picture 5"/>
+          <p:cNvPicPr>
+            <a:picLocks noChangeAspect="1"/>
+          </p:cNvPicPr>
+          <p:nvPr/>
+        </p:nvPicPr>
+        <p:blipFill>
+          <a:blip r:embed="rId2"/>
+          <a:stretch>
+            <a:fillRect/>
+          </a:stretch>
+        </p:blipFill>
+        <p:spPr>
+          <a:xfrm>
+            <a:off x="3604591" y="3048328"/>
+            <a:ext cx="1164361" cy="1164361"/>
+          </a:xfrm>
+          <a:prstGeom prst="rect">
+            <a:avLst/>
+          </a:prstGeom>
+        </p:spPr>
+      </p:pic>
+      <p:pic>
+        <p:nvPicPr>
+          <p:cNvPr id="7" name="Picture 6"/>
+          <p:cNvPicPr>
+            <a:picLocks noChangeAspect="1"/>
+          </p:cNvPicPr>
+          <p:nvPr/>
+        </p:nvPicPr>
+        <p:blipFill>
+          <a:blip r:embed="rId3"/>
+          <a:stretch>
+            <a:fillRect/>
+          </a:stretch>
+        </p:blipFill>
+        <p:spPr>
+          <a:xfrm>
+            <a:off x="6117043" y="3056191"/>
+            <a:ext cx="1502860" cy="1156498"/>
+          </a:xfrm>
+          <a:prstGeom prst="rect">
+            <a:avLst/>
+          </a:prstGeom>
+        </p:spPr>
+      </p:pic>
+      <p:pic>
+        <p:nvPicPr>
+          <p:cNvPr id="8" name="Picture 7"/>
+          <p:cNvPicPr>
+            <a:picLocks noChangeAspect="1"/>
+          </p:cNvPicPr>
+          <p:nvPr/>
+        </p:nvPicPr>
+        <p:blipFill>
+          <a:blip r:embed="rId2"/>
+          <a:stretch>
+            <a:fillRect/>
+          </a:stretch>
+        </p:blipFill>
+        <p:spPr>
+          <a:xfrm>
+            <a:off x="3604591" y="4610360"/>
+            <a:ext cx="1164361" cy="1164361"/>
+          </a:xfrm>
+          <a:prstGeom prst="rect">
+            <a:avLst/>
+          </a:prstGeom>
+        </p:spPr>
+      </p:pic>
+      <p:pic>
+        <p:nvPicPr>
+          <p:cNvPr id="9" name="Picture 8"/>
+          <p:cNvPicPr>
+            <a:picLocks noChangeAspect="1"/>
+          </p:cNvPicPr>
+          <p:nvPr/>
+        </p:nvPicPr>
+        <p:blipFill>
+          <a:blip r:embed="rId3"/>
+          <a:stretch>
+            <a:fillRect/>
+          </a:stretch>
+        </p:blipFill>
+        <p:spPr>
+          <a:xfrm>
+            <a:off x="6117043" y="4618223"/>
+            <a:ext cx="1502860" cy="1156498"/>
+          </a:xfrm>
+          <a:prstGeom prst="rect">
+            <a:avLst/>
+          </a:prstGeom>
+        </p:spPr>
+      </p:pic>
+      <p:cxnSp>
+        <p:nvCxnSpPr>
+          <p:cNvPr id="10" name="Straight Arrow Connector 9"/>
+          <p:cNvCxnSpPr>
+            <a:endCxn id="5" idx="1"/>
+          </p:cNvCxnSpPr>
+          <p:nvPr/>
+        </p:nvCxnSpPr>
+        <p:spPr>
+          <a:xfrm>
+            <a:off x="4768952" y="2068477"/>
+            <a:ext cx="1348091" cy="3931"/>
+          </a:xfrm>
+          <a:prstGeom prst="straightConnector1">
+            <a:avLst/>
+          </a:prstGeom>
+          <a:ln>
+            <a:tailEnd type="arrow"/>
+          </a:ln>
+        </p:spPr>
+        <p:style>
+          <a:lnRef idx="2">
+            <a:schemeClr val="accent1"/>
+          </a:lnRef>
+          <a:fillRef idx="0">
+            <a:schemeClr val="accent1"/>
+          </a:fillRef>
+          <a:effectRef idx="1">
+            <a:schemeClr val="accent1"/>
+          </a:effectRef>
+          <a:fontRef idx="minor">
+            <a:schemeClr val="tx1"/>
+          </a:fontRef>
+        </p:style>
+      </p:cxnSp>
+      <p:cxnSp>
+        <p:nvCxnSpPr>
+          <p:cNvPr id="11" name="Straight Arrow Connector 10"/>
+          <p:cNvCxnSpPr/>
+          <p:nvPr/>
+        </p:nvCxnSpPr>
+        <p:spPr>
+          <a:xfrm>
+            <a:off x="4768952" y="3686337"/>
+            <a:ext cx="1348091" cy="3931"/>
+          </a:xfrm>
+          <a:prstGeom prst="straightConnector1">
+            <a:avLst/>
+          </a:prstGeom>
+          <a:ln>
+            <a:tailEnd type="arrow"/>
+          </a:ln>
+        </p:spPr>
+        <p:style>
+          <a:lnRef idx="2">
+            <a:schemeClr val="accent1"/>
+          </a:lnRef>
+          <a:fillRef idx="0">
+            <a:schemeClr val="accent1"/>
+          </a:fillRef>
+          <a:effectRef idx="1">
+            <a:schemeClr val="accent1"/>
+          </a:effectRef>
+          <a:fontRef idx="minor">
+            <a:schemeClr val="tx1"/>
+          </a:fontRef>
+        </p:style>
+      </p:cxnSp>
+      <p:cxnSp>
+        <p:nvCxnSpPr>
+          <p:cNvPr id="12" name="Straight Arrow Connector 11"/>
+          <p:cNvCxnSpPr/>
+          <p:nvPr/>
+        </p:nvCxnSpPr>
+        <p:spPr>
+          <a:xfrm>
+            <a:off x="4768952" y="5178586"/>
+            <a:ext cx="1348091" cy="3931"/>
+          </a:xfrm>
+          <a:prstGeom prst="straightConnector1">
+            <a:avLst/>
+          </a:prstGeom>
+          <a:ln>
+            <a:tailEnd type="arrow"/>
+          </a:ln>
+        </p:spPr>
+        <p:style>
+          <a:lnRef idx="2">
+            <a:schemeClr val="accent1"/>
+          </a:lnRef>
+          <a:fillRef idx="0">
+            <a:schemeClr val="accent1"/>
+          </a:fillRef>
+          <a:effectRef idx="1">
+            <a:schemeClr val="accent1"/>
+          </a:effectRef>
+          <a:fontRef idx="minor">
+            <a:schemeClr val="tx1"/>
+          </a:fontRef>
+        </p:style>
+      </p:cxnSp>
+      <p:pic>
+        <p:nvPicPr>
+          <p:cNvPr id="13" name="Picture 12"/>
+          <p:cNvPicPr>
+            <a:picLocks noChangeAspect="1"/>
+          </p:cNvPicPr>
+          <p:nvPr/>
+        </p:nvPicPr>
+        <p:blipFill>
+          <a:blip r:embed="rId2"/>
+          <a:stretch>
+            <a:fillRect/>
+          </a:stretch>
+        </p:blipFill>
+        <p:spPr>
+          <a:xfrm>
+            <a:off x="1231140" y="3048328"/>
+            <a:ext cx="1164361" cy="1164361"/>
+          </a:xfrm>
+          <a:prstGeom prst="rect">
+            <a:avLst/>
+          </a:prstGeom>
+        </p:spPr>
+      </p:pic>
+      <p:cxnSp>
+        <p:nvCxnSpPr>
+          <p:cNvPr id="14" name="Elbow Connector 13"/>
+          <p:cNvCxnSpPr>
+            <a:stCxn id="13" idx="3"/>
+          </p:cNvCxnSpPr>
+          <p:nvPr/>
+        </p:nvCxnSpPr>
+        <p:spPr>
+          <a:xfrm flipV="1">
+            <a:off x="2395501" y="2068477"/>
+            <a:ext cx="1209090" cy="1562032"/>
+          </a:xfrm>
+          <a:prstGeom prst="bentConnector3">
+            <a:avLst/>
+          </a:prstGeom>
+          <a:ln>
+            <a:tailEnd type="arrow"/>
+          </a:ln>
+        </p:spPr>
+        <p:style>
+          <a:lnRef idx="2">
+            <a:schemeClr val="accent1"/>
+          </a:lnRef>
+          <a:fillRef idx="0">
+            <a:schemeClr val="accent1"/>
+          </a:fillRef>
+          <a:effectRef idx="1">
+            <a:schemeClr val="accent1"/>
+          </a:effectRef>
+          <a:fontRef idx="minor">
+            <a:schemeClr val="tx1"/>
+          </a:fontRef>
+        </p:style>
+      </p:cxnSp>
+      <p:cxnSp>
+        <p:nvCxnSpPr>
+          <p:cNvPr id="15" name="Elbow Connector 14"/>
+          <p:cNvCxnSpPr>
+            <a:stCxn id="13" idx="3"/>
+            <a:endCxn id="6" idx="1"/>
+          </p:cNvCxnSpPr>
+          <p:nvPr/>
+        </p:nvCxnSpPr>
+        <p:spPr>
+          <a:xfrm>
+            <a:off x="2395501" y="3630509"/>
+            <a:ext cx="1209090" cy="12700"/>
+          </a:xfrm>
+          <a:prstGeom prst="bentConnector3">
+            <a:avLst>
+              <a:gd name="adj1" fmla="val 50000"/>
+            </a:avLst>
+          </a:prstGeom>
+          <a:ln>
+            <a:tailEnd type="arrow"/>
+          </a:ln>
+        </p:spPr>
+        <p:style>
+          <a:lnRef idx="2">
+            <a:schemeClr val="accent1"/>
+          </a:lnRef>
+          <a:fillRef idx="0">
+            <a:schemeClr val="accent1"/>
+          </a:fillRef>
+          <a:effectRef idx="1">
+            <a:schemeClr val="accent1"/>
+          </a:effectRef>
+          <a:fontRef idx="minor">
+            <a:schemeClr val="tx1"/>
+          </a:fontRef>
+        </p:style>
+      </p:cxnSp>
+      <p:cxnSp>
+        <p:nvCxnSpPr>
+          <p:cNvPr id="16" name="Elbow Connector 15"/>
+          <p:cNvCxnSpPr>
+            <a:stCxn id="13" idx="3"/>
+            <a:endCxn id="8" idx="1"/>
+          </p:cNvCxnSpPr>
+          <p:nvPr/>
+        </p:nvCxnSpPr>
+        <p:spPr>
+          <a:xfrm>
+            <a:off x="2395501" y="3630509"/>
+            <a:ext cx="1209090" cy="1562032"/>
+          </a:xfrm>
+          <a:prstGeom prst="bentConnector3">
+            <a:avLst>
+              <a:gd name="adj1" fmla="val 50000"/>
+            </a:avLst>
+          </a:prstGeom>
+          <a:ln>
+            <a:tailEnd type="arrow"/>
+          </a:ln>
+        </p:spPr>
+        <p:style>
+          <a:lnRef idx="2">
+            <a:schemeClr val="accent1"/>
+          </a:lnRef>
+          <a:fillRef idx="0">
+            <a:schemeClr val="accent1"/>
+          </a:fillRef>
+          <a:effectRef idx="1">
+            <a:schemeClr val="accent1"/>
+          </a:effectRef>
+          <a:fontRef idx="minor">
+            <a:schemeClr val="tx1"/>
+          </a:fontRef>
+        </p:style>
+      </p:cxnSp>
+      <p:sp>
+        <p:nvSpPr>
+          <p:cNvPr id="17" name="TextBox 16"/>
+          <p:cNvSpPr txBox="1"/>
+          <p:nvPr/>
+        </p:nvSpPr>
+        <p:spPr>
+          <a:xfrm>
+            <a:off x="1077635" y="4266413"/>
+            <a:ext cx="1501358" cy="369332"/>
+          </a:xfrm>
+          <a:prstGeom prst="rect">
+            <a:avLst/>
+          </a:prstGeom>
+          <a:noFill/>
+        </p:spPr>
+        <p:txBody>
+          <a:bodyPr wrap="none" rtlCol="0">
+            <a:spAutoFit/>
+          </a:bodyPr>
+          <a:lstStyle/>
+          <a:p>
+            <a:r>
+              <a:rPr lang="en-US" dirty="0" smtClean="0"/>
+              <a:t>Load Balancer</a:t>
+            </a:r>
+            <a:endParaRPr lang="en-US" dirty="0"/>
+          </a:p>
+        </p:txBody>
+      </p:sp>
+      <p:sp>
+        <p:nvSpPr>
+          <p:cNvPr id="18" name="TextBox 17"/>
+          <p:cNvSpPr txBox="1"/>
+          <p:nvPr/>
+        </p:nvSpPr>
+        <p:spPr>
+          <a:xfrm>
+            <a:off x="3870484" y="2646305"/>
+            <a:ext cx="787395" cy="369332"/>
+          </a:xfrm>
+          <a:prstGeom prst="rect">
+            <a:avLst/>
+          </a:prstGeom>
+          <a:noFill/>
+        </p:spPr>
+        <p:txBody>
+          <a:bodyPr wrap="none" rtlCol="0">
+            <a:spAutoFit/>
+          </a:bodyPr>
+          <a:lstStyle/>
+          <a:p>
+            <a:r>
+              <a:rPr lang="en-US" dirty="0" smtClean="0"/>
+              <a:t>Server</a:t>
+            </a:r>
+            <a:endParaRPr lang="en-US" dirty="0"/>
+          </a:p>
+        </p:txBody>
+      </p:sp>
+      <p:sp>
+        <p:nvSpPr>
+          <p:cNvPr id="19" name="TextBox 18"/>
+          <p:cNvSpPr txBox="1"/>
+          <p:nvPr/>
+        </p:nvSpPr>
+        <p:spPr>
+          <a:xfrm>
+            <a:off x="6537738" y="2478821"/>
+            <a:ext cx="574872" cy="369332"/>
+          </a:xfrm>
+          <a:prstGeom prst="rect">
+            <a:avLst/>
+          </a:prstGeom>
+          <a:noFill/>
+        </p:spPr>
+        <p:txBody>
+          <a:bodyPr wrap="none" rtlCol="0">
+            <a:spAutoFit/>
+          </a:bodyPr>
+          <a:lstStyle/>
+          <a:p>
+            <a:r>
+              <a:rPr lang="en-US" dirty="0" smtClean="0"/>
+              <a:t>Disk</a:t>
+            </a:r>
+            <a:endParaRPr lang="en-US" dirty="0"/>
+          </a:p>
+        </p:txBody>
+      </p:sp>
+      <p:sp>
+        <p:nvSpPr>
+          <p:cNvPr id="20" name="TextBox 19"/>
+          <p:cNvSpPr txBox="1"/>
+          <p:nvPr/>
+        </p:nvSpPr>
+        <p:spPr>
+          <a:xfrm>
+            <a:off x="3868505" y="4212689"/>
+            <a:ext cx="787395" cy="369332"/>
+          </a:xfrm>
+          <a:prstGeom prst="rect">
+            <a:avLst/>
+          </a:prstGeom>
+          <a:noFill/>
+        </p:spPr>
+        <p:txBody>
+          <a:bodyPr wrap="none" rtlCol="0">
+            <a:spAutoFit/>
+          </a:bodyPr>
+          <a:lstStyle/>
+          <a:p>
+            <a:r>
+              <a:rPr lang="en-US" dirty="0" smtClean="0"/>
+              <a:t>Server</a:t>
+            </a:r>
+            <a:endParaRPr lang="en-US" dirty="0"/>
+          </a:p>
+        </p:txBody>
+      </p:sp>
+      <p:sp>
+        <p:nvSpPr>
+          <p:cNvPr id="21" name="TextBox 20"/>
+          <p:cNvSpPr txBox="1"/>
+          <p:nvPr/>
+        </p:nvSpPr>
+        <p:spPr>
+          <a:xfrm>
+            <a:off x="6535759" y="4003334"/>
+            <a:ext cx="574872" cy="369332"/>
+          </a:xfrm>
+          <a:prstGeom prst="rect">
+            <a:avLst/>
+          </a:prstGeom>
+          <a:noFill/>
+        </p:spPr>
+        <p:txBody>
+          <a:bodyPr wrap="none" rtlCol="0">
+            <a:spAutoFit/>
+          </a:bodyPr>
+          <a:lstStyle/>
+          <a:p>
+            <a:r>
+              <a:rPr lang="en-US" dirty="0" smtClean="0"/>
+              <a:t>Disk</a:t>
+            </a:r>
+            <a:endParaRPr lang="en-US" dirty="0"/>
+          </a:p>
+        </p:txBody>
+      </p:sp>
+      <p:sp>
+        <p:nvSpPr>
+          <p:cNvPr id="22" name="TextBox 21"/>
+          <p:cNvSpPr txBox="1"/>
+          <p:nvPr/>
+        </p:nvSpPr>
+        <p:spPr>
+          <a:xfrm>
+            <a:off x="3866526" y="5779073"/>
+            <a:ext cx="787395" cy="369332"/>
+          </a:xfrm>
+          <a:prstGeom prst="rect">
+            <a:avLst/>
+          </a:prstGeom>
+          <a:noFill/>
+        </p:spPr>
+        <p:txBody>
+          <a:bodyPr wrap="none" rtlCol="0">
+            <a:spAutoFit/>
+          </a:bodyPr>
+          <a:lstStyle/>
+          <a:p>
+            <a:r>
+              <a:rPr lang="en-US" dirty="0" smtClean="0"/>
+              <a:t>Server</a:t>
+            </a:r>
+            <a:endParaRPr lang="en-US" dirty="0"/>
+          </a:p>
+        </p:txBody>
+      </p:sp>
+      <p:sp>
+        <p:nvSpPr>
+          <p:cNvPr id="23" name="TextBox 22"/>
+          <p:cNvSpPr txBox="1"/>
+          <p:nvPr/>
+        </p:nvSpPr>
+        <p:spPr>
+          <a:xfrm>
+            <a:off x="6533780" y="5541804"/>
+            <a:ext cx="574872" cy="369332"/>
+          </a:xfrm>
+          <a:prstGeom prst="rect">
+            <a:avLst/>
+          </a:prstGeom>
+          <a:noFill/>
+        </p:spPr>
+        <p:txBody>
+          <a:bodyPr wrap="none" rtlCol="0">
+            <a:spAutoFit/>
+          </a:bodyPr>
+          <a:lstStyle/>
+          <a:p>
+            <a:r>
+              <a:rPr lang="en-US" dirty="0" smtClean="0"/>
+              <a:t>Disk</a:t>
+            </a:r>
+            <a:endParaRPr lang="en-US" dirty="0"/>
+          </a:p>
+        </p:txBody>
+      </p:sp>
+      <p:pic>
+        <p:nvPicPr>
+          <p:cNvPr id="25" name="Picture 24"/>
+          <p:cNvPicPr>
+            <a:picLocks noChangeAspect="1"/>
+          </p:cNvPicPr>
+          <p:nvPr/>
+        </p:nvPicPr>
+        <p:blipFill>
+          <a:blip r:embed="rId2"/>
+          <a:stretch>
+            <a:fillRect/>
+          </a:stretch>
+        </p:blipFill>
+        <p:spPr>
+          <a:xfrm>
+            <a:off x="7845800" y="5363396"/>
+            <a:ext cx="1164361" cy="1164361"/>
+          </a:xfrm>
+          <a:prstGeom prst="rect">
+            <a:avLst/>
+          </a:prstGeom>
+        </p:spPr>
+      </p:pic>
+      <p:sp>
+        <p:nvSpPr>
+          <p:cNvPr id="26" name="TextBox 25"/>
+          <p:cNvSpPr txBox="1"/>
+          <p:nvPr/>
+        </p:nvSpPr>
+        <p:spPr>
+          <a:xfrm>
+            <a:off x="7619903" y="6488668"/>
+            <a:ext cx="1405215" cy="369332"/>
+          </a:xfrm>
+          <a:prstGeom prst="rect">
+            <a:avLst/>
+          </a:prstGeom>
+          <a:noFill/>
+        </p:spPr>
+        <p:txBody>
+          <a:bodyPr wrap="none" rtlCol="0">
+            <a:spAutoFit/>
+          </a:bodyPr>
+          <a:lstStyle/>
+          <a:p>
+            <a:r>
+              <a:rPr lang="en-US" dirty="0" smtClean="0"/>
+              <a:t>Cache Server</a:t>
+            </a:r>
+            <a:endParaRPr lang="en-US" dirty="0"/>
+          </a:p>
+        </p:txBody>
+      </p:sp>
+      <p:cxnSp>
+        <p:nvCxnSpPr>
+          <p:cNvPr id="28" name="Elbow Connector 27"/>
+          <p:cNvCxnSpPr>
+            <a:stCxn id="4" idx="3"/>
+            <a:endCxn id="25" idx="1"/>
+          </p:cNvCxnSpPr>
+          <p:nvPr/>
+        </p:nvCxnSpPr>
+        <p:spPr>
+          <a:xfrm>
+            <a:off x="4768952" y="2152219"/>
+            <a:ext cx="3076848" cy="3793358"/>
+          </a:xfrm>
+          <a:prstGeom prst="bentConnector3">
+            <a:avLst>
+              <a:gd name="adj1" fmla="val 21426"/>
+            </a:avLst>
+          </a:prstGeom>
+          <a:ln>
+            <a:solidFill>
+              <a:srgbClr val="008000"/>
+            </a:solidFill>
+            <a:tailEnd type="arrow"/>
+          </a:ln>
+        </p:spPr>
+        <p:style>
+          <a:lnRef idx="2">
+            <a:schemeClr val="accent1"/>
+          </a:lnRef>
+          <a:fillRef idx="0">
+            <a:schemeClr val="accent1"/>
+          </a:fillRef>
+          <a:effectRef idx="1">
+            <a:schemeClr val="accent1"/>
+          </a:effectRef>
+          <a:fontRef idx="minor">
+            <a:schemeClr val="tx1"/>
+          </a:fontRef>
+        </p:style>
+      </p:cxnSp>
+      <p:cxnSp>
+        <p:nvCxnSpPr>
+          <p:cNvPr id="30" name="Elbow Connector 29"/>
+          <p:cNvCxnSpPr>
+            <a:stCxn id="6" idx="3"/>
+          </p:cNvCxnSpPr>
+          <p:nvPr/>
+        </p:nvCxnSpPr>
+        <p:spPr>
+          <a:xfrm>
+            <a:off x="4768952" y="3630509"/>
+            <a:ext cx="2976061" cy="2315068"/>
+          </a:xfrm>
+          <a:prstGeom prst="bentConnector3">
+            <a:avLst>
+              <a:gd name="adj1" fmla="val 22803"/>
+            </a:avLst>
+          </a:prstGeom>
+          <a:ln>
+            <a:solidFill>
+              <a:srgbClr val="008000"/>
+            </a:solidFill>
+            <a:tailEnd type="arrow"/>
+          </a:ln>
+        </p:spPr>
+        <p:style>
+          <a:lnRef idx="2">
+            <a:schemeClr val="accent1"/>
+          </a:lnRef>
+          <a:fillRef idx="0">
+            <a:schemeClr val="accent1"/>
+          </a:fillRef>
+          <a:effectRef idx="1">
+            <a:schemeClr val="accent1"/>
+          </a:effectRef>
+          <a:fontRef idx="minor">
+            <a:schemeClr val="tx1"/>
+          </a:fontRef>
+        </p:style>
+      </p:cxnSp>
+      <p:cxnSp>
+        <p:nvCxnSpPr>
+          <p:cNvPr id="34" name="Elbow Connector 33"/>
+          <p:cNvCxnSpPr/>
+          <p:nvPr/>
+        </p:nvCxnSpPr>
+        <p:spPr>
+          <a:xfrm>
+            <a:off x="4768952" y="5108799"/>
+            <a:ext cx="2976061" cy="836778"/>
+          </a:xfrm>
+          <a:prstGeom prst="bentConnector3">
+            <a:avLst>
+              <a:gd name="adj1" fmla="val 22334"/>
+            </a:avLst>
+          </a:prstGeom>
+          <a:ln>
+            <a:solidFill>
+              <a:srgbClr val="008000"/>
+            </a:solidFill>
+            <a:tailEnd type="arrow"/>
+          </a:ln>
+        </p:spPr>
+        <p:style>
+          <a:lnRef idx="2">
+            <a:schemeClr val="accent1"/>
+          </a:lnRef>
+          <a:fillRef idx="0">
+            <a:schemeClr val="accent1"/>
+          </a:fillRef>
+          <a:effectRef idx="1">
+            <a:schemeClr val="accent1"/>
+          </a:effectRef>
+          <a:fontRef idx="minor">
+            <a:schemeClr val="tx1"/>
+          </a:fontRef>
+        </p:style>
+      </p:cxnSp>
+    </p:spTree>
+    <p:extLst>
+      <p:ext uri="{BB962C8B-B14F-4D97-AF65-F5344CB8AC3E}">
+        <p14:creationId xmlns:p14="http://schemas.microsoft.com/office/powerpoint/2010/main" val="2813794177"/>
+      </p:ext>
+    </p:extLst>
+  </p:cSld>
+  <p:clrMapOvr>
+    <a:masterClrMapping/>
+  </p:clrMapOvr>
+</p:sld>
+</file>
+
+<file path=ppt/slides/slide28.xml><?xml version="1.0" encoding="utf-8"?>
+<p:sld xmlns:a="http://schemas.openxmlformats.org/drawingml/2006/main" xmlns:r="http://schemas.openxmlformats.org/officeDocument/2006/relationships" xmlns:p="http://schemas.openxmlformats.org/presentationml/2006/main">
+  <p:cSld>
+    <p:spTree>
+      <p:nvGrpSpPr>
+        <p:cNvPr id="1" name=""/>
+        <p:cNvGrpSpPr/>
+        <p:nvPr/>
+      </p:nvGrpSpPr>
+      <p:grpSpPr>
+        <a:xfrm>
+          <a:off x="0" y="0"/>
+          <a:ext cx="0" cy="0"/>
+          <a:chOff x="0" y="0"/>
+          <a:chExt cx="0" cy="0"/>
+        </a:xfrm>
+      </p:grpSpPr>
+      <p:sp>
+        <p:nvSpPr>
+          <p:cNvPr id="2" name="Title 1"/>
+          <p:cNvSpPr>
+            <a:spLocks noGrp="1"/>
+          </p:cNvSpPr>
+          <p:nvPr>
+            <p:ph type="title"/>
+          </p:nvPr>
+        </p:nvSpPr>
+        <p:spPr/>
+        <p:txBody>
+          <a:bodyPr/>
+          <a:lstStyle/>
+          <a:p>
+            <a:r>
+              <a:rPr lang="en-US" dirty="0" smtClean="0"/>
+              <a:t>CAP Theorem</a:t>
+            </a:r>
+            <a:endParaRPr lang="en-US" dirty="0"/>
+          </a:p>
+        </p:txBody>
+      </p:sp>
+      <p:sp>
+        <p:nvSpPr>
+          <p:cNvPr id="7" name="Content Placeholder 6"/>
+          <p:cNvSpPr>
+            <a:spLocks noGrp="1"/>
+          </p:cNvSpPr>
+          <p:nvPr>
+            <p:ph idx="1"/>
+          </p:nvPr>
+        </p:nvSpPr>
+        <p:spPr/>
+        <p:txBody>
+          <a:bodyPr/>
+          <a:lstStyle/>
+          <a:p>
+            <a:r>
+              <a:rPr lang="en-US" dirty="0" smtClean="0"/>
+              <a:t>You can have 2 out of three:</a:t>
+            </a:r>
+          </a:p>
+          <a:p>
+            <a:pPr lvl="1"/>
+            <a:r>
+              <a:rPr lang="en-US" dirty="0" smtClean="0"/>
+              <a:t>Consistent</a:t>
+            </a:r>
+          </a:p>
+          <a:p>
+            <a:pPr lvl="2"/>
+            <a:r>
+              <a:rPr lang="en-US" dirty="0" smtClean="0"/>
+              <a:t>ACID</a:t>
+            </a:r>
+          </a:p>
+          <a:p>
+            <a:pPr lvl="1"/>
+            <a:r>
+              <a:rPr lang="en-US" dirty="0" smtClean="0"/>
+              <a:t>Available </a:t>
+            </a:r>
+          </a:p>
+          <a:p>
+            <a:pPr lvl="2"/>
+            <a:r>
+              <a:rPr lang="en-US" dirty="0" smtClean="0"/>
+              <a:t>HA / Accessible 24x7</a:t>
+            </a:r>
+          </a:p>
+          <a:p>
+            <a:pPr lvl="1"/>
+            <a:r>
+              <a:rPr lang="en-US" dirty="0" smtClean="0"/>
+              <a:t>Partitioned</a:t>
+            </a:r>
+          </a:p>
+          <a:p>
+            <a:pPr lvl="2"/>
+            <a:r>
+              <a:rPr lang="en-US" dirty="0" smtClean="0"/>
+              <a:t>Able to split into </a:t>
+            </a:r>
+            <a:br>
+              <a:rPr lang="en-US" dirty="0" smtClean="0"/>
+            </a:br>
+            <a:r>
+              <a:rPr lang="en-US" dirty="0" smtClean="0"/>
+              <a:t>different </a:t>
+            </a:r>
+            <a:r>
+              <a:rPr lang="en-US" dirty="0" err="1" smtClean="0"/>
+              <a:t>datacentres</a:t>
+            </a:r>
+            <a:endParaRPr lang="en-US" dirty="0" smtClean="0"/>
+          </a:p>
+          <a:p>
+            <a:pPr lvl="2"/>
+            <a:r>
+              <a:rPr lang="en-US" dirty="0" smtClean="0"/>
+              <a:t>Survive network down</a:t>
+            </a:r>
+          </a:p>
+        </p:txBody>
+      </p:sp>
+      <p:pic>
+        <p:nvPicPr>
+          <p:cNvPr id="4" name="Picture 3"/>
+          <p:cNvPicPr>
+            <a:picLocks noChangeAspect="1"/>
+          </p:cNvPicPr>
+          <p:nvPr/>
+        </p:nvPicPr>
+        <p:blipFill>
+          <a:blip r:embed="rId2"/>
+          <a:stretch>
+            <a:fillRect/>
+          </a:stretch>
+        </p:blipFill>
+        <p:spPr>
+          <a:xfrm>
+            <a:off x="5201793" y="2177253"/>
+            <a:ext cx="3726713" cy="3488203"/>
+          </a:xfrm>
+          <a:prstGeom prst="rect">
+            <a:avLst/>
+          </a:prstGeom>
+        </p:spPr>
+      </p:pic>
+      <p:sp>
+        <p:nvSpPr>
+          <p:cNvPr id="5" name="Rectangle 4"/>
+          <p:cNvSpPr/>
+          <p:nvPr/>
+        </p:nvSpPr>
+        <p:spPr>
+          <a:xfrm>
+            <a:off x="2510088" y="6488668"/>
+            <a:ext cx="6728916" cy="369332"/>
+          </a:xfrm>
+          <a:prstGeom prst="rect">
+            <a:avLst/>
+          </a:prstGeom>
+        </p:spPr>
+        <p:txBody>
+          <a:bodyPr wrap="square">
+            <a:spAutoFit/>
+          </a:bodyPr>
+          <a:lstStyle/>
+          <a:p>
+            <a:r>
+              <a:rPr lang="en-US" dirty="0">
+                <a:hlinkClick r:id="rId3"/>
+              </a:rPr>
+              <a:t>http://blog.mccrory.me/2010/11/03/cap-theorem-and-the-clouds</a:t>
+            </a:r>
+            <a:r>
+              <a:rPr lang="en-US" dirty="0" smtClean="0">
+                <a:hlinkClick r:id="rId3"/>
+              </a:rPr>
+              <a:t>/</a:t>
+            </a:r>
+            <a:r>
+              <a:rPr lang="en-US" dirty="0" smtClean="0"/>
+              <a:t> </a:t>
+            </a:r>
+            <a:endParaRPr lang="en-US" dirty="0"/>
+          </a:p>
+        </p:txBody>
+      </p:sp>
+    </p:spTree>
+    <p:extLst>
+      <p:ext uri="{BB962C8B-B14F-4D97-AF65-F5344CB8AC3E}">
+        <p14:creationId xmlns:p14="http://schemas.microsoft.com/office/powerpoint/2010/main" val="1251945931"/>
+      </p:ext>
+    </p:extLst>
+  </p:cSld>
+  <p:clrMapOvr>
+    <a:masterClrMapping/>
+  </p:clrMapOvr>
+</p:sld>
+</file>
+
+<file path=ppt/slides/slide29.xml><?xml version="1.0" encoding="utf-8"?>
+<p:sld xmlns:a="http://schemas.openxmlformats.org/drawingml/2006/main" xmlns:r="http://schemas.openxmlformats.org/officeDocument/2006/relationships" xmlns:p="http://schemas.openxmlformats.org/presentationml/2006/main">
+  <p:cSld>
+    <p:spTree>
+      <p:nvGrpSpPr>
+        <p:cNvPr id="1" name=""/>
+        <p:cNvGrpSpPr/>
+        <p:nvPr/>
+      </p:nvGrpSpPr>
+      <p:grpSpPr>
+        <a:xfrm>
+          <a:off x="0" y="0"/>
+          <a:ext cx="0" cy="0"/>
+          <a:chOff x="0" y="0"/>
+          <a:chExt cx="0" cy="0"/>
+        </a:xfrm>
+      </p:grpSpPr>
+      <p:sp>
+        <p:nvSpPr>
+          <p:cNvPr id="2" name="Title 1"/>
+          <p:cNvSpPr>
+            <a:spLocks noGrp="1"/>
+          </p:cNvSpPr>
+          <p:nvPr>
+            <p:ph type="title"/>
+          </p:nvPr>
+        </p:nvSpPr>
+        <p:spPr/>
+        <p:txBody>
+          <a:bodyPr/>
+          <a:lstStyle/>
+          <a:p>
+            <a:r>
+              <a:rPr lang="en-US" dirty="0" smtClean="0"/>
+              <a:t>CAP options	</a:t>
+            </a:r>
+            <a:endParaRPr lang="en-US" dirty="0"/>
+          </a:p>
+        </p:txBody>
+      </p:sp>
+      <p:sp>
+        <p:nvSpPr>
+          <p:cNvPr id="3" name="Content Placeholder 2"/>
+          <p:cNvSpPr>
+            <a:spLocks noGrp="1"/>
+          </p:cNvSpPr>
+          <p:nvPr>
+            <p:ph idx="1"/>
+          </p:nvPr>
+        </p:nvSpPr>
+        <p:spPr/>
+        <p:txBody>
+          <a:bodyPr>
+            <a:normAutofit fontScale="92500" lnSpcReduction="20000"/>
+          </a:bodyPr>
+          <a:lstStyle/>
+          <a:p>
+            <a:r>
+              <a:rPr lang="en-US" dirty="0" smtClean="0"/>
+              <a:t>CA</a:t>
+            </a:r>
+          </a:p>
+          <a:p>
+            <a:pPr lvl="1"/>
+            <a:r>
+              <a:rPr lang="en-US" dirty="0" smtClean="0"/>
+              <a:t>Traditional databases</a:t>
+            </a:r>
+          </a:p>
+          <a:p>
+            <a:pPr lvl="1"/>
+            <a:r>
+              <a:rPr lang="en-US" dirty="0" smtClean="0"/>
+              <a:t>Cannot be scaled multi-</a:t>
+            </a:r>
+            <a:r>
+              <a:rPr lang="en-US" dirty="0" err="1" smtClean="0"/>
+              <a:t>datacentre</a:t>
+            </a:r>
+            <a:r>
+              <a:rPr lang="en-US" dirty="0" smtClean="0"/>
+              <a:t> or work in cases of high-latency</a:t>
+            </a:r>
+          </a:p>
+          <a:p>
+            <a:r>
+              <a:rPr lang="en-US" dirty="0" smtClean="0"/>
+              <a:t>AP</a:t>
+            </a:r>
+          </a:p>
+          <a:p>
+            <a:pPr lvl="1"/>
+            <a:r>
+              <a:rPr lang="en-US" dirty="0" smtClean="0"/>
+              <a:t>Multi-master </a:t>
+            </a:r>
+            <a:r>
+              <a:rPr lang="en-US" dirty="0" err="1" smtClean="0"/>
+              <a:t>NoSQL</a:t>
+            </a:r>
+            <a:r>
+              <a:rPr lang="en-US" dirty="0" smtClean="0"/>
+              <a:t> databases </a:t>
+            </a:r>
+          </a:p>
+          <a:p>
+            <a:pPr lvl="2"/>
+            <a:r>
+              <a:rPr lang="en-US" dirty="0" smtClean="0"/>
+              <a:t>Dynamo, Cassandra, </a:t>
+            </a:r>
+            <a:r>
+              <a:rPr lang="en-US" dirty="0" err="1" smtClean="0"/>
+              <a:t>CouchDB</a:t>
+            </a:r>
+            <a:endParaRPr lang="en-US" dirty="0" smtClean="0"/>
+          </a:p>
+          <a:p>
+            <a:pPr lvl="2"/>
+            <a:r>
+              <a:rPr lang="en-US" dirty="0" smtClean="0"/>
+              <a:t>Not consistent but work across </a:t>
+            </a:r>
+            <a:r>
+              <a:rPr lang="en-US" dirty="0" err="1" smtClean="0"/>
+              <a:t>datacentres</a:t>
+            </a:r>
+            <a:r>
+              <a:rPr lang="en-US" dirty="0" smtClean="0"/>
+              <a:t> in a highly available model</a:t>
+            </a:r>
+          </a:p>
+          <a:p>
+            <a:r>
+              <a:rPr lang="en-US" dirty="0" smtClean="0"/>
+              <a:t>CP</a:t>
+            </a:r>
+          </a:p>
+          <a:p>
+            <a:pPr lvl="1"/>
+            <a:r>
+              <a:rPr lang="en-US" dirty="0" smtClean="0"/>
+              <a:t>Not a good idea, as not available!</a:t>
+            </a:r>
+            <a:endParaRPr lang="en-US" dirty="0"/>
+          </a:p>
+        </p:txBody>
+      </p:sp>
+    </p:spTree>
+    <p:extLst>
+      <p:ext uri="{BB962C8B-B14F-4D97-AF65-F5344CB8AC3E}">
+        <p14:creationId xmlns:p14="http://schemas.microsoft.com/office/powerpoint/2010/main" val="1709368717"/>
+      </p:ext>
+    </p:extLst>
+  </p:cSld>
+  <p:clrMapOvr>
+    <a:masterClrMapping/>
+  </p:clrMapOvr>
+</p:sld>
+</file>
+
 <file path=ppt/slides/slide3.xml><?xml version="1.0" encoding="utf-8"?>
 <p:sld xmlns:a="http://schemas.openxmlformats.org/drawingml/2006/main" xmlns:r="http://schemas.openxmlformats.org/officeDocument/2006/relationships" xmlns:p="http://schemas.openxmlformats.org/presentationml/2006/main">
   <p:cSld>
@@ -4326,7 +11970,11 @@
           <a:bodyPr/>
           <a:lstStyle/>
           <a:p>
-            <a:endParaRPr lang="en-US"/>
+            <a:r>
+              <a:rPr lang="en-US" dirty="0" smtClean="0"/>
+              <a:t>Distributed Computing</a:t>
+            </a:r>
+            <a:endParaRPr lang="en-US" dirty="0"/>
           </a:p>
         </p:txBody>
       </p:sp>
@@ -4345,7 +11993,27 @@
           <a:bodyPr/>
           <a:lstStyle/>
           <a:p>
-            <a:endParaRPr lang="en-US"/>
+            <a:r>
+              <a:rPr lang="en-US" dirty="0" smtClean="0"/>
+              <a:t>Cloud would not be possible without RPC/Services/APIs</a:t>
+            </a:r>
+          </a:p>
+          <a:p>
+            <a:pPr lvl="1"/>
+            <a:r>
+              <a:rPr lang="en-US" dirty="0"/>
+              <a:t>e</a:t>
+            </a:r>
+            <a:r>
+              <a:rPr lang="en-US" dirty="0" smtClean="0"/>
+              <a:t>.g. Call a service to instantiate a machine image for us	</a:t>
+            </a:r>
+          </a:p>
+          <a:p>
+            <a:r>
+              <a:rPr lang="en-US" dirty="0" smtClean="0"/>
+              <a:t>Grid and Cloud both emerged from distributed computing concepts</a:t>
+            </a:r>
           </a:p>
         </p:txBody>
       </p:sp>
@@ -4353,6 +12021,1846 @@
     <p:extLst>
       <p:ext uri="{BB962C8B-B14F-4D97-AF65-F5344CB8AC3E}">
         <p14:creationId xmlns:p14="http://schemas.microsoft.com/office/powerpoint/2010/main" val="1801667116"/>
+      </p:ext>
+    </p:extLst>
+  </p:cSld>
+  <p:clrMapOvr>
+    <a:masterClrMapping/>
+  </p:clrMapOvr>
+</p:sld>
+</file>
+
+<file path=ppt/slides/slide30.xml><?xml version="1.0" encoding="utf-8"?>
+<p:sld xmlns:a="http://schemas.openxmlformats.org/drawingml/2006/main" xmlns:r="http://schemas.openxmlformats.org/officeDocument/2006/relationships" xmlns:p="http://schemas.openxmlformats.org/presentationml/2006/main">
+  <p:cSld>
+    <p:spTree>
+      <p:nvGrpSpPr>
+        <p:cNvPr id="1" name=""/>
+        <p:cNvGrpSpPr/>
+        <p:nvPr/>
+      </p:nvGrpSpPr>
+      <p:grpSpPr>
+        <a:xfrm>
+          <a:off x="0" y="0"/>
+          <a:ext cx="0" cy="0"/>
+          <a:chOff x="0" y="0"/>
+          <a:chExt cx="0" cy="0"/>
+        </a:xfrm>
+      </p:grpSpPr>
+      <p:sp>
+        <p:nvSpPr>
+          <p:cNvPr id="2" name="Title 1"/>
+          <p:cNvSpPr>
+            <a:spLocks noGrp="1"/>
+          </p:cNvSpPr>
+          <p:nvPr>
+            <p:ph type="title"/>
+          </p:nvPr>
+        </p:nvSpPr>
+        <p:spPr/>
+        <p:txBody>
+          <a:bodyPr/>
+          <a:lstStyle/>
+          <a:p>
+            <a:r>
+              <a:rPr lang="en-US" dirty="0" smtClean="0"/>
+              <a:t>Dynamo Model</a:t>
+            </a:r>
+            <a:endParaRPr lang="en-US" dirty="0"/>
+          </a:p>
+        </p:txBody>
+      </p:sp>
+      <p:sp>
+        <p:nvSpPr>
+          <p:cNvPr id="4" name="Rectangle 3"/>
+          <p:cNvSpPr/>
+          <p:nvPr/>
+        </p:nvSpPr>
+        <p:spPr>
+          <a:xfrm>
+            <a:off x="4417391" y="6546508"/>
+            <a:ext cx="4572000" cy="276999"/>
+          </a:xfrm>
+          <a:prstGeom prst="rect">
+            <a:avLst/>
+          </a:prstGeom>
+        </p:spPr>
+        <p:txBody>
+          <a:bodyPr>
+            <a:spAutoFit/>
+          </a:bodyPr>
+          <a:lstStyle/>
+          <a:p>
+            <a:r>
+              <a:rPr lang="en-US" sz="1200" dirty="0">
+                <a:hlinkClick r:id="rId2"/>
+              </a:rPr>
+              <a:t>http://www.allthingsdistributed.com/2007/10/</a:t>
+            </a:r>
+            <a:r>
+              <a:rPr lang="en-US" sz="1200" dirty="0" smtClean="0">
+                <a:hlinkClick r:id="rId2"/>
+              </a:rPr>
+              <a:t>amazons_dynamo.html</a:t>
+            </a:r>
+            <a:r>
+              <a:rPr lang="en-US" sz="1200" dirty="0" smtClean="0"/>
+              <a:t> </a:t>
+            </a:r>
+            <a:endParaRPr lang="en-US" sz="1200" dirty="0"/>
+          </a:p>
+        </p:txBody>
+      </p:sp>
+      <p:pic>
+        <p:nvPicPr>
+          <p:cNvPr id="5" name="Picture 4"/>
+          <p:cNvPicPr>
+            <a:picLocks noChangeAspect="1"/>
+          </p:cNvPicPr>
+          <p:nvPr/>
+        </p:nvPicPr>
+        <p:blipFill>
+          <a:blip r:embed="rId3"/>
+          <a:stretch>
+            <a:fillRect/>
+          </a:stretch>
+        </p:blipFill>
+        <p:spPr>
+          <a:xfrm>
+            <a:off x="2311100" y="1772575"/>
+            <a:ext cx="5080000" cy="4025900"/>
+          </a:xfrm>
+          <a:prstGeom prst="rect">
+            <a:avLst/>
+          </a:prstGeom>
+        </p:spPr>
+      </p:pic>
+    </p:spTree>
+    <p:extLst>
+      <p:ext uri="{BB962C8B-B14F-4D97-AF65-F5344CB8AC3E}">
+        <p14:creationId xmlns:p14="http://schemas.microsoft.com/office/powerpoint/2010/main" val="1692692442"/>
+      </p:ext>
+    </p:extLst>
+  </p:cSld>
+  <p:clrMapOvr>
+    <a:masterClrMapping/>
+  </p:clrMapOvr>
+</p:sld>
+</file>
+
+<file path=ppt/slides/slide31.xml><?xml version="1.0" encoding="utf-8"?>
+<p:sld xmlns:a="http://schemas.openxmlformats.org/drawingml/2006/main" xmlns:r="http://schemas.openxmlformats.org/officeDocument/2006/relationships" xmlns:p="http://schemas.openxmlformats.org/presentationml/2006/main">
+  <p:cSld>
+    <p:spTree>
+      <p:nvGrpSpPr>
+        <p:cNvPr id="1" name=""/>
+        <p:cNvGrpSpPr/>
+        <p:nvPr/>
+      </p:nvGrpSpPr>
+      <p:grpSpPr>
+        <a:xfrm>
+          <a:off x="0" y="0"/>
+          <a:ext cx="0" cy="0"/>
+          <a:chOff x="0" y="0"/>
+          <a:chExt cx="0" cy="0"/>
+        </a:xfrm>
+      </p:grpSpPr>
+      <p:sp>
+        <p:nvSpPr>
+          <p:cNvPr id="2" name="Title 1"/>
+          <p:cNvSpPr>
+            <a:spLocks noGrp="1"/>
+          </p:cNvSpPr>
+          <p:nvPr>
+            <p:ph type="title"/>
+          </p:nvPr>
+        </p:nvSpPr>
+        <p:spPr/>
+        <p:txBody>
+          <a:bodyPr>
+            <a:noAutofit/>
+          </a:bodyPr>
+          <a:lstStyle/>
+          <a:p>
+            <a:r>
+              <a:rPr lang="en-US" sz="3200" dirty="0" smtClean="0"/>
+              <a:t>Reconciliation / Eventual Consistency</a:t>
+            </a:r>
+            <a:br>
+              <a:rPr lang="en-US" sz="3200" dirty="0" smtClean="0"/>
+            </a:br>
+            <a:endParaRPr lang="en-US" sz="3200" dirty="0"/>
+          </a:p>
+        </p:txBody>
+      </p:sp>
+      <p:sp>
+        <p:nvSpPr>
+          <p:cNvPr id="4" name="Rectangle 3"/>
+          <p:cNvSpPr/>
+          <p:nvPr/>
+        </p:nvSpPr>
+        <p:spPr>
+          <a:xfrm>
+            <a:off x="4417391" y="6546508"/>
+            <a:ext cx="4572000" cy="276999"/>
+          </a:xfrm>
+          <a:prstGeom prst="rect">
+            <a:avLst/>
+          </a:prstGeom>
+        </p:spPr>
+        <p:txBody>
+          <a:bodyPr>
+            <a:spAutoFit/>
+          </a:bodyPr>
+          <a:lstStyle/>
+          <a:p>
+            <a:r>
+              <a:rPr lang="en-US" sz="1200" dirty="0">
+                <a:hlinkClick r:id="rId2"/>
+              </a:rPr>
+              <a:t>http://www.allthingsdistributed.com/2007/10/</a:t>
+            </a:r>
+            <a:r>
+              <a:rPr lang="en-US" sz="1200" dirty="0" smtClean="0">
+                <a:hlinkClick r:id="rId2"/>
+              </a:rPr>
+              <a:t>amazons_dynamo.html</a:t>
+            </a:r>
+            <a:r>
+              <a:rPr lang="en-US" sz="1200" dirty="0" smtClean="0"/>
+              <a:t> </a:t>
+            </a:r>
+            <a:endParaRPr lang="en-US" sz="1200" dirty="0"/>
+          </a:p>
+        </p:txBody>
+      </p:sp>
+      <p:pic>
+        <p:nvPicPr>
+          <p:cNvPr id="3" name="Picture 2"/>
+          <p:cNvPicPr>
+            <a:picLocks noChangeAspect="1"/>
+          </p:cNvPicPr>
+          <p:nvPr/>
+        </p:nvPicPr>
+        <p:blipFill>
+          <a:blip r:embed="rId3"/>
+          <a:stretch>
+            <a:fillRect/>
+          </a:stretch>
+        </p:blipFill>
+        <p:spPr>
+          <a:xfrm>
+            <a:off x="2553760" y="1117939"/>
+            <a:ext cx="3307815" cy="4725450"/>
+          </a:xfrm>
+          <a:prstGeom prst="rect">
+            <a:avLst/>
+          </a:prstGeom>
+        </p:spPr>
+      </p:pic>
+    </p:spTree>
+    <p:extLst>
+      <p:ext uri="{BB962C8B-B14F-4D97-AF65-F5344CB8AC3E}">
+        <p14:creationId xmlns:p14="http://schemas.microsoft.com/office/powerpoint/2010/main" val="2095648367"/>
+      </p:ext>
+    </p:extLst>
+  </p:cSld>
+  <p:clrMapOvr>
+    <a:masterClrMapping/>
+  </p:clrMapOvr>
+</p:sld>
+</file>
+
+<file path=ppt/slides/slide32.xml><?xml version="1.0" encoding="utf-8"?>
+<p:sld xmlns:a="http://schemas.openxmlformats.org/drawingml/2006/main" xmlns:r="http://schemas.openxmlformats.org/officeDocument/2006/relationships" xmlns:p="http://schemas.openxmlformats.org/presentationml/2006/main">
+  <p:cSld>
+    <p:spTree>
+      <p:nvGrpSpPr>
+        <p:cNvPr id="1" name=""/>
+        <p:cNvGrpSpPr/>
+        <p:nvPr/>
+      </p:nvGrpSpPr>
+      <p:grpSpPr>
+        <a:xfrm>
+          <a:off x="0" y="0"/>
+          <a:ext cx="0" cy="0"/>
+          <a:chOff x="0" y="0"/>
+          <a:chExt cx="0" cy="0"/>
+        </a:xfrm>
+      </p:grpSpPr>
+      <p:sp>
+        <p:nvSpPr>
+          <p:cNvPr id="2" name="Title 1"/>
+          <p:cNvSpPr>
+            <a:spLocks noGrp="1"/>
+          </p:cNvSpPr>
+          <p:nvPr>
+            <p:ph type="title"/>
+          </p:nvPr>
+        </p:nvSpPr>
+        <p:spPr/>
+        <p:txBody>
+          <a:bodyPr/>
+          <a:lstStyle/>
+          <a:p>
+            <a:r>
+              <a:rPr lang="en-US" dirty="0" smtClean="0"/>
+              <a:t>Summary	</a:t>
+            </a:r>
+            <a:endParaRPr lang="en-US" dirty="0"/>
+          </a:p>
+        </p:txBody>
+      </p:sp>
+      <p:sp>
+        <p:nvSpPr>
+          <p:cNvPr id="3" name="Content Placeholder 2"/>
+          <p:cNvSpPr>
+            <a:spLocks noGrp="1"/>
+          </p:cNvSpPr>
+          <p:nvPr>
+            <p:ph idx="1"/>
+          </p:nvPr>
+        </p:nvSpPr>
+        <p:spPr/>
+        <p:txBody>
+          <a:bodyPr/>
+          <a:lstStyle/>
+          <a:p>
+            <a:r>
+              <a:rPr lang="en-US" dirty="0" smtClean="0"/>
+              <a:t>We have looked at the challenges to scaling on multiple servers</a:t>
+            </a:r>
+          </a:p>
+          <a:p>
+            <a:pPr lvl="1"/>
+            <a:r>
+              <a:rPr lang="en-US" dirty="0" smtClean="0"/>
+              <a:t>Serial </a:t>
+            </a:r>
+            <a:r>
+              <a:rPr lang="en-US" dirty="0" err="1" smtClean="0"/>
+              <a:t>vs</a:t>
+            </a:r>
+            <a:r>
+              <a:rPr lang="en-US" dirty="0" smtClean="0"/>
+              <a:t> Parallel</a:t>
+            </a:r>
+          </a:p>
+          <a:p>
+            <a:pPr lvl="1"/>
+            <a:r>
+              <a:rPr lang="en-US" dirty="0" smtClean="0"/>
+              <a:t>Fixed data </a:t>
+            </a:r>
+            <a:r>
+              <a:rPr lang="en-US" dirty="0" err="1" smtClean="0"/>
+              <a:t>vs</a:t>
+            </a:r>
+            <a:r>
+              <a:rPr lang="en-US" dirty="0" smtClean="0"/>
+              <a:t> growing</a:t>
+            </a:r>
+          </a:p>
+          <a:p>
+            <a:pPr lvl="1"/>
+            <a:r>
+              <a:rPr lang="en-US" dirty="0" smtClean="0"/>
+              <a:t>CAP</a:t>
+            </a:r>
+          </a:p>
+          <a:p>
+            <a:pPr lvl="1"/>
+            <a:r>
+              <a:rPr lang="en-US" dirty="0" smtClean="0"/>
+              <a:t>Eventually Consistent</a:t>
+            </a:r>
+          </a:p>
+          <a:p>
+            <a:pPr marL="457200" lvl="1" indent="0">
+              <a:buNone/>
+            </a:pPr>
+            <a:endParaRPr lang="en-US" dirty="0"/>
+          </a:p>
+        </p:txBody>
+      </p:sp>
+    </p:spTree>
+    <p:extLst>
+      <p:ext uri="{BB962C8B-B14F-4D97-AF65-F5344CB8AC3E}">
+        <p14:creationId xmlns:p14="http://schemas.microsoft.com/office/powerpoint/2010/main" val="1972012395"/>
+      </p:ext>
+    </p:extLst>
+  </p:cSld>
+  <p:clrMapOvr>
+    <a:masterClrMapping/>
+  </p:clrMapOvr>
+</p:sld>
+</file>
+
+<file path=ppt/slides/slide33.xml><?xml version="1.0" encoding="utf-8"?>
+<p:sld xmlns:a="http://schemas.openxmlformats.org/drawingml/2006/main" xmlns:r="http://schemas.openxmlformats.org/officeDocument/2006/relationships" xmlns:p="http://schemas.openxmlformats.org/presentationml/2006/main">
+  <p:cSld>
+    <p:spTree>
+      <p:nvGrpSpPr>
+        <p:cNvPr id="1" name=""/>
+        <p:cNvGrpSpPr/>
+        <p:nvPr/>
+      </p:nvGrpSpPr>
+      <p:grpSpPr>
+        <a:xfrm>
+          <a:off x="0" y="0"/>
+          <a:ext cx="0" cy="0"/>
+          <a:chOff x="0" y="0"/>
+          <a:chExt cx="0" cy="0"/>
+        </a:xfrm>
+      </p:grpSpPr>
+      <p:sp>
+        <p:nvSpPr>
+          <p:cNvPr id="2" name="Title 1"/>
+          <p:cNvSpPr>
+            <a:spLocks noGrp="1"/>
+          </p:cNvSpPr>
+          <p:nvPr>
+            <p:ph type="title"/>
+          </p:nvPr>
+        </p:nvSpPr>
+        <p:spPr/>
+        <p:txBody>
+          <a:bodyPr/>
+          <a:lstStyle/>
+          <a:p>
+            <a:r>
+              <a:rPr lang="en-US" dirty="0" smtClean="0"/>
+              <a:t>Questions?</a:t>
+            </a:r>
+            <a:endParaRPr lang="en-US" dirty="0"/>
+          </a:p>
+        </p:txBody>
+      </p:sp>
+    </p:spTree>
+    <p:extLst>
+      <p:ext uri="{BB962C8B-B14F-4D97-AF65-F5344CB8AC3E}">
+        <p14:creationId xmlns:p14="http://schemas.microsoft.com/office/powerpoint/2010/main" val="3890300920"/>
+      </p:ext>
+    </p:extLst>
+  </p:cSld>
+  <p:clrMapOvr>
+    <a:masterClrMapping/>
+  </p:clrMapOvr>
+</p:sld>
+</file>
+
+<file path=ppt/slides/slide4.xml><?xml version="1.0" encoding="utf-8"?>
+<p:sld xmlns:a="http://schemas.openxmlformats.org/drawingml/2006/main" xmlns:r="http://schemas.openxmlformats.org/officeDocument/2006/relationships" xmlns:p="http://schemas.openxmlformats.org/presentationml/2006/main">
+  <p:cSld>
+    <p:spTree>
+      <p:nvGrpSpPr>
+        <p:cNvPr id="1" name=""/>
+        <p:cNvGrpSpPr/>
+        <p:nvPr/>
+      </p:nvGrpSpPr>
+      <p:grpSpPr>
+        <a:xfrm>
+          <a:off x="0" y="0"/>
+          <a:ext cx="0" cy="0"/>
+          <a:chOff x="0" y="0"/>
+          <a:chExt cx="0" cy="0"/>
+        </a:xfrm>
+      </p:grpSpPr>
+      <p:sp>
+        <p:nvSpPr>
+          <p:cNvPr id="2" name="Title 1"/>
+          <p:cNvSpPr>
+            <a:spLocks noGrp="1"/>
+          </p:cNvSpPr>
+          <p:nvPr>
+            <p:ph type="title"/>
+          </p:nvPr>
+        </p:nvSpPr>
+        <p:spPr/>
+        <p:txBody>
+          <a:bodyPr/>
+          <a:lstStyle/>
+          <a:p>
+            <a:r>
+              <a:rPr lang="en-US" dirty="0" smtClean="0"/>
+              <a:t>Virtualization</a:t>
+            </a:r>
+            <a:endParaRPr lang="en-US" dirty="0"/>
+          </a:p>
+        </p:txBody>
+      </p:sp>
+      <p:pic>
+        <p:nvPicPr>
+          <p:cNvPr id="4" name="Picture 3"/>
+          <p:cNvPicPr>
+            <a:picLocks noChangeAspect="1"/>
+          </p:cNvPicPr>
+          <p:nvPr/>
+        </p:nvPicPr>
+        <p:blipFill>
+          <a:blip r:embed="rId2"/>
+          <a:stretch>
+            <a:fillRect/>
+          </a:stretch>
+        </p:blipFill>
+        <p:spPr>
+          <a:xfrm>
+            <a:off x="3516655" y="4606581"/>
+            <a:ext cx="1466861" cy="1466861"/>
+          </a:xfrm>
+          <a:prstGeom prst="rect">
+            <a:avLst/>
+          </a:prstGeom>
+        </p:spPr>
+      </p:pic>
+      <p:sp>
+        <p:nvSpPr>
+          <p:cNvPr id="5" name="TextBox 4"/>
+          <p:cNvSpPr txBox="1"/>
+          <p:nvPr/>
+        </p:nvSpPr>
+        <p:spPr>
+          <a:xfrm>
+            <a:off x="4983516" y="5051301"/>
+            <a:ext cx="1913317" cy="369332"/>
+          </a:xfrm>
+          <a:prstGeom prst="rect">
+            <a:avLst/>
+          </a:prstGeom>
+          <a:noFill/>
+        </p:spPr>
+        <p:txBody>
+          <a:bodyPr wrap="none" rtlCol="0">
+            <a:spAutoFit/>
+          </a:bodyPr>
+          <a:lstStyle/>
+          <a:p>
+            <a:r>
+              <a:rPr lang="en-US" dirty="0" smtClean="0"/>
+              <a:t>Physical Hardware</a:t>
+            </a:r>
+            <a:endParaRPr lang="en-US" dirty="0"/>
+          </a:p>
+        </p:txBody>
+      </p:sp>
+      <p:sp>
+        <p:nvSpPr>
+          <p:cNvPr id="6" name="Rounded Rectangle 5"/>
+          <p:cNvSpPr/>
+          <p:nvPr/>
+        </p:nvSpPr>
+        <p:spPr>
+          <a:xfrm>
+            <a:off x="753569" y="1417638"/>
+            <a:ext cx="1702507" cy="2498258"/>
+          </a:xfrm>
+          <a:prstGeom prst="roundRect">
+            <a:avLst/>
+          </a:prstGeom>
+        </p:spPr>
+        <p:style>
+          <a:lnRef idx="0">
+            <a:schemeClr val="accent4"/>
+          </a:lnRef>
+          <a:fillRef idx="3">
+            <a:schemeClr val="accent4"/>
+          </a:fillRef>
+          <a:effectRef idx="3">
+            <a:schemeClr val="accent4"/>
+          </a:effectRef>
+          <a:fontRef idx="minor">
+            <a:schemeClr val="lt1"/>
+          </a:fontRef>
+        </p:style>
+        <p:txBody>
+          <a:bodyPr rtlCol="0" anchor="ctr"/>
+          <a:lstStyle/>
+          <a:p>
+            <a:pPr algn="ctr"/>
+            <a:endParaRPr lang="en-US"/>
+          </a:p>
+        </p:txBody>
+      </p:sp>
+      <p:sp>
+        <p:nvSpPr>
+          <p:cNvPr id="7" name="Rounded Rectangle 6"/>
+          <p:cNvSpPr/>
+          <p:nvPr/>
+        </p:nvSpPr>
+        <p:spPr>
+          <a:xfrm>
+            <a:off x="2734071" y="1417638"/>
+            <a:ext cx="1702507" cy="2498258"/>
+          </a:xfrm>
+          <a:prstGeom prst="roundRect">
+            <a:avLst/>
+          </a:prstGeom>
+        </p:spPr>
+        <p:style>
+          <a:lnRef idx="0">
+            <a:schemeClr val="accent4"/>
+          </a:lnRef>
+          <a:fillRef idx="3">
+            <a:schemeClr val="accent4"/>
+          </a:fillRef>
+          <a:effectRef idx="3">
+            <a:schemeClr val="accent4"/>
+          </a:effectRef>
+          <a:fontRef idx="minor">
+            <a:schemeClr val="lt1"/>
+          </a:fontRef>
+        </p:style>
+        <p:txBody>
+          <a:bodyPr rtlCol="0" anchor="ctr"/>
+          <a:lstStyle/>
+          <a:p>
+            <a:pPr algn="ctr"/>
+            <a:endParaRPr lang="en-US"/>
+          </a:p>
+        </p:txBody>
+      </p:sp>
+      <p:sp>
+        <p:nvSpPr>
+          <p:cNvPr id="8" name="Rounded Rectangle 7"/>
+          <p:cNvSpPr/>
+          <p:nvPr/>
+        </p:nvSpPr>
+        <p:spPr>
+          <a:xfrm>
+            <a:off x="4714573" y="1417638"/>
+            <a:ext cx="1702507" cy="2498258"/>
+          </a:xfrm>
+          <a:prstGeom prst="roundRect">
+            <a:avLst/>
+          </a:prstGeom>
+        </p:spPr>
+        <p:style>
+          <a:lnRef idx="0">
+            <a:schemeClr val="accent4"/>
+          </a:lnRef>
+          <a:fillRef idx="3">
+            <a:schemeClr val="accent4"/>
+          </a:fillRef>
+          <a:effectRef idx="3">
+            <a:schemeClr val="accent4"/>
+          </a:effectRef>
+          <a:fontRef idx="minor">
+            <a:schemeClr val="lt1"/>
+          </a:fontRef>
+        </p:style>
+        <p:txBody>
+          <a:bodyPr rtlCol="0" anchor="ctr"/>
+          <a:lstStyle/>
+          <a:p>
+            <a:pPr algn="ctr"/>
+            <a:endParaRPr lang="en-US"/>
+          </a:p>
+        </p:txBody>
+      </p:sp>
+      <p:sp>
+        <p:nvSpPr>
+          <p:cNvPr id="9" name="Rounded Rectangle 8"/>
+          <p:cNvSpPr/>
+          <p:nvPr/>
+        </p:nvSpPr>
+        <p:spPr>
+          <a:xfrm>
+            <a:off x="6695075" y="1417638"/>
+            <a:ext cx="1702507" cy="2498258"/>
+          </a:xfrm>
+          <a:prstGeom prst="roundRect">
+            <a:avLst/>
+          </a:prstGeom>
+        </p:spPr>
+        <p:style>
+          <a:lnRef idx="0">
+            <a:schemeClr val="accent4"/>
+          </a:lnRef>
+          <a:fillRef idx="3">
+            <a:schemeClr val="accent4"/>
+          </a:fillRef>
+          <a:effectRef idx="3">
+            <a:schemeClr val="accent4"/>
+          </a:effectRef>
+          <a:fontRef idx="minor">
+            <a:schemeClr val="lt1"/>
+          </a:fontRef>
+        </p:style>
+        <p:txBody>
+          <a:bodyPr rtlCol="0" anchor="ctr"/>
+          <a:lstStyle/>
+          <a:p>
+            <a:pPr algn="ctr"/>
+            <a:endParaRPr lang="en-US"/>
+          </a:p>
+        </p:txBody>
+      </p:sp>
+      <p:pic>
+        <p:nvPicPr>
+          <p:cNvPr id="10" name="Picture 9"/>
+          <p:cNvPicPr>
+            <a:picLocks noChangeAspect="1"/>
+          </p:cNvPicPr>
+          <p:nvPr/>
+        </p:nvPicPr>
+        <p:blipFill>
+          <a:blip r:embed="rId3">
+            <a:biLevel thresh="50000"/>
+            <a:extLst>
+              <a:ext uri="{BEBA8EAE-BF5A-486C-A8C5-ECC9F3942E4B}">
+                <a14:imgProps xmlns:a14="http://schemas.microsoft.com/office/drawing/2010/main">
+                  <a14:imgLayer r:embed="rId4">
+                    <a14:imgEffect>
+                      <a14:backgroundRemoval t="0" b="99414" l="9961" r="89844"/>
+                    </a14:imgEffect>
+                  </a14:imgLayer>
+                </a14:imgProps>
+              </a:ext>
+            </a:extLst>
+          </a:blip>
+          <a:stretch>
+            <a:fillRect/>
+          </a:stretch>
+        </p:blipFill>
+        <p:spPr>
+          <a:xfrm>
+            <a:off x="1018712" y="2757615"/>
+            <a:ext cx="1018713" cy="1018713"/>
+          </a:xfrm>
+          <a:prstGeom prst="rect">
+            <a:avLst/>
+          </a:prstGeom>
+        </p:spPr>
+      </p:pic>
+      <p:cxnSp>
+        <p:nvCxnSpPr>
+          <p:cNvPr id="12" name="Straight Connector 11"/>
+          <p:cNvCxnSpPr/>
+          <p:nvPr/>
+        </p:nvCxnSpPr>
+        <p:spPr>
+          <a:xfrm>
+            <a:off x="753569" y="4075368"/>
+            <a:ext cx="7644013" cy="0"/>
+          </a:xfrm>
+          <a:prstGeom prst="line">
+            <a:avLst/>
+          </a:prstGeom>
+        </p:spPr>
+        <p:style>
+          <a:lnRef idx="2">
+            <a:schemeClr val="accent1"/>
+          </a:lnRef>
+          <a:fillRef idx="0">
+            <a:schemeClr val="accent1"/>
+          </a:fillRef>
+          <a:effectRef idx="1">
+            <a:schemeClr val="accent1"/>
+          </a:effectRef>
+          <a:fontRef idx="minor">
+            <a:schemeClr val="tx1"/>
+          </a:fontRef>
+        </p:style>
+      </p:cxnSp>
+      <p:sp>
+        <p:nvSpPr>
+          <p:cNvPr id="13" name="Rounded Rectangle 12"/>
+          <p:cNvSpPr/>
+          <p:nvPr/>
+        </p:nvSpPr>
+        <p:spPr>
+          <a:xfrm>
+            <a:off x="893119" y="2274951"/>
+            <a:ext cx="1437362" cy="348919"/>
+          </a:xfrm>
+          <a:prstGeom prst="roundRect">
+            <a:avLst/>
+          </a:prstGeom>
+        </p:spPr>
+        <p:style>
+          <a:lnRef idx="1">
+            <a:schemeClr val="accent1"/>
+          </a:lnRef>
+          <a:fillRef idx="3">
+            <a:schemeClr val="accent1"/>
+          </a:fillRef>
+          <a:effectRef idx="2">
+            <a:schemeClr val="accent1"/>
+          </a:effectRef>
+          <a:fontRef idx="minor">
+            <a:schemeClr val="lt1"/>
+          </a:fontRef>
+        </p:style>
+        <p:txBody>
+          <a:bodyPr rtlCol="0" anchor="ctr"/>
+          <a:lstStyle/>
+          <a:p>
+            <a:pPr algn="ctr"/>
+            <a:r>
+              <a:rPr lang="en-US" dirty="0" smtClean="0"/>
+              <a:t>OS</a:t>
+            </a:r>
+            <a:endParaRPr lang="en-US" dirty="0"/>
+          </a:p>
+        </p:txBody>
+      </p:sp>
+      <p:sp>
+        <p:nvSpPr>
+          <p:cNvPr id="14" name="Rounded Rectangle 13"/>
+          <p:cNvSpPr/>
+          <p:nvPr/>
+        </p:nvSpPr>
+        <p:spPr>
+          <a:xfrm>
+            <a:off x="893119" y="1884162"/>
+            <a:ext cx="1437362" cy="348919"/>
+          </a:xfrm>
+          <a:prstGeom prst="roundRect">
+            <a:avLst/>
+          </a:prstGeom>
+        </p:spPr>
+        <p:style>
+          <a:lnRef idx="1">
+            <a:schemeClr val="accent1"/>
+          </a:lnRef>
+          <a:fillRef idx="3">
+            <a:schemeClr val="accent1"/>
+          </a:fillRef>
+          <a:effectRef idx="2">
+            <a:schemeClr val="accent1"/>
+          </a:effectRef>
+          <a:fontRef idx="minor">
+            <a:schemeClr val="lt1"/>
+          </a:fontRef>
+        </p:style>
+        <p:txBody>
+          <a:bodyPr rtlCol="0" anchor="ctr"/>
+          <a:lstStyle/>
+          <a:p>
+            <a:pPr algn="ctr"/>
+            <a:r>
+              <a:rPr lang="en-US" dirty="0" smtClean="0"/>
+              <a:t>Apps</a:t>
+            </a:r>
+            <a:endParaRPr lang="en-US" dirty="0"/>
+          </a:p>
+        </p:txBody>
+      </p:sp>
+      <p:pic>
+        <p:nvPicPr>
+          <p:cNvPr id="15" name="Picture 14"/>
+          <p:cNvPicPr>
+            <a:picLocks noChangeAspect="1"/>
+          </p:cNvPicPr>
+          <p:nvPr/>
+        </p:nvPicPr>
+        <p:blipFill>
+          <a:blip r:embed="rId3">
+            <a:biLevel thresh="50000"/>
+            <a:extLst>
+              <a:ext uri="{BEBA8EAE-BF5A-486C-A8C5-ECC9F3942E4B}">
+                <a14:imgProps xmlns:a14="http://schemas.microsoft.com/office/drawing/2010/main">
+                  <a14:imgLayer r:embed="rId5">
+                    <a14:imgEffect>
+                      <a14:backgroundRemoval t="0" b="99414" l="9961" r="89844"/>
+                    </a14:imgEffect>
+                  </a14:imgLayer>
+                </a14:imgProps>
+              </a:ext>
+            </a:extLst>
+          </a:blip>
+          <a:stretch>
+            <a:fillRect/>
+          </a:stretch>
+        </p:blipFill>
+        <p:spPr>
+          <a:xfrm>
+            <a:off x="2999214" y="2757615"/>
+            <a:ext cx="1018713" cy="1018713"/>
+          </a:xfrm>
+          <a:prstGeom prst="rect">
+            <a:avLst/>
+          </a:prstGeom>
+        </p:spPr>
+      </p:pic>
+      <p:sp>
+        <p:nvSpPr>
+          <p:cNvPr id="16" name="Rounded Rectangle 15"/>
+          <p:cNvSpPr/>
+          <p:nvPr/>
+        </p:nvSpPr>
+        <p:spPr>
+          <a:xfrm>
+            <a:off x="2873621" y="2274951"/>
+            <a:ext cx="1437362" cy="348919"/>
+          </a:xfrm>
+          <a:prstGeom prst="roundRect">
+            <a:avLst/>
+          </a:prstGeom>
+        </p:spPr>
+        <p:style>
+          <a:lnRef idx="1">
+            <a:schemeClr val="accent1"/>
+          </a:lnRef>
+          <a:fillRef idx="3">
+            <a:schemeClr val="accent1"/>
+          </a:fillRef>
+          <a:effectRef idx="2">
+            <a:schemeClr val="accent1"/>
+          </a:effectRef>
+          <a:fontRef idx="minor">
+            <a:schemeClr val="lt1"/>
+          </a:fontRef>
+        </p:style>
+        <p:txBody>
+          <a:bodyPr rtlCol="0" anchor="ctr"/>
+          <a:lstStyle/>
+          <a:p>
+            <a:pPr algn="ctr"/>
+            <a:r>
+              <a:rPr lang="en-US" dirty="0" smtClean="0"/>
+              <a:t>OS</a:t>
+            </a:r>
+            <a:endParaRPr lang="en-US" dirty="0"/>
+          </a:p>
+        </p:txBody>
+      </p:sp>
+      <p:sp>
+        <p:nvSpPr>
+          <p:cNvPr id="17" name="Rounded Rectangle 16"/>
+          <p:cNvSpPr/>
+          <p:nvPr/>
+        </p:nvSpPr>
+        <p:spPr>
+          <a:xfrm>
+            <a:off x="2873621" y="1884162"/>
+            <a:ext cx="1437362" cy="348919"/>
+          </a:xfrm>
+          <a:prstGeom prst="roundRect">
+            <a:avLst/>
+          </a:prstGeom>
+        </p:spPr>
+        <p:style>
+          <a:lnRef idx="1">
+            <a:schemeClr val="accent1"/>
+          </a:lnRef>
+          <a:fillRef idx="3">
+            <a:schemeClr val="accent1"/>
+          </a:fillRef>
+          <a:effectRef idx="2">
+            <a:schemeClr val="accent1"/>
+          </a:effectRef>
+          <a:fontRef idx="minor">
+            <a:schemeClr val="lt1"/>
+          </a:fontRef>
+        </p:style>
+        <p:txBody>
+          <a:bodyPr rtlCol="0" anchor="ctr"/>
+          <a:lstStyle/>
+          <a:p>
+            <a:pPr algn="ctr"/>
+            <a:r>
+              <a:rPr lang="en-US" dirty="0" smtClean="0"/>
+              <a:t>Apps</a:t>
+            </a:r>
+            <a:endParaRPr lang="en-US" dirty="0"/>
+          </a:p>
+        </p:txBody>
+      </p:sp>
+      <p:pic>
+        <p:nvPicPr>
+          <p:cNvPr id="18" name="Picture 17"/>
+          <p:cNvPicPr>
+            <a:picLocks noChangeAspect="1"/>
+          </p:cNvPicPr>
+          <p:nvPr/>
+        </p:nvPicPr>
+        <p:blipFill>
+          <a:blip r:embed="rId3">
+            <a:biLevel thresh="50000"/>
+            <a:extLst>
+              <a:ext uri="{BEBA8EAE-BF5A-486C-A8C5-ECC9F3942E4B}">
+                <a14:imgProps xmlns:a14="http://schemas.microsoft.com/office/drawing/2010/main">
+                  <a14:imgLayer r:embed="rId6">
+                    <a14:imgEffect>
+                      <a14:backgroundRemoval t="0" b="99414" l="9961" r="89844"/>
+                    </a14:imgEffect>
+                  </a14:imgLayer>
+                </a14:imgProps>
+              </a:ext>
+            </a:extLst>
+          </a:blip>
+          <a:stretch>
+            <a:fillRect/>
+          </a:stretch>
+        </p:blipFill>
+        <p:spPr>
+          <a:xfrm>
+            <a:off x="4979716" y="2757615"/>
+            <a:ext cx="1018713" cy="1018713"/>
+          </a:xfrm>
+          <a:prstGeom prst="rect">
+            <a:avLst/>
+          </a:prstGeom>
+        </p:spPr>
+      </p:pic>
+      <p:sp>
+        <p:nvSpPr>
+          <p:cNvPr id="19" name="Rounded Rectangle 18"/>
+          <p:cNvSpPr/>
+          <p:nvPr/>
+        </p:nvSpPr>
+        <p:spPr>
+          <a:xfrm>
+            <a:off x="4854123" y="2274951"/>
+            <a:ext cx="1437362" cy="348919"/>
+          </a:xfrm>
+          <a:prstGeom prst="roundRect">
+            <a:avLst/>
+          </a:prstGeom>
+        </p:spPr>
+        <p:style>
+          <a:lnRef idx="1">
+            <a:schemeClr val="accent1"/>
+          </a:lnRef>
+          <a:fillRef idx="3">
+            <a:schemeClr val="accent1"/>
+          </a:fillRef>
+          <a:effectRef idx="2">
+            <a:schemeClr val="accent1"/>
+          </a:effectRef>
+          <a:fontRef idx="minor">
+            <a:schemeClr val="lt1"/>
+          </a:fontRef>
+        </p:style>
+        <p:txBody>
+          <a:bodyPr rtlCol="0" anchor="ctr"/>
+          <a:lstStyle/>
+          <a:p>
+            <a:pPr algn="ctr"/>
+            <a:r>
+              <a:rPr lang="en-US" dirty="0" smtClean="0"/>
+              <a:t>OS</a:t>
+            </a:r>
+            <a:endParaRPr lang="en-US" dirty="0"/>
+          </a:p>
+        </p:txBody>
+      </p:sp>
+      <p:sp>
+        <p:nvSpPr>
+          <p:cNvPr id="20" name="Rounded Rectangle 19"/>
+          <p:cNvSpPr/>
+          <p:nvPr/>
+        </p:nvSpPr>
+        <p:spPr>
+          <a:xfrm>
+            <a:off x="4854123" y="1884162"/>
+            <a:ext cx="1437362" cy="348919"/>
+          </a:xfrm>
+          <a:prstGeom prst="roundRect">
+            <a:avLst/>
+          </a:prstGeom>
+        </p:spPr>
+        <p:style>
+          <a:lnRef idx="1">
+            <a:schemeClr val="accent1"/>
+          </a:lnRef>
+          <a:fillRef idx="3">
+            <a:schemeClr val="accent1"/>
+          </a:fillRef>
+          <a:effectRef idx="2">
+            <a:schemeClr val="accent1"/>
+          </a:effectRef>
+          <a:fontRef idx="minor">
+            <a:schemeClr val="lt1"/>
+          </a:fontRef>
+        </p:style>
+        <p:txBody>
+          <a:bodyPr rtlCol="0" anchor="ctr"/>
+          <a:lstStyle/>
+          <a:p>
+            <a:pPr algn="ctr"/>
+            <a:r>
+              <a:rPr lang="en-US" dirty="0" smtClean="0"/>
+              <a:t>Apps</a:t>
+            </a:r>
+            <a:endParaRPr lang="en-US" dirty="0"/>
+          </a:p>
+        </p:txBody>
+      </p:sp>
+      <p:pic>
+        <p:nvPicPr>
+          <p:cNvPr id="21" name="Picture 20"/>
+          <p:cNvPicPr>
+            <a:picLocks noChangeAspect="1"/>
+          </p:cNvPicPr>
+          <p:nvPr/>
+        </p:nvPicPr>
+        <p:blipFill>
+          <a:blip r:embed="rId3">
+            <a:biLevel thresh="50000"/>
+            <a:extLst>
+              <a:ext uri="{BEBA8EAE-BF5A-486C-A8C5-ECC9F3942E4B}">
+                <a14:imgProps xmlns:a14="http://schemas.microsoft.com/office/drawing/2010/main">
+                  <a14:imgLayer r:embed="rId5">
+                    <a14:imgEffect>
+                      <a14:backgroundRemoval t="0" b="99414" l="9961" r="89844"/>
+                    </a14:imgEffect>
+                  </a14:imgLayer>
+                </a14:imgProps>
+              </a:ext>
+            </a:extLst>
+          </a:blip>
+          <a:stretch>
+            <a:fillRect/>
+          </a:stretch>
+        </p:blipFill>
+        <p:spPr>
+          <a:xfrm>
+            <a:off x="6960218" y="2757615"/>
+            <a:ext cx="1018713" cy="1018713"/>
+          </a:xfrm>
+          <a:prstGeom prst="rect">
+            <a:avLst/>
+          </a:prstGeom>
+        </p:spPr>
+      </p:pic>
+      <p:sp>
+        <p:nvSpPr>
+          <p:cNvPr id="22" name="Rounded Rectangle 21"/>
+          <p:cNvSpPr/>
+          <p:nvPr/>
+        </p:nvSpPr>
+        <p:spPr>
+          <a:xfrm>
+            <a:off x="6834625" y="2274951"/>
+            <a:ext cx="1437362" cy="348919"/>
+          </a:xfrm>
+          <a:prstGeom prst="roundRect">
+            <a:avLst/>
+          </a:prstGeom>
+        </p:spPr>
+        <p:style>
+          <a:lnRef idx="1">
+            <a:schemeClr val="accent1"/>
+          </a:lnRef>
+          <a:fillRef idx="3">
+            <a:schemeClr val="accent1"/>
+          </a:fillRef>
+          <a:effectRef idx="2">
+            <a:schemeClr val="accent1"/>
+          </a:effectRef>
+          <a:fontRef idx="minor">
+            <a:schemeClr val="lt1"/>
+          </a:fontRef>
+        </p:style>
+        <p:txBody>
+          <a:bodyPr rtlCol="0" anchor="ctr"/>
+          <a:lstStyle/>
+          <a:p>
+            <a:pPr algn="ctr"/>
+            <a:r>
+              <a:rPr lang="en-US" dirty="0" smtClean="0"/>
+              <a:t>OS</a:t>
+            </a:r>
+            <a:endParaRPr lang="en-US" dirty="0"/>
+          </a:p>
+        </p:txBody>
+      </p:sp>
+      <p:sp>
+        <p:nvSpPr>
+          <p:cNvPr id="23" name="Rounded Rectangle 22"/>
+          <p:cNvSpPr/>
+          <p:nvPr/>
+        </p:nvSpPr>
+        <p:spPr>
+          <a:xfrm>
+            <a:off x="6834625" y="1884162"/>
+            <a:ext cx="1437362" cy="348919"/>
+          </a:xfrm>
+          <a:prstGeom prst="roundRect">
+            <a:avLst/>
+          </a:prstGeom>
+        </p:spPr>
+        <p:style>
+          <a:lnRef idx="1">
+            <a:schemeClr val="accent1"/>
+          </a:lnRef>
+          <a:fillRef idx="3">
+            <a:schemeClr val="accent1"/>
+          </a:fillRef>
+          <a:effectRef idx="2">
+            <a:schemeClr val="accent1"/>
+          </a:effectRef>
+          <a:fontRef idx="minor">
+            <a:schemeClr val="lt1"/>
+          </a:fontRef>
+        </p:style>
+        <p:txBody>
+          <a:bodyPr rtlCol="0" anchor="ctr"/>
+          <a:lstStyle/>
+          <a:p>
+            <a:pPr algn="ctr"/>
+            <a:r>
+              <a:rPr lang="en-US" dirty="0" smtClean="0"/>
+              <a:t>Apps</a:t>
+            </a:r>
+            <a:endParaRPr lang="en-US" dirty="0"/>
+          </a:p>
+        </p:txBody>
+      </p:sp>
+      <p:sp>
+        <p:nvSpPr>
+          <p:cNvPr id="24" name="Rounded Rectangle 23"/>
+          <p:cNvSpPr/>
+          <p:nvPr/>
+        </p:nvSpPr>
+        <p:spPr>
+          <a:xfrm>
+            <a:off x="753569" y="4187026"/>
+            <a:ext cx="7644013" cy="334962"/>
+          </a:xfrm>
+          <a:prstGeom prst="roundRect">
+            <a:avLst/>
+          </a:prstGeom>
+        </p:spPr>
+        <p:style>
+          <a:lnRef idx="1">
+            <a:schemeClr val="accent6"/>
+          </a:lnRef>
+          <a:fillRef idx="3">
+            <a:schemeClr val="accent6"/>
+          </a:fillRef>
+          <a:effectRef idx="2">
+            <a:schemeClr val="accent6"/>
+          </a:effectRef>
+          <a:fontRef idx="minor">
+            <a:schemeClr val="lt1"/>
+          </a:fontRef>
+        </p:style>
+        <p:txBody>
+          <a:bodyPr rtlCol="0" anchor="ctr"/>
+          <a:lstStyle/>
+          <a:p>
+            <a:pPr algn="ctr"/>
+            <a:r>
+              <a:rPr lang="en-US" dirty="0" smtClean="0">
+                <a:solidFill>
+                  <a:srgbClr val="000090"/>
+                </a:solidFill>
+              </a:rPr>
+              <a:t>Hypervisor</a:t>
+            </a:r>
+            <a:endParaRPr lang="en-US" dirty="0">
+              <a:solidFill>
+                <a:srgbClr val="000090"/>
+              </a:solidFill>
+            </a:endParaRPr>
+          </a:p>
+        </p:txBody>
+      </p:sp>
+    </p:spTree>
+    <p:extLst>
+      <p:ext uri="{BB962C8B-B14F-4D97-AF65-F5344CB8AC3E}">
+        <p14:creationId xmlns:p14="http://schemas.microsoft.com/office/powerpoint/2010/main" val="1650626755"/>
+      </p:ext>
+    </p:extLst>
+  </p:cSld>
+  <p:clrMapOvr>
+    <a:masterClrMapping/>
+  </p:clrMapOvr>
+</p:sld>
+</file>
+
+<file path=ppt/slides/slide5.xml><?xml version="1.0" encoding="utf-8"?>
+<p:sld xmlns:a="http://schemas.openxmlformats.org/drawingml/2006/main" xmlns:r="http://schemas.openxmlformats.org/officeDocument/2006/relationships" xmlns:p="http://schemas.openxmlformats.org/presentationml/2006/main">
+  <p:cSld>
+    <p:spTree>
+      <p:nvGrpSpPr>
+        <p:cNvPr id="1" name=""/>
+        <p:cNvGrpSpPr/>
+        <p:nvPr/>
+      </p:nvGrpSpPr>
+      <p:grpSpPr>
+        <a:xfrm>
+          <a:off x="0" y="0"/>
+          <a:ext cx="0" cy="0"/>
+          <a:chOff x="0" y="0"/>
+          <a:chExt cx="0" cy="0"/>
+        </a:xfrm>
+      </p:grpSpPr>
+      <p:sp>
+        <p:nvSpPr>
+          <p:cNvPr id="2" name="Title 1"/>
+          <p:cNvSpPr>
+            <a:spLocks noGrp="1"/>
+          </p:cNvSpPr>
+          <p:nvPr>
+            <p:ph type="title"/>
+          </p:nvPr>
+        </p:nvSpPr>
+        <p:spPr/>
+        <p:txBody>
+          <a:bodyPr/>
+          <a:lstStyle/>
+          <a:p>
+            <a:r>
+              <a:rPr lang="en-US" dirty="0" smtClean="0"/>
+              <a:t>Virtualization </a:t>
+            </a:r>
+            <a:endParaRPr lang="en-US" dirty="0"/>
+          </a:p>
+        </p:txBody>
+      </p:sp>
+      <p:sp>
+        <p:nvSpPr>
+          <p:cNvPr id="3" name="Content Placeholder 2"/>
+          <p:cNvSpPr>
+            <a:spLocks noGrp="1"/>
+          </p:cNvSpPr>
+          <p:nvPr>
+            <p:ph idx="1"/>
+          </p:nvPr>
+        </p:nvSpPr>
+        <p:spPr>
+          <a:xfrm>
+            <a:off x="375635" y="1600201"/>
+            <a:ext cx="8229600" cy="2209994"/>
+          </a:xfrm>
+        </p:spPr>
+        <p:txBody>
+          <a:bodyPr>
+            <a:normAutofit/>
+          </a:bodyPr>
+          <a:lstStyle/>
+          <a:p>
+            <a:r>
+              <a:rPr lang="en-US" dirty="0" smtClean="0"/>
+              <a:t>Dates back to 1972 with IBM VM/370</a:t>
+            </a:r>
+          </a:p>
+          <a:p>
+            <a:r>
+              <a:rPr lang="en-US" dirty="0" smtClean="0"/>
+              <a:t>Each user had a “virtual mainframe”</a:t>
+            </a:r>
+          </a:p>
+          <a:p>
+            <a:pPr lvl="1"/>
+            <a:r>
+              <a:rPr lang="en-US" dirty="0" smtClean="0"/>
+              <a:t>Including a virtual punch card reader and writer!</a:t>
+            </a:r>
+          </a:p>
+          <a:p>
+            <a:endParaRPr lang="en-US" dirty="0" smtClean="0"/>
+          </a:p>
+          <a:p>
+            <a:endParaRPr lang="en-US" dirty="0"/>
+          </a:p>
+        </p:txBody>
+      </p:sp>
+      <p:pic>
+        <p:nvPicPr>
+          <p:cNvPr id="5" name="Picture 4"/>
+          <p:cNvPicPr>
+            <a:picLocks noChangeAspect="1"/>
+          </p:cNvPicPr>
+          <p:nvPr/>
+        </p:nvPicPr>
+        <p:blipFill>
+          <a:blip r:embed="rId2"/>
+          <a:stretch>
+            <a:fillRect/>
+          </a:stretch>
+        </p:blipFill>
+        <p:spPr>
+          <a:xfrm>
+            <a:off x="4852920" y="3481974"/>
+            <a:ext cx="3752315" cy="2969689"/>
+          </a:xfrm>
+          <a:prstGeom prst="rect">
+            <a:avLst/>
+          </a:prstGeom>
+        </p:spPr>
+      </p:pic>
+    </p:spTree>
+    <p:extLst>
+      <p:ext uri="{BB962C8B-B14F-4D97-AF65-F5344CB8AC3E}">
+        <p14:creationId xmlns:p14="http://schemas.microsoft.com/office/powerpoint/2010/main" val="2542647064"/>
+      </p:ext>
+    </p:extLst>
+  </p:cSld>
+  <p:clrMapOvr>
+    <a:masterClrMapping/>
+  </p:clrMapOvr>
+</p:sld>
+</file>
+
+<file path=ppt/slides/slide6.xml><?xml version="1.0" encoding="utf-8"?>
+<p:sld xmlns:a="http://schemas.openxmlformats.org/drawingml/2006/main" xmlns:r="http://schemas.openxmlformats.org/officeDocument/2006/relationships" xmlns:p="http://schemas.openxmlformats.org/presentationml/2006/main">
+  <p:cSld>
+    <p:spTree>
+      <p:nvGrpSpPr>
+        <p:cNvPr id="1" name=""/>
+        <p:cNvGrpSpPr/>
+        <p:nvPr/>
+      </p:nvGrpSpPr>
+      <p:grpSpPr>
+        <a:xfrm>
+          <a:off x="0" y="0"/>
+          <a:ext cx="0" cy="0"/>
+          <a:chOff x="0" y="0"/>
+          <a:chExt cx="0" cy="0"/>
+        </a:xfrm>
+      </p:grpSpPr>
+      <p:sp>
+        <p:nvSpPr>
+          <p:cNvPr id="2" name="Title 1"/>
+          <p:cNvSpPr>
+            <a:spLocks noGrp="1"/>
+          </p:cNvSpPr>
+          <p:nvPr>
+            <p:ph type="title"/>
+          </p:nvPr>
+        </p:nvSpPr>
+        <p:spPr/>
+        <p:txBody>
+          <a:bodyPr>
+            <a:normAutofit fontScale="90000"/>
+          </a:bodyPr>
+          <a:lstStyle/>
+          <a:p>
+            <a:r>
+              <a:rPr lang="en-US" dirty="0" smtClean="0"/>
+              <a:t>Commodity </a:t>
+            </a:r>
+            <a:br>
+              <a:rPr lang="en-US" dirty="0" smtClean="0"/>
+            </a:br>
+            <a:r>
+              <a:rPr lang="en-US" dirty="0" smtClean="0"/>
+              <a:t>Hardware Virtualization</a:t>
+            </a:r>
+            <a:endParaRPr lang="en-US" dirty="0"/>
+          </a:p>
+        </p:txBody>
+      </p:sp>
+      <p:pic>
+        <p:nvPicPr>
+          <p:cNvPr id="5" name="Picture 4"/>
+          <p:cNvPicPr>
+            <a:picLocks noChangeAspect="1"/>
+          </p:cNvPicPr>
+          <p:nvPr/>
+        </p:nvPicPr>
+        <p:blipFill>
+          <a:blip r:embed="rId2"/>
+          <a:stretch>
+            <a:fillRect/>
+          </a:stretch>
+        </p:blipFill>
+        <p:spPr>
+          <a:xfrm>
+            <a:off x="4144068" y="1417638"/>
+            <a:ext cx="4999932" cy="4962804"/>
+          </a:xfrm>
+          <a:prstGeom prst="rect">
+            <a:avLst/>
+          </a:prstGeom>
+        </p:spPr>
+      </p:pic>
+      <p:sp>
+        <p:nvSpPr>
+          <p:cNvPr id="6" name="TextBox 5"/>
+          <p:cNvSpPr txBox="1"/>
+          <p:nvPr/>
+        </p:nvSpPr>
+        <p:spPr>
+          <a:xfrm>
+            <a:off x="1562958" y="2805308"/>
+            <a:ext cx="1120619" cy="646331"/>
+          </a:xfrm>
+          <a:prstGeom prst="rect">
+            <a:avLst/>
+          </a:prstGeom>
+          <a:noFill/>
+        </p:spPr>
+        <p:txBody>
+          <a:bodyPr wrap="none" rtlCol="0">
+            <a:spAutoFit/>
+          </a:bodyPr>
+          <a:lstStyle/>
+          <a:p>
+            <a:r>
+              <a:rPr lang="en-US" sz="3600" dirty="0" smtClean="0"/>
+              <a:t>1985</a:t>
+            </a:r>
+            <a:endParaRPr lang="en-US" sz="3600" dirty="0"/>
+          </a:p>
+        </p:txBody>
+      </p:sp>
+    </p:spTree>
+    <p:extLst>
+      <p:ext uri="{BB962C8B-B14F-4D97-AF65-F5344CB8AC3E}">
+        <p14:creationId xmlns:p14="http://schemas.microsoft.com/office/powerpoint/2010/main" val="102620639"/>
+      </p:ext>
+    </p:extLst>
+  </p:cSld>
+  <p:clrMapOvr>
+    <a:masterClrMapping/>
+  </p:clrMapOvr>
+</p:sld>
+</file>
+
+<file path=ppt/slides/slide7.xml><?xml version="1.0" encoding="utf-8"?>
+<p:sld xmlns:a="http://schemas.openxmlformats.org/drawingml/2006/main" xmlns:r="http://schemas.openxmlformats.org/officeDocument/2006/relationships" xmlns:p="http://schemas.openxmlformats.org/presentationml/2006/main">
+  <p:cSld>
+    <p:spTree>
+      <p:nvGrpSpPr>
+        <p:cNvPr id="1" name=""/>
+        <p:cNvGrpSpPr/>
+        <p:nvPr/>
+      </p:nvGrpSpPr>
+      <p:grpSpPr>
+        <a:xfrm>
+          <a:off x="0" y="0"/>
+          <a:ext cx="0" cy="0"/>
+          <a:chOff x="0" y="0"/>
+          <a:chExt cx="0" cy="0"/>
+        </a:xfrm>
+      </p:grpSpPr>
+      <p:sp>
+        <p:nvSpPr>
+          <p:cNvPr id="2" name="Title 1"/>
+          <p:cNvSpPr>
+            <a:spLocks noGrp="1"/>
+          </p:cNvSpPr>
+          <p:nvPr>
+            <p:ph type="title"/>
+          </p:nvPr>
+        </p:nvSpPr>
+        <p:spPr/>
+        <p:txBody>
+          <a:bodyPr/>
+          <a:lstStyle/>
+          <a:p>
+            <a:r>
+              <a:rPr lang="en-US" dirty="0" smtClean="0"/>
+              <a:t>Late 2005 / Early 2006</a:t>
+            </a:r>
+            <a:endParaRPr lang="en-US" dirty="0"/>
+          </a:p>
+        </p:txBody>
+      </p:sp>
+      <p:pic>
+        <p:nvPicPr>
+          <p:cNvPr id="4" name="Picture 3"/>
+          <p:cNvPicPr>
+            <a:picLocks noChangeAspect="1"/>
+          </p:cNvPicPr>
+          <p:nvPr/>
+        </p:nvPicPr>
+        <p:blipFill>
+          <a:blip r:embed="rId2"/>
+          <a:stretch>
+            <a:fillRect/>
+          </a:stretch>
+        </p:blipFill>
+        <p:spPr>
+          <a:xfrm>
+            <a:off x="350474" y="1636040"/>
+            <a:ext cx="3810000" cy="3810000"/>
+          </a:xfrm>
+          <a:prstGeom prst="rect">
+            <a:avLst/>
+          </a:prstGeom>
+        </p:spPr>
+      </p:pic>
+      <p:pic>
+        <p:nvPicPr>
+          <p:cNvPr id="5" name="Picture 4"/>
+          <p:cNvPicPr>
+            <a:picLocks noChangeAspect="1"/>
+          </p:cNvPicPr>
+          <p:nvPr/>
+        </p:nvPicPr>
+        <p:blipFill>
+          <a:blip r:embed="rId3"/>
+          <a:stretch>
+            <a:fillRect/>
+          </a:stretch>
+        </p:blipFill>
+        <p:spPr>
+          <a:xfrm>
+            <a:off x="4825452" y="1601854"/>
+            <a:ext cx="3861348" cy="3844186"/>
+          </a:xfrm>
+          <a:prstGeom prst="rect">
+            <a:avLst/>
+          </a:prstGeom>
+        </p:spPr>
+      </p:pic>
+      <p:sp>
+        <p:nvSpPr>
+          <p:cNvPr id="6" name="TextBox 5"/>
+          <p:cNvSpPr txBox="1"/>
+          <p:nvPr/>
+        </p:nvSpPr>
+        <p:spPr>
+          <a:xfrm>
+            <a:off x="2051383" y="5446040"/>
+            <a:ext cx="859680" cy="523220"/>
+          </a:xfrm>
+          <a:prstGeom prst="rect">
+            <a:avLst/>
+          </a:prstGeom>
+          <a:noFill/>
+        </p:spPr>
+        <p:txBody>
+          <a:bodyPr wrap="none" rtlCol="0">
+            <a:spAutoFit/>
+          </a:bodyPr>
+          <a:lstStyle/>
+          <a:p>
+            <a:r>
+              <a:rPr lang="en-US" sz="2800" dirty="0" smtClean="0"/>
+              <a:t>VT-X</a:t>
+            </a:r>
+            <a:endParaRPr lang="en-US" sz="2800" dirty="0"/>
+          </a:p>
+        </p:txBody>
+      </p:sp>
+      <p:sp>
+        <p:nvSpPr>
+          <p:cNvPr id="7" name="TextBox 6"/>
+          <p:cNvSpPr txBox="1"/>
+          <p:nvPr/>
+        </p:nvSpPr>
+        <p:spPr>
+          <a:xfrm>
+            <a:off x="6236772" y="5446040"/>
+            <a:ext cx="1236236" cy="523220"/>
+          </a:xfrm>
+          <a:prstGeom prst="rect">
+            <a:avLst/>
+          </a:prstGeom>
+          <a:noFill/>
+        </p:spPr>
+        <p:txBody>
+          <a:bodyPr wrap="none" rtlCol="0">
+            <a:spAutoFit/>
+          </a:bodyPr>
+          <a:lstStyle/>
+          <a:p>
+            <a:r>
+              <a:rPr lang="en-US" sz="2800" dirty="0" smtClean="0"/>
+              <a:t>AMD-V</a:t>
+            </a:r>
+            <a:endParaRPr lang="en-US" sz="2800" dirty="0"/>
+          </a:p>
+        </p:txBody>
+      </p:sp>
+    </p:spTree>
+    <p:extLst>
+      <p:ext uri="{BB962C8B-B14F-4D97-AF65-F5344CB8AC3E}">
+        <p14:creationId xmlns:p14="http://schemas.microsoft.com/office/powerpoint/2010/main" val="1991202265"/>
+      </p:ext>
+    </p:extLst>
+  </p:cSld>
+  <p:clrMapOvr>
+    <a:masterClrMapping/>
+  </p:clrMapOvr>
+</p:sld>
+</file>
+
+<file path=ppt/slides/slide8.xml><?xml version="1.0" encoding="utf-8"?>
+<p:sld xmlns:a="http://schemas.openxmlformats.org/drawingml/2006/main" xmlns:r="http://schemas.openxmlformats.org/officeDocument/2006/relationships" xmlns:p="http://schemas.openxmlformats.org/presentationml/2006/main">
+  <p:cSld>
+    <p:spTree>
+      <p:nvGrpSpPr>
+        <p:cNvPr id="1" name=""/>
+        <p:cNvGrpSpPr/>
+        <p:nvPr/>
+      </p:nvGrpSpPr>
+      <p:grpSpPr>
+        <a:xfrm>
+          <a:off x="0" y="0"/>
+          <a:ext cx="0" cy="0"/>
+          <a:chOff x="0" y="0"/>
+          <a:chExt cx="0" cy="0"/>
+        </a:xfrm>
+      </p:grpSpPr>
+      <p:sp>
+        <p:nvSpPr>
+          <p:cNvPr id="2" name="Title 1"/>
+          <p:cNvSpPr>
+            <a:spLocks noGrp="1"/>
+          </p:cNvSpPr>
+          <p:nvPr>
+            <p:ph type="title"/>
+          </p:nvPr>
+        </p:nvSpPr>
+        <p:spPr/>
+        <p:txBody>
+          <a:bodyPr/>
+          <a:lstStyle/>
+          <a:p>
+            <a:r>
+              <a:rPr lang="en-US" dirty="0" smtClean="0"/>
+              <a:t>Benefits of Virtualization</a:t>
+            </a:r>
+            <a:endParaRPr lang="en-US" dirty="0"/>
+          </a:p>
+        </p:txBody>
+      </p:sp>
+      <p:sp>
+        <p:nvSpPr>
+          <p:cNvPr id="3" name="Content Placeholder 2"/>
+          <p:cNvSpPr>
+            <a:spLocks noGrp="1"/>
+          </p:cNvSpPr>
+          <p:nvPr>
+            <p:ph idx="1"/>
+          </p:nvPr>
+        </p:nvSpPr>
+        <p:spPr/>
+        <p:txBody>
+          <a:bodyPr>
+            <a:normAutofit fontScale="92500"/>
+          </a:bodyPr>
+          <a:lstStyle/>
+          <a:p>
+            <a:r>
+              <a:rPr lang="en-US" dirty="0" err="1" smtClean="0"/>
+              <a:t>Replicability</a:t>
+            </a:r>
+            <a:endParaRPr lang="en-US" dirty="0" smtClean="0"/>
+          </a:p>
+          <a:p>
+            <a:pPr lvl="1"/>
+            <a:r>
+              <a:rPr lang="en-US" dirty="0" smtClean="0"/>
+              <a:t>Machines become repeatable images</a:t>
+            </a:r>
+          </a:p>
+          <a:p>
+            <a:pPr lvl="1"/>
+            <a:r>
+              <a:rPr lang="en-US" dirty="0" smtClean="0"/>
+              <a:t>Can be migrated, snapshotted, version controlled</a:t>
+            </a:r>
+          </a:p>
+          <a:p>
+            <a:r>
+              <a:rPr lang="en-US" dirty="0" smtClean="0"/>
+              <a:t>Better resource utilization</a:t>
+            </a:r>
+          </a:p>
+          <a:p>
+            <a:pPr lvl="1"/>
+            <a:r>
+              <a:rPr lang="en-US" dirty="0" smtClean="0"/>
+              <a:t>Most servers run at about 6-12% utilization </a:t>
+            </a:r>
+          </a:p>
+          <a:p>
+            <a:r>
+              <a:rPr lang="en-US" dirty="0" smtClean="0"/>
+              <a:t>Flexibility</a:t>
+            </a:r>
+          </a:p>
+          <a:p>
+            <a:pPr lvl="1"/>
+            <a:r>
+              <a:rPr lang="en-US" dirty="0" smtClean="0"/>
+              <a:t>New instances don’t necessarily require new hardware </a:t>
+            </a:r>
+            <a:endParaRPr lang="en-US" dirty="0"/>
+          </a:p>
+        </p:txBody>
+      </p:sp>
+    </p:spTree>
+    <p:extLst>
+      <p:ext uri="{BB962C8B-B14F-4D97-AF65-F5344CB8AC3E}">
+        <p14:creationId xmlns:p14="http://schemas.microsoft.com/office/powerpoint/2010/main" val="212166309"/>
+      </p:ext>
+    </p:extLst>
+  </p:cSld>
+  <p:clrMapOvr>
+    <a:masterClrMapping/>
+  </p:clrMapOvr>
+</p:sld>
+</file>
+
+<file path=ppt/slides/slide9.xml><?xml version="1.0" encoding="utf-8"?>
+<p:sld xmlns:a="http://schemas.openxmlformats.org/drawingml/2006/main" xmlns:r="http://schemas.openxmlformats.org/officeDocument/2006/relationships" xmlns:p="http://schemas.openxmlformats.org/presentationml/2006/main">
+  <p:cSld>
+    <p:spTree>
+      <p:nvGrpSpPr>
+        <p:cNvPr id="1" name=""/>
+        <p:cNvGrpSpPr/>
+        <p:nvPr/>
+      </p:nvGrpSpPr>
+      <p:grpSpPr>
+        <a:xfrm>
+          <a:off x="0" y="0"/>
+          <a:ext cx="0" cy="0"/>
+          <a:chOff x="0" y="0"/>
+          <a:chExt cx="0" cy="0"/>
+        </a:xfrm>
+      </p:grpSpPr>
+      <p:sp>
+        <p:nvSpPr>
+          <p:cNvPr id="2" name="Title 1"/>
+          <p:cNvSpPr>
+            <a:spLocks noGrp="1"/>
+          </p:cNvSpPr>
+          <p:nvPr>
+            <p:ph type="title"/>
+          </p:nvPr>
+        </p:nvSpPr>
+        <p:spPr/>
+        <p:txBody>
+          <a:bodyPr/>
+          <a:lstStyle/>
+          <a:p>
+            <a:r>
+              <a:rPr lang="en-US" dirty="0" smtClean="0"/>
+              <a:t>Grid Computing</a:t>
+            </a:r>
+            <a:endParaRPr lang="en-US" dirty="0"/>
+          </a:p>
+        </p:txBody>
+      </p:sp>
+      <p:pic>
+        <p:nvPicPr>
+          <p:cNvPr id="4" name="Picture 3"/>
+          <p:cNvPicPr>
+            <a:picLocks noChangeAspect="1"/>
+          </p:cNvPicPr>
+          <p:nvPr/>
+        </p:nvPicPr>
+        <p:blipFill>
+          <a:blip r:embed="rId2"/>
+          <a:stretch>
+            <a:fillRect/>
+          </a:stretch>
+        </p:blipFill>
+        <p:spPr>
+          <a:xfrm>
+            <a:off x="457200" y="1417638"/>
+            <a:ext cx="7503768" cy="4472112"/>
+          </a:xfrm>
+          <a:prstGeom prst="rect">
+            <a:avLst/>
+          </a:prstGeom>
+        </p:spPr>
+      </p:pic>
+    </p:spTree>
+    <p:extLst>
+      <p:ext uri="{BB962C8B-B14F-4D97-AF65-F5344CB8AC3E}">
+        <p14:creationId xmlns:p14="http://schemas.microsoft.com/office/powerpoint/2010/main" val="877194406"/>
       </p:ext>
     </p:extLst>
   </p:cSld>

--- a/pres-source/03-cloud-computing-theory.pptx
+++ b/pres-source/03-cloud-computing-theory.pptx
@@ -5,7 +5,7 @@
     <p:sldMasterId id="2147483648" r:id="rId1"/>
   </p:sldMasterIdLst>
   <p:notesMasterIdLst>
-    <p:notesMasterId r:id="rId35"/>
+    <p:notesMasterId r:id="rId44"/>
   </p:notesMasterIdLst>
   <p:sldIdLst>
     <p:sldId id="256" r:id="rId2"/>
@@ -34,13 +34,22 @@
     <p:sldId id="276" r:id="rId25"/>
     <p:sldId id="277" r:id="rId26"/>
     <p:sldId id="278" r:id="rId27"/>
-    <p:sldId id="279" r:id="rId28"/>
-    <p:sldId id="280" r:id="rId29"/>
-    <p:sldId id="281" r:id="rId30"/>
-    <p:sldId id="283" r:id="rId31"/>
-    <p:sldId id="284" r:id="rId32"/>
-    <p:sldId id="289" r:id="rId33"/>
-    <p:sldId id="290" r:id="rId34"/>
+    <p:sldId id="303" r:id="rId28"/>
+    <p:sldId id="304" r:id="rId29"/>
+    <p:sldId id="306" r:id="rId30"/>
+    <p:sldId id="279" r:id="rId31"/>
+    <p:sldId id="299" r:id="rId32"/>
+    <p:sldId id="280" r:id="rId33"/>
+    <p:sldId id="296" r:id="rId34"/>
+    <p:sldId id="297" r:id="rId35"/>
+    <p:sldId id="295" r:id="rId36"/>
+    <p:sldId id="291" r:id="rId37"/>
+    <p:sldId id="294" r:id="rId38"/>
+    <p:sldId id="300" r:id="rId39"/>
+    <p:sldId id="301" r:id="rId40"/>
+    <p:sldId id="302" r:id="rId41"/>
+    <p:sldId id="289" r:id="rId42"/>
+    <p:sldId id="290" r:id="rId43"/>
   </p:sldIdLst>
   <p:sldSz cx="9144000" cy="6858000" type="screen4x3"/>
   <p:notesSz cx="6858000" cy="9144000"/>
@@ -229,7 +238,7 @@
             <a:fld id="{7307762F-A706-E543-A832-3C298AA3103F}" type="datetimeFigureOut">
               <a:rPr lang="en-US" smtClean="0"/>
               <a:pPr/>
-              <a:t>10/11/15</a:t>
+              <a:t>13/11/15</a:t>
             </a:fld>
             <a:endParaRPr lang="en-US" dirty="0"/>
           </a:p>
@@ -557,7 +566,7 @@
         <p:nvSpPr>
           <p:cNvPr id="111618" name="Text Box 2"/>
           <p:cNvSpPr txBox="1">
-            <a:spLocks noChangeArrowheads="1" noTextEdit="1"/>
+            <a:spLocks noGrp="1" noRot="1" noChangeAspect="1" noChangeArrowheads="1" noTextEdit="1"/>
           </p:cNvSpPr>
           <p:nvPr>
             <p:ph type="sldImg"/>
@@ -580,7 +589,7 @@
         <p:nvSpPr>
           <p:cNvPr id="111619" name="Text Box 3"/>
           <p:cNvSpPr txBox="1">
-            <a:spLocks noChangeArrowheads="1"/>
+            <a:spLocks noGrp="1" noChangeArrowheads="1"/>
           </p:cNvSpPr>
           <p:nvPr>
             <p:ph type="body" idx="1"/>
@@ -1030,7 +1039,7 @@
           <a:p>
             <a:fld id="{875CF0EB-321F-0749-B37A-89BBA859503C}" type="datetimeFigureOut">
               <a:rPr lang="en-US" smtClean="0"/>
-              <a:t>10/11/15</a:t>
+              <a:t>13/11/15</a:t>
             </a:fld>
             <a:endParaRPr lang="en-US"/>
           </a:p>
@@ -1234,7 +1243,7 @@
           <a:p>
             <a:fld id="{875CF0EB-321F-0749-B37A-89BBA859503C}" type="datetimeFigureOut">
               <a:rPr lang="en-US" smtClean="0"/>
-              <a:t>10/11/15</a:t>
+              <a:t>13/11/15</a:t>
             </a:fld>
             <a:endParaRPr lang="en-US"/>
           </a:p>
@@ -1428,7 +1437,7 @@
           <a:p>
             <a:fld id="{875CF0EB-321F-0749-B37A-89BBA859503C}" type="datetimeFigureOut">
               <a:rPr lang="en-US" smtClean="0"/>
-              <a:t>10/11/15</a:t>
+              <a:t>13/11/15</a:t>
             </a:fld>
             <a:endParaRPr lang="en-US"/>
           </a:p>
@@ -1698,7 +1707,7 @@
           <a:p>
             <a:fld id="{875CF0EB-321F-0749-B37A-89BBA859503C}" type="datetimeFigureOut">
               <a:rPr lang="en-US" smtClean="0"/>
-              <a:t>10/11/15</a:t>
+              <a:t>13/11/15</a:t>
             </a:fld>
             <a:endParaRPr lang="en-US"/>
           </a:p>
@@ -2010,7 +2019,7 @@
           <a:p>
             <a:fld id="{875CF0EB-321F-0749-B37A-89BBA859503C}" type="datetimeFigureOut">
               <a:rPr lang="en-US" smtClean="0"/>
-              <a:t>10/11/15</a:t>
+              <a:t>13/11/15</a:t>
             </a:fld>
             <a:endParaRPr lang="en-US"/>
           </a:p>
@@ -2456,7 +2465,7 @@
           <a:p>
             <a:fld id="{875CF0EB-321F-0749-B37A-89BBA859503C}" type="datetimeFigureOut">
               <a:rPr lang="en-US" smtClean="0"/>
-              <a:t>10/11/15</a:t>
+              <a:t>13/11/15</a:t>
             </a:fld>
             <a:endParaRPr lang="en-US"/>
           </a:p>
@@ -2598,7 +2607,7 @@
           <a:p>
             <a:fld id="{875CF0EB-321F-0749-B37A-89BBA859503C}" type="datetimeFigureOut">
               <a:rPr lang="en-US" smtClean="0"/>
-              <a:t>10/11/15</a:t>
+              <a:t>13/11/15</a:t>
             </a:fld>
             <a:endParaRPr lang="en-US"/>
           </a:p>
@@ -2717,7 +2726,7 @@
           <a:p>
             <a:fld id="{875CF0EB-321F-0749-B37A-89BBA859503C}" type="datetimeFigureOut">
               <a:rPr lang="en-US" smtClean="0"/>
-              <a:t>10/11/15</a:t>
+              <a:t>13/11/15</a:t>
             </a:fld>
             <a:endParaRPr lang="en-US"/>
           </a:p>
@@ -3018,7 +3027,7 @@
           <a:p>
             <a:fld id="{875CF0EB-321F-0749-B37A-89BBA859503C}" type="datetimeFigureOut">
               <a:rPr lang="en-US" smtClean="0"/>
-              <a:t>10/11/15</a:t>
+              <a:t>13/11/15</a:t>
             </a:fld>
             <a:endParaRPr lang="en-US"/>
           </a:p>
@@ -3295,7 +3304,7 @@
           <a:p>
             <a:fld id="{875CF0EB-321F-0749-B37A-89BBA859503C}" type="datetimeFigureOut">
               <a:rPr lang="en-US" smtClean="0"/>
-              <a:t>10/11/15</a:t>
+              <a:t>13/11/15</a:t>
             </a:fld>
             <a:endParaRPr lang="en-US"/>
           </a:p>
@@ -4146,14 +4155,7 @@
                 <a:ea typeface="ヒラギノ角ゴ ProN W3" charset="0"/>
                 <a:cs typeface="ヒラギノ角ゴ ProN W3" charset="0"/>
               </a:rPr>
-              <a:t>Cloud </a:t>
-            </a:r>
-            <a:r>
-              <a:rPr lang="en-US" dirty="0" smtClean="0">
-                <a:ea typeface="ヒラギノ角ゴ ProN W3" charset="0"/>
-                <a:cs typeface="ヒラギノ角ゴ ProN W3" charset="0"/>
-              </a:rPr>
-              <a:t>Computing</a:t>
+              <a:t>Cloud Computing</a:t>
             </a:r>
             <a:br>
               <a:rPr lang="en-US" dirty="0" smtClean="0">
@@ -4617,7 +4619,7 @@
   <p:timing>
     <p:tnLst>
       <p:par>
-        <p:cTn xmlns:p14="http://schemas.microsoft.com/office/powerpoint/2010/main" id="1" dur="indefinite" nodeType="tmRoot">
+        <p:cTn xmlns:p14="http://schemas.microsoft.com/office/powerpoint/2010/main" id="1" dur="indefinite" restart="never" nodeType="tmRoot">
           <p:childTnLst>
             <p:seq concurrent="1" nextAc="seek">
               <p:cTn id="2" dur="0" nodeType="mainSeq"/>
@@ -7564,19 +7566,8 @@
                 <a:ea typeface="ヒラギノ角ゴ ProN W3" charset="0"/>
                 <a:cs typeface="ヒラギノ角ゴ ProN W3" charset="0"/>
               </a:rPr>
-              <a:t>Distributed </a:t>
-            </a:r>
-            <a:r>
-              <a:rPr lang="en-US" dirty="0" smtClean="0">
-                <a:ea typeface="ヒラギノ角ゴ ProN W3" charset="0"/>
-                <a:cs typeface="ヒラギノ角ゴ ProN W3" charset="0"/>
-              </a:rPr>
-              <a:t>Computing</a:t>
-            </a:r>
-            <a:endParaRPr lang="en-US" dirty="0" smtClean="0">
-              <a:ea typeface="ヒラギノ角ゴ ProN W3" charset="0"/>
-              <a:cs typeface="ヒラギノ角ゴ ProN W3" charset="0"/>
-            </a:endParaRPr>
+              <a:t>Distributed Computing</a:t>
+            </a:r>
           </a:p>
           <a:p>
             <a:pPr eaLnBrk="1" hangingPunct="1"/>
@@ -7613,10 +7604,6 @@
               </a:rPr>
               <a:t>tenancy</a:t>
             </a:r>
-            <a:endParaRPr lang="en-US" dirty="0" smtClean="0">
-              <a:ea typeface="ヒラギノ角ゴ ProN W3" charset="0"/>
-              <a:cs typeface="ヒラギノ角ゴ ProN W3" charset="0"/>
-            </a:endParaRPr>
           </a:p>
           <a:p>
             <a:pPr eaLnBrk="1" hangingPunct="1"/>
@@ -7625,14 +7612,7 @@
                 <a:ea typeface="ヒラギノ角ゴ ProN W3" charset="0"/>
                 <a:cs typeface="ヒラギノ角ゴ ProN W3" charset="0"/>
               </a:rPr>
-              <a:t>Amdahl’s </a:t>
-            </a:r>
-            <a:r>
-              <a:rPr lang="en-US" dirty="0" smtClean="0">
-                <a:ea typeface="ヒラギノ角ゴ ProN W3" charset="0"/>
-                <a:cs typeface="ヒラギノ角ゴ ProN W3" charset="0"/>
-              </a:rPr>
-              <a:t>Law and </a:t>
+              <a:t>Amdahl’s Law and </a:t>
             </a:r>
             <a:r>
               <a:rPr lang="en-US" dirty="0" err="1" smtClean="0">
@@ -7678,10 +7658,6 @@
               </a:rPr>
               <a:t>Metric</a:t>
             </a:r>
-            <a:endParaRPr lang="en-US" dirty="0" smtClean="0">
-              <a:ea typeface="ヒラギノ角ゴ ProN W3" charset="0"/>
-              <a:cs typeface="ヒラギノ角ゴ ProN W3" charset="0"/>
-            </a:endParaRPr>
           </a:p>
           <a:p>
             <a:pPr eaLnBrk="1" hangingPunct="1"/>
@@ -7690,14 +7666,17 @@
                 <a:ea typeface="ヒラギノ角ゴ ProN W3" charset="0"/>
                 <a:cs typeface="ヒラギノ角ゴ ProN W3" charset="0"/>
               </a:rPr>
-              <a:t>Shared </a:t>
-            </a:r>
+              <a:t>Shared Nothing Architectures</a:t>
+            </a:r>
+          </a:p>
+          <a:p>
+            <a:pPr eaLnBrk="1" hangingPunct="1"/>
             <a:r>
               <a:rPr lang="en-US" dirty="0" smtClean="0">
                 <a:ea typeface="ヒラギノ角ゴ ProN W3" charset="0"/>
                 <a:cs typeface="ヒラギノ角ゴ ProN W3" charset="0"/>
               </a:rPr>
-              <a:t>Nothing Architectures</a:t>
+              <a:t>CAP Theorem</a:t>
             </a:r>
           </a:p>
           <a:p>
@@ -7707,36 +7686,8 @@
                 <a:ea typeface="ヒラギノ角ゴ ProN W3" charset="0"/>
                 <a:cs typeface="ヒラギノ角ゴ ProN W3" charset="0"/>
               </a:rPr>
-              <a:t>CAP </a:t>
-            </a:r>
-            <a:r>
-              <a:rPr lang="en-US" dirty="0" smtClean="0">
-                <a:ea typeface="ヒラギノ角ゴ ProN W3" charset="0"/>
-                <a:cs typeface="ヒラギノ角ゴ ProN W3" charset="0"/>
-              </a:rPr>
-              <a:t>Theorem</a:t>
-            </a:r>
-          </a:p>
-          <a:p>
-            <a:pPr eaLnBrk="1" hangingPunct="1"/>
-            <a:r>
-              <a:rPr lang="en-US" dirty="0" smtClean="0">
-                <a:ea typeface="ヒラギノ角ゴ ProN W3" charset="0"/>
-                <a:cs typeface="ヒラギノ角ゴ ProN W3" charset="0"/>
-              </a:rPr>
-              <a:t>Eventual </a:t>
-            </a:r>
-            <a:r>
-              <a:rPr lang="en-US" dirty="0" smtClean="0">
-                <a:ea typeface="ヒラギノ角ゴ ProN W3" charset="0"/>
-                <a:cs typeface="ヒラギノ角ゴ ProN W3" charset="0"/>
-              </a:rPr>
-              <a:t>Consistency</a:t>
-            </a:r>
-            <a:endParaRPr lang="en-US" dirty="0" smtClean="0">
-              <a:ea typeface="ヒラギノ角ゴ ProN W3" charset="0"/>
-              <a:cs typeface="ヒラギノ角ゴ ProN W3" charset="0"/>
-            </a:endParaRPr>
+              <a:t>Eventual Consistency</a:t>
+            </a:r>
           </a:p>
         </p:txBody>
       </p:sp>
@@ -10734,51 +10685,6 @@
       </p:grpSpPr>
       <p:sp>
         <p:nvSpPr>
-          <p:cNvPr id="24" name="Rectangle 23"/>
-          <p:cNvSpPr/>
-          <p:nvPr/>
-        </p:nvSpPr>
-        <p:spPr>
-          <a:xfrm>
-            <a:off x="125595" y="5945577"/>
-            <a:ext cx="9018405" cy="912423"/>
-          </a:xfrm>
-          <a:prstGeom prst="rect">
-            <a:avLst/>
-          </a:prstGeom>
-          <a:solidFill>
-            <a:srgbClr val="FFFFFF"/>
-          </a:solidFill>
-          <a:ln>
-            <a:noFill/>
-          </a:ln>
-          <a:effectLst/>
-        </p:spPr>
-        <p:style>
-          <a:lnRef idx="1">
-            <a:schemeClr val="accent1"/>
-          </a:lnRef>
-          <a:fillRef idx="3">
-            <a:schemeClr val="accent1"/>
-          </a:fillRef>
-          <a:effectRef idx="2">
-            <a:schemeClr val="accent1"/>
-          </a:effectRef>
-          <a:fontRef idx="minor">
-            <a:schemeClr val="lt1"/>
-          </a:fontRef>
-        </p:style>
-        <p:txBody>
-          <a:bodyPr rtlCol="0" anchor="ctr"/>
-          <a:lstStyle/>
-          <a:p>
-            <a:pPr algn="ctr"/>
-            <a:endParaRPr lang="en-US"/>
-          </a:p>
-        </p:txBody>
-      </p:sp>
-      <p:sp>
-        <p:nvSpPr>
           <p:cNvPr id="2" name="Title 1"/>
           <p:cNvSpPr>
             <a:spLocks noGrp="1"/>
@@ -10794,779 +10700,65 @@
           <a:p>
             <a:r>
               <a:rPr lang="en-US" dirty="0" smtClean="0"/>
-              <a:t>Cache</a:t>
+              <a:t>Elastic Scaling</a:t>
             </a:r>
             <a:endParaRPr lang="en-US" dirty="0"/>
           </a:p>
         </p:txBody>
       </p:sp>
-      <p:pic>
-        <p:nvPicPr>
-          <p:cNvPr id="4" name="Picture 3"/>
-          <p:cNvPicPr>
-            <a:picLocks noChangeAspect="1"/>
-          </p:cNvPicPr>
-          <p:nvPr/>
-        </p:nvPicPr>
-        <p:blipFill>
-          <a:blip r:embed="rId2"/>
-          <a:stretch>
-            <a:fillRect/>
-          </a:stretch>
-        </p:blipFill>
-        <p:spPr>
-          <a:xfrm>
-            <a:off x="3604591" y="1570038"/>
-            <a:ext cx="1164361" cy="1164361"/>
-          </a:xfrm>
-          <a:prstGeom prst="rect">
-            <a:avLst/>
-          </a:prstGeom>
-        </p:spPr>
-      </p:pic>
-      <p:pic>
-        <p:nvPicPr>
-          <p:cNvPr id="5" name="Picture 4"/>
-          <p:cNvPicPr>
-            <a:picLocks noChangeAspect="1"/>
-          </p:cNvPicPr>
-          <p:nvPr/>
-        </p:nvPicPr>
-        <p:blipFill>
-          <a:blip r:embed="rId3"/>
-          <a:stretch>
-            <a:fillRect/>
-          </a:stretch>
-        </p:blipFill>
-        <p:spPr>
-          <a:xfrm>
-            <a:off x="6117043" y="1494159"/>
-            <a:ext cx="1502860" cy="1156498"/>
-          </a:xfrm>
-          <a:prstGeom prst="rect">
-            <a:avLst/>
-          </a:prstGeom>
-        </p:spPr>
-      </p:pic>
-      <p:pic>
-        <p:nvPicPr>
-          <p:cNvPr id="6" name="Picture 5"/>
-          <p:cNvPicPr>
-            <a:picLocks noChangeAspect="1"/>
-          </p:cNvPicPr>
-          <p:nvPr/>
-        </p:nvPicPr>
-        <p:blipFill>
-          <a:blip r:embed="rId2"/>
-          <a:stretch>
-            <a:fillRect/>
-          </a:stretch>
-        </p:blipFill>
-        <p:spPr>
-          <a:xfrm>
-            <a:off x="3604591" y="3048328"/>
-            <a:ext cx="1164361" cy="1164361"/>
-          </a:xfrm>
-          <a:prstGeom prst="rect">
-            <a:avLst/>
-          </a:prstGeom>
-        </p:spPr>
-      </p:pic>
-      <p:pic>
-        <p:nvPicPr>
-          <p:cNvPr id="7" name="Picture 6"/>
-          <p:cNvPicPr>
-            <a:picLocks noChangeAspect="1"/>
-          </p:cNvPicPr>
-          <p:nvPr/>
-        </p:nvPicPr>
-        <p:blipFill>
-          <a:blip r:embed="rId3"/>
-          <a:stretch>
-            <a:fillRect/>
-          </a:stretch>
-        </p:blipFill>
-        <p:spPr>
-          <a:xfrm>
-            <a:off x="6117043" y="3056191"/>
-            <a:ext cx="1502860" cy="1156498"/>
-          </a:xfrm>
-          <a:prstGeom prst="rect">
-            <a:avLst/>
-          </a:prstGeom>
-        </p:spPr>
-      </p:pic>
-      <p:pic>
-        <p:nvPicPr>
-          <p:cNvPr id="8" name="Picture 7"/>
-          <p:cNvPicPr>
-            <a:picLocks noChangeAspect="1"/>
-          </p:cNvPicPr>
-          <p:nvPr/>
-        </p:nvPicPr>
-        <p:blipFill>
-          <a:blip r:embed="rId2"/>
-          <a:stretch>
-            <a:fillRect/>
-          </a:stretch>
-        </p:blipFill>
-        <p:spPr>
-          <a:xfrm>
-            <a:off x="3604591" y="4610360"/>
-            <a:ext cx="1164361" cy="1164361"/>
-          </a:xfrm>
-          <a:prstGeom prst="rect">
-            <a:avLst/>
-          </a:prstGeom>
-        </p:spPr>
-      </p:pic>
-      <p:pic>
-        <p:nvPicPr>
-          <p:cNvPr id="9" name="Picture 8"/>
-          <p:cNvPicPr>
-            <a:picLocks noChangeAspect="1"/>
-          </p:cNvPicPr>
-          <p:nvPr/>
-        </p:nvPicPr>
-        <p:blipFill>
-          <a:blip r:embed="rId3"/>
-          <a:stretch>
-            <a:fillRect/>
-          </a:stretch>
-        </p:blipFill>
-        <p:spPr>
-          <a:xfrm>
-            <a:off x="6117043" y="4618223"/>
-            <a:ext cx="1502860" cy="1156498"/>
-          </a:xfrm>
-          <a:prstGeom prst="rect">
-            <a:avLst/>
-          </a:prstGeom>
-        </p:spPr>
-      </p:pic>
-      <p:cxnSp>
-        <p:nvCxnSpPr>
-          <p:cNvPr id="10" name="Straight Arrow Connector 9"/>
-          <p:cNvCxnSpPr>
-            <a:endCxn id="5" idx="1"/>
-          </p:cNvCxnSpPr>
-          <p:nvPr/>
-        </p:nvCxnSpPr>
-        <p:spPr>
-          <a:xfrm>
-            <a:off x="4768952" y="2068477"/>
-            <a:ext cx="1348091" cy="3931"/>
-          </a:xfrm>
-          <a:prstGeom prst="straightConnector1">
-            <a:avLst/>
-          </a:prstGeom>
-          <a:ln>
-            <a:tailEnd type="arrow"/>
-          </a:ln>
-        </p:spPr>
-        <p:style>
-          <a:lnRef idx="2">
-            <a:schemeClr val="accent1"/>
-          </a:lnRef>
-          <a:fillRef idx="0">
-            <a:schemeClr val="accent1"/>
-          </a:fillRef>
-          <a:effectRef idx="1">
-            <a:schemeClr val="accent1"/>
-          </a:effectRef>
-          <a:fontRef idx="minor">
-            <a:schemeClr val="tx1"/>
-          </a:fontRef>
-        </p:style>
-      </p:cxnSp>
-      <p:cxnSp>
-        <p:nvCxnSpPr>
-          <p:cNvPr id="11" name="Straight Arrow Connector 10"/>
-          <p:cNvCxnSpPr/>
-          <p:nvPr/>
-        </p:nvCxnSpPr>
-        <p:spPr>
-          <a:xfrm>
-            <a:off x="4768952" y="3686337"/>
-            <a:ext cx="1348091" cy="3931"/>
-          </a:xfrm>
-          <a:prstGeom prst="straightConnector1">
-            <a:avLst/>
-          </a:prstGeom>
-          <a:ln>
-            <a:tailEnd type="arrow"/>
-          </a:ln>
-        </p:spPr>
-        <p:style>
-          <a:lnRef idx="2">
-            <a:schemeClr val="accent1"/>
-          </a:lnRef>
-          <a:fillRef idx="0">
-            <a:schemeClr val="accent1"/>
-          </a:fillRef>
-          <a:effectRef idx="1">
-            <a:schemeClr val="accent1"/>
-          </a:effectRef>
-          <a:fontRef idx="minor">
-            <a:schemeClr val="tx1"/>
-          </a:fontRef>
-        </p:style>
-      </p:cxnSp>
-      <p:cxnSp>
-        <p:nvCxnSpPr>
-          <p:cNvPr id="12" name="Straight Arrow Connector 11"/>
-          <p:cNvCxnSpPr/>
-          <p:nvPr/>
-        </p:nvCxnSpPr>
-        <p:spPr>
-          <a:xfrm>
-            <a:off x="4768952" y="5178586"/>
-            <a:ext cx="1348091" cy="3931"/>
-          </a:xfrm>
-          <a:prstGeom prst="straightConnector1">
-            <a:avLst/>
-          </a:prstGeom>
-          <a:ln>
-            <a:tailEnd type="arrow"/>
-          </a:ln>
-        </p:spPr>
-        <p:style>
-          <a:lnRef idx="2">
-            <a:schemeClr val="accent1"/>
-          </a:lnRef>
-          <a:fillRef idx="0">
-            <a:schemeClr val="accent1"/>
-          </a:fillRef>
-          <a:effectRef idx="1">
-            <a:schemeClr val="accent1"/>
-          </a:effectRef>
-          <a:fontRef idx="minor">
-            <a:schemeClr val="tx1"/>
-          </a:fontRef>
-        </p:style>
-      </p:cxnSp>
-      <p:pic>
-        <p:nvPicPr>
-          <p:cNvPr id="13" name="Picture 12"/>
-          <p:cNvPicPr>
-            <a:picLocks noChangeAspect="1"/>
-          </p:cNvPicPr>
-          <p:nvPr/>
-        </p:nvPicPr>
-        <p:blipFill>
-          <a:blip r:embed="rId2"/>
-          <a:stretch>
-            <a:fillRect/>
-          </a:stretch>
-        </p:blipFill>
-        <p:spPr>
-          <a:xfrm>
-            <a:off x="1231140" y="3048328"/>
-            <a:ext cx="1164361" cy="1164361"/>
-          </a:xfrm>
-          <a:prstGeom prst="rect">
-            <a:avLst/>
-          </a:prstGeom>
-        </p:spPr>
-      </p:pic>
-      <p:cxnSp>
-        <p:nvCxnSpPr>
-          <p:cNvPr id="14" name="Elbow Connector 13"/>
-          <p:cNvCxnSpPr>
-            <a:stCxn id="13" idx="3"/>
-          </p:cNvCxnSpPr>
-          <p:nvPr/>
-        </p:nvCxnSpPr>
-        <p:spPr>
-          <a:xfrm flipV="1">
-            <a:off x="2395501" y="2068477"/>
-            <a:ext cx="1209090" cy="1562032"/>
-          </a:xfrm>
-          <a:prstGeom prst="bentConnector3">
-            <a:avLst/>
-          </a:prstGeom>
-          <a:ln>
-            <a:tailEnd type="arrow"/>
-          </a:ln>
-        </p:spPr>
-        <p:style>
-          <a:lnRef idx="2">
-            <a:schemeClr val="accent1"/>
-          </a:lnRef>
-          <a:fillRef idx="0">
-            <a:schemeClr val="accent1"/>
-          </a:fillRef>
-          <a:effectRef idx="1">
-            <a:schemeClr val="accent1"/>
-          </a:effectRef>
-          <a:fontRef idx="minor">
-            <a:schemeClr val="tx1"/>
-          </a:fontRef>
-        </p:style>
-      </p:cxnSp>
-      <p:cxnSp>
-        <p:nvCxnSpPr>
-          <p:cNvPr id="15" name="Elbow Connector 14"/>
-          <p:cNvCxnSpPr>
-            <a:stCxn id="13" idx="3"/>
-            <a:endCxn id="6" idx="1"/>
-          </p:cNvCxnSpPr>
-          <p:nvPr/>
-        </p:nvCxnSpPr>
-        <p:spPr>
-          <a:xfrm>
-            <a:off x="2395501" y="3630509"/>
-            <a:ext cx="1209090" cy="12700"/>
-          </a:xfrm>
-          <a:prstGeom prst="bentConnector3">
-            <a:avLst>
-              <a:gd name="adj1" fmla="val 50000"/>
-            </a:avLst>
-          </a:prstGeom>
-          <a:ln>
-            <a:tailEnd type="arrow"/>
-          </a:ln>
-        </p:spPr>
-        <p:style>
-          <a:lnRef idx="2">
-            <a:schemeClr val="accent1"/>
-          </a:lnRef>
-          <a:fillRef idx="0">
-            <a:schemeClr val="accent1"/>
-          </a:fillRef>
-          <a:effectRef idx="1">
-            <a:schemeClr val="accent1"/>
-          </a:effectRef>
-          <a:fontRef idx="minor">
-            <a:schemeClr val="tx1"/>
-          </a:fontRef>
-        </p:style>
-      </p:cxnSp>
-      <p:cxnSp>
-        <p:nvCxnSpPr>
-          <p:cNvPr id="16" name="Elbow Connector 15"/>
-          <p:cNvCxnSpPr>
-            <a:stCxn id="13" idx="3"/>
-            <a:endCxn id="8" idx="1"/>
-          </p:cNvCxnSpPr>
-          <p:nvPr/>
-        </p:nvCxnSpPr>
-        <p:spPr>
-          <a:xfrm>
-            <a:off x="2395501" y="3630509"/>
-            <a:ext cx="1209090" cy="1562032"/>
-          </a:xfrm>
-          <a:prstGeom prst="bentConnector3">
-            <a:avLst>
-              <a:gd name="adj1" fmla="val 50000"/>
-            </a:avLst>
-          </a:prstGeom>
-          <a:ln>
-            <a:tailEnd type="arrow"/>
-          </a:ln>
-        </p:spPr>
-        <p:style>
-          <a:lnRef idx="2">
-            <a:schemeClr val="accent1"/>
-          </a:lnRef>
-          <a:fillRef idx="0">
-            <a:schemeClr val="accent1"/>
-          </a:fillRef>
-          <a:effectRef idx="1">
-            <a:schemeClr val="accent1"/>
-          </a:effectRef>
-          <a:fontRef idx="minor">
-            <a:schemeClr val="tx1"/>
-          </a:fontRef>
-        </p:style>
-      </p:cxnSp>
-      <p:sp>
-        <p:nvSpPr>
-          <p:cNvPr id="17" name="TextBox 16"/>
-          <p:cNvSpPr txBox="1"/>
-          <p:nvPr/>
-        </p:nvSpPr>
-        <p:spPr>
-          <a:xfrm>
-            <a:off x="1077635" y="4266413"/>
-            <a:ext cx="1501358" cy="369332"/>
-          </a:xfrm>
-          <a:prstGeom prst="rect">
-            <a:avLst/>
-          </a:prstGeom>
-          <a:noFill/>
-        </p:spPr>
-        <p:txBody>
-          <a:bodyPr wrap="none" rtlCol="0">
-            <a:spAutoFit/>
-          </a:bodyPr>
-          <a:lstStyle/>
-          <a:p>
-            <a:r>
-              <a:rPr lang="en-US" dirty="0" smtClean="0"/>
-              <a:t>Load Balancer</a:t>
-            </a:r>
+      <p:sp>
+        <p:nvSpPr>
+          <p:cNvPr id="3" name="Content Placeholder 2"/>
+          <p:cNvSpPr>
+            <a:spLocks noGrp="1"/>
+          </p:cNvSpPr>
+          <p:nvPr>
+            <p:ph idx="1"/>
+          </p:nvPr>
+        </p:nvSpPr>
+        <p:spPr/>
+        <p:txBody>
+          <a:bodyPr/>
+          <a:lstStyle/>
+          <a:p>
+            <a:r>
+              <a:rPr lang="en-US" dirty="0" smtClean="0"/>
+              <a:t>Dynamically adjusting the number of nodes in a cloud</a:t>
+            </a:r>
+          </a:p>
+          <a:p>
+            <a:pPr lvl="1"/>
+            <a:r>
+              <a:rPr lang="en-US" dirty="0" smtClean="0"/>
+              <a:t>Both up and down</a:t>
+            </a:r>
+          </a:p>
+          <a:p>
+            <a:pPr lvl="1"/>
+            <a:r>
+              <a:rPr lang="en-US" dirty="0" smtClean="0"/>
+              <a:t>Based on input load</a:t>
+            </a:r>
+          </a:p>
+          <a:p>
+            <a:pPr lvl="1"/>
+            <a:r>
+              <a:rPr lang="en-US" dirty="0" smtClean="0"/>
+              <a:t>Aiming to meet a specific SLA</a:t>
+            </a:r>
+          </a:p>
+          <a:p>
+            <a:pPr marL="0" indent="0">
+              <a:buNone/>
+            </a:pPr>
             <a:endParaRPr lang="en-US" dirty="0"/>
           </a:p>
         </p:txBody>
       </p:sp>
-      <p:sp>
-        <p:nvSpPr>
-          <p:cNvPr id="18" name="TextBox 17"/>
-          <p:cNvSpPr txBox="1"/>
-          <p:nvPr/>
-        </p:nvSpPr>
-        <p:spPr>
-          <a:xfrm>
-            <a:off x="3870484" y="2646305"/>
-            <a:ext cx="787395" cy="369332"/>
-          </a:xfrm>
-          <a:prstGeom prst="rect">
-            <a:avLst/>
-          </a:prstGeom>
-          <a:noFill/>
-        </p:spPr>
-        <p:txBody>
-          <a:bodyPr wrap="none" rtlCol="0">
-            <a:spAutoFit/>
-          </a:bodyPr>
-          <a:lstStyle/>
-          <a:p>
-            <a:r>
-              <a:rPr lang="en-US" dirty="0" smtClean="0"/>
-              <a:t>Server</a:t>
-            </a:r>
-            <a:endParaRPr lang="en-US" dirty="0"/>
-          </a:p>
-        </p:txBody>
-      </p:sp>
-      <p:sp>
-        <p:nvSpPr>
-          <p:cNvPr id="19" name="TextBox 18"/>
-          <p:cNvSpPr txBox="1"/>
-          <p:nvPr/>
-        </p:nvSpPr>
-        <p:spPr>
-          <a:xfrm>
-            <a:off x="6537738" y="2478821"/>
-            <a:ext cx="574872" cy="369332"/>
-          </a:xfrm>
-          <a:prstGeom prst="rect">
-            <a:avLst/>
-          </a:prstGeom>
-          <a:noFill/>
-        </p:spPr>
-        <p:txBody>
-          <a:bodyPr wrap="none" rtlCol="0">
-            <a:spAutoFit/>
-          </a:bodyPr>
-          <a:lstStyle/>
-          <a:p>
-            <a:r>
-              <a:rPr lang="en-US" dirty="0" smtClean="0"/>
-              <a:t>Disk</a:t>
-            </a:r>
-            <a:endParaRPr lang="en-US" dirty="0"/>
-          </a:p>
-        </p:txBody>
-      </p:sp>
-      <p:sp>
-        <p:nvSpPr>
-          <p:cNvPr id="20" name="TextBox 19"/>
-          <p:cNvSpPr txBox="1"/>
-          <p:nvPr/>
-        </p:nvSpPr>
-        <p:spPr>
-          <a:xfrm>
-            <a:off x="3868505" y="4212689"/>
-            <a:ext cx="787395" cy="369332"/>
-          </a:xfrm>
-          <a:prstGeom prst="rect">
-            <a:avLst/>
-          </a:prstGeom>
-          <a:noFill/>
-        </p:spPr>
-        <p:txBody>
-          <a:bodyPr wrap="none" rtlCol="0">
-            <a:spAutoFit/>
-          </a:bodyPr>
-          <a:lstStyle/>
-          <a:p>
-            <a:r>
-              <a:rPr lang="en-US" dirty="0" smtClean="0"/>
-              <a:t>Server</a:t>
-            </a:r>
-            <a:endParaRPr lang="en-US" dirty="0"/>
-          </a:p>
-        </p:txBody>
-      </p:sp>
-      <p:sp>
-        <p:nvSpPr>
-          <p:cNvPr id="21" name="TextBox 20"/>
-          <p:cNvSpPr txBox="1"/>
-          <p:nvPr/>
-        </p:nvSpPr>
-        <p:spPr>
-          <a:xfrm>
-            <a:off x="6535759" y="4003334"/>
-            <a:ext cx="574872" cy="369332"/>
-          </a:xfrm>
-          <a:prstGeom prst="rect">
-            <a:avLst/>
-          </a:prstGeom>
-          <a:noFill/>
-        </p:spPr>
-        <p:txBody>
-          <a:bodyPr wrap="none" rtlCol="0">
-            <a:spAutoFit/>
-          </a:bodyPr>
-          <a:lstStyle/>
-          <a:p>
-            <a:r>
-              <a:rPr lang="en-US" dirty="0" smtClean="0"/>
-              <a:t>Disk</a:t>
-            </a:r>
-            <a:endParaRPr lang="en-US" dirty="0"/>
-          </a:p>
-        </p:txBody>
-      </p:sp>
-      <p:sp>
-        <p:nvSpPr>
-          <p:cNvPr id="22" name="TextBox 21"/>
-          <p:cNvSpPr txBox="1"/>
-          <p:nvPr/>
-        </p:nvSpPr>
-        <p:spPr>
-          <a:xfrm>
-            <a:off x="3866526" y="5779073"/>
-            <a:ext cx="787395" cy="369332"/>
-          </a:xfrm>
-          <a:prstGeom prst="rect">
-            <a:avLst/>
-          </a:prstGeom>
-          <a:noFill/>
-        </p:spPr>
-        <p:txBody>
-          <a:bodyPr wrap="none" rtlCol="0">
-            <a:spAutoFit/>
-          </a:bodyPr>
-          <a:lstStyle/>
-          <a:p>
-            <a:r>
-              <a:rPr lang="en-US" dirty="0" smtClean="0"/>
-              <a:t>Server</a:t>
-            </a:r>
-            <a:endParaRPr lang="en-US" dirty="0"/>
-          </a:p>
-        </p:txBody>
-      </p:sp>
-      <p:sp>
-        <p:nvSpPr>
-          <p:cNvPr id="23" name="TextBox 22"/>
-          <p:cNvSpPr txBox="1"/>
-          <p:nvPr/>
-        </p:nvSpPr>
-        <p:spPr>
-          <a:xfrm>
-            <a:off x="6533780" y="5541804"/>
-            <a:ext cx="574872" cy="369332"/>
-          </a:xfrm>
-          <a:prstGeom prst="rect">
-            <a:avLst/>
-          </a:prstGeom>
-          <a:noFill/>
-        </p:spPr>
-        <p:txBody>
-          <a:bodyPr wrap="none" rtlCol="0">
-            <a:spAutoFit/>
-          </a:bodyPr>
-          <a:lstStyle/>
-          <a:p>
-            <a:r>
-              <a:rPr lang="en-US" dirty="0" smtClean="0"/>
-              <a:t>Disk</a:t>
-            </a:r>
-            <a:endParaRPr lang="en-US" dirty="0"/>
-          </a:p>
-        </p:txBody>
-      </p:sp>
-      <p:pic>
-        <p:nvPicPr>
-          <p:cNvPr id="25" name="Picture 24"/>
-          <p:cNvPicPr>
-            <a:picLocks noChangeAspect="1"/>
-          </p:cNvPicPr>
-          <p:nvPr/>
-        </p:nvPicPr>
-        <p:blipFill>
-          <a:blip r:embed="rId2"/>
-          <a:stretch>
-            <a:fillRect/>
-          </a:stretch>
-        </p:blipFill>
-        <p:spPr>
-          <a:xfrm>
-            <a:off x="7845800" y="5363396"/>
-            <a:ext cx="1164361" cy="1164361"/>
-          </a:xfrm>
-          <a:prstGeom prst="rect">
-            <a:avLst/>
-          </a:prstGeom>
-        </p:spPr>
-      </p:pic>
-      <p:sp>
-        <p:nvSpPr>
-          <p:cNvPr id="26" name="TextBox 25"/>
-          <p:cNvSpPr txBox="1"/>
-          <p:nvPr/>
-        </p:nvSpPr>
-        <p:spPr>
-          <a:xfrm>
-            <a:off x="7619903" y="6488668"/>
-            <a:ext cx="1405215" cy="369332"/>
-          </a:xfrm>
-          <a:prstGeom prst="rect">
-            <a:avLst/>
-          </a:prstGeom>
-          <a:noFill/>
-        </p:spPr>
-        <p:txBody>
-          <a:bodyPr wrap="none" rtlCol="0">
-            <a:spAutoFit/>
-          </a:bodyPr>
-          <a:lstStyle/>
-          <a:p>
-            <a:r>
-              <a:rPr lang="en-US" dirty="0" smtClean="0"/>
-              <a:t>Cache Server</a:t>
-            </a:r>
-            <a:endParaRPr lang="en-US" dirty="0"/>
-          </a:p>
-        </p:txBody>
-      </p:sp>
-      <p:cxnSp>
-        <p:nvCxnSpPr>
-          <p:cNvPr id="28" name="Elbow Connector 27"/>
-          <p:cNvCxnSpPr>
-            <a:stCxn id="4" idx="3"/>
-            <a:endCxn id="25" idx="1"/>
-          </p:cNvCxnSpPr>
-          <p:nvPr/>
-        </p:nvCxnSpPr>
-        <p:spPr>
-          <a:xfrm>
-            <a:off x="4768952" y="2152219"/>
-            <a:ext cx="3076848" cy="3793358"/>
-          </a:xfrm>
-          <a:prstGeom prst="bentConnector3">
-            <a:avLst>
-              <a:gd name="adj1" fmla="val 21426"/>
-            </a:avLst>
-          </a:prstGeom>
-          <a:ln>
-            <a:solidFill>
-              <a:srgbClr val="008000"/>
-            </a:solidFill>
-            <a:tailEnd type="arrow"/>
-          </a:ln>
-        </p:spPr>
-        <p:style>
-          <a:lnRef idx="2">
-            <a:schemeClr val="accent1"/>
-          </a:lnRef>
-          <a:fillRef idx="0">
-            <a:schemeClr val="accent1"/>
-          </a:fillRef>
-          <a:effectRef idx="1">
-            <a:schemeClr val="accent1"/>
-          </a:effectRef>
-          <a:fontRef idx="minor">
-            <a:schemeClr val="tx1"/>
-          </a:fontRef>
-        </p:style>
-      </p:cxnSp>
-      <p:cxnSp>
-        <p:nvCxnSpPr>
-          <p:cNvPr id="30" name="Elbow Connector 29"/>
-          <p:cNvCxnSpPr>
-            <a:stCxn id="6" idx="3"/>
-          </p:cNvCxnSpPr>
-          <p:nvPr/>
-        </p:nvCxnSpPr>
-        <p:spPr>
-          <a:xfrm>
-            <a:off x="4768952" y="3630509"/>
-            <a:ext cx="2976061" cy="2315068"/>
-          </a:xfrm>
-          <a:prstGeom prst="bentConnector3">
-            <a:avLst>
-              <a:gd name="adj1" fmla="val 22803"/>
-            </a:avLst>
-          </a:prstGeom>
-          <a:ln>
-            <a:solidFill>
-              <a:srgbClr val="008000"/>
-            </a:solidFill>
-            <a:tailEnd type="arrow"/>
-          </a:ln>
-        </p:spPr>
-        <p:style>
-          <a:lnRef idx="2">
-            <a:schemeClr val="accent1"/>
-          </a:lnRef>
-          <a:fillRef idx="0">
-            <a:schemeClr val="accent1"/>
-          </a:fillRef>
-          <a:effectRef idx="1">
-            <a:schemeClr val="accent1"/>
-          </a:effectRef>
-          <a:fontRef idx="minor">
-            <a:schemeClr val="tx1"/>
-          </a:fontRef>
-        </p:style>
-      </p:cxnSp>
-      <p:cxnSp>
-        <p:nvCxnSpPr>
-          <p:cNvPr id="34" name="Elbow Connector 33"/>
-          <p:cNvCxnSpPr/>
-          <p:nvPr/>
-        </p:nvCxnSpPr>
-        <p:spPr>
-          <a:xfrm>
-            <a:off x="4768952" y="5108799"/>
-            <a:ext cx="2976061" cy="836778"/>
-          </a:xfrm>
-          <a:prstGeom prst="bentConnector3">
-            <a:avLst>
-              <a:gd name="adj1" fmla="val 22334"/>
-            </a:avLst>
-          </a:prstGeom>
-          <a:ln>
-            <a:solidFill>
-              <a:srgbClr val="008000"/>
-            </a:solidFill>
-            <a:tailEnd type="arrow"/>
-          </a:ln>
-        </p:spPr>
-        <p:style>
-          <a:lnRef idx="2">
-            <a:schemeClr val="accent1"/>
-          </a:lnRef>
-          <a:fillRef idx="0">
-            <a:schemeClr val="accent1"/>
-          </a:fillRef>
-          <a:effectRef idx="1">
-            <a:schemeClr val="accent1"/>
-          </a:effectRef>
-          <a:fontRef idx="minor">
-            <a:schemeClr val="tx1"/>
-          </a:fontRef>
-        </p:style>
-      </p:cxnSp>
     </p:spTree>
     <p:extLst>
       <p:ext uri="{BB962C8B-B14F-4D97-AF65-F5344CB8AC3E}">
-        <p14:creationId xmlns:p14="http://schemas.microsoft.com/office/powerpoint/2010/main" val="2813794177"/>
+        <p14:creationId xmlns:p14="http://schemas.microsoft.com/office/powerpoint/2010/main" val="1394873589"/>
       </p:ext>
     </p:extLst>
   </p:cSld>
@@ -11610,98 +10802,250 @@
           <a:p>
             <a:r>
               <a:rPr lang="en-US" dirty="0" smtClean="0"/>
-              <a:t>CAP Theorem</a:t>
+              <a:t>Elastic Queue Consumers</a:t>
             </a:r>
             <a:endParaRPr lang="en-US" dirty="0"/>
           </a:p>
         </p:txBody>
       </p:sp>
-      <p:sp>
-        <p:nvSpPr>
-          <p:cNvPr id="7" name="Content Placeholder 6"/>
-          <p:cNvSpPr>
-            <a:spLocks noGrp="1"/>
-          </p:cNvSpPr>
-          <p:nvPr>
-            <p:ph idx="1"/>
-          </p:nvPr>
-        </p:nvSpPr>
-        <p:spPr/>
-        <p:txBody>
-          <a:bodyPr/>
-          <a:lstStyle/>
-          <a:p>
-            <a:r>
-              <a:rPr lang="en-US" dirty="0" smtClean="0"/>
-              <a:t>You can have 2 out of three:</a:t>
-            </a:r>
-          </a:p>
-          <a:p>
-            <a:pPr lvl="1"/>
-            <a:r>
-              <a:rPr lang="en-US" dirty="0" smtClean="0"/>
-              <a:t>Consistent</a:t>
-            </a:r>
-          </a:p>
-          <a:p>
-            <a:pPr lvl="2"/>
-            <a:r>
-              <a:rPr lang="en-US" dirty="0" smtClean="0"/>
-              <a:t>ACID</a:t>
-            </a:r>
-          </a:p>
-          <a:p>
-            <a:pPr lvl="1"/>
-            <a:r>
-              <a:rPr lang="en-US" dirty="0" smtClean="0"/>
-              <a:t>Available </a:t>
-            </a:r>
-          </a:p>
-          <a:p>
-            <a:pPr lvl="2"/>
-            <a:r>
-              <a:rPr lang="en-US" dirty="0" smtClean="0"/>
-              <a:t>HA / Accessible 24x7</a:t>
-            </a:r>
-          </a:p>
-          <a:p>
-            <a:pPr lvl="1"/>
-            <a:r>
-              <a:rPr lang="en-US" dirty="0" smtClean="0"/>
-              <a:t>Partitioned</a:t>
-            </a:r>
-          </a:p>
-          <a:p>
-            <a:pPr lvl="2"/>
-            <a:r>
-              <a:rPr lang="en-US" dirty="0" smtClean="0"/>
-              <a:t>Able to split into </a:t>
-            </a:r>
-            <a:br>
-              <a:rPr lang="en-US" dirty="0" smtClean="0"/>
-            </a:br>
-            <a:r>
-              <a:rPr lang="en-US" dirty="0" smtClean="0"/>
-              <a:t>different </a:t>
-            </a:r>
-            <a:r>
-              <a:rPr lang="en-US" dirty="0" err="1" smtClean="0"/>
-              <a:t>datacentres</a:t>
-            </a:r>
-            <a:endParaRPr lang="en-US" dirty="0" smtClean="0"/>
-          </a:p>
-          <a:p>
-            <a:pPr lvl="2"/>
-            <a:r>
-              <a:rPr lang="en-US" dirty="0" smtClean="0"/>
-              <a:t>Survive network down</a:t>
-            </a:r>
+      <p:grpSp>
+        <p:nvGrpSpPr>
+          <p:cNvPr id="6" name="Group 5"/>
+          <p:cNvGrpSpPr/>
+          <p:nvPr/>
+        </p:nvGrpSpPr>
+        <p:grpSpPr>
+          <a:xfrm>
+            <a:off x="1598353" y="2421825"/>
+            <a:ext cx="1357505" cy="2867991"/>
+            <a:chOff x="1313714" y="1729551"/>
+            <a:chExt cx="2868277" cy="3809392"/>
+          </a:xfrm>
+        </p:grpSpPr>
+        <p:sp>
+          <p:nvSpPr>
+            <p:cNvPr id="4" name="Can 3"/>
+            <p:cNvSpPr/>
+            <p:nvPr/>
+          </p:nvSpPr>
+          <p:spPr>
+            <a:xfrm>
+              <a:off x="1313714" y="1729551"/>
+              <a:ext cx="2868277" cy="3809392"/>
+            </a:xfrm>
+            <a:prstGeom prst="can">
+              <a:avLst/>
+            </a:prstGeom>
+          </p:spPr>
+          <p:style>
+            <a:lnRef idx="1">
+              <a:schemeClr val="accent1"/>
+            </a:lnRef>
+            <a:fillRef idx="3">
+              <a:schemeClr val="accent1"/>
+            </a:fillRef>
+            <a:effectRef idx="2">
+              <a:schemeClr val="accent1"/>
+            </a:effectRef>
+            <a:fontRef idx="minor">
+              <a:schemeClr val="lt1"/>
+            </a:fontRef>
+          </p:style>
+          <p:txBody>
+            <a:bodyPr rtlCol="0" anchor="ctr"/>
+            <a:lstStyle/>
+            <a:p>
+              <a:pPr algn="ctr"/>
+              <a:endParaRPr lang="en-US"/>
+            </a:p>
+          </p:txBody>
+        </p:sp>
+        <p:sp>
+          <p:nvSpPr>
+            <p:cNvPr id="5" name="Can 4"/>
+            <p:cNvSpPr/>
+            <p:nvPr/>
+          </p:nvSpPr>
+          <p:spPr>
+            <a:xfrm>
+              <a:off x="1313714" y="2649060"/>
+              <a:ext cx="2868277" cy="2889883"/>
+            </a:xfrm>
+            <a:prstGeom prst="can">
+              <a:avLst>
+                <a:gd name="adj" fmla="val 36429"/>
+              </a:avLst>
+            </a:prstGeom>
+          </p:spPr>
+          <p:style>
+            <a:lnRef idx="1">
+              <a:schemeClr val="accent1"/>
+            </a:lnRef>
+            <a:fillRef idx="3">
+              <a:schemeClr val="accent1"/>
+            </a:fillRef>
+            <a:effectRef idx="2">
+              <a:schemeClr val="accent1"/>
+            </a:effectRef>
+            <a:fontRef idx="minor">
+              <a:schemeClr val="lt1"/>
+            </a:fontRef>
+          </p:style>
+          <p:txBody>
+            <a:bodyPr rtlCol="0" anchor="ctr"/>
+            <a:lstStyle/>
+            <a:p>
+              <a:pPr algn="ctr"/>
+              <a:endParaRPr lang="en-US"/>
+            </a:p>
+          </p:txBody>
+        </p:sp>
+      </p:grpSp>
+      <p:sp>
+        <p:nvSpPr>
+          <p:cNvPr id="7" name="Rounded Rectangle 6"/>
+          <p:cNvSpPr/>
+          <p:nvPr/>
+        </p:nvSpPr>
+        <p:spPr>
+          <a:xfrm>
+            <a:off x="218952" y="3844874"/>
+            <a:ext cx="744439" cy="692274"/>
+          </a:xfrm>
+          <a:prstGeom prst="roundRect">
+            <a:avLst/>
+          </a:prstGeom>
+        </p:spPr>
+        <p:style>
+          <a:lnRef idx="1">
+            <a:schemeClr val="accent1"/>
+          </a:lnRef>
+          <a:fillRef idx="3">
+            <a:schemeClr val="accent1"/>
+          </a:fillRef>
+          <a:effectRef idx="2">
+            <a:schemeClr val="accent1"/>
+          </a:effectRef>
+          <a:fontRef idx="minor">
+            <a:schemeClr val="lt1"/>
+          </a:fontRef>
+        </p:style>
+        <p:txBody>
+          <a:bodyPr rtlCol="0" anchor="ctr"/>
+          <a:lstStyle/>
+          <a:p>
+            <a:pPr algn="ctr"/>
+            <a:r>
+              <a:rPr lang="en-US" dirty="0" smtClean="0"/>
+              <a:t>Job</a:t>
+            </a:r>
+            <a:endParaRPr lang="en-US" dirty="0"/>
+          </a:p>
+        </p:txBody>
+      </p:sp>
+      <p:cxnSp>
+        <p:nvCxnSpPr>
+          <p:cNvPr id="9" name="Straight Arrow Connector 8"/>
+          <p:cNvCxnSpPr>
+            <a:stCxn id="7" idx="3"/>
+            <a:endCxn id="5" idx="2"/>
+          </p:cNvCxnSpPr>
+          <p:nvPr/>
+        </p:nvCxnSpPr>
+        <p:spPr>
+          <a:xfrm>
+            <a:off x="963391" y="4191011"/>
+            <a:ext cx="634962" cy="10947"/>
+          </a:xfrm>
+          <a:prstGeom prst="straightConnector1">
+            <a:avLst/>
+          </a:prstGeom>
+          <a:ln>
+            <a:tailEnd type="arrow"/>
+          </a:ln>
+        </p:spPr>
+        <p:style>
+          <a:lnRef idx="2">
+            <a:schemeClr val="accent1"/>
+          </a:lnRef>
+          <a:fillRef idx="0">
+            <a:schemeClr val="accent1"/>
+          </a:fillRef>
+          <a:effectRef idx="1">
+            <a:schemeClr val="accent1"/>
+          </a:effectRef>
+          <a:fontRef idx="minor">
+            <a:schemeClr val="tx1"/>
+          </a:fontRef>
+        </p:style>
+      </p:cxnSp>
+      <p:cxnSp>
+        <p:nvCxnSpPr>
+          <p:cNvPr id="11" name="Straight Arrow Connector 10"/>
+          <p:cNvCxnSpPr/>
+          <p:nvPr/>
+        </p:nvCxnSpPr>
+        <p:spPr>
+          <a:xfrm>
+            <a:off x="3568927" y="3491741"/>
+            <a:ext cx="0" cy="1420432"/>
+          </a:xfrm>
+          <a:prstGeom prst="straightConnector1">
+            <a:avLst/>
+          </a:prstGeom>
+          <a:ln>
+            <a:headEnd type="arrow"/>
+            <a:tailEnd type="arrow"/>
+          </a:ln>
+        </p:spPr>
+        <p:style>
+          <a:lnRef idx="2">
+            <a:schemeClr val="accent1"/>
+          </a:lnRef>
+          <a:fillRef idx="0">
+            <a:schemeClr val="accent1"/>
+          </a:fillRef>
+          <a:effectRef idx="1">
+            <a:schemeClr val="accent1"/>
+          </a:effectRef>
+          <a:fontRef idx="minor">
+            <a:schemeClr val="tx1"/>
+          </a:fontRef>
+        </p:style>
+      </p:cxnSp>
+      <p:sp>
+        <p:nvSpPr>
+          <p:cNvPr id="14" name="TextBox 13"/>
+          <p:cNvSpPr txBox="1"/>
+          <p:nvPr/>
+        </p:nvSpPr>
+        <p:spPr>
+          <a:xfrm rot="16200000">
+            <a:off x="2652149" y="4017291"/>
+            <a:ext cx="1420431" cy="369332"/>
+          </a:xfrm>
+          <a:prstGeom prst="rect">
+            <a:avLst/>
+          </a:prstGeom>
+          <a:noFill/>
+        </p:spPr>
+        <p:txBody>
+          <a:bodyPr wrap="none" rtlCol="0">
+            <a:spAutoFit/>
+          </a:bodyPr>
+          <a:lstStyle/>
+          <a:p>
+            <a:r>
+              <a:rPr lang="en-US" dirty="0" smtClean="0"/>
+              <a:t>Queue depth</a:t>
+            </a:r>
+            <a:endParaRPr lang="en-US" dirty="0"/>
           </a:p>
         </p:txBody>
       </p:sp>
       <p:pic>
         <p:nvPicPr>
-          <p:cNvPr id="4" name="Picture 3"/>
+          <p:cNvPr id="17" name="Picture 16"/>
           <p:cNvPicPr>
             <a:picLocks noChangeAspect="1"/>
           </p:cNvPicPr>
@@ -11715,8 +11059,8 @@
         </p:blipFill>
         <p:spPr>
           <a:xfrm>
-            <a:off x="5201793" y="2177253"/>
-            <a:ext cx="3726713" cy="3488203"/>
+            <a:off x="6166334" y="1417638"/>
+            <a:ext cx="1164361" cy="1164361"/>
           </a:xfrm>
           <a:prstGeom prst="rect">
             <a:avLst/>
@@ -11725,40 +11069,379 @@
       </p:pic>
       <p:sp>
         <p:nvSpPr>
-          <p:cNvPr id="5" name="Rectangle 4"/>
-          <p:cNvSpPr/>
-          <p:nvPr/>
-        </p:nvSpPr>
-        <p:spPr>
-          <a:xfrm>
-            <a:off x="2510088" y="6488668"/>
-            <a:ext cx="6728916" cy="369332"/>
+          <p:cNvPr id="18" name="TextBox 17"/>
+          <p:cNvSpPr txBox="1"/>
+          <p:nvPr/>
+        </p:nvSpPr>
+        <p:spPr>
+          <a:xfrm>
+            <a:off x="7330695" y="2649014"/>
+            <a:ext cx="1362385" cy="369332"/>
           </a:xfrm>
           <a:prstGeom prst="rect">
             <a:avLst/>
           </a:prstGeom>
-        </p:spPr>
-        <p:txBody>
-          <a:bodyPr wrap="square">
+          <a:noFill/>
+        </p:spPr>
+        <p:txBody>
+          <a:bodyPr wrap="none" rtlCol="0">
             <a:spAutoFit/>
           </a:bodyPr>
           <a:lstStyle/>
           <a:p>
             <a:r>
-              <a:rPr lang="en-US" dirty="0">
-                <a:hlinkClick r:id="rId3"/>
-              </a:rPr>
-              <a:t>http://blog.mccrory.me/2010/11/03/cap-theorem-and-the-clouds</a:t>
-            </a:r>
-            <a:r>
-              <a:rPr lang="en-US" dirty="0" smtClean="0">
-                <a:hlinkClick r:id="rId3"/>
-              </a:rPr>
-              <a:t>/</a:t>
-            </a:r>
-            <a:r>
-              <a:rPr lang="en-US" dirty="0" smtClean="0"/>
-              <a:t> </a:t>
+              <a:rPr lang="en-US" dirty="0" smtClean="0"/>
+              <a:t>Worker pool</a:t>
+            </a:r>
+            <a:endParaRPr lang="en-US" dirty="0"/>
+          </a:p>
+        </p:txBody>
+      </p:sp>
+      <p:cxnSp>
+        <p:nvCxnSpPr>
+          <p:cNvPr id="20" name="Elbow Connector 19"/>
+          <p:cNvCxnSpPr>
+            <a:stCxn id="17" idx="1"/>
+          </p:cNvCxnSpPr>
+          <p:nvPr/>
+        </p:nvCxnSpPr>
+        <p:spPr>
+          <a:xfrm rot="10800000" flipV="1">
+            <a:off x="2955858" y="1999819"/>
+            <a:ext cx="3210476" cy="1114280"/>
+          </a:xfrm>
+          <a:prstGeom prst="bentConnector3">
+            <a:avLst/>
+          </a:prstGeom>
+          <a:ln>
+            <a:tailEnd type="arrow"/>
+          </a:ln>
+        </p:spPr>
+        <p:style>
+          <a:lnRef idx="2">
+            <a:schemeClr val="accent1"/>
+          </a:lnRef>
+          <a:fillRef idx="0">
+            <a:schemeClr val="accent1"/>
+          </a:fillRef>
+          <a:effectRef idx="1">
+            <a:schemeClr val="accent1"/>
+          </a:effectRef>
+          <a:fontRef idx="minor">
+            <a:schemeClr val="tx1"/>
+          </a:fontRef>
+        </p:style>
+      </p:cxnSp>
+      <p:sp>
+        <p:nvSpPr>
+          <p:cNvPr id="21" name="TextBox 20"/>
+          <p:cNvSpPr txBox="1"/>
+          <p:nvPr/>
+        </p:nvSpPr>
+        <p:spPr>
+          <a:xfrm>
+            <a:off x="5254858" y="1654351"/>
+            <a:ext cx="531140" cy="369332"/>
+          </a:xfrm>
+          <a:prstGeom prst="rect">
+            <a:avLst/>
+          </a:prstGeom>
+          <a:noFill/>
+        </p:spPr>
+        <p:txBody>
+          <a:bodyPr wrap="none" rtlCol="0">
+            <a:spAutoFit/>
+          </a:bodyPr>
+          <a:lstStyle/>
+          <a:p>
+            <a:r>
+              <a:rPr lang="en-US" dirty="0" smtClean="0"/>
+              <a:t>Pull</a:t>
+            </a:r>
+            <a:endParaRPr lang="en-US" dirty="0"/>
+          </a:p>
+        </p:txBody>
+      </p:sp>
+      <p:pic>
+        <p:nvPicPr>
+          <p:cNvPr id="22" name="Picture 21"/>
+          <p:cNvPicPr>
+            <a:picLocks noChangeAspect="1"/>
+          </p:cNvPicPr>
+          <p:nvPr/>
+        </p:nvPicPr>
+        <p:blipFill>
+          <a:blip r:embed="rId2"/>
+          <a:stretch>
+            <a:fillRect/>
+          </a:stretch>
+        </p:blipFill>
+        <p:spPr>
+          <a:xfrm>
+            <a:off x="6160054" y="3018346"/>
+            <a:ext cx="1164361" cy="1164361"/>
+          </a:xfrm>
+          <a:prstGeom prst="rect">
+            <a:avLst/>
+          </a:prstGeom>
+        </p:spPr>
+      </p:pic>
+      <p:cxnSp>
+        <p:nvCxnSpPr>
+          <p:cNvPr id="24" name="Elbow Connector 23"/>
+          <p:cNvCxnSpPr>
+            <a:stCxn id="22" idx="1"/>
+          </p:cNvCxnSpPr>
+          <p:nvPr/>
+        </p:nvCxnSpPr>
+        <p:spPr>
+          <a:xfrm rot="10800000">
+            <a:off x="2955858" y="3114101"/>
+            <a:ext cx="3204196" cy="486427"/>
+          </a:xfrm>
+          <a:prstGeom prst="bentConnector3">
+            <a:avLst/>
+          </a:prstGeom>
+          <a:ln>
+            <a:tailEnd type="arrow"/>
+          </a:ln>
+        </p:spPr>
+        <p:style>
+          <a:lnRef idx="2">
+            <a:schemeClr val="accent1"/>
+          </a:lnRef>
+          <a:fillRef idx="0">
+            <a:schemeClr val="accent1"/>
+          </a:fillRef>
+          <a:effectRef idx="1">
+            <a:schemeClr val="accent1"/>
+          </a:effectRef>
+          <a:fontRef idx="minor">
+            <a:schemeClr val="tx1"/>
+          </a:fontRef>
+        </p:style>
+      </p:cxnSp>
+      <p:sp>
+        <p:nvSpPr>
+          <p:cNvPr id="25" name="TextBox 24"/>
+          <p:cNvSpPr txBox="1"/>
+          <p:nvPr/>
+        </p:nvSpPr>
+        <p:spPr>
+          <a:xfrm>
+            <a:off x="5254858" y="3196932"/>
+            <a:ext cx="531140" cy="369332"/>
+          </a:xfrm>
+          <a:prstGeom prst="rect">
+            <a:avLst/>
+          </a:prstGeom>
+          <a:noFill/>
+        </p:spPr>
+        <p:txBody>
+          <a:bodyPr wrap="none" rtlCol="0">
+            <a:spAutoFit/>
+          </a:bodyPr>
+          <a:lstStyle/>
+          <a:p>
+            <a:r>
+              <a:rPr lang="en-US" dirty="0" smtClean="0"/>
+              <a:t>Pull</a:t>
+            </a:r>
+            <a:endParaRPr lang="en-US" dirty="0"/>
+          </a:p>
+        </p:txBody>
+      </p:sp>
+      <p:pic>
+        <p:nvPicPr>
+          <p:cNvPr id="26" name="Picture 25"/>
+          <p:cNvPicPr>
+            <a:picLocks noChangeAspect="1"/>
+          </p:cNvPicPr>
+          <p:nvPr/>
+        </p:nvPicPr>
+        <p:blipFill>
+          <a:blip r:embed="rId3">
+            <a:extLst>
+              <a:ext uri="{BEBA8EAE-BF5A-486C-A8C5-ECC9F3942E4B}">
+                <a14:imgProps xmlns:a14="http://schemas.microsoft.com/office/drawing/2010/main">
+                  <a14:imgLayer r:embed="rId4">
+                    <a14:imgEffect>
+                      <a14:artisticLineDrawing/>
+                    </a14:imgEffect>
+                  </a14:imgLayer>
+                </a14:imgProps>
+              </a:ext>
+            </a:extLst>
+          </a:blip>
+          <a:stretch>
+            <a:fillRect/>
+          </a:stretch>
+        </p:blipFill>
+        <p:spPr>
+          <a:xfrm>
+            <a:off x="6166335" y="4415118"/>
+            <a:ext cx="1164361" cy="1164361"/>
+          </a:xfrm>
+          <a:prstGeom prst="rect">
+            <a:avLst/>
+          </a:prstGeom>
+        </p:spPr>
+      </p:pic>
+      <p:cxnSp>
+        <p:nvCxnSpPr>
+          <p:cNvPr id="28" name="Elbow Connector 27"/>
+          <p:cNvCxnSpPr>
+            <a:stCxn id="26" idx="1"/>
+          </p:cNvCxnSpPr>
+          <p:nvPr/>
+        </p:nvCxnSpPr>
+        <p:spPr>
+          <a:xfrm rot="10800000">
+            <a:off x="2955859" y="3114101"/>
+            <a:ext cx="3210477" cy="1883198"/>
+          </a:xfrm>
+          <a:prstGeom prst="bentConnector3">
+            <a:avLst>
+              <a:gd name="adj1" fmla="val 50000"/>
+            </a:avLst>
+          </a:prstGeom>
+          <a:ln>
+            <a:prstDash val="dash"/>
+            <a:tailEnd type="arrow"/>
+          </a:ln>
+        </p:spPr>
+        <p:style>
+          <a:lnRef idx="2">
+            <a:schemeClr val="accent1"/>
+          </a:lnRef>
+          <a:fillRef idx="0">
+            <a:schemeClr val="accent1"/>
+          </a:fillRef>
+          <a:effectRef idx="1">
+            <a:schemeClr val="accent1"/>
+          </a:effectRef>
+          <a:fontRef idx="minor">
+            <a:schemeClr val="tx1"/>
+          </a:fontRef>
+        </p:style>
+      </p:cxnSp>
+      <p:sp>
+        <p:nvSpPr>
+          <p:cNvPr id="31" name="TextBox 30"/>
+          <p:cNvSpPr txBox="1"/>
+          <p:nvPr/>
+        </p:nvSpPr>
+        <p:spPr>
+          <a:xfrm>
+            <a:off x="7375135" y="4858071"/>
+            <a:ext cx="1311665" cy="369332"/>
+          </a:xfrm>
+          <a:prstGeom prst="rect">
+            <a:avLst/>
+          </a:prstGeom>
+          <a:noFill/>
+        </p:spPr>
+        <p:txBody>
+          <a:bodyPr wrap="none" rtlCol="0">
+            <a:spAutoFit/>
+          </a:bodyPr>
+          <a:lstStyle/>
+          <a:p>
+            <a:r>
+              <a:rPr lang="en-US" dirty="0" smtClean="0"/>
+              <a:t>Elastic Scale</a:t>
+            </a:r>
+            <a:endParaRPr lang="en-US" dirty="0"/>
+          </a:p>
+        </p:txBody>
+      </p:sp>
+      <p:pic>
+        <p:nvPicPr>
+          <p:cNvPr id="32" name="Picture 31"/>
+          <p:cNvPicPr>
+            <a:picLocks noChangeAspect="1"/>
+          </p:cNvPicPr>
+          <p:nvPr/>
+        </p:nvPicPr>
+        <p:blipFill>
+          <a:blip r:embed="rId2"/>
+          <a:stretch>
+            <a:fillRect/>
+          </a:stretch>
+        </p:blipFill>
+        <p:spPr>
+          <a:xfrm>
+            <a:off x="4531609" y="5289816"/>
+            <a:ext cx="723249" cy="723249"/>
+          </a:xfrm>
+          <a:prstGeom prst="rect">
+            <a:avLst/>
+          </a:prstGeom>
+        </p:spPr>
+      </p:pic>
+      <p:cxnSp>
+        <p:nvCxnSpPr>
+          <p:cNvPr id="36" name="Elbow Connector 35"/>
+          <p:cNvCxnSpPr>
+            <a:stCxn id="14" idx="2"/>
+            <a:endCxn id="32" idx="1"/>
+          </p:cNvCxnSpPr>
+          <p:nvPr/>
+        </p:nvCxnSpPr>
+        <p:spPr>
+          <a:xfrm>
+            <a:off x="3547031" y="4201957"/>
+            <a:ext cx="984578" cy="1449484"/>
+          </a:xfrm>
+          <a:prstGeom prst="bentConnector3">
+            <a:avLst>
+              <a:gd name="adj1" fmla="val 50000"/>
+            </a:avLst>
+          </a:prstGeom>
+          <a:ln>
+            <a:tailEnd type="arrow"/>
+          </a:ln>
+        </p:spPr>
+        <p:style>
+          <a:lnRef idx="2">
+            <a:schemeClr val="accent1"/>
+          </a:lnRef>
+          <a:fillRef idx="0">
+            <a:schemeClr val="accent1"/>
+          </a:fillRef>
+          <a:effectRef idx="1">
+            <a:schemeClr val="accent1"/>
+          </a:effectRef>
+          <a:fontRef idx="minor">
+            <a:schemeClr val="tx1"/>
+          </a:fontRef>
+        </p:style>
+      </p:cxnSp>
+      <p:sp>
+        <p:nvSpPr>
+          <p:cNvPr id="41" name="TextBox 40"/>
+          <p:cNvSpPr txBox="1"/>
+          <p:nvPr/>
+        </p:nvSpPr>
+        <p:spPr>
+          <a:xfrm>
+            <a:off x="5254858" y="5579479"/>
+            <a:ext cx="1724075" cy="369332"/>
+          </a:xfrm>
+          <a:prstGeom prst="rect">
+            <a:avLst/>
+          </a:prstGeom>
+          <a:noFill/>
+        </p:spPr>
+        <p:txBody>
+          <a:bodyPr wrap="none" rtlCol="0">
+            <a:spAutoFit/>
+          </a:bodyPr>
+          <a:lstStyle/>
+          <a:p>
+            <a:r>
+              <a:rPr lang="en-US" dirty="0" smtClean="0"/>
+              <a:t>Cloud Controller</a:t>
             </a:r>
             <a:endParaRPr lang="en-US" dirty="0"/>
           </a:p>
@@ -11767,7 +11450,7 @@
     </p:spTree>
     <p:extLst>
       <p:ext uri="{BB962C8B-B14F-4D97-AF65-F5344CB8AC3E}">
-        <p14:creationId xmlns:p14="http://schemas.microsoft.com/office/powerpoint/2010/main" val="1251945931"/>
+        <p14:creationId xmlns:p14="http://schemas.microsoft.com/office/powerpoint/2010/main" val="1999662232"/>
       </p:ext>
     </p:extLst>
   </p:cSld>
@@ -11806,120 +11489,590 @@
         </p:nvSpPr>
         <p:spPr/>
         <p:txBody>
-          <a:bodyPr/>
-          <a:lstStyle/>
-          <a:p>
-            <a:r>
-              <a:rPr lang="en-US" dirty="0" smtClean="0"/>
-              <a:t>CAP options	</a:t>
+          <a:bodyPr>
+            <a:normAutofit fontScale="90000"/>
+          </a:bodyPr>
+          <a:lstStyle/>
+          <a:p>
+            <a:r>
+              <a:rPr lang="en-US" dirty="0" smtClean="0"/>
+              <a:t>Load Balancer-based </a:t>
+            </a:r>
+            <a:br>
+              <a:rPr lang="en-US" dirty="0" smtClean="0"/>
+            </a:br>
+            <a:r>
+              <a:rPr lang="en-US" dirty="0" smtClean="0"/>
+              <a:t>elastic scaling</a:t>
             </a:r>
             <a:endParaRPr lang="en-US" dirty="0"/>
           </a:p>
         </p:txBody>
       </p:sp>
-      <p:sp>
-        <p:nvSpPr>
-          <p:cNvPr id="3" name="Content Placeholder 2"/>
-          <p:cNvSpPr>
-            <a:spLocks noGrp="1"/>
-          </p:cNvSpPr>
-          <p:nvPr>
-            <p:ph idx="1"/>
-          </p:nvPr>
-        </p:nvSpPr>
-        <p:spPr/>
-        <p:txBody>
-          <a:bodyPr>
-            <a:normAutofit fontScale="92500" lnSpcReduction="20000"/>
+      <p:cxnSp>
+        <p:nvCxnSpPr>
+          <p:cNvPr id="9" name="Straight Arrow Connector 8"/>
+          <p:cNvCxnSpPr/>
+          <p:nvPr/>
+        </p:nvCxnSpPr>
+        <p:spPr>
+          <a:xfrm>
+            <a:off x="1201676" y="3185985"/>
+            <a:ext cx="634962" cy="10947"/>
+          </a:xfrm>
+          <a:prstGeom prst="straightConnector1">
+            <a:avLst/>
+          </a:prstGeom>
+          <a:ln>
+            <a:tailEnd type="arrow"/>
+          </a:ln>
+        </p:spPr>
+        <p:style>
+          <a:lnRef idx="2">
+            <a:schemeClr val="accent1"/>
+          </a:lnRef>
+          <a:fillRef idx="0">
+            <a:schemeClr val="accent1"/>
+          </a:fillRef>
+          <a:effectRef idx="1">
+            <a:schemeClr val="accent1"/>
+          </a:effectRef>
+          <a:fontRef idx="minor">
+            <a:schemeClr val="tx1"/>
+          </a:fontRef>
+        </p:style>
+      </p:cxnSp>
+      <p:pic>
+        <p:nvPicPr>
+          <p:cNvPr id="17" name="Picture 16"/>
+          <p:cNvPicPr>
+            <a:picLocks noChangeAspect="1"/>
+          </p:cNvPicPr>
+          <p:nvPr/>
+        </p:nvPicPr>
+        <p:blipFill>
+          <a:blip r:embed="rId2"/>
+          <a:stretch>
+            <a:fillRect/>
+          </a:stretch>
+        </p:blipFill>
+        <p:spPr>
+          <a:xfrm>
+            <a:off x="6166334" y="1322056"/>
+            <a:ext cx="1164361" cy="1164361"/>
+          </a:xfrm>
+          <a:prstGeom prst="rect">
+            <a:avLst/>
+          </a:prstGeom>
+        </p:spPr>
+      </p:pic>
+      <p:sp>
+        <p:nvSpPr>
+          <p:cNvPr id="18" name="TextBox 17"/>
+          <p:cNvSpPr txBox="1"/>
+          <p:nvPr/>
+        </p:nvSpPr>
+        <p:spPr>
+          <a:xfrm>
+            <a:off x="7330695" y="2649014"/>
+            <a:ext cx="1362385" cy="369332"/>
+          </a:xfrm>
+          <a:prstGeom prst="rect">
+            <a:avLst/>
+          </a:prstGeom>
+          <a:noFill/>
+        </p:spPr>
+        <p:txBody>
+          <a:bodyPr wrap="none" rtlCol="0">
+            <a:spAutoFit/>
           </a:bodyPr>
           <a:lstStyle/>
           <a:p>
             <a:r>
               <a:rPr lang="en-US" dirty="0" smtClean="0"/>
-              <a:t>CA</a:t>
-            </a:r>
-          </a:p>
-          <a:p>
-            <a:pPr lvl="1"/>
-            <a:r>
-              <a:rPr lang="en-US" dirty="0" smtClean="0"/>
-              <a:t>Traditional databases</a:t>
-            </a:r>
-          </a:p>
-          <a:p>
-            <a:pPr lvl="1"/>
-            <a:r>
-              <a:rPr lang="en-US" dirty="0" smtClean="0"/>
-              <a:t>Cannot be scaled multi-</a:t>
-            </a:r>
-            <a:r>
-              <a:rPr lang="en-US" dirty="0" err="1" smtClean="0"/>
-              <a:t>datacentre</a:t>
-            </a:r>
-            <a:r>
-              <a:rPr lang="en-US" dirty="0" smtClean="0"/>
-              <a:t> or work in cases of high-latency</a:t>
-            </a:r>
-          </a:p>
-          <a:p>
-            <a:r>
-              <a:rPr lang="en-US" dirty="0" smtClean="0"/>
-              <a:t>AP</a:t>
-            </a:r>
-          </a:p>
-          <a:p>
-            <a:pPr lvl="1"/>
-            <a:r>
-              <a:rPr lang="en-US" dirty="0" smtClean="0"/>
-              <a:t>Multi-master </a:t>
-            </a:r>
-            <a:r>
-              <a:rPr lang="en-US" dirty="0" err="1" smtClean="0"/>
-              <a:t>NoSQL</a:t>
-            </a:r>
-            <a:r>
-              <a:rPr lang="en-US" dirty="0" smtClean="0"/>
-              <a:t> databases </a:t>
-            </a:r>
-          </a:p>
-          <a:p>
-            <a:pPr lvl="2"/>
-            <a:r>
-              <a:rPr lang="en-US" dirty="0" smtClean="0"/>
-              <a:t>Dynamo, Cassandra, </a:t>
-            </a:r>
-            <a:r>
-              <a:rPr lang="en-US" dirty="0" err="1" smtClean="0"/>
-              <a:t>CouchDB</a:t>
-            </a:r>
-            <a:endParaRPr lang="en-US" dirty="0" smtClean="0"/>
-          </a:p>
-          <a:p>
-            <a:pPr lvl="2"/>
-            <a:r>
-              <a:rPr lang="en-US" dirty="0" smtClean="0"/>
-              <a:t>Not consistent but work across </a:t>
-            </a:r>
-            <a:r>
-              <a:rPr lang="en-US" dirty="0" err="1" smtClean="0"/>
-              <a:t>datacentres</a:t>
-            </a:r>
-            <a:r>
-              <a:rPr lang="en-US" dirty="0" smtClean="0"/>
-              <a:t> in a highly available model</a:t>
-            </a:r>
-          </a:p>
-          <a:p>
-            <a:r>
-              <a:rPr lang="en-US" dirty="0" smtClean="0"/>
-              <a:t>CP</a:t>
-            </a:r>
-          </a:p>
-          <a:p>
-            <a:pPr lvl="1"/>
-            <a:r>
-              <a:rPr lang="en-US" dirty="0" smtClean="0"/>
-              <a:t>Not a good idea, as not available!</a:t>
+              <a:t>Worker pool</a:t>
+            </a:r>
+            <a:endParaRPr lang="en-US" dirty="0"/>
+          </a:p>
+        </p:txBody>
+      </p:sp>
+      <p:pic>
+        <p:nvPicPr>
+          <p:cNvPr id="22" name="Picture 21"/>
+          <p:cNvPicPr>
+            <a:picLocks noChangeAspect="1"/>
+          </p:cNvPicPr>
+          <p:nvPr/>
+        </p:nvPicPr>
+        <p:blipFill>
+          <a:blip r:embed="rId2"/>
+          <a:stretch>
+            <a:fillRect/>
+          </a:stretch>
+        </p:blipFill>
+        <p:spPr>
+          <a:xfrm>
+            <a:off x="6160054" y="2581999"/>
+            <a:ext cx="1164361" cy="1164361"/>
+          </a:xfrm>
+          <a:prstGeom prst="rect">
+            <a:avLst/>
+          </a:prstGeom>
+        </p:spPr>
+      </p:pic>
+      <p:pic>
+        <p:nvPicPr>
+          <p:cNvPr id="32" name="Picture 31"/>
+          <p:cNvPicPr>
+            <a:picLocks noChangeAspect="1"/>
+          </p:cNvPicPr>
+          <p:nvPr/>
+        </p:nvPicPr>
+        <p:blipFill>
+          <a:blip r:embed="rId2"/>
+          <a:stretch>
+            <a:fillRect/>
+          </a:stretch>
+        </p:blipFill>
+        <p:spPr>
+          <a:xfrm>
+            <a:off x="4531609" y="5289816"/>
+            <a:ext cx="723249" cy="723249"/>
+          </a:xfrm>
+          <a:prstGeom prst="rect">
+            <a:avLst/>
+          </a:prstGeom>
+        </p:spPr>
+      </p:pic>
+      <p:cxnSp>
+        <p:nvCxnSpPr>
+          <p:cNvPr id="36" name="Elbow Connector 35"/>
+          <p:cNvCxnSpPr>
+            <a:stCxn id="18" idx="3"/>
+            <a:endCxn id="32" idx="3"/>
+          </p:cNvCxnSpPr>
+          <p:nvPr/>
+        </p:nvCxnSpPr>
+        <p:spPr>
+          <a:xfrm flipH="1">
+            <a:off x="5254858" y="2833680"/>
+            <a:ext cx="3438222" cy="2817761"/>
+          </a:xfrm>
+          <a:prstGeom prst="bentConnector3">
+            <a:avLst>
+              <a:gd name="adj1" fmla="val -6649"/>
+            </a:avLst>
+          </a:prstGeom>
+          <a:ln>
+            <a:tailEnd type="arrow"/>
+          </a:ln>
+        </p:spPr>
+        <p:style>
+          <a:lnRef idx="2">
+            <a:schemeClr val="accent1"/>
+          </a:lnRef>
+          <a:fillRef idx="0">
+            <a:schemeClr val="accent1"/>
+          </a:fillRef>
+          <a:effectRef idx="1">
+            <a:schemeClr val="accent1"/>
+          </a:effectRef>
+          <a:fontRef idx="minor">
+            <a:schemeClr val="tx1"/>
+          </a:fontRef>
+        </p:style>
+      </p:cxnSp>
+      <p:sp>
+        <p:nvSpPr>
+          <p:cNvPr id="41" name="TextBox 40"/>
+          <p:cNvSpPr txBox="1"/>
+          <p:nvPr/>
+        </p:nvSpPr>
+        <p:spPr>
+          <a:xfrm>
+            <a:off x="3793730" y="4928905"/>
+            <a:ext cx="1724075" cy="369332"/>
+          </a:xfrm>
+          <a:prstGeom prst="rect">
+            <a:avLst/>
+          </a:prstGeom>
+          <a:noFill/>
+        </p:spPr>
+        <p:txBody>
+          <a:bodyPr wrap="none" rtlCol="0">
+            <a:spAutoFit/>
+          </a:bodyPr>
+          <a:lstStyle/>
+          <a:p>
+            <a:r>
+              <a:rPr lang="en-US" dirty="0" smtClean="0"/>
+              <a:t>Cloud Controller</a:t>
+            </a:r>
+            <a:endParaRPr lang="en-US" dirty="0"/>
+          </a:p>
+        </p:txBody>
+      </p:sp>
+      <p:sp>
+        <p:nvSpPr>
+          <p:cNvPr id="3" name="Rounded Rectangle 2"/>
+          <p:cNvSpPr/>
+          <p:nvPr/>
+        </p:nvSpPr>
+        <p:spPr>
+          <a:xfrm>
+            <a:off x="252369" y="2867456"/>
+            <a:ext cx="949307" cy="698808"/>
+          </a:xfrm>
+          <a:prstGeom prst="roundRect">
+            <a:avLst/>
+          </a:prstGeom>
+        </p:spPr>
+        <p:style>
+          <a:lnRef idx="1">
+            <a:schemeClr val="accent1"/>
+          </a:lnRef>
+          <a:fillRef idx="3">
+            <a:schemeClr val="accent1"/>
+          </a:fillRef>
+          <a:effectRef idx="2">
+            <a:schemeClr val="accent1"/>
+          </a:effectRef>
+          <a:fontRef idx="minor">
+            <a:schemeClr val="lt1"/>
+          </a:fontRef>
+        </p:style>
+        <p:txBody>
+          <a:bodyPr rtlCol="0" anchor="ctr"/>
+          <a:lstStyle/>
+          <a:p>
+            <a:pPr algn="ctr"/>
+            <a:r>
+              <a:rPr lang="en-US" dirty="0" smtClean="0"/>
+              <a:t>Client</a:t>
+            </a:r>
+            <a:endParaRPr lang="en-US" dirty="0"/>
+          </a:p>
+        </p:txBody>
+      </p:sp>
+      <p:pic>
+        <p:nvPicPr>
+          <p:cNvPr id="27" name="Picture 26"/>
+          <p:cNvPicPr>
+            <a:picLocks noChangeAspect="1"/>
+          </p:cNvPicPr>
+          <p:nvPr/>
+        </p:nvPicPr>
+        <p:blipFill>
+          <a:blip r:embed="rId2"/>
+          <a:stretch>
+            <a:fillRect/>
+          </a:stretch>
+        </p:blipFill>
+        <p:spPr>
+          <a:xfrm>
+            <a:off x="1836638" y="2581999"/>
+            <a:ext cx="1164361" cy="1164361"/>
+          </a:xfrm>
+          <a:prstGeom prst="rect">
+            <a:avLst/>
+          </a:prstGeom>
+        </p:spPr>
+      </p:pic>
+      <p:sp>
+        <p:nvSpPr>
+          <p:cNvPr id="29" name="TextBox 28"/>
+          <p:cNvSpPr txBox="1"/>
+          <p:nvPr/>
+        </p:nvSpPr>
+        <p:spPr>
+          <a:xfrm>
+            <a:off x="1638614" y="3813375"/>
+            <a:ext cx="1501358" cy="369332"/>
+          </a:xfrm>
+          <a:prstGeom prst="rect">
+            <a:avLst/>
+          </a:prstGeom>
+          <a:noFill/>
+        </p:spPr>
+        <p:txBody>
+          <a:bodyPr wrap="none" rtlCol="0">
+            <a:spAutoFit/>
+          </a:bodyPr>
+          <a:lstStyle/>
+          <a:p>
+            <a:r>
+              <a:rPr lang="en-US" dirty="0" smtClean="0"/>
+              <a:t>Load Balancer</a:t>
+            </a:r>
+            <a:endParaRPr lang="en-US" dirty="0"/>
+          </a:p>
+        </p:txBody>
+      </p:sp>
+      <p:sp>
+        <p:nvSpPr>
+          <p:cNvPr id="30" name="TextBox 29"/>
+          <p:cNvSpPr txBox="1"/>
+          <p:nvPr/>
+        </p:nvSpPr>
+        <p:spPr>
+          <a:xfrm>
+            <a:off x="6643222" y="5282109"/>
+            <a:ext cx="1240431" cy="369332"/>
+          </a:xfrm>
+          <a:prstGeom prst="rect">
+            <a:avLst/>
+          </a:prstGeom>
+          <a:noFill/>
+        </p:spPr>
+        <p:txBody>
+          <a:bodyPr wrap="none" rtlCol="0">
+            <a:spAutoFit/>
+          </a:bodyPr>
+          <a:lstStyle/>
+          <a:p>
+            <a:r>
+              <a:rPr lang="en-US" dirty="0" smtClean="0"/>
+              <a:t>Monitoring</a:t>
+            </a:r>
+            <a:endParaRPr lang="en-US" dirty="0"/>
+          </a:p>
+        </p:txBody>
+      </p:sp>
+      <p:cxnSp>
+        <p:nvCxnSpPr>
+          <p:cNvPr id="33" name="Elbow Connector 32"/>
+          <p:cNvCxnSpPr>
+            <a:endCxn id="29" idx="2"/>
+          </p:cNvCxnSpPr>
+          <p:nvPr/>
+        </p:nvCxnSpPr>
+        <p:spPr>
+          <a:xfrm rot="10800000">
+            <a:off x="2389293" y="4182707"/>
+            <a:ext cx="2142316" cy="1347388"/>
+          </a:xfrm>
+          <a:prstGeom prst="bentConnector2">
+            <a:avLst/>
+          </a:prstGeom>
+          <a:ln>
+            <a:tailEnd type="arrow"/>
+          </a:ln>
+        </p:spPr>
+        <p:style>
+          <a:lnRef idx="2">
+            <a:schemeClr val="accent1"/>
+          </a:lnRef>
+          <a:fillRef idx="0">
+            <a:schemeClr val="accent1"/>
+          </a:fillRef>
+          <a:effectRef idx="1">
+            <a:schemeClr val="accent1"/>
+          </a:effectRef>
+          <a:fontRef idx="minor">
+            <a:schemeClr val="tx1"/>
+          </a:fontRef>
+        </p:style>
+      </p:cxnSp>
+      <p:sp>
+        <p:nvSpPr>
+          <p:cNvPr id="19" name="TextBox 18"/>
+          <p:cNvSpPr txBox="1"/>
+          <p:nvPr/>
+        </p:nvSpPr>
+        <p:spPr>
+          <a:xfrm>
+            <a:off x="2389292" y="5489131"/>
+            <a:ext cx="1768483" cy="369332"/>
+          </a:xfrm>
+          <a:prstGeom prst="rect">
+            <a:avLst/>
+          </a:prstGeom>
+          <a:noFill/>
+        </p:spPr>
+        <p:txBody>
+          <a:bodyPr wrap="none" rtlCol="0">
+            <a:spAutoFit/>
+          </a:bodyPr>
+          <a:lstStyle/>
+          <a:p>
+            <a:r>
+              <a:rPr lang="en-US" dirty="0" smtClean="0"/>
+              <a:t>Topology update</a:t>
+            </a:r>
+            <a:endParaRPr lang="en-US" dirty="0"/>
+          </a:p>
+        </p:txBody>
+      </p:sp>
+      <p:cxnSp>
+        <p:nvCxnSpPr>
+          <p:cNvPr id="34" name="Elbow Connector 33"/>
+          <p:cNvCxnSpPr>
+            <a:stCxn id="27" idx="3"/>
+            <a:endCxn id="17" idx="1"/>
+          </p:cNvCxnSpPr>
+          <p:nvPr/>
+        </p:nvCxnSpPr>
+        <p:spPr>
+          <a:xfrm flipV="1">
+            <a:off x="3000999" y="1904237"/>
+            <a:ext cx="3165335" cy="1259943"/>
+          </a:xfrm>
+          <a:prstGeom prst="bentConnector3">
+            <a:avLst/>
+          </a:prstGeom>
+          <a:ln>
+            <a:tailEnd type="arrow"/>
+          </a:ln>
+        </p:spPr>
+        <p:style>
+          <a:lnRef idx="2">
+            <a:schemeClr val="accent1"/>
+          </a:lnRef>
+          <a:fillRef idx="0">
+            <a:schemeClr val="accent1"/>
+          </a:fillRef>
+          <a:effectRef idx="1">
+            <a:schemeClr val="accent1"/>
+          </a:effectRef>
+          <a:fontRef idx="minor">
+            <a:schemeClr val="tx1"/>
+          </a:fontRef>
+        </p:style>
+      </p:cxnSp>
+      <p:cxnSp>
+        <p:nvCxnSpPr>
+          <p:cNvPr id="38" name="Elbow Connector 37"/>
+          <p:cNvCxnSpPr>
+            <a:stCxn id="27" idx="3"/>
+            <a:endCxn id="22" idx="1"/>
+          </p:cNvCxnSpPr>
+          <p:nvPr/>
+        </p:nvCxnSpPr>
+        <p:spPr>
+          <a:xfrm>
+            <a:off x="3000999" y="3164180"/>
+            <a:ext cx="3159055" cy="12700"/>
+          </a:xfrm>
+          <a:prstGeom prst="bentConnector3">
+            <a:avLst/>
+          </a:prstGeom>
+          <a:ln>
+            <a:tailEnd type="arrow"/>
+          </a:ln>
+        </p:spPr>
+        <p:style>
+          <a:lnRef idx="2">
+            <a:schemeClr val="accent1"/>
+          </a:lnRef>
+          <a:fillRef idx="0">
+            <a:schemeClr val="accent1"/>
+          </a:fillRef>
+          <a:effectRef idx="1">
+            <a:schemeClr val="accent1"/>
+          </a:effectRef>
+          <a:fontRef idx="minor">
+            <a:schemeClr val="tx1"/>
+          </a:fontRef>
+        </p:style>
+      </p:cxnSp>
+      <p:pic>
+        <p:nvPicPr>
+          <p:cNvPr id="44" name="Picture 43"/>
+          <p:cNvPicPr>
+            <a:picLocks noChangeAspect="1"/>
+          </p:cNvPicPr>
+          <p:nvPr/>
+        </p:nvPicPr>
+        <p:blipFill>
+          <a:blip r:embed="rId3">
+            <a:extLst>
+              <a:ext uri="{BEBA8EAE-BF5A-486C-A8C5-ECC9F3942E4B}">
+                <a14:imgProps xmlns:a14="http://schemas.microsoft.com/office/drawing/2010/main">
+                  <a14:imgLayer r:embed="rId4">
+                    <a14:imgEffect>
+                      <a14:artisticLineDrawing/>
+                    </a14:imgEffect>
+                  </a14:imgLayer>
+                </a14:imgProps>
+              </a:ext>
+            </a:extLst>
+          </a:blip>
+          <a:stretch>
+            <a:fillRect/>
+          </a:stretch>
+        </p:blipFill>
+        <p:spPr>
+          <a:xfrm>
+            <a:off x="6166334" y="3764544"/>
+            <a:ext cx="1164361" cy="1164361"/>
+          </a:xfrm>
+          <a:prstGeom prst="rect">
+            <a:avLst/>
+          </a:prstGeom>
+        </p:spPr>
+      </p:pic>
+      <p:cxnSp>
+        <p:nvCxnSpPr>
+          <p:cNvPr id="45" name="Elbow Connector 44"/>
+          <p:cNvCxnSpPr>
+            <a:stCxn id="27" idx="3"/>
+            <a:endCxn id="44" idx="1"/>
+          </p:cNvCxnSpPr>
+          <p:nvPr/>
+        </p:nvCxnSpPr>
+        <p:spPr>
+          <a:xfrm>
+            <a:off x="3000999" y="3164180"/>
+            <a:ext cx="3165335" cy="1182545"/>
+          </a:xfrm>
+          <a:prstGeom prst="bentConnector3">
+            <a:avLst/>
+          </a:prstGeom>
+          <a:ln>
+            <a:prstDash val="dash"/>
+            <a:tailEnd type="arrow"/>
+          </a:ln>
+        </p:spPr>
+        <p:style>
+          <a:lnRef idx="2">
+            <a:schemeClr val="accent1"/>
+          </a:lnRef>
+          <a:fillRef idx="0">
+            <a:schemeClr val="accent1"/>
+          </a:fillRef>
+          <a:effectRef idx="1">
+            <a:schemeClr val="accent1"/>
+          </a:effectRef>
+          <a:fontRef idx="minor">
+            <a:schemeClr val="tx1"/>
+          </a:fontRef>
+        </p:style>
+      </p:cxnSp>
+      <p:sp>
+        <p:nvSpPr>
+          <p:cNvPr id="48" name="TextBox 47"/>
+          <p:cNvSpPr txBox="1"/>
+          <p:nvPr/>
+        </p:nvSpPr>
+        <p:spPr>
+          <a:xfrm>
+            <a:off x="7235710" y="4214593"/>
+            <a:ext cx="1295885" cy="369332"/>
+          </a:xfrm>
+          <a:prstGeom prst="rect">
+            <a:avLst/>
+          </a:prstGeom>
+          <a:noFill/>
+        </p:spPr>
+        <p:txBody>
+          <a:bodyPr wrap="none" rtlCol="0">
+            <a:spAutoFit/>
+          </a:bodyPr>
+          <a:lstStyle/>
+          <a:p>
+            <a:r>
+              <a:rPr lang="en-US" dirty="0" smtClean="0"/>
+              <a:t>Elastic scale</a:t>
             </a:r>
             <a:endParaRPr lang="en-US" dirty="0"/>
           </a:p>
@@ -11928,7 +12081,7 @@
     </p:spTree>
     <p:extLst>
       <p:ext uri="{BB962C8B-B14F-4D97-AF65-F5344CB8AC3E}">
-        <p14:creationId xmlns:p14="http://schemas.microsoft.com/office/powerpoint/2010/main" val="1709368717"/>
+        <p14:creationId xmlns:p14="http://schemas.microsoft.com/office/powerpoint/2010/main" val="3628039400"/>
       </p:ext>
     </p:extLst>
   </p:cSld>
@@ -12049,6 +12202,51 @@
       </p:grpSpPr>
       <p:sp>
         <p:nvSpPr>
+          <p:cNvPr id="24" name="Rectangle 23"/>
+          <p:cNvSpPr/>
+          <p:nvPr/>
+        </p:nvSpPr>
+        <p:spPr>
+          <a:xfrm>
+            <a:off x="125595" y="5945577"/>
+            <a:ext cx="9018405" cy="912423"/>
+          </a:xfrm>
+          <a:prstGeom prst="rect">
+            <a:avLst/>
+          </a:prstGeom>
+          <a:solidFill>
+            <a:srgbClr val="FFFFFF"/>
+          </a:solidFill>
+          <a:ln>
+            <a:noFill/>
+          </a:ln>
+          <a:effectLst/>
+        </p:spPr>
+        <p:style>
+          <a:lnRef idx="1">
+            <a:schemeClr val="accent1"/>
+          </a:lnRef>
+          <a:fillRef idx="3">
+            <a:schemeClr val="accent1"/>
+          </a:fillRef>
+          <a:effectRef idx="2">
+            <a:schemeClr val="accent1"/>
+          </a:effectRef>
+          <a:fontRef idx="minor">
+            <a:schemeClr val="lt1"/>
+          </a:fontRef>
+        </p:style>
+        <p:txBody>
+          <a:bodyPr rtlCol="0" anchor="ctr"/>
+          <a:lstStyle/>
+          <a:p>
+            <a:pPr algn="ctr"/>
+            <a:endParaRPr lang="en-US"/>
+          </a:p>
+        </p:txBody>
+      </p:sp>
+      <p:sp>
+        <p:nvSpPr>
           <p:cNvPr id="2" name="Title 1"/>
           <p:cNvSpPr>
             <a:spLocks noGrp="1"/>
@@ -12064,53 +12262,36 @@
           <a:p>
             <a:r>
               <a:rPr lang="en-US" dirty="0" smtClean="0"/>
-              <a:t>Dynamo Model</a:t>
+              <a:t>Cache</a:t>
             </a:r>
             <a:endParaRPr lang="en-US" dirty="0"/>
           </a:p>
         </p:txBody>
       </p:sp>
-      <p:sp>
-        <p:nvSpPr>
-          <p:cNvPr id="4" name="Rectangle 3"/>
-          <p:cNvSpPr/>
-          <p:nvPr/>
-        </p:nvSpPr>
-        <p:spPr>
-          <a:xfrm>
-            <a:off x="4417391" y="6546508"/>
-            <a:ext cx="4572000" cy="276999"/>
+      <p:pic>
+        <p:nvPicPr>
+          <p:cNvPr id="4" name="Picture 3"/>
+          <p:cNvPicPr>
+            <a:picLocks noChangeAspect="1"/>
+          </p:cNvPicPr>
+          <p:nvPr/>
+        </p:nvPicPr>
+        <p:blipFill>
+          <a:blip r:embed="rId2"/>
+          <a:stretch>
+            <a:fillRect/>
+          </a:stretch>
+        </p:blipFill>
+        <p:spPr>
+          <a:xfrm>
+            <a:off x="3604591" y="1570038"/>
+            <a:ext cx="1164361" cy="1164361"/>
           </a:xfrm>
           <a:prstGeom prst="rect">
             <a:avLst/>
           </a:prstGeom>
         </p:spPr>
-        <p:txBody>
-          <a:bodyPr>
-            <a:spAutoFit/>
-          </a:bodyPr>
-          <a:lstStyle/>
-          <a:p>
-            <a:r>
-              <a:rPr lang="en-US" sz="1200" dirty="0">
-                <a:hlinkClick r:id="rId2"/>
-              </a:rPr>
-              <a:t>http://www.allthingsdistributed.com/2007/10/</a:t>
-            </a:r>
-            <a:r>
-              <a:rPr lang="en-US" sz="1200" dirty="0" smtClean="0">
-                <a:hlinkClick r:id="rId2"/>
-              </a:rPr>
-              <a:t>amazons_dynamo.html</a:t>
-            </a:r>
-            <a:r>
-              <a:rPr lang="en-US" sz="1200" dirty="0" smtClean="0"/>
-              <a:t> </a:t>
-            </a:r>
-            <a:endParaRPr lang="en-US" sz="1200" dirty="0"/>
-          </a:p>
-        </p:txBody>
-      </p:sp>
+      </p:pic>
       <p:pic>
         <p:nvPicPr>
           <p:cNvPr id="5" name="Picture 4"/>
@@ -12127,18 +12308,733 @@
         </p:blipFill>
         <p:spPr>
           <a:xfrm>
-            <a:off x="2311100" y="1772575"/>
-            <a:ext cx="5080000" cy="4025900"/>
+            <a:off x="6117043" y="1494159"/>
+            <a:ext cx="1502860" cy="1156498"/>
           </a:xfrm>
           <a:prstGeom prst="rect">
             <a:avLst/>
           </a:prstGeom>
         </p:spPr>
       </p:pic>
+      <p:pic>
+        <p:nvPicPr>
+          <p:cNvPr id="6" name="Picture 5"/>
+          <p:cNvPicPr>
+            <a:picLocks noChangeAspect="1"/>
+          </p:cNvPicPr>
+          <p:nvPr/>
+        </p:nvPicPr>
+        <p:blipFill>
+          <a:blip r:embed="rId2"/>
+          <a:stretch>
+            <a:fillRect/>
+          </a:stretch>
+        </p:blipFill>
+        <p:spPr>
+          <a:xfrm>
+            <a:off x="3604591" y="3048328"/>
+            <a:ext cx="1164361" cy="1164361"/>
+          </a:xfrm>
+          <a:prstGeom prst="rect">
+            <a:avLst/>
+          </a:prstGeom>
+        </p:spPr>
+      </p:pic>
+      <p:pic>
+        <p:nvPicPr>
+          <p:cNvPr id="7" name="Picture 6"/>
+          <p:cNvPicPr>
+            <a:picLocks noChangeAspect="1"/>
+          </p:cNvPicPr>
+          <p:nvPr/>
+        </p:nvPicPr>
+        <p:blipFill>
+          <a:blip r:embed="rId3"/>
+          <a:stretch>
+            <a:fillRect/>
+          </a:stretch>
+        </p:blipFill>
+        <p:spPr>
+          <a:xfrm>
+            <a:off x="6117043" y="3056191"/>
+            <a:ext cx="1502860" cy="1156498"/>
+          </a:xfrm>
+          <a:prstGeom prst="rect">
+            <a:avLst/>
+          </a:prstGeom>
+        </p:spPr>
+      </p:pic>
+      <p:pic>
+        <p:nvPicPr>
+          <p:cNvPr id="8" name="Picture 7"/>
+          <p:cNvPicPr>
+            <a:picLocks noChangeAspect="1"/>
+          </p:cNvPicPr>
+          <p:nvPr/>
+        </p:nvPicPr>
+        <p:blipFill>
+          <a:blip r:embed="rId2"/>
+          <a:stretch>
+            <a:fillRect/>
+          </a:stretch>
+        </p:blipFill>
+        <p:spPr>
+          <a:xfrm>
+            <a:off x="3604591" y="4610360"/>
+            <a:ext cx="1164361" cy="1164361"/>
+          </a:xfrm>
+          <a:prstGeom prst="rect">
+            <a:avLst/>
+          </a:prstGeom>
+        </p:spPr>
+      </p:pic>
+      <p:pic>
+        <p:nvPicPr>
+          <p:cNvPr id="9" name="Picture 8"/>
+          <p:cNvPicPr>
+            <a:picLocks noChangeAspect="1"/>
+          </p:cNvPicPr>
+          <p:nvPr/>
+        </p:nvPicPr>
+        <p:blipFill>
+          <a:blip r:embed="rId3"/>
+          <a:stretch>
+            <a:fillRect/>
+          </a:stretch>
+        </p:blipFill>
+        <p:spPr>
+          <a:xfrm>
+            <a:off x="6117043" y="4618223"/>
+            <a:ext cx="1502860" cy="1156498"/>
+          </a:xfrm>
+          <a:prstGeom prst="rect">
+            <a:avLst/>
+          </a:prstGeom>
+        </p:spPr>
+      </p:pic>
+      <p:cxnSp>
+        <p:nvCxnSpPr>
+          <p:cNvPr id="10" name="Straight Arrow Connector 9"/>
+          <p:cNvCxnSpPr>
+            <a:endCxn id="5" idx="1"/>
+          </p:cNvCxnSpPr>
+          <p:nvPr/>
+        </p:nvCxnSpPr>
+        <p:spPr>
+          <a:xfrm>
+            <a:off x="4768952" y="2068477"/>
+            <a:ext cx="1348091" cy="3931"/>
+          </a:xfrm>
+          <a:prstGeom prst="straightConnector1">
+            <a:avLst/>
+          </a:prstGeom>
+          <a:ln>
+            <a:tailEnd type="arrow"/>
+          </a:ln>
+        </p:spPr>
+        <p:style>
+          <a:lnRef idx="2">
+            <a:schemeClr val="accent1"/>
+          </a:lnRef>
+          <a:fillRef idx="0">
+            <a:schemeClr val="accent1"/>
+          </a:fillRef>
+          <a:effectRef idx="1">
+            <a:schemeClr val="accent1"/>
+          </a:effectRef>
+          <a:fontRef idx="minor">
+            <a:schemeClr val="tx1"/>
+          </a:fontRef>
+        </p:style>
+      </p:cxnSp>
+      <p:cxnSp>
+        <p:nvCxnSpPr>
+          <p:cNvPr id="11" name="Straight Arrow Connector 10"/>
+          <p:cNvCxnSpPr/>
+          <p:nvPr/>
+        </p:nvCxnSpPr>
+        <p:spPr>
+          <a:xfrm>
+            <a:off x="4768952" y="3686337"/>
+            <a:ext cx="1348091" cy="3931"/>
+          </a:xfrm>
+          <a:prstGeom prst="straightConnector1">
+            <a:avLst/>
+          </a:prstGeom>
+          <a:ln>
+            <a:tailEnd type="arrow"/>
+          </a:ln>
+        </p:spPr>
+        <p:style>
+          <a:lnRef idx="2">
+            <a:schemeClr val="accent1"/>
+          </a:lnRef>
+          <a:fillRef idx="0">
+            <a:schemeClr val="accent1"/>
+          </a:fillRef>
+          <a:effectRef idx="1">
+            <a:schemeClr val="accent1"/>
+          </a:effectRef>
+          <a:fontRef idx="minor">
+            <a:schemeClr val="tx1"/>
+          </a:fontRef>
+        </p:style>
+      </p:cxnSp>
+      <p:cxnSp>
+        <p:nvCxnSpPr>
+          <p:cNvPr id="12" name="Straight Arrow Connector 11"/>
+          <p:cNvCxnSpPr/>
+          <p:nvPr/>
+        </p:nvCxnSpPr>
+        <p:spPr>
+          <a:xfrm>
+            <a:off x="4768952" y="5178586"/>
+            <a:ext cx="1348091" cy="3931"/>
+          </a:xfrm>
+          <a:prstGeom prst="straightConnector1">
+            <a:avLst/>
+          </a:prstGeom>
+          <a:ln>
+            <a:tailEnd type="arrow"/>
+          </a:ln>
+        </p:spPr>
+        <p:style>
+          <a:lnRef idx="2">
+            <a:schemeClr val="accent1"/>
+          </a:lnRef>
+          <a:fillRef idx="0">
+            <a:schemeClr val="accent1"/>
+          </a:fillRef>
+          <a:effectRef idx="1">
+            <a:schemeClr val="accent1"/>
+          </a:effectRef>
+          <a:fontRef idx="minor">
+            <a:schemeClr val="tx1"/>
+          </a:fontRef>
+        </p:style>
+      </p:cxnSp>
+      <p:pic>
+        <p:nvPicPr>
+          <p:cNvPr id="13" name="Picture 12"/>
+          <p:cNvPicPr>
+            <a:picLocks noChangeAspect="1"/>
+          </p:cNvPicPr>
+          <p:nvPr/>
+        </p:nvPicPr>
+        <p:blipFill>
+          <a:blip r:embed="rId2"/>
+          <a:stretch>
+            <a:fillRect/>
+          </a:stretch>
+        </p:blipFill>
+        <p:spPr>
+          <a:xfrm>
+            <a:off x="1231140" y="3048328"/>
+            <a:ext cx="1164361" cy="1164361"/>
+          </a:xfrm>
+          <a:prstGeom prst="rect">
+            <a:avLst/>
+          </a:prstGeom>
+        </p:spPr>
+      </p:pic>
+      <p:cxnSp>
+        <p:nvCxnSpPr>
+          <p:cNvPr id="14" name="Elbow Connector 13"/>
+          <p:cNvCxnSpPr>
+            <a:stCxn id="13" idx="3"/>
+          </p:cNvCxnSpPr>
+          <p:nvPr/>
+        </p:nvCxnSpPr>
+        <p:spPr>
+          <a:xfrm flipV="1">
+            <a:off x="2395501" y="2068477"/>
+            <a:ext cx="1209090" cy="1562032"/>
+          </a:xfrm>
+          <a:prstGeom prst="bentConnector3">
+            <a:avLst/>
+          </a:prstGeom>
+          <a:ln>
+            <a:tailEnd type="arrow"/>
+          </a:ln>
+        </p:spPr>
+        <p:style>
+          <a:lnRef idx="2">
+            <a:schemeClr val="accent1"/>
+          </a:lnRef>
+          <a:fillRef idx="0">
+            <a:schemeClr val="accent1"/>
+          </a:fillRef>
+          <a:effectRef idx="1">
+            <a:schemeClr val="accent1"/>
+          </a:effectRef>
+          <a:fontRef idx="minor">
+            <a:schemeClr val="tx1"/>
+          </a:fontRef>
+        </p:style>
+      </p:cxnSp>
+      <p:cxnSp>
+        <p:nvCxnSpPr>
+          <p:cNvPr id="15" name="Elbow Connector 14"/>
+          <p:cNvCxnSpPr>
+            <a:stCxn id="13" idx="3"/>
+            <a:endCxn id="6" idx="1"/>
+          </p:cNvCxnSpPr>
+          <p:nvPr/>
+        </p:nvCxnSpPr>
+        <p:spPr>
+          <a:xfrm>
+            <a:off x="2395501" y="3630509"/>
+            <a:ext cx="1209090" cy="12700"/>
+          </a:xfrm>
+          <a:prstGeom prst="bentConnector3">
+            <a:avLst>
+              <a:gd name="adj1" fmla="val 50000"/>
+            </a:avLst>
+          </a:prstGeom>
+          <a:ln>
+            <a:tailEnd type="arrow"/>
+          </a:ln>
+        </p:spPr>
+        <p:style>
+          <a:lnRef idx="2">
+            <a:schemeClr val="accent1"/>
+          </a:lnRef>
+          <a:fillRef idx="0">
+            <a:schemeClr val="accent1"/>
+          </a:fillRef>
+          <a:effectRef idx="1">
+            <a:schemeClr val="accent1"/>
+          </a:effectRef>
+          <a:fontRef idx="minor">
+            <a:schemeClr val="tx1"/>
+          </a:fontRef>
+        </p:style>
+      </p:cxnSp>
+      <p:cxnSp>
+        <p:nvCxnSpPr>
+          <p:cNvPr id="16" name="Elbow Connector 15"/>
+          <p:cNvCxnSpPr>
+            <a:stCxn id="13" idx="3"/>
+            <a:endCxn id="8" idx="1"/>
+          </p:cNvCxnSpPr>
+          <p:nvPr/>
+        </p:nvCxnSpPr>
+        <p:spPr>
+          <a:xfrm>
+            <a:off x="2395501" y="3630509"/>
+            <a:ext cx="1209090" cy="1562032"/>
+          </a:xfrm>
+          <a:prstGeom prst="bentConnector3">
+            <a:avLst>
+              <a:gd name="adj1" fmla="val 50000"/>
+            </a:avLst>
+          </a:prstGeom>
+          <a:ln>
+            <a:tailEnd type="arrow"/>
+          </a:ln>
+        </p:spPr>
+        <p:style>
+          <a:lnRef idx="2">
+            <a:schemeClr val="accent1"/>
+          </a:lnRef>
+          <a:fillRef idx="0">
+            <a:schemeClr val="accent1"/>
+          </a:fillRef>
+          <a:effectRef idx="1">
+            <a:schemeClr val="accent1"/>
+          </a:effectRef>
+          <a:fontRef idx="minor">
+            <a:schemeClr val="tx1"/>
+          </a:fontRef>
+        </p:style>
+      </p:cxnSp>
+      <p:sp>
+        <p:nvSpPr>
+          <p:cNvPr id="17" name="TextBox 16"/>
+          <p:cNvSpPr txBox="1"/>
+          <p:nvPr/>
+        </p:nvSpPr>
+        <p:spPr>
+          <a:xfrm>
+            <a:off x="1077635" y="4266413"/>
+            <a:ext cx="1501358" cy="369332"/>
+          </a:xfrm>
+          <a:prstGeom prst="rect">
+            <a:avLst/>
+          </a:prstGeom>
+          <a:noFill/>
+        </p:spPr>
+        <p:txBody>
+          <a:bodyPr wrap="none" rtlCol="0">
+            <a:spAutoFit/>
+          </a:bodyPr>
+          <a:lstStyle/>
+          <a:p>
+            <a:r>
+              <a:rPr lang="en-US" dirty="0" smtClean="0"/>
+              <a:t>Load Balancer</a:t>
+            </a:r>
+            <a:endParaRPr lang="en-US" dirty="0"/>
+          </a:p>
+        </p:txBody>
+      </p:sp>
+      <p:sp>
+        <p:nvSpPr>
+          <p:cNvPr id="18" name="TextBox 17"/>
+          <p:cNvSpPr txBox="1"/>
+          <p:nvPr/>
+        </p:nvSpPr>
+        <p:spPr>
+          <a:xfrm>
+            <a:off x="3870484" y="2646305"/>
+            <a:ext cx="787395" cy="369332"/>
+          </a:xfrm>
+          <a:prstGeom prst="rect">
+            <a:avLst/>
+          </a:prstGeom>
+          <a:noFill/>
+        </p:spPr>
+        <p:txBody>
+          <a:bodyPr wrap="none" rtlCol="0">
+            <a:spAutoFit/>
+          </a:bodyPr>
+          <a:lstStyle/>
+          <a:p>
+            <a:r>
+              <a:rPr lang="en-US" dirty="0" smtClean="0"/>
+              <a:t>Server</a:t>
+            </a:r>
+            <a:endParaRPr lang="en-US" dirty="0"/>
+          </a:p>
+        </p:txBody>
+      </p:sp>
+      <p:sp>
+        <p:nvSpPr>
+          <p:cNvPr id="19" name="TextBox 18"/>
+          <p:cNvSpPr txBox="1"/>
+          <p:nvPr/>
+        </p:nvSpPr>
+        <p:spPr>
+          <a:xfrm>
+            <a:off x="6537738" y="2478821"/>
+            <a:ext cx="574872" cy="369332"/>
+          </a:xfrm>
+          <a:prstGeom prst="rect">
+            <a:avLst/>
+          </a:prstGeom>
+          <a:noFill/>
+        </p:spPr>
+        <p:txBody>
+          <a:bodyPr wrap="none" rtlCol="0">
+            <a:spAutoFit/>
+          </a:bodyPr>
+          <a:lstStyle/>
+          <a:p>
+            <a:r>
+              <a:rPr lang="en-US" dirty="0" smtClean="0"/>
+              <a:t>Disk</a:t>
+            </a:r>
+            <a:endParaRPr lang="en-US" dirty="0"/>
+          </a:p>
+        </p:txBody>
+      </p:sp>
+      <p:sp>
+        <p:nvSpPr>
+          <p:cNvPr id="20" name="TextBox 19"/>
+          <p:cNvSpPr txBox="1"/>
+          <p:nvPr/>
+        </p:nvSpPr>
+        <p:spPr>
+          <a:xfrm>
+            <a:off x="3868505" y="4212689"/>
+            <a:ext cx="787395" cy="369332"/>
+          </a:xfrm>
+          <a:prstGeom prst="rect">
+            <a:avLst/>
+          </a:prstGeom>
+          <a:noFill/>
+        </p:spPr>
+        <p:txBody>
+          <a:bodyPr wrap="none" rtlCol="0">
+            <a:spAutoFit/>
+          </a:bodyPr>
+          <a:lstStyle/>
+          <a:p>
+            <a:r>
+              <a:rPr lang="en-US" dirty="0" smtClean="0"/>
+              <a:t>Server</a:t>
+            </a:r>
+            <a:endParaRPr lang="en-US" dirty="0"/>
+          </a:p>
+        </p:txBody>
+      </p:sp>
+      <p:sp>
+        <p:nvSpPr>
+          <p:cNvPr id="21" name="TextBox 20"/>
+          <p:cNvSpPr txBox="1"/>
+          <p:nvPr/>
+        </p:nvSpPr>
+        <p:spPr>
+          <a:xfrm>
+            <a:off x="6535759" y="4003334"/>
+            <a:ext cx="574872" cy="369332"/>
+          </a:xfrm>
+          <a:prstGeom prst="rect">
+            <a:avLst/>
+          </a:prstGeom>
+          <a:noFill/>
+        </p:spPr>
+        <p:txBody>
+          <a:bodyPr wrap="none" rtlCol="0">
+            <a:spAutoFit/>
+          </a:bodyPr>
+          <a:lstStyle/>
+          <a:p>
+            <a:r>
+              <a:rPr lang="en-US" dirty="0" smtClean="0"/>
+              <a:t>Disk</a:t>
+            </a:r>
+            <a:endParaRPr lang="en-US" dirty="0"/>
+          </a:p>
+        </p:txBody>
+      </p:sp>
+      <p:sp>
+        <p:nvSpPr>
+          <p:cNvPr id="22" name="TextBox 21"/>
+          <p:cNvSpPr txBox="1"/>
+          <p:nvPr/>
+        </p:nvSpPr>
+        <p:spPr>
+          <a:xfrm>
+            <a:off x="3866526" y="5779073"/>
+            <a:ext cx="787395" cy="369332"/>
+          </a:xfrm>
+          <a:prstGeom prst="rect">
+            <a:avLst/>
+          </a:prstGeom>
+          <a:noFill/>
+        </p:spPr>
+        <p:txBody>
+          <a:bodyPr wrap="none" rtlCol="0">
+            <a:spAutoFit/>
+          </a:bodyPr>
+          <a:lstStyle/>
+          <a:p>
+            <a:r>
+              <a:rPr lang="en-US" dirty="0" smtClean="0"/>
+              <a:t>Server</a:t>
+            </a:r>
+            <a:endParaRPr lang="en-US" dirty="0"/>
+          </a:p>
+        </p:txBody>
+      </p:sp>
+      <p:sp>
+        <p:nvSpPr>
+          <p:cNvPr id="23" name="TextBox 22"/>
+          <p:cNvSpPr txBox="1"/>
+          <p:nvPr/>
+        </p:nvSpPr>
+        <p:spPr>
+          <a:xfrm>
+            <a:off x="6533780" y="5541804"/>
+            <a:ext cx="574872" cy="369332"/>
+          </a:xfrm>
+          <a:prstGeom prst="rect">
+            <a:avLst/>
+          </a:prstGeom>
+          <a:noFill/>
+        </p:spPr>
+        <p:txBody>
+          <a:bodyPr wrap="none" rtlCol="0">
+            <a:spAutoFit/>
+          </a:bodyPr>
+          <a:lstStyle/>
+          <a:p>
+            <a:r>
+              <a:rPr lang="en-US" dirty="0" smtClean="0"/>
+              <a:t>Disk</a:t>
+            </a:r>
+            <a:endParaRPr lang="en-US" dirty="0"/>
+          </a:p>
+        </p:txBody>
+      </p:sp>
+      <p:pic>
+        <p:nvPicPr>
+          <p:cNvPr id="25" name="Picture 24"/>
+          <p:cNvPicPr>
+            <a:picLocks noChangeAspect="1"/>
+          </p:cNvPicPr>
+          <p:nvPr/>
+        </p:nvPicPr>
+        <p:blipFill>
+          <a:blip r:embed="rId2"/>
+          <a:stretch>
+            <a:fillRect/>
+          </a:stretch>
+        </p:blipFill>
+        <p:spPr>
+          <a:xfrm>
+            <a:off x="7845800" y="5363396"/>
+            <a:ext cx="1164361" cy="1164361"/>
+          </a:xfrm>
+          <a:prstGeom prst="rect">
+            <a:avLst/>
+          </a:prstGeom>
+        </p:spPr>
+      </p:pic>
+      <p:sp>
+        <p:nvSpPr>
+          <p:cNvPr id="26" name="TextBox 25"/>
+          <p:cNvSpPr txBox="1"/>
+          <p:nvPr/>
+        </p:nvSpPr>
+        <p:spPr>
+          <a:xfrm>
+            <a:off x="7619903" y="6488668"/>
+            <a:ext cx="1405215" cy="369332"/>
+          </a:xfrm>
+          <a:prstGeom prst="rect">
+            <a:avLst/>
+          </a:prstGeom>
+          <a:noFill/>
+        </p:spPr>
+        <p:txBody>
+          <a:bodyPr wrap="none" rtlCol="0">
+            <a:spAutoFit/>
+          </a:bodyPr>
+          <a:lstStyle/>
+          <a:p>
+            <a:r>
+              <a:rPr lang="en-US" dirty="0" smtClean="0"/>
+              <a:t>Cache Server</a:t>
+            </a:r>
+            <a:endParaRPr lang="en-US" dirty="0"/>
+          </a:p>
+        </p:txBody>
+      </p:sp>
+      <p:cxnSp>
+        <p:nvCxnSpPr>
+          <p:cNvPr id="28" name="Elbow Connector 27"/>
+          <p:cNvCxnSpPr>
+            <a:stCxn id="4" idx="3"/>
+            <a:endCxn id="25" idx="1"/>
+          </p:cNvCxnSpPr>
+          <p:nvPr/>
+        </p:nvCxnSpPr>
+        <p:spPr>
+          <a:xfrm>
+            <a:off x="4768952" y="2152219"/>
+            <a:ext cx="3076848" cy="3793358"/>
+          </a:xfrm>
+          <a:prstGeom prst="bentConnector3">
+            <a:avLst>
+              <a:gd name="adj1" fmla="val 21426"/>
+            </a:avLst>
+          </a:prstGeom>
+          <a:ln>
+            <a:solidFill>
+              <a:srgbClr val="008000"/>
+            </a:solidFill>
+            <a:tailEnd type="arrow"/>
+          </a:ln>
+        </p:spPr>
+        <p:style>
+          <a:lnRef idx="2">
+            <a:schemeClr val="accent1"/>
+          </a:lnRef>
+          <a:fillRef idx="0">
+            <a:schemeClr val="accent1"/>
+          </a:fillRef>
+          <a:effectRef idx="1">
+            <a:schemeClr val="accent1"/>
+          </a:effectRef>
+          <a:fontRef idx="minor">
+            <a:schemeClr val="tx1"/>
+          </a:fontRef>
+        </p:style>
+      </p:cxnSp>
+      <p:cxnSp>
+        <p:nvCxnSpPr>
+          <p:cNvPr id="30" name="Elbow Connector 29"/>
+          <p:cNvCxnSpPr>
+            <a:stCxn id="6" idx="3"/>
+          </p:cNvCxnSpPr>
+          <p:nvPr/>
+        </p:nvCxnSpPr>
+        <p:spPr>
+          <a:xfrm>
+            <a:off x="4768952" y="3630509"/>
+            <a:ext cx="2976061" cy="2315068"/>
+          </a:xfrm>
+          <a:prstGeom prst="bentConnector3">
+            <a:avLst>
+              <a:gd name="adj1" fmla="val 22803"/>
+            </a:avLst>
+          </a:prstGeom>
+          <a:ln>
+            <a:solidFill>
+              <a:srgbClr val="008000"/>
+            </a:solidFill>
+            <a:tailEnd type="arrow"/>
+          </a:ln>
+        </p:spPr>
+        <p:style>
+          <a:lnRef idx="2">
+            <a:schemeClr val="accent1"/>
+          </a:lnRef>
+          <a:fillRef idx="0">
+            <a:schemeClr val="accent1"/>
+          </a:fillRef>
+          <a:effectRef idx="1">
+            <a:schemeClr val="accent1"/>
+          </a:effectRef>
+          <a:fontRef idx="minor">
+            <a:schemeClr val="tx1"/>
+          </a:fontRef>
+        </p:style>
+      </p:cxnSp>
+      <p:cxnSp>
+        <p:nvCxnSpPr>
+          <p:cNvPr id="34" name="Elbow Connector 33"/>
+          <p:cNvCxnSpPr/>
+          <p:nvPr/>
+        </p:nvCxnSpPr>
+        <p:spPr>
+          <a:xfrm>
+            <a:off x="4768952" y="5108799"/>
+            <a:ext cx="2976061" cy="836778"/>
+          </a:xfrm>
+          <a:prstGeom prst="bentConnector3">
+            <a:avLst>
+              <a:gd name="adj1" fmla="val 22334"/>
+            </a:avLst>
+          </a:prstGeom>
+          <a:ln>
+            <a:solidFill>
+              <a:srgbClr val="008000"/>
+            </a:solidFill>
+            <a:tailEnd type="arrow"/>
+          </a:ln>
+        </p:spPr>
+        <p:style>
+          <a:lnRef idx="2">
+            <a:schemeClr val="accent1"/>
+          </a:lnRef>
+          <a:fillRef idx="0">
+            <a:schemeClr val="accent1"/>
+          </a:fillRef>
+          <a:effectRef idx="1">
+            <a:schemeClr val="accent1"/>
+          </a:effectRef>
+          <a:fontRef idx="minor">
+            <a:schemeClr val="tx1"/>
+          </a:fontRef>
+        </p:style>
+      </p:cxnSp>
     </p:spTree>
     <p:extLst>
       <p:ext uri="{BB962C8B-B14F-4D97-AF65-F5344CB8AC3E}">
-        <p14:creationId xmlns:p14="http://schemas.microsoft.com/office/powerpoint/2010/main" val="1692692442"/>
+        <p14:creationId xmlns:p14="http://schemas.microsoft.com/office/powerpoint/2010/main" val="2813794177"/>
       </p:ext>
     </p:extLst>
   </p:cSld>
@@ -12177,91 +13073,139 @@
         </p:nvSpPr>
         <p:spPr/>
         <p:txBody>
+          <a:bodyPr/>
+          <a:lstStyle/>
+          <a:p>
+            <a:r>
+              <a:rPr lang="en-US" dirty="0" smtClean="0"/>
+              <a:t>ACID</a:t>
+            </a:r>
+            <a:endParaRPr lang="en-US" dirty="0"/>
+          </a:p>
+        </p:txBody>
+      </p:sp>
+      <p:sp>
+        <p:nvSpPr>
+          <p:cNvPr id="3" name="Content Placeholder 2"/>
+          <p:cNvSpPr>
+            <a:spLocks noGrp="1"/>
+          </p:cNvSpPr>
+          <p:nvPr>
+            <p:ph idx="1"/>
+          </p:nvPr>
+        </p:nvSpPr>
+        <p:spPr>
+          <a:xfrm>
+            <a:off x="375635" y="1417638"/>
+            <a:ext cx="8229600" cy="4525963"/>
+          </a:xfrm>
+        </p:spPr>
+        <p:txBody>
           <a:bodyPr>
-            <a:noAutofit/>
+            <a:normAutofit fontScale="92500"/>
           </a:bodyPr>
           <a:lstStyle/>
           <a:p>
             <a:r>
-              <a:rPr lang="en-US" sz="3200" dirty="0" smtClean="0"/>
-              <a:t>Reconciliation / Eventual Consistency</a:t>
-            </a:r>
-            <a:br>
-              <a:rPr lang="en-US" sz="3200" dirty="0" smtClean="0"/>
-            </a:br>
-            <a:endParaRPr lang="en-US" sz="3200" dirty="0"/>
-          </a:p>
-        </p:txBody>
-      </p:sp>
-      <p:sp>
-        <p:nvSpPr>
-          <p:cNvPr id="4" name="Rectangle 3"/>
-          <p:cNvSpPr/>
-          <p:nvPr/>
-        </p:nvSpPr>
-        <p:spPr>
-          <a:xfrm>
-            <a:off x="4417391" y="6546508"/>
-            <a:ext cx="4572000" cy="276999"/>
-          </a:xfrm>
-          <a:prstGeom prst="rect">
-            <a:avLst/>
-          </a:prstGeom>
-        </p:spPr>
-        <p:txBody>
-          <a:bodyPr>
-            <a:spAutoFit/>
-          </a:bodyPr>
-          <a:lstStyle/>
-          <a:p>
-            <a:r>
-              <a:rPr lang="en-US" sz="1200" dirty="0">
-                <a:hlinkClick r:id="rId2"/>
-              </a:rPr>
-              <a:t>http://www.allthingsdistributed.com/2007/10/</a:t>
-            </a:r>
-            <a:r>
-              <a:rPr lang="en-US" sz="1200" dirty="0" smtClean="0">
-                <a:hlinkClick r:id="rId2"/>
-              </a:rPr>
-              <a:t>amazons_dynamo.html</a:t>
-            </a:r>
-            <a:r>
-              <a:rPr lang="en-US" sz="1200" dirty="0" smtClean="0"/>
+              <a:rPr lang="en-US" i="1" dirty="0"/>
+              <a:t>atomicity </a:t>
+            </a:r>
+            <a:endParaRPr lang="en-US" i="1" dirty="0" smtClean="0"/>
+          </a:p>
+          <a:p>
+            <a:pPr lvl="1"/>
+            <a:r>
+              <a:rPr lang="en-US" dirty="0" smtClean="0"/>
+              <a:t>all</a:t>
+            </a:r>
+            <a:r>
+              <a:rPr lang="en-US" dirty="0"/>
+              <a:t>-or-nothing </a:t>
+            </a:r>
+            <a:r>
+              <a:rPr lang="en-US" dirty="0" smtClean="0"/>
               <a:t> </a:t>
             </a:r>
-            <a:endParaRPr lang="en-US" sz="1200" dirty="0"/>
-          </a:p>
-        </p:txBody>
-      </p:sp>
-      <p:pic>
-        <p:nvPicPr>
-          <p:cNvPr id="3" name="Picture 2"/>
-          <p:cNvPicPr>
-            <a:picLocks noChangeAspect="1"/>
-          </p:cNvPicPr>
-          <p:nvPr/>
-        </p:nvPicPr>
-        <p:blipFill>
-          <a:blip r:embed="rId3"/>
-          <a:stretch>
-            <a:fillRect/>
-          </a:stretch>
-        </p:blipFill>
-        <p:spPr>
-          <a:xfrm>
-            <a:off x="2553760" y="1117939"/>
-            <a:ext cx="3307815" cy="4725450"/>
-          </a:xfrm>
-          <a:prstGeom prst="rect">
-            <a:avLst/>
-          </a:prstGeom>
-        </p:spPr>
-      </p:pic>
+          </a:p>
+          <a:p>
+            <a:r>
+              <a:rPr lang="en-US" i="1" dirty="0" smtClean="0"/>
+              <a:t>consistency</a:t>
+            </a:r>
+          </a:p>
+          <a:p>
+            <a:pPr lvl="1"/>
+            <a:r>
+              <a:rPr lang="en-US" dirty="0" smtClean="0"/>
+              <a:t>integrity</a:t>
+            </a:r>
+            <a:r>
+              <a:rPr lang="en-US" dirty="0"/>
+              <a:t>-preserving: invariants satisfied </a:t>
+            </a:r>
+          </a:p>
+          <a:p>
+            <a:r>
+              <a:rPr lang="en-US" i="1" dirty="0" smtClean="0"/>
+              <a:t>isolation</a:t>
+            </a:r>
+            <a:endParaRPr lang="en-US" i="1" dirty="0"/>
+          </a:p>
+          <a:p>
+            <a:pPr lvl="1"/>
+            <a:r>
+              <a:rPr lang="en-US" dirty="0" smtClean="0"/>
+              <a:t>hidden </a:t>
+            </a:r>
+            <a:r>
+              <a:rPr lang="en-US" dirty="0"/>
+              <a:t>intermediate results: multi-user </a:t>
+            </a:r>
+            <a:r>
+              <a:rPr lang="en-US" dirty="0" err="1"/>
+              <a:t>behaviour</a:t>
+            </a:r>
+            <a:r>
+              <a:rPr lang="en-US" dirty="0"/>
+              <a:t> </a:t>
+            </a:r>
+            <a:r>
+              <a:rPr lang="en-US" dirty="0" smtClean="0"/>
+              <a:t>consistent with </a:t>
+            </a:r>
+            <a:r>
+              <a:rPr lang="en-US" dirty="0"/>
+              <a:t>single-user mode </a:t>
+            </a:r>
+            <a:endParaRPr lang="en-US" dirty="0" smtClean="0"/>
+          </a:p>
+          <a:p>
+            <a:r>
+              <a:rPr lang="en-US" i="1" dirty="0" smtClean="0"/>
+              <a:t>durability</a:t>
+            </a:r>
+            <a:endParaRPr lang="en-US" i="1" dirty="0"/>
+          </a:p>
+          <a:p>
+            <a:pPr lvl="1"/>
+            <a:r>
+              <a:rPr lang="en-US" dirty="0" smtClean="0"/>
+              <a:t>permanent </a:t>
+            </a:r>
+            <a:r>
+              <a:rPr lang="en-US" dirty="0"/>
+              <a:t>committed results </a:t>
+            </a:r>
+          </a:p>
+          <a:p>
+            <a:endParaRPr lang="en-US" dirty="0"/>
+          </a:p>
+        </p:txBody>
+      </p:sp>
     </p:spTree>
     <p:extLst>
       <p:ext uri="{BB962C8B-B14F-4D97-AF65-F5344CB8AC3E}">
-        <p14:creationId xmlns:p14="http://schemas.microsoft.com/office/powerpoint/2010/main" val="2095648367"/>
+        <p14:creationId xmlns:p14="http://schemas.microsoft.com/office/powerpoint/2010/main" val="3745119858"/>
       </p:ext>
     </p:extLst>
   </p:cSld>
@@ -12305,7 +13249,7 @@
           <a:p>
             <a:r>
               <a:rPr lang="en-US" dirty="0" smtClean="0"/>
-              <a:t>Summary	</a:t>
+              <a:t>CAP Theorem</a:t>
             </a:r>
             <a:endParaRPr lang="en-US" dirty="0"/>
           </a:p>
@@ -12313,7 +13257,7 @@
       </p:sp>
       <p:sp>
         <p:nvSpPr>
-          <p:cNvPr id="3" name="Content Placeholder 2"/>
+          <p:cNvPr id="7" name="Content Placeholder 6"/>
           <p:cNvSpPr>
             <a:spLocks noGrp="1"/>
           </p:cNvSpPr>
@@ -12323,62 +13267,167 @@
         </p:nvSpPr>
         <p:spPr/>
         <p:txBody>
-          <a:bodyPr/>
-          <a:lstStyle/>
-          <a:p>
-            <a:r>
-              <a:rPr lang="en-US" dirty="0" smtClean="0"/>
-              <a:t>We have looked at the challenges to scaling on multiple servers</a:t>
+          <a:bodyPr>
+            <a:normAutofit fontScale="92500" lnSpcReduction="20000"/>
+          </a:bodyPr>
+          <a:lstStyle/>
+          <a:p>
+            <a:r>
+              <a:rPr lang="en-US" dirty="0"/>
+              <a:t>Originally proposed by Eric Brewer</a:t>
             </a:r>
           </a:p>
           <a:p>
             <a:pPr lvl="1"/>
             <a:r>
-              <a:rPr lang="en-US" dirty="0" smtClean="0"/>
-              <a:t>Serial </a:t>
-            </a:r>
-            <a:r>
-              <a:rPr lang="en-US" dirty="0" err="1" smtClean="0"/>
-              <a:t>vs</a:t>
-            </a:r>
-            <a:r>
-              <a:rPr lang="en-US" dirty="0" smtClean="0"/>
-              <a:t> Parallel</a:t>
+              <a:rPr lang="en-US" dirty="0" err="1"/>
+              <a:t>Inktomi</a:t>
+            </a:r>
+            <a:r>
+              <a:rPr lang="en-US" dirty="0"/>
+              <a:t> and Berkeley</a:t>
+            </a:r>
+          </a:p>
+          <a:p>
+            <a:r>
+              <a:rPr lang="en-US" dirty="0"/>
+              <a:t>Proved in 2002 by </a:t>
+            </a:r>
+            <a:r>
+              <a:rPr lang="en-US" dirty="0" smtClean="0"/>
+              <a:t>Gilbert</a:t>
+            </a:r>
+            <a:br>
+              <a:rPr lang="en-US" dirty="0" smtClean="0"/>
+            </a:br>
+            <a:r>
+              <a:rPr lang="en-US" dirty="0" smtClean="0"/>
+              <a:t> </a:t>
+            </a:r>
+            <a:r>
+              <a:rPr lang="en-US" dirty="0"/>
+              <a:t>and </a:t>
+            </a:r>
+            <a:r>
+              <a:rPr lang="en-US" dirty="0" smtClean="0"/>
+              <a:t>Lynch</a:t>
+            </a:r>
+          </a:p>
+          <a:p>
+            <a:r>
+              <a:rPr lang="en-US" dirty="0" smtClean="0"/>
+              <a:t>You can have 2 out of three:</a:t>
             </a:r>
           </a:p>
           <a:p>
             <a:pPr lvl="1"/>
             <a:r>
               <a:rPr lang="en-US" dirty="0" smtClean="0"/>
-              <a:t>Fixed data </a:t>
-            </a:r>
-            <a:r>
-              <a:rPr lang="en-US" dirty="0" err="1" smtClean="0"/>
-              <a:t>vs</a:t>
-            </a:r>
-            <a:r>
-              <a:rPr lang="en-US" dirty="0" smtClean="0"/>
-              <a:t> growing</a:t>
+              <a:t>Consistent</a:t>
+            </a:r>
+          </a:p>
+          <a:p>
+            <a:pPr lvl="2"/>
+            <a:r>
+              <a:rPr lang="en-US" dirty="0" smtClean="0"/>
+              <a:t>ACID</a:t>
             </a:r>
           </a:p>
           <a:p>
             <a:pPr lvl="1"/>
             <a:r>
               <a:rPr lang="en-US" dirty="0" smtClean="0"/>
-              <a:t>CAP</a:t>
+              <a:t>Available </a:t>
             </a:r>
           </a:p>
           <a:p>
             <a:pPr lvl="1"/>
             <a:r>
               <a:rPr lang="en-US" dirty="0" smtClean="0"/>
-              <a:t>Eventually Consistent</a:t>
-            </a:r>
-          </a:p>
-          <a:p>
-            <a:pPr marL="457200" lvl="1" indent="0">
-              <a:buNone/>
-            </a:pPr>
+              <a:t>Partitioned</a:t>
+            </a:r>
+          </a:p>
+          <a:p>
+            <a:pPr lvl="2"/>
+            <a:r>
+              <a:rPr lang="en-US" dirty="0" smtClean="0"/>
+              <a:t>Survive network down </a:t>
+            </a:r>
+            <a:r>
+              <a:rPr lang="en-US" dirty="0"/>
+              <a:t/>
+            </a:r>
+            <a:br>
+              <a:rPr lang="en-US" dirty="0"/>
+            </a:br>
+            <a:r>
+              <a:rPr lang="en-US" dirty="0" smtClean="0"/>
+              <a:t>between nodes</a:t>
+            </a:r>
+          </a:p>
+        </p:txBody>
+      </p:sp>
+      <p:pic>
+        <p:nvPicPr>
+          <p:cNvPr id="4" name="Picture 3"/>
+          <p:cNvPicPr>
+            <a:picLocks noChangeAspect="1"/>
+          </p:cNvPicPr>
+          <p:nvPr/>
+        </p:nvPicPr>
+        <p:blipFill>
+          <a:blip r:embed="rId2"/>
+          <a:stretch>
+            <a:fillRect/>
+          </a:stretch>
+        </p:blipFill>
+        <p:spPr>
+          <a:xfrm>
+            <a:off x="5512291" y="2313317"/>
+            <a:ext cx="3726713" cy="3488203"/>
+          </a:xfrm>
+          <a:prstGeom prst="rect">
+            <a:avLst/>
+          </a:prstGeom>
+        </p:spPr>
+      </p:pic>
+      <p:sp>
+        <p:nvSpPr>
+          <p:cNvPr id="5" name="Rectangle 4"/>
+          <p:cNvSpPr/>
+          <p:nvPr/>
+        </p:nvSpPr>
+        <p:spPr>
+          <a:xfrm>
+            <a:off x="2510088" y="6488668"/>
+            <a:ext cx="6728916" cy="369332"/>
+          </a:xfrm>
+          <a:prstGeom prst="rect">
+            <a:avLst/>
+          </a:prstGeom>
+        </p:spPr>
+        <p:txBody>
+          <a:bodyPr wrap="square">
+            <a:spAutoFit/>
+          </a:bodyPr>
+          <a:lstStyle/>
+          <a:p>
+            <a:r>
+              <a:rPr lang="en-US" dirty="0">
+                <a:hlinkClick r:id="rId3"/>
+              </a:rPr>
+              <a:t>http://blog.mccrory.me/2010/11/03/cap-theorem-and-the-clouds</a:t>
+            </a:r>
+            <a:r>
+              <a:rPr lang="en-US" dirty="0" smtClean="0">
+                <a:hlinkClick r:id="rId3"/>
+              </a:rPr>
+              <a:t>/</a:t>
+            </a:r>
+            <a:r>
+              <a:rPr lang="en-US" dirty="0" smtClean="0"/>
+              <a:t> </a:t>
+            </a:r>
             <a:endParaRPr lang="en-US" dirty="0"/>
           </a:p>
         </p:txBody>
@@ -12386,7 +13435,7 @@
     </p:spTree>
     <p:extLst>
       <p:ext uri="{BB962C8B-B14F-4D97-AF65-F5344CB8AC3E}">
-        <p14:creationId xmlns:p14="http://schemas.microsoft.com/office/powerpoint/2010/main" val="1972012395"/>
+        <p14:creationId xmlns:p14="http://schemas.microsoft.com/office/powerpoint/2010/main" val="1251945931"/>
       </p:ext>
     </p:extLst>
   </p:cSld>
@@ -12430,7 +13479,283 @@
           <a:p>
             <a:r>
               <a:rPr lang="en-US" dirty="0" smtClean="0"/>
-              <a:t>Questions?</a:t>
+              <a:t>Imagine two nodes</a:t>
+            </a:r>
+            <a:endParaRPr lang="en-US" dirty="0"/>
+          </a:p>
+        </p:txBody>
+      </p:sp>
+      <p:sp>
+        <p:nvSpPr>
+          <p:cNvPr id="4" name="Oval 3"/>
+          <p:cNvSpPr/>
+          <p:nvPr/>
+        </p:nvSpPr>
+        <p:spPr>
+          <a:xfrm>
+            <a:off x="1375947" y="2706160"/>
+            <a:ext cx="1693473" cy="1542058"/>
+          </a:xfrm>
+          <a:prstGeom prst="ellipse">
+            <a:avLst/>
+          </a:prstGeom>
+        </p:spPr>
+        <p:style>
+          <a:lnRef idx="1">
+            <a:schemeClr val="accent1"/>
+          </a:lnRef>
+          <a:fillRef idx="3">
+            <a:schemeClr val="accent1"/>
+          </a:fillRef>
+          <a:effectRef idx="2">
+            <a:schemeClr val="accent1"/>
+          </a:effectRef>
+          <a:fontRef idx="minor">
+            <a:schemeClr val="lt1"/>
+          </a:fontRef>
+        </p:style>
+        <p:txBody>
+          <a:bodyPr rtlCol="0" anchor="ctr"/>
+          <a:lstStyle/>
+          <a:p>
+            <a:pPr algn="ctr"/>
+            <a:r>
+              <a:rPr lang="en-US" dirty="0" smtClean="0"/>
+              <a:t>Node 1</a:t>
+            </a:r>
+            <a:endParaRPr lang="en-US" dirty="0"/>
+          </a:p>
+        </p:txBody>
+      </p:sp>
+      <p:sp>
+        <p:nvSpPr>
+          <p:cNvPr id="5" name="Oval 4"/>
+          <p:cNvSpPr/>
+          <p:nvPr/>
+        </p:nvSpPr>
+        <p:spPr>
+          <a:xfrm>
+            <a:off x="5867872" y="2706160"/>
+            <a:ext cx="1693473" cy="1542058"/>
+          </a:xfrm>
+          <a:prstGeom prst="ellipse">
+            <a:avLst/>
+          </a:prstGeom>
+        </p:spPr>
+        <p:style>
+          <a:lnRef idx="1">
+            <a:schemeClr val="accent1"/>
+          </a:lnRef>
+          <a:fillRef idx="3">
+            <a:schemeClr val="accent1"/>
+          </a:fillRef>
+          <a:effectRef idx="2">
+            <a:schemeClr val="accent1"/>
+          </a:effectRef>
+          <a:fontRef idx="minor">
+            <a:schemeClr val="lt1"/>
+          </a:fontRef>
+        </p:style>
+        <p:txBody>
+          <a:bodyPr rtlCol="0" anchor="ctr"/>
+          <a:lstStyle/>
+          <a:p>
+            <a:pPr algn="ctr"/>
+            <a:r>
+              <a:rPr lang="en-US" dirty="0" smtClean="0"/>
+              <a:t>Node 2</a:t>
+            </a:r>
+            <a:endParaRPr lang="en-US" dirty="0"/>
+          </a:p>
+        </p:txBody>
+      </p:sp>
+      <p:cxnSp>
+        <p:nvCxnSpPr>
+          <p:cNvPr id="9" name="Straight Connector 8"/>
+          <p:cNvCxnSpPr/>
+          <p:nvPr/>
+        </p:nvCxnSpPr>
+        <p:spPr>
+          <a:xfrm>
+            <a:off x="4551209" y="1889777"/>
+            <a:ext cx="0" cy="2358441"/>
+          </a:xfrm>
+          <a:prstGeom prst="line">
+            <a:avLst/>
+          </a:prstGeom>
+          <a:ln>
+            <a:prstDash val="dash"/>
+          </a:ln>
+        </p:spPr>
+        <p:style>
+          <a:lnRef idx="2">
+            <a:schemeClr val="accent1"/>
+          </a:lnRef>
+          <a:fillRef idx="0">
+            <a:schemeClr val="accent1"/>
+          </a:fillRef>
+          <a:effectRef idx="1">
+            <a:schemeClr val="accent1"/>
+          </a:effectRef>
+          <a:fontRef idx="minor">
+            <a:schemeClr val="tx1"/>
+          </a:fontRef>
+        </p:style>
+      </p:cxnSp>
+      <p:sp>
+        <p:nvSpPr>
+          <p:cNvPr id="10" name="TextBox 9"/>
+          <p:cNvSpPr txBox="1"/>
+          <p:nvPr/>
+        </p:nvSpPr>
+        <p:spPr>
+          <a:xfrm>
+            <a:off x="3604244" y="4248218"/>
+            <a:ext cx="1893930" cy="369332"/>
+          </a:xfrm>
+          <a:prstGeom prst="rect">
+            <a:avLst/>
+          </a:prstGeom>
+          <a:noFill/>
+        </p:spPr>
+        <p:txBody>
+          <a:bodyPr wrap="none" rtlCol="0">
+            <a:spAutoFit/>
+          </a:bodyPr>
+          <a:lstStyle/>
+          <a:p>
+            <a:r>
+              <a:rPr lang="en-US" dirty="0" smtClean="0"/>
+              <a:t>Potential Partition</a:t>
+            </a:r>
+            <a:endParaRPr lang="en-US" dirty="0"/>
+          </a:p>
+        </p:txBody>
+      </p:sp>
+      <p:cxnSp>
+        <p:nvCxnSpPr>
+          <p:cNvPr id="12" name="Straight Arrow Connector 11"/>
+          <p:cNvCxnSpPr/>
+          <p:nvPr/>
+        </p:nvCxnSpPr>
+        <p:spPr>
+          <a:xfrm>
+            <a:off x="771135" y="1753713"/>
+            <a:ext cx="952579" cy="1118748"/>
+          </a:xfrm>
+          <a:prstGeom prst="straightConnector1">
+            <a:avLst/>
+          </a:prstGeom>
+          <a:ln>
+            <a:tailEnd type="arrow"/>
+          </a:ln>
+        </p:spPr>
+        <p:style>
+          <a:lnRef idx="2">
+            <a:schemeClr val="accent1"/>
+          </a:lnRef>
+          <a:fillRef idx="0">
+            <a:schemeClr val="accent1"/>
+          </a:fillRef>
+          <a:effectRef idx="1">
+            <a:schemeClr val="accent1"/>
+          </a:effectRef>
+          <a:fontRef idx="minor">
+            <a:schemeClr val="tx1"/>
+          </a:fontRef>
+        </p:style>
+      </p:cxnSp>
+      <p:sp>
+        <p:nvSpPr>
+          <p:cNvPr id="13" name="TextBox 12"/>
+          <p:cNvSpPr txBox="1"/>
+          <p:nvPr/>
+        </p:nvSpPr>
+        <p:spPr>
+          <a:xfrm>
+            <a:off x="287286" y="1417638"/>
+            <a:ext cx="878065" cy="369332"/>
+          </a:xfrm>
+          <a:prstGeom prst="rect">
+            <a:avLst/>
+          </a:prstGeom>
+          <a:noFill/>
+        </p:spPr>
+        <p:txBody>
+          <a:bodyPr wrap="none" rtlCol="0">
+            <a:spAutoFit/>
+          </a:bodyPr>
+          <a:lstStyle/>
+          <a:p>
+            <a:r>
+              <a:rPr lang="en-US" dirty="0" smtClean="0"/>
+              <a:t>Update</a:t>
+            </a:r>
+            <a:endParaRPr lang="en-US" dirty="0"/>
+          </a:p>
+        </p:txBody>
+      </p:sp>
+      <p:cxnSp>
+        <p:nvCxnSpPr>
+          <p:cNvPr id="15" name="Straight Arrow Connector 14"/>
+          <p:cNvCxnSpPr>
+            <a:stCxn id="4" idx="6"/>
+            <a:endCxn id="5" idx="2"/>
+          </p:cNvCxnSpPr>
+          <p:nvPr/>
+        </p:nvCxnSpPr>
+        <p:spPr>
+          <a:xfrm>
+            <a:off x="3069420" y="3477189"/>
+            <a:ext cx="2798452" cy="0"/>
+          </a:xfrm>
+          <a:prstGeom prst="straightConnector1">
+            <a:avLst/>
+          </a:prstGeom>
+          <a:ln>
+            <a:tailEnd type="arrow"/>
+          </a:ln>
+        </p:spPr>
+        <p:style>
+          <a:lnRef idx="2">
+            <a:schemeClr val="accent1"/>
+          </a:lnRef>
+          <a:fillRef idx="0">
+            <a:schemeClr val="accent1"/>
+          </a:fillRef>
+          <a:effectRef idx="1">
+            <a:schemeClr val="accent1"/>
+          </a:effectRef>
+          <a:fontRef idx="minor">
+            <a:schemeClr val="tx1"/>
+          </a:fontRef>
+        </p:style>
+      </p:cxnSp>
+      <p:sp>
+        <p:nvSpPr>
+          <p:cNvPr id="16" name="TextBox 15"/>
+          <p:cNvSpPr txBox="1"/>
+          <p:nvPr/>
+        </p:nvSpPr>
+        <p:spPr>
+          <a:xfrm>
+            <a:off x="3970949" y="3107857"/>
+            <a:ext cx="1160519" cy="369332"/>
+          </a:xfrm>
+          <a:prstGeom prst="rect">
+            <a:avLst/>
+          </a:prstGeom>
+          <a:noFill/>
+        </p:spPr>
+        <p:txBody>
+          <a:bodyPr wrap="none" rtlCol="0">
+            <a:spAutoFit/>
+          </a:bodyPr>
+          <a:lstStyle/>
+          <a:p>
+            <a:r>
+              <a:rPr lang="en-US" dirty="0" smtClean="0"/>
+              <a:t>Propagate</a:t>
             </a:r>
             <a:endParaRPr lang="en-US" dirty="0"/>
           </a:p>
@@ -12439,13 +13764,1074 @@
     </p:spTree>
     <p:extLst>
       <p:ext uri="{BB962C8B-B14F-4D97-AF65-F5344CB8AC3E}">
-        <p14:creationId xmlns:p14="http://schemas.microsoft.com/office/powerpoint/2010/main" val="3890300920"/>
+        <p14:creationId xmlns:p14="http://schemas.microsoft.com/office/powerpoint/2010/main" val="1196049125"/>
       </p:ext>
     </p:extLst>
   </p:cSld>
   <p:clrMapOvr>
     <a:masterClrMapping/>
   </p:clrMapOvr>
+</p:sld>
+</file>
+
+<file path=ppt/slides/slide34.xml><?xml version="1.0" encoding="utf-8"?>
+<p:sld xmlns:a="http://schemas.openxmlformats.org/drawingml/2006/main" xmlns:r="http://schemas.openxmlformats.org/officeDocument/2006/relationships" xmlns:p="http://schemas.openxmlformats.org/presentationml/2006/main">
+  <p:cSld>
+    <p:spTree>
+      <p:nvGrpSpPr>
+        <p:cNvPr id="1" name=""/>
+        <p:cNvGrpSpPr/>
+        <p:nvPr/>
+      </p:nvGrpSpPr>
+      <p:grpSpPr>
+        <a:xfrm>
+          <a:off x="0" y="0"/>
+          <a:ext cx="0" cy="0"/>
+          <a:chOff x="0" y="0"/>
+          <a:chExt cx="0" cy="0"/>
+        </a:xfrm>
+      </p:grpSpPr>
+      <p:sp>
+        <p:nvSpPr>
+          <p:cNvPr id="2" name="Title 1"/>
+          <p:cNvSpPr>
+            <a:spLocks noGrp="1"/>
+          </p:cNvSpPr>
+          <p:nvPr>
+            <p:ph type="title"/>
+          </p:nvPr>
+        </p:nvSpPr>
+        <p:spPr/>
+        <p:txBody>
+          <a:bodyPr/>
+          <a:lstStyle/>
+          <a:p>
+            <a:r>
+              <a:rPr lang="en-US" dirty="0" smtClean="0"/>
+              <a:t>Imagine two nodes</a:t>
+            </a:r>
+            <a:endParaRPr lang="en-US" dirty="0"/>
+          </a:p>
+        </p:txBody>
+      </p:sp>
+      <p:sp>
+        <p:nvSpPr>
+          <p:cNvPr id="4" name="Oval 3"/>
+          <p:cNvSpPr/>
+          <p:nvPr/>
+        </p:nvSpPr>
+        <p:spPr>
+          <a:xfrm>
+            <a:off x="1375947" y="2706160"/>
+            <a:ext cx="1693473" cy="1542058"/>
+          </a:xfrm>
+          <a:prstGeom prst="ellipse">
+            <a:avLst/>
+          </a:prstGeom>
+        </p:spPr>
+        <p:style>
+          <a:lnRef idx="1">
+            <a:schemeClr val="accent1"/>
+          </a:lnRef>
+          <a:fillRef idx="3">
+            <a:schemeClr val="accent1"/>
+          </a:fillRef>
+          <a:effectRef idx="2">
+            <a:schemeClr val="accent1"/>
+          </a:effectRef>
+          <a:fontRef idx="minor">
+            <a:schemeClr val="lt1"/>
+          </a:fontRef>
+        </p:style>
+        <p:txBody>
+          <a:bodyPr rtlCol="0" anchor="ctr"/>
+          <a:lstStyle/>
+          <a:p>
+            <a:pPr algn="ctr"/>
+            <a:r>
+              <a:rPr lang="en-US" dirty="0" smtClean="0"/>
+              <a:t>Node 1</a:t>
+            </a:r>
+            <a:endParaRPr lang="en-US" dirty="0"/>
+          </a:p>
+        </p:txBody>
+      </p:sp>
+      <p:sp>
+        <p:nvSpPr>
+          <p:cNvPr id="5" name="Oval 4"/>
+          <p:cNvSpPr/>
+          <p:nvPr/>
+        </p:nvSpPr>
+        <p:spPr>
+          <a:xfrm>
+            <a:off x="5867872" y="2706160"/>
+            <a:ext cx="1693473" cy="1542058"/>
+          </a:xfrm>
+          <a:prstGeom prst="ellipse">
+            <a:avLst/>
+          </a:prstGeom>
+        </p:spPr>
+        <p:style>
+          <a:lnRef idx="1">
+            <a:schemeClr val="accent1"/>
+          </a:lnRef>
+          <a:fillRef idx="3">
+            <a:schemeClr val="accent1"/>
+          </a:fillRef>
+          <a:effectRef idx="2">
+            <a:schemeClr val="accent1"/>
+          </a:effectRef>
+          <a:fontRef idx="minor">
+            <a:schemeClr val="lt1"/>
+          </a:fontRef>
+        </p:style>
+        <p:txBody>
+          <a:bodyPr rtlCol="0" anchor="ctr"/>
+          <a:lstStyle/>
+          <a:p>
+            <a:pPr algn="ctr"/>
+            <a:r>
+              <a:rPr lang="en-US" dirty="0" smtClean="0"/>
+              <a:t>Node 2</a:t>
+            </a:r>
+            <a:endParaRPr lang="en-US" dirty="0"/>
+          </a:p>
+        </p:txBody>
+      </p:sp>
+      <p:cxnSp>
+        <p:nvCxnSpPr>
+          <p:cNvPr id="9" name="Straight Connector 8"/>
+          <p:cNvCxnSpPr/>
+          <p:nvPr/>
+        </p:nvCxnSpPr>
+        <p:spPr>
+          <a:xfrm>
+            <a:off x="4551209" y="1889777"/>
+            <a:ext cx="0" cy="2358441"/>
+          </a:xfrm>
+          <a:prstGeom prst="line">
+            <a:avLst/>
+          </a:prstGeom>
+          <a:ln>
+            <a:prstDash val="dash"/>
+          </a:ln>
+        </p:spPr>
+        <p:style>
+          <a:lnRef idx="2">
+            <a:schemeClr val="accent1"/>
+          </a:lnRef>
+          <a:fillRef idx="0">
+            <a:schemeClr val="accent1"/>
+          </a:fillRef>
+          <a:effectRef idx="1">
+            <a:schemeClr val="accent1"/>
+          </a:effectRef>
+          <a:fontRef idx="minor">
+            <a:schemeClr val="tx1"/>
+          </a:fontRef>
+        </p:style>
+      </p:cxnSp>
+      <p:sp>
+        <p:nvSpPr>
+          <p:cNvPr id="10" name="TextBox 9"/>
+          <p:cNvSpPr txBox="1"/>
+          <p:nvPr/>
+        </p:nvSpPr>
+        <p:spPr>
+          <a:xfrm>
+            <a:off x="3604244" y="4248218"/>
+            <a:ext cx="1893930" cy="369332"/>
+          </a:xfrm>
+          <a:prstGeom prst="rect">
+            <a:avLst/>
+          </a:prstGeom>
+          <a:noFill/>
+        </p:spPr>
+        <p:txBody>
+          <a:bodyPr wrap="none" rtlCol="0">
+            <a:spAutoFit/>
+          </a:bodyPr>
+          <a:lstStyle/>
+          <a:p>
+            <a:r>
+              <a:rPr lang="en-US" dirty="0" smtClean="0"/>
+              <a:t>Potential Partition</a:t>
+            </a:r>
+            <a:endParaRPr lang="en-US" dirty="0"/>
+          </a:p>
+        </p:txBody>
+      </p:sp>
+      <p:cxnSp>
+        <p:nvCxnSpPr>
+          <p:cNvPr id="12" name="Straight Arrow Connector 11"/>
+          <p:cNvCxnSpPr/>
+          <p:nvPr/>
+        </p:nvCxnSpPr>
+        <p:spPr>
+          <a:xfrm>
+            <a:off x="771135" y="1753713"/>
+            <a:ext cx="952579" cy="1118748"/>
+          </a:xfrm>
+          <a:prstGeom prst="straightConnector1">
+            <a:avLst/>
+          </a:prstGeom>
+          <a:ln>
+            <a:tailEnd type="arrow"/>
+          </a:ln>
+        </p:spPr>
+        <p:style>
+          <a:lnRef idx="2">
+            <a:schemeClr val="accent1"/>
+          </a:lnRef>
+          <a:fillRef idx="0">
+            <a:schemeClr val="accent1"/>
+          </a:fillRef>
+          <a:effectRef idx="1">
+            <a:schemeClr val="accent1"/>
+          </a:effectRef>
+          <a:fontRef idx="minor">
+            <a:schemeClr val="tx1"/>
+          </a:fontRef>
+        </p:style>
+      </p:cxnSp>
+      <p:sp>
+        <p:nvSpPr>
+          <p:cNvPr id="13" name="TextBox 12"/>
+          <p:cNvSpPr txBox="1"/>
+          <p:nvPr/>
+        </p:nvSpPr>
+        <p:spPr>
+          <a:xfrm>
+            <a:off x="287286" y="1417638"/>
+            <a:ext cx="878065" cy="369332"/>
+          </a:xfrm>
+          <a:prstGeom prst="rect">
+            <a:avLst/>
+          </a:prstGeom>
+          <a:noFill/>
+        </p:spPr>
+        <p:txBody>
+          <a:bodyPr wrap="none" rtlCol="0">
+            <a:spAutoFit/>
+          </a:bodyPr>
+          <a:lstStyle/>
+          <a:p>
+            <a:r>
+              <a:rPr lang="en-US" dirty="0" smtClean="0"/>
+              <a:t>Update</a:t>
+            </a:r>
+            <a:endParaRPr lang="en-US" dirty="0"/>
+          </a:p>
+        </p:txBody>
+      </p:sp>
+      <p:cxnSp>
+        <p:nvCxnSpPr>
+          <p:cNvPr id="15" name="Straight Arrow Connector 14"/>
+          <p:cNvCxnSpPr>
+            <a:stCxn id="4" idx="6"/>
+            <a:endCxn id="5" idx="2"/>
+          </p:cNvCxnSpPr>
+          <p:nvPr/>
+        </p:nvCxnSpPr>
+        <p:spPr>
+          <a:xfrm>
+            <a:off x="3069420" y="3477189"/>
+            <a:ext cx="2798452" cy="0"/>
+          </a:xfrm>
+          <a:prstGeom prst="straightConnector1">
+            <a:avLst/>
+          </a:prstGeom>
+          <a:ln>
+            <a:tailEnd type="arrow"/>
+          </a:ln>
+        </p:spPr>
+        <p:style>
+          <a:lnRef idx="2">
+            <a:schemeClr val="accent1"/>
+          </a:lnRef>
+          <a:fillRef idx="0">
+            <a:schemeClr val="accent1"/>
+          </a:fillRef>
+          <a:effectRef idx="1">
+            <a:schemeClr val="accent1"/>
+          </a:effectRef>
+          <a:fontRef idx="minor">
+            <a:schemeClr val="tx1"/>
+          </a:fontRef>
+        </p:style>
+      </p:cxnSp>
+      <p:sp>
+        <p:nvSpPr>
+          <p:cNvPr id="16" name="TextBox 15"/>
+          <p:cNvSpPr txBox="1"/>
+          <p:nvPr/>
+        </p:nvSpPr>
+        <p:spPr>
+          <a:xfrm>
+            <a:off x="3970949" y="3107857"/>
+            <a:ext cx="1160519" cy="369332"/>
+          </a:xfrm>
+          <a:prstGeom prst="rect">
+            <a:avLst/>
+          </a:prstGeom>
+          <a:noFill/>
+        </p:spPr>
+        <p:txBody>
+          <a:bodyPr wrap="none" rtlCol="0">
+            <a:spAutoFit/>
+          </a:bodyPr>
+          <a:lstStyle/>
+          <a:p>
+            <a:r>
+              <a:rPr lang="en-US" dirty="0" smtClean="0"/>
+              <a:t>Propagate</a:t>
+            </a:r>
+            <a:endParaRPr lang="en-US" dirty="0"/>
+          </a:p>
+        </p:txBody>
+      </p:sp>
+      <p:sp>
+        <p:nvSpPr>
+          <p:cNvPr id="3" name="TextBox 2"/>
+          <p:cNvSpPr txBox="1"/>
+          <p:nvPr/>
+        </p:nvSpPr>
+        <p:spPr>
+          <a:xfrm>
+            <a:off x="584003" y="4792474"/>
+            <a:ext cx="8341346" cy="1200329"/>
+          </a:xfrm>
+          <a:prstGeom prst="rect">
+            <a:avLst/>
+          </a:prstGeom>
+          <a:noFill/>
+        </p:spPr>
+        <p:txBody>
+          <a:bodyPr wrap="none" rtlCol="0">
+            <a:spAutoFit/>
+          </a:bodyPr>
+          <a:lstStyle/>
+          <a:p>
+            <a:r>
+              <a:rPr lang="en-US" dirty="0" smtClean="0"/>
+              <a:t>If there is a partition, then you can </a:t>
+            </a:r>
+            <a:r>
+              <a:rPr lang="en-US" b="1" dirty="0" smtClean="0"/>
+              <a:t>either </a:t>
+            </a:r>
+            <a:r>
+              <a:rPr lang="en-US" dirty="0" smtClean="0"/>
+              <a:t>update one node (give up on C), </a:t>
+            </a:r>
+            <a:r>
+              <a:rPr lang="en-US" b="1" dirty="0" smtClean="0"/>
+              <a:t>or </a:t>
+            </a:r>
+            <a:r>
+              <a:rPr lang="en-US" dirty="0" smtClean="0"/>
+              <a:t>make one </a:t>
+            </a:r>
+            <a:br>
+              <a:rPr lang="en-US" dirty="0" smtClean="0"/>
+            </a:br>
+            <a:r>
+              <a:rPr lang="en-US" dirty="0" smtClean="0"/>
+              <a:t>node unavailable (give up on A). </a:t>
+            </a:r>
+            <a:br>
+              <a:rPr lang="en-US" dirty="0" smtClean="0"/>
+            </a:br>
+            <a:r>
+              <a:rPr lang="en-US" dirty="0" smtClean="0"/>
+              <a:t/>
+            </a:r>
+            <a:br>
+              <a:rPr lang="en-US" dirty="0" smtClean="0"/>
+            </a:br>
+            <a:r>
+              <a:rPr lang="en-US" dirty="0" smtClean="0"/>
+              <a:t>If you want C and A you can’t allow a Partition. </a:t>
+            </a:r>
+            <a:endParaRPr lang="en-US" dirty="0"/>
+          </a:p>
+        </p:txBody>
+      </p:sp>
+    </p:spTree>
+    <p:extLst>
+      <p:ext uri="{BB962C8B-B14F-4D97-AF65-F5344CB8AC3E}">
+        <p14:creationId xmlns:p14="http://schemas.microsoft.com/office/powerpoint/2010/main" val="1257647962"/>
+      </p:ext>
+    </p:extLst>
+  </p:cSld>
+  <p:clrMapOvr>
+    <a:masterClrMapping/>
+  </p:clrMapOvr>
+</p:sld>
+</file>
+
+<file path=ppt/slides/slide35.xml><?xml version="1.0" encoding="utf-8"?>
+<p:sld xmlns:a="http://schemas.openxmlformats.org/drawingml/2006/main" xmlns:r="http://schemas.openxmlformats.org/officeDocument/2006/relationships" xmlns:p="http://schemas.openxmlformats.org/presentationml/2006/main">
+  <p:cSld>
+    <p:spTree>
+      <p:nvGrpSpPr>
+        <p:cNvPr id="1" name=""/>
+        <p:cNvGrpSpPr/>
+        <p:nvPr/>
+      </p:nvGrpSpPr>
+      <p:grpSpPr>
+        <a:xfrm>
+          <a:off x="0" y="0"/>
+          <a:ext cx="0" cy="0"/>
+          <a:chOff x="0" y="0"/>
+          <a:chExt cx="0" cy="0"/>
+        </a:xfrm>
+      </p:grpSpPr>
+      <p:sp>
+        <p:nvSpPr>
+          <p:cNvPr id="2" name="Title 1"/>
+          <p:cNvSpPr>
+            <a:spLocks noGrp="1"/>
+          </p:cNvSpPr>
+          <p:nvPr>
+            <p:ph type="title"/>
+          </p:nvPr>
+        </p:nvSpPr>
+        <p:spPr/>
+        <p:txBody>
+          <a:bodyPr/>
+          <a:lstStyle/>
+          <a:p>
+            <a:r>
+              <a:rPr lang="en-US" dirty="0" smtClean="0"/>
+              <a:t>CAP options	</a:t>
+            </a:r>
+            <a:endParaRPr lang="en-US" dirty="0"/>
+          </a:p>
+        </p:txBody>
+      </p:sp>
+      <p:sp>
+        <p:nvSpPr>
+          <p:cNvPr id="3" name="Content Placeholder 2"/>
+          <p:cNvSpPr>
+            <a:spLocks noGrp="1"/>
+          </p:cNvSpPr>
+          <p:nvPr>
+            <p:ph idx="1"/>
+          </p:nvPr>
+        </p:nvSpPr>
+        <p:spPr/>
+        <p:txBody>
+          <a:bodyPr>
+            <a:normAutofit fontScale="92500" lnSpcReduction="20000"/>
+          </a:bodyPr>
+          <a:lstStyle/>
+          <a:p>
+            <a:r>
+              <a:rPr lang="en-US" dirty="0" smtClean="0"/>
+              <a:t>CA</a:t>
+            </a:r>
+          </a:p>
+          <a:p>
+            <a:pPr lvl="1"/>
+            <a:r>
+              <a:rPr lang="en-US" dirty="0" smtClean="0"/>
+              <a:t>Traditional databases</a:t>
+            </a:r>
+          </a:p>
+          <a:p>
+            <a:pPr lvl="1"/>
+            <a:r>
+              <a:rPr lang="en-US" dirty="0" smtClean="0"/>
+              <a:t>Cannot be scaled multi-</a:t>
+            </a:r>
+            <a:r>
+              <a:rPr lang="en-US" dirty="0" err="1" smtClean="0"/>
+              <a:t>datacentre</a:t>
+            </a:r>
+            <a:r>
+              <a:rPr lang="en-US" dirty="0" smtClean="0"/>
+              <a:t> or work in cases of high-latency</a:t>
+            </a:r>
+          </a:p>
+          <a:p>
+            <a:r>
+              <a:rPr lang="en-US" dirty="0" smtClean="0"/>
+              <a:t>AP</a:t>
+            </a:r>
+          </a:p>
+          <a:p>
+            <a:pPr lvl="1"/>
+            <a:r>
+              <a:rPr lang="en-US" dirty="0" smtClean="0"/>
+              <a:t>Multi-master </a:t>
+            </a:r>
+            <a:r>
+              <a:rPr lang="en-US" dirty="0" err="1" smtClean="0"/>
+              <a:t>NoSQL</a:t>
+            </a:r>
+            <a:r>
+              <a:rPr lang="en-US" dirty="0" smtClean="0"/>
+              <a:t> databases </a:t>
+            </a:r>
+          </a:p>
+          <a:p>
+            <a:pPr lvl="2"/>
+            <a:r>
+              <a:rPr lang="en-US" dirty="0" smtClean="0"/>
+              <a:t>Dynamo, Cassandra, </a:t>
+            </a:r>
+            <a:r>
+              <a:rPr lang="en-US" dirty="0" err="1" smtClean="0"/>
+              <a:t>CouchDB</a:t>
+            </a:r>
+            <a:endParaRPr lang="en-US" dirty="0" smtClean="0"/>
+          </a:p>
+          <a:p>
+            <a:pPr lvl="2"/>
+            <a:r>
+              <a:rPr lang="en-US" dirty="0" smtClean="0"/>
+              <a:t>Not consistent but work across </a:t>
+            </a:r>
+            <a:r>
+              <a:rPr lang="en-US" dirty="0" err="1" smtClean="0"/>
+              <a:t>datacentres</a:t>
+            </a:r>
+            <a:r>
+              <a:rPr lang="en-US" dirty="0" smtClean="0"/>
+              <a:t> in a highly available model</a:t>
+            </a:r>
+          </a:p>
+          <a:p>
+            <a:r>
+              <a:rPr lang="en-US" dirty="0" smtClean="0"/>
+              <a:t>CP</a:t>
+            </a:r>
+          </a:p>
+          <a:p>
+            <a:pPr lvl="1"/>
+            <a:r>
+              <a:rPr lang="en-US" dirty="0" smtClean="0"/>
+              <a:t>Not a good idea, as not available!</a:t>
+            </a:r>
+            <a:endParaRPr lang="en-US" dirty="0"/>
+          </a:p>
+        </p:txBody>
+      </p:sp>
+    </p:spTree>
+    <p:extLst>
+      <p:ext uri="{BB962C8B-B14F-4D97-AF65-F5344CB8AC3E}">
+        <p14:creationId xmlns:p14="http://schemas.microsoft.com/office/powerpoint/2010/main" val="1264779461"/>
+      </p:ext>
+    </p:extLst>
+  </p:cSld>
+  <p:clrMapOvr>
+    <a:masterClrMapping/>
+  </p:clrMapOvr>
+</p:sld>
+</file>
+
+<file path=ppt/slides/slide36.xml><?xml version="1.0" encoding="utf-8"?>
+<p:sld xmlns:a="http://schemas.openxmlformats.org/drawingml/2006/main" xmlns:r="http://schemas.openxmlformats.org/officeDocument/2006/relationships" xmlns:p="http://schemas.openxmlformats.org/presentationml/2006/main">
+  <p:cSld>
+    <p:spTree>
+      <p:nvGrpSpPr>
+        <p:cNvPr id="1" name=""/>
+        <p:cNvGrpSpPr/>
+        <p:nvPr/>
+      </p:nvGrpSpPr>
+      <p:grpSpPr>
+        <a:xfrm>
+          <a:off x="0" y="0"/>
+          <a:ext cx="0" cy="0"/>
+          <a:chOff x="0" y="0"/>
+          <a:chExt cx="0" cy="0"/>
+        </a:xfrm>
+      </p:grpSpPr>
+      <p:sp>
+        <p:nvSpPr>
+          <p:cNvPr id="2" name="Title 1"/>
+          <p:cNvSpPr>
+            <a:spLocks noGrp="1"/>
+          </p:cNvSpPr>
+          <p:nvPr>
+            <p:ph type="title"/>
+          </p:nvPr>
+        </p:nvSpPr>
+        <p:spPr/>
+        <p:txBody>
+          <a:bodyPr/>
+          <a:lstStyle/>
+          <a:p>
+            <a:r>
+              <a:rPr lang="en-US" dirty="0" smtClean="0"/>
+              <a:t>CAP Theorem</a:t>
+            </a:r>
+            <a:endParaRPr lang="en-US" dirty="0"/>
+          </a:p>
+        </p:txBody>
+      </p:sp>
+      <p:sp>
+        <p:nvSpPr>
+          <p:cNvPr id="3" name="Content Placeholder 2"/>
+          <p:cNvSpPr>
+            <a:spLocks noGrp="1"/>
+          </p:cNvSpPr>
+          <p:nvPr>
+            <p:ph idx="1"/>
+          </p:nvPr>
+        </p:nvSpPr>
+        <p:spPr/>
+        <p:txBody>
+          <a:bodyPr>
+            <a:normAutofit fontScale="92500" lnSpcReduction="10000"/>
+          </a:bodyPr>
+          <a:lstStyle/>
+          <a:p>
+            <a:r>
+              <a:rPr lang="en-US" dirty="0" smtClean="0"/>
+              <a:t>However, the details are important</a:t>
+            </a:r>
+          </a:p>
+          <a:p>
+            <a:pPr lvl="1"/>
+            <a:r>
+              <a:rPr lang="en-US" dirty="0" smtClean="0"/>
+              <a:t>The proof requires some complex definitions of C, A and P</a:t>
+            </a:r>
+          </a:p>
+          <a:p>
+            <a:r>
+              <a:rPr lang="en-US" dirty="0" smtClean="0"/>
+              <a:t>I recommend reading Brewer’s update:</a:t>
+            </a:r>
+          </a:p>
+          <a:p>
+            <a:pPr lvl="1"/>
+            <a:r>
+              <a:rPr lang="en-US" dirty="0">
+                <a:hlinkClick r:id="rId2"/>
+              </a:rPr>
+              <a:t>http://www.infoq.com/articles/cap-twelve-years-later-how-the-rules-have-</a:t>
+            </a:r>
+            <a:r>
+              <a:rPr lang="en-US" dirty="0" smtClean="0">
+                <a:hlinkClick r:id="rId2"/>
+              </a:rPr>
+              <a:t>changed</a:t>
+            </a:r>
+            <a:r>
+              <a:rPr lang="en-US" dirty="0" smtClean="0"/>
+              <a:t> </a:t>
+            </a:r>
+          </a:p>
+          <a:p>
+            <a:pPr lvl="1"/>
+            <a:r>
+              <a:rPr lang="en-US" dirty="0"/>
+              <a:t> </a:t>
+            </a:r>
+            <a:r>
+              <a:rPr lang="en-US" dirty="0" smtClean="0"/>
+              <a:t>“The 2 </a:t>
+            </a:r>
+            <a:r>
+              <a:rPr lang="en-US" dirty="0"/>
+              <a:t>of </a:t>
+            </a:r>
+            <a:r>
+              <a:rPr lang="en-US" dirty="0" smtClean="0"/>
+              <a:t>3 </a:t>
+            </a:r>
+            <a:r>
+              <a:rPr lang="en-US" dirty="0"/>
+              <a:t>formulation was always </a:t>
+            </a:r>
+            <a:r>
+              <a:rPr lang="en-US" dirty="0" smtClean="0"/>
+              <a:t>misleading” </a:t>
+            </a:r>
+          </a:p>
+          <a:p>
+            <a:pPr lvl="1"/>
+            <a:r>
+              <a:rPr lang="en-US" dirty="0" smtClean="0"/>
+              <a:t>“CAP </a:t>
+            </a:r>
+            <a:r>
+              <a:rPr lang="en-US" dirty="0"/>
+              <a:t>prohibits only a tiny part of the design </a:t>
+            </a:r>
+            <a:r>
+              <a:rPr lang="en-US" dirty="0" smtClean="0"/>
+              <a:t>space”</a:t>
+            </a:r>
+            <a:endParaRPr lang="en-US" dirty="0"/>
+          </a:p>
+        </p:txBody>
+      </p:sp>
+    </p:spTree>
+    <p:extLst>
+      <p:ext uri="{BB962C8B-B14F-4D97-AF65-F5344CB8AC3E}">
+        <p14:creationId xmlns:p14="http://schemas.microsoft.com/office/powerpoint/2010/main" val="3866263237"/>
+      </p:ext>
+    </p:extLst>
+  </p:cSld>
+  <p:clrMapOvr>
+    <a:masterClrMapping/>
+  </p:clrMapOvr>
+</p:sld>
+</file>
+
+<file path=ppt/slides/slide37.xml><?xml version="1.0" encoding="utf-8"?>
+<p:sld xmlns:a="http://schemas.openxmlformats.org/drawingml/2006/main" xmlns:r="http://schemas.openxmlformats.org/officeDocument/2006/relationships" xmlns:p="http://schemas.openxmlformats.org/presentationml/2006/main">
+  <p:cSld>
+    <p:spTree>
+      <p:nvGrpSpPr>
+        <p:cNvPr id="1" name=""/>
+        <p:cNvGrpSpPr/>
+        <p:nvPr/>
+      </p:nvGrpSpPr>
+      <p:grpSpPr>
+        <a:xfrm>
+          <a:off x="0" y="0"/>
+          <a:ext cx="0" cy="0"/>
+          <a:chOff x="0" y="0"/>
+          <a:chExt cx="0" cy="0"/>
+        </a:xfrm>
+      </p:grpSpPr>
+      <p:sp>
+        <p:nvSpPr>
+          <p:cNvPr id="2" name="Title 1"/>
+          <p:cNvSpPr>
+            <a:spLocks noGrp="1"/>
+          </p:cNvSpPr>
+          <p:nvPr>
+            <p:ph type="title"/>
+          </p:nvPr>
+        </p:nvSpPr>
+        <p:spPr/>
+        <p:txBody>
+          <a:bodyPr/>
+          <a:lstStyle/>
+          <a:p>
+            <a:r>
+              <a:rPr lang="en-US" dirty="0" smtClean="0"/>
+              <a:t>In real life</a:t>
+            </a:r>
+            <a:endParaRPr lang="en-US" dirty="0"/>
+          </a:p>
+        </p:txBody>
+      </p:sp>
+      <p:sp>
+        <p:nvSpPr>
+          <p:cNvPr id="3" name="Content Placeholder 2"/>
+          <p:cNvSpPr>
+            <a:spLocks noGrp="1"/>
+          </p:cNvSpPr>
+          <p:nvPr>
+            <p:ph idx="1"/>
+          </p:nvPr>
+        </p:nvSpPr>
+        <p:spPr/>
+        <p:txBody>
+          <a:bodyPr/>
+          <a:lstStyle/>
+          <a:p>
+            <a:r>
+              <a:rPr lang="en-US" dirty="0" smtClean="0"/>
+              <a:t>Partitions are rare</a:t>
+            </a:r>
+          </a:p>
+          <a:p>
+            <a:r>
+              <a:rPr lang="en-US" dirty="0" smtClean="0"/>
+              <a:t>So we can implement a strategy:</a:t>
+            </a:r>
+          </a:p>
+          <a:p>
+            <a:pPr lvl="1"/>
+            <a:r>
+              <a:rPr lang="en-US" dirty="0" smtClean="0"/>
+              <a:t>Detect a partition</a:t>
+            </a:r>
+          </a:p>
+          <a:p>
+            <a:pPr lvl="1"/>
+            <a:r>
+              <a:rPr lang="en-US" dirty="0" smtClean="0"/>
+              <a:t>Enter “partition mode”</a:t>
+            </a:r>
+          </a:p>
+          <a:p>
+            <a:pPr lvl="1"/>
+            <a:r>
+              <a:rPr lang="en-US" dirty="0" smtClean="0"/>
+              <a:t>Carry on with inconsistency</a:t>
+            </a:r>
+          </a:p>
+          <a:p>
+            <a:pPr lvl="1"/>
+            <a:r>
+              <a:rPr lang="en-US" dirty="0" smtClean="0"/>
+              <a:t>Recover when partition vanishes</a:t>
+            </a:r>
+          </a:p>
+          <a:p>
+            <a:r>
+              <a:rPr lang="en-US" dirty="0" smtClean="0"/>
+              <a:t>Known as “eventually consistent”</a:t>
+            </a:r>
+            <a:endParaRPr lang="en-US" dirty="0"/>
+          </a:p>
+        </p:txBody>
+      </p:sp>
+    </p:spTree>
+    <p:extLst>
+      <p:ext uri="{BB962C8B-B14F-4D97-AF65-F5344CB8AC3E}">
+        <p14:creationId xmlns:p14="http://schemas.microsoft.com/office/powerpoint/2010/main" val="2252576219"/>
+      </p:ext>
+    </p:extLst>
+  </p:cSld>
+  <p:clrMapOvr>
+    <a:masterClrMapping/>
+  </p:clrMapOvr>
+</p:sld>
+</file>
+
+<file path=ppt/slides/slide38.xml><?xml version="1.0" encoding="utf-8"?>
+<p:sld xmlns:a="http://schemas.openxmlformats.org/drawingml/2006/main" xmlns:r="http://schemas.openxmlformats.org/officeDocument/2006/relationships" xmlns:p="http://schemas.openxmlformats.org/presentationml/2006/main">
+  <p:cSld>
+    <p:spTree>
+      <p:nvGrpSpPr>
+        <p:cNvPr id="1" name=""/>
+        <p:cNvGrpSpPr/>
+        <p:nvPr/>
+      </p:nvGrpSpPr>
+      <p:grpSpPr>
+        <a:xfrm>
+          <a:off x="0" y="0"/>
+          <a:ext cx="0" cy="0"/>
+          <a:chOff x="0" y="0"/>
+          <a:chExt cx="0" cy="0"/>
+        </a:xfrm>
+      </p:grpSpPr>
+      <p:sp>
+        <p:nvSpPr>
+          <p:cNvPr id="2" name="Title 1"/>
+          <p:cNvSpPr>
+            <a:spLocks noGrp="1"/>
+          </p:cNvSpPr>
+          <p:nvPr>
+            <p:ph type="title"/>
+          </p:nvPr>
+        </p:nvSpPr>
+        <p:spPr/>
+        <p:txBody>
+          <a:bodyPr/>
+          <a:lstStyle/>
+          <a:p>
+            <a:r>
+              <a:rPr lang="en-US" dirty="0" smtClean="0"/>
+              <a:t>What does recovery mean?</a:t>
+            </a:r>
+            <a:endParaRPr lang="en-US" dirty="0"/>
+          </a:p>
+        </p:txBody>
+      </p:sp>
+      <p:sp>
+        <p:nvSpPr>
+          <p:cNvPr id="3" name="Content Placeholder 2"/>
+          <p:cNvSpPr>
+            <a:spLocks noGrp="1"/>
+          </p:cNvSpPr>
+          <p:nvPr>
+            <p:ph idx="1"/>
+          </p:nvPr>
+        </p:nvSpPr>
+        <p:spPr/>
+        <p:txBody>
+          <a:bodyPr>
+            <a:normAutofit fontScale="92500" lnSpcReduction="20000"/>
+          </a:bodyPr>
+          <a:lstStyle/>
+          <a:p>
+            <a:r>
+              <a:rPr lang="en-US" dirty="0" smtClean="0"/>
+              <a:t>Depends on your database and requirements</a:t>
+            </a:r>
+          </a:p>
+          <a:p>
+            <a:pPr lvl="1"/>
+            <a:r>
+              <a:rPr lang="en-US" dirty="0" smtClean="0"/>
+              <a:t>E.g. Amazon’s shopping cart is made consistent by creating the union of the inconsistent carts</a:t>
+            </a:r>
+          </a:p>
+          <a:p>
+            <a:pPr lvl="1"/>
+            <a:r>
+              <a:rPr lang="en-US" dirty="0" smtClean="0"/>
+              <a:t>Deleted items may re-appear</a:t>
+            </a:r>
+          </a:p>
+          <a:p>
+            <a:r>
+              <a:rPr lang="en-US" dirty="0" smtClean="0"/>
+              <a:t>Another option is to forbid certain operations during partition mode</a:t>
+            </a:r>
+          </a:p>
+          <a:p>
+            <a:pPr lvl="1"/>
+            <a:r>
+              <a:rPr lang="en-US" dirty="0" smtClean="0"/>
+              <a:t>To make it easier to recover consistency</a:t>
+            </a:r>
+          </a:p>
+          <a:p>
+            <a:r>
+              <a:rPr lang="en-US" dirty="0" smtClean="0"/>
+              <a:t>A simplistic approach would be to go read</a:t>
+            </a:r>
+            <a:r>
+              <a:rPr lang="en-US" smtClean="0"/>
+              <a:t>-only</a:t>
+            </a:r>
+            <a:endParaRPr lang="en-US" dirty="0"/>
+          </a:p>
+        </p:txBody>
+      </p:sp>
+    </p:spTree>
+    <p:extLst>
+      <p:ext uri="{BB962C8B-B14F-4D97-AF65-F5344CB8AC3E}">
+        <p14:creationId xmlns:p14="http://schemas.microsoft.com/office/powerpoint/2010/main" val="783737528"/>
+      </p:ext>
+    </p:extLst>
+  </p:cSld>
+  <p:clrMapOvr>
+    <a:masterClrMapping/>
+  </p:clrMapOvr>
+</p:sld>
+</file>
+
+<file path=ppt/slides/slide39.xml><?xml version="1.0" encoding="utf-8"?>
+<p:sld xmlns:a="http://schemas.openxmlformats.org/drawingml/2006/main" xmlns:r="http://schemas.openxmlformats.org/officeDocument/2006/relationships" xmlns:p="http://schemas.openxmlformats.org/presentationml/2006/main">
+  <p:cSld>
+    <p:spTree>
+      <p:nvGrpSpPr>
+        <p:cNvPr id="1" name=""/>
+        <p:cNvGrpSpPr/>
+        <p:nvPr/>
+      </p:nvGrpSpPr>
+      <p:grpSpPr>
+        <a:xfrm>
+          <a:off x="0" y="0"/>
+          <a:ext cx="0" cy="0"/>
+          <a:chOff x="0" y="0"/>
+          <a:chExt cx="0" cy="0"/>
+        </a:xfrm>
+      </p:grpSpPr>
+      <p:sp>
+        <p:nvSpPr>
+          <p:cNvPr id="2" name="Title 1"/>
+          <p:cNvSpPr>
+            <a:spLocks noGrp="1"/>
+          </p:cNvSpPr>
+          <p:nvPr>
+            <p:ph type="title"/>
+          </p:nvPr>
+        </p:nvSpPr>
+        <p:spPr/>
+        <p:txBody>
+          <a:bodyPr>
+            <a:normAutofit fontScale="90000"/>
+          </a:bodyPr>
+          <a:lstStyle/>
+          <a:p>
+            <a:r>
+              <a:rPr lang="en-US" dirty="0" smtClean="0"/>
+              <a:t>What does that mean in real-life?</a:t>
+            </a:r>
+            <a:endParaRPr lang="en-US" dirty="0"/>
+          </a:p>
+        </p:txBody>
+      </p:sp>
+      <p:sp>
+        <p:nvSpPr>
+          <p:cNvPr id="3" name="Content Placeholder 2"/>
+          <p:cNvSpPr>
+            <a:spLocks noGrp="1"/>
+          </p:cNvSpPr>
+          <p:nvPr>
+            <p:ph idx="1"/>
+          </p:nvPr>
+        </p:nvSpPr>
+        <p:spPr/>
+        <p:txBody>
+          <a:bodyPr/>
+          <a:lstStyle/>
+          <a:p>
+            <a:r>
+              <a:rPr lang="en-US" dirty="0" smtClean="0"/>
+              <a:t>Databases like Cassandra let you “tune” consistency and availability</a:t>
+            </a:r>
+          </a:p>
+          <a:p>
+            <a:pPr lvl="1"/>
+            <a:r>
+              <a:rPr lang="en-US" dirty="0" smtClean="0"/>
+              <a:t>Define the quorum you need for a response</a:t>
+            </a:r>
+          </a:p>
+          <a:p>
+            <a:pPr lvl="1"/>
+            <a:r>
+              <a:rPr lang="en-US" dirty="0" smtClean="0"/>
+              <a:t>Trades off latency </a:t>
+            </a:r>
+            <a:r>
+              <a:rPr lang="en-US" dirty="0" err="1" smtClean="0"/>
+              <a:t>vs</a:t>
+            </a:r>
+            <a:r>
+              <a:rPr lang="en-US" dirty="0" smtClean="0"/>
+              <a:t> consistency</a:t>
+            </a:r>
+          </a:p>
+          <a:p>
+            <a:pPr lvl="2"/>
+            <a:r>
+              <a:rPr lang="en-US" dirty="0" smtClean="0"/>
+              <a:t>Choose an “easy quorum” for guaranteed low latency</a:t>
+            </a:r>
+          </a:p>
+          <a:p>
+            <a:pPr lvl="2"/>
+            <a:r>
+              <a:rPr lang="en-US" dirty="0" smtClean="0"/>
+              <a:t>Choose a “hard quorum” for higher potential latency</a:t>
+            </a:r>
+            <a:endParaRPr lang="en-US" dirty="0"/>
+          </a:p>
+        </p:txBody>
+      </p:sp>
+    </p:spTree>
+    <p:extLst>
+      <p:ext uri="{BB962C8B-B14F-4D97-AF65-F5344CB8AC3E}">
+        <p14:creationId xmlns:p14="http://schemas.microsoft.com/office/powerpoint/2010/main" val="2725510885"/>
+      </p:ext>
+    </p:extLst>
+  </p:cSld>
+  <p:clrMapOvr>
+    <a:masterClrMapping/>
+  </p:clrMapOvr>
+  <p:timing>
+    <p:tnLst>
+      <p:par>
+        <p:cTn xmlns:p14="http://schemas.microsoft.com/office/powerpoint/2010/main" id="1" dur="indefinite" restart="never" nodeType="tmRoot"/>
+      </p:par>
+    </p:tnLst>
+  </p:timing>
 </p:sld>
 </file>
 
@@ -13269,6 +15655,287 @@
   <p:clrMapOvr>
     <a:masterClrMapping/>
   </p:clrMapOvr>
+</p:sld>
+</file>
+
+<file path=ppt/slides/slide40.xml><?xml version="1.0" encoding="utf-8"?>
+<p:sld xmlns:a="http://schemas.openxmlformats.org/drawingml/2006/main" xmlns:r="http://schemas.openxmlformats.org/officeDocument/2006/relationships" xmlns:p="http://schemas.openxmlformats.org/presentationml/2006/main">
+  <p:cSld>
+    <p:spTree>
+      <p:nvGrpSpPr>
+        <p:cNvPr id="1" name=""/>
+        <p:cNvGrpSpPr/>
+        <p:nvPr/>
+      </p:nvGrpSpPr>
+      <p:grpSpPr>
+        <a:xfrm>
+          <a:off x="0" y="0"/>
+          <a:ext cx="0" cy="0"/>
+          <a:chOff x="0" y="0"/>
+          <a:chExt cx="0" cy="0"/>
+        </a:xfrm>
+      </p:grpSpPr>
+      <p:pic>
+        <p:nvPicPr>
+          <p:cNvPr id="7" name="Picture 6"/>
+          <p:cNvPicPr>
+            <a:picLocks noChangeAspect="1"/>
+          </p:cNvPicPr>
+          <p:nvPr/>
+        </p:nvPicPr>
+        <p:blipFill>
+          <a:blip r:embed="rId2"/>
+          <a:stretch>
+            <a:fillRect/>
+          </a:stretch>
+        </p:blipFill>
+        <p:spPr>
+          <a:xfrm>
+            <a:off x="0" y="961726"/>
+            <a:ext cx="9144000" cy="5896274"/>
+          </a:xfrm>
+          <a:prstGeom prst="rect">
+            <a:avLst/>
+          </a:prstGeom>
+        </p:spPr>
+      </p:pic>
+      <p:sp>
+        <p:nvSpPr>
+          <p:cNvPr id="8" name="Title 7"/>
+          <p:cNvSpPr>
+            <a:spLocks noGrp="1"/>
+          </p:cNvSpPr>
+          <p:nvPr>
+            <p:ph type="title"/>
+          </p:nvPr>
+        </p:nvSpPr>
+        <p:spPr/>
+        <p:txBody>
+          <a:bodyPr>
+            <a:normAutofit/>
+          </a:bodyPr>
+          <a:lstStyle/>
+          <a:p>
+            <a:r>
+              <a:rPr lang="en-US" sz="2800" dirty="0" smtClean="0"/>
+              <a:t>Cassandra Quorum Levels (Write)</a:t>
+            </a:r>
+            <a:br>
+              <a:rPr lang="en-US" sz="2800" dirty="0" smtClean="0"/>
+            </a:br>
+            <a:endParaRPr lang="en-US" sz="2800" dirty="0"/>
+          </a:p>
+        </p:txBody>
+      </p:sp>
+    </p:spTree>
+    <p:extLst>
+      <p:ext uri="{BB962C8B-B14F-4D97-AF65-F5344CB8AC3E}">
+        <p14:creationId xmlns:p14="http://schemas.microsoft.com/office/powerpoint/2010/main" val="3004949034"/>
+      </p:ext>
+    </p:extLst>
+  </p:cSld>
+  <p:clrMapOvr>
+    <a:masterClrMapping/>
+  </p:clrMapOvr>
+  <p:timing>
+    <p:tnLst>
+      <p:par>
+        <p:cTn xmlns:p14="http://schemas.microsoft.com/office/powerpoint/2010/main" id="1" dur="indefinite" restart="never" nodeType="tmRoot"/>
+      </p:par>
+    </p:tnLst>
+  </p:timing>
+</p:sld>
+</file>
+
+<file path=ppt/slides/slide41.xml><?xml version="1.0" encoding="utf-8"?>
+<p:sld xmlns:a="http://schemas.openxmlformats.org/drawingml/2006/main" xmlns:r="http://schemas.openxmlformats.org/officeDocument/2006/relationships" xmlns:p="http://schemas.openxmlformats.org/presentationml/2006/main">
+  <p:cSld>
+    <p:spTree>
+      <p:nvGrpSpPr>
+        <p:cNvPr id="1" name=""/>
+        <p:cNvGrpSpPr/>
+        <p:nvPr/>
+      </p:nvGrpSpPr>
+      <p:grpSpPr>
+        <a:xfrm>
+          <a:off x="0" y="0"/>
+          <a:ext cx="0" cy="0"/>
+          <a:chOff x="0" y="0"/>
+          <a:chExt cx="0" cy="0"/>
+        </a:xfrm>
+      </p:grpSpPr>
+      <p:sp>
+        <p:nvSpPr>
+          <p:cNvPr id="2" name="Title 1"/>
+          <p:cNvSpPr>
+            <a:spLocks noGrp="1"/>
+          </p:cNvSpPr>
+          <p:nvPr>
+            <p:ph type="title"/>
+          </p:nvPr>
+        </p:nvSpPr>
+        <p:spPr/>
+        <p:txBody>
+          <a:bodyPr/>
+          <a:lstStyle/>
+          <a:p>
+            <a:r>
+              <a:rPr lang="en-US" dirty="0" smtClean="0"/>
+              <a:t>Summary	</a:t>
+            </a:r>
+            <a:endParaRPr lang="en-US" dirty="0"/>
+          </a:p>
+        </p:txBody>
+      </p:sp>
+      <p:sp>
+        <p:nvSpPr>
+          <p:cNvPr id="3" name="Content Placeholder 2"/>
+          <p:cNvSpPr>
+            <a:spLocks noGrp="1"/>
+          </p:cNvSpPr>
+          <p:nvPr>
+            <p:ph idx="1"/>
+          </p:nvPr>
+        </p:nvSpPr>
+        <p:spPr/>
+        <p:txBody>
+          <a:bodyPr/>
+          <a:lstStyle/>
+          <a:p>
+            <a:r>
+              <a:rPr lang="en-US" dirty="0" smtClean="0"/>
+              <a:t>We have looked at the challenges to scaling on multiple servers</a:t>
+            </a:r>
+          </a:p>
+          <a:p>
+            <a:pPr lvl="1"/>
+            <a:r>
+              <a:rPr lang="en-US" dirty="0" smtClean="0"/>
+              <a:t>Serial </a:t>
+            </a:r>
+            <a:r>
+              <a:rPr lang="en-US" dirty="0" err="1" smtClean="0"/>
+              <a:t>vs</a:t>
+            </a:r>
+            <a:r>
+              <a:rPr lang="en-US" dirty="0" smtClean="0"/>
+              <a:t> Parallel</a:t>
+            </a:r>
+          </a:p>
+          <a:p>
+            <a:pPr lvl="1"/>
+            <a:r>
+              <a:rPr lang="en-US" dirty="0" smtClean="0"/>
+              <a:t>Fixed data </a:t>
+            </a:r>
+            <a:r>
+              <a:rPr lang="en-US" dirty="0" err="1" smtClean="0"/>
+              <a:t>vs</a:t>
+            </a:r>
+            <a:r>
+              <a:rPr lang="en-US" dirty="0" smtClean="0"/>
+              <a:t> growing</a:t>
+            </a:r>
+          </a:p>
+          <a:p>
+            <a:pPr lvl="1"/>
+            <a:r>
+              <a:rPr lang="en-US" dirty="0" smtClean="0"/>
+              <a:t>CAP</a:t>
+            </a:r>
+          </a:p>
+          <a:p>
+            <a:pPr lvl="1"/>
+            <a:r>
+              <a:rPr lang="en-US" dirty="0" smtClean="0"/>
+              <a:t>Eventually Consistent</a:t>
+            </a:r>
+          </a:p>
+          <a:p>
+            <a:pPr marL="457200" lvl="1" indent="0">
+              <a:buNone/>
+            </a:pPr>
+            <a:endParaRPr lang="en-US" dirty="0"/>
+          </a:p>
+        </p:txBody>
+      </p:sp>
+    </p:spTree>
+    <p:extLst>
+      <p:ext uri="{BB962C8B-B14F-4D97-AF65-F5344CB8AC3E}">
+        <p14:creationId xmlns:p14="http://schemas.microsoft.com/office/powerpoint/2010/main" val="1972012395"/>
+      </p:ext>
+    </p:extLst>
+  </p:cSld>
+  <p:clrMapOvr>
+    <a:masterClrMapping/>
+  </p:clrMapOvr>
+  <p:timing>
+    <p:tnLst>
+      <p:par>
+        <p:cTn xmlns:p14="http://schemas.microsoft.com/office/powerpoint/2010/main" id="1" dur="indefinite" restart="never" nodeType="tmRoot"/>
+      </p:par>
+    </p:tnLst>
+  </p:timing>
+</p:sld>
+</file>
+
+<file path=ppt/slides/slide42.xml><?xml version="1.0" encoding="utf-8"?>
+<p:sld xmlns:a="http://schemas.openxmlformats.org/drawingml/2006/main" xmlns:r="http://schemas.openxmlformats.org/officeDocument/2006/relationships" xmlns:p="http://schemas.openxmlformats.org/presentationml/2006/main">
+  <p:cSld>
+    <p:spTree>
+      <p:nvGrpSpPr>
+        <p:cNvPr id="1" name=""/>
+        <p:cNvGrpSpPr/>
+        <p:nvPr/>
+      </p:nvGrpSpPr>
+      <p:grpSpPr>
+        <a:xfrm>
+          <a:off x="0" y="0"/>
+          <a:ext cx="0" cy="0"/>
+          <a:chOff x="0" y="0"/>
+          <a:chExt cx="0" cy="0"/>
+        </a:xfrm>
+      </p:grpSpPr>
+      <p:sp>
+        <p:nvSpPr>
+          <p:cNvPr id="2" name="Title 1"/>
+          <p:cNvSpPr>
+            <a:spLocks noGrp="1"/>
+          </p:cNvSpPr>
+          <p:nvPr>
+            <p:ph type="title"/>
+          </p:nvPr>
+        </p:nvSpPr>
+        <p:spPr/>
+        <p:txBody>
+          <a:bodyPr/>
+          <a:lstStyle/>
+          <a:p>
+            <a:r>
+              <a:rPr lang="en-US" dirty="0" smtClean="0"/>
+              <a:t>Questions?</a:t>
+            </a:r>
+            <a:endParaRPr lang="en-US" dirty="0"/>
+          </a:p>
+        </p:txBody>
+      </p:sp>
+    </p:spTree>
+    <p:extLst>
+      <p:ext uri="{BB962C8B-B14F-4D97-AF65-F5344CB8AC3E}">
+        <p14:creationId xmlns:p14="http://schemas.microsoft.com/office/powerpoint/2010/main" val="3890300920"/>
+      </p:ext>
+    </p:extLst>
+  </p:cSld>
+  <p:clrMapOvr>
+    <a:masterClrMapping/>
+  </p:clrMapOvr>
+  <p:timing>
+    <p:tnLst>
+      <p:par>
+        <p:cTn xmlns:p14="http://schemas.microsoft.com/office/powerpoint/2010/main" id="1" dur="indefinite" restart="never" nodeType="tmRoot"/>
+      </p:par>
+    </p:tnLst>
+  </p:timing>
 </p:sld>
 </file>
 
